--- a/Defensa/transparenciasDefensa.pptx
+++ b/Defensa/transparenciasDefensa.pptx
@@ -44,18 +44,25 @@
       <p:regular r:id="rId30"/>
     </p:embeddedFont>
     <p:embeddedFont>
-      <p:font typeface="Playfair Display" panose="020B0604020202020204" charset="0"/>
+      <p:font typeface="Lora" panose="020B0604020202020204" charset="0"/>
       <p:regular r:id="rId31"/>
       <p:bold r:id="rId32"/>
       <p:italic r:id="rId33"/>
       <p:boldItalic r:id="rId34"/>
     </p:embeddedFont>
     <p:embeddedFont>
-      <p:font typeface="PT Serif" panose="020B0604020202020204" charset="0"/>
+      <p:font typeface="Playfair Display" panose="020B0604020202020204" charset="0"/>
       <p:regular r:id="rId35"/>
       <p:bold r:id="rId36"/>
       <p:italic r:id="rId37"/>
       <p:boldItalic r:id="rId38"/>
+    </p:embeddedFont>
+    <p:embeddedFont>
+      <p:font typeface="PT Serif" panose="020B0604020202020204" charset="0"/>
+      <p:regular r:id="rId39"/>
+      <p:bold r:id="rId40"/>
+      <p:italic r:id="rId41"/>
+      <p:boldItalic r:id="rId42"/>
     </p:embeddedFont>
   </p:embeddedFontLst>
   <p:defaultTextStyle>
@@ -23832,6 +23839,203 @@
           </a:p>
         </p:txBody>
       </p:sp>
+      <p:sp>
+        <p:nvSpPr>
+          <p:cNvPr id="4" name="Google Shape;94;p13">
+            <a:extLst>
+              <a:ext uri="{FF2B5EF4-FFF2-40B4-BE49-F238E27FC236}">
+                <a16:creationId xmlns:a16="http://schemas.microsoft.com/office/drawing/2014/main" id="{CA0A8B44-5A73-40C7-A887-B31C9AE02101}"/>
+              </a:ext>
+            </a:extLst>
+          </p:cNvPr>
+          <p:cNvSpPr txBox="1"/>
+          <p:nvPr/>
+        </p:nvSpPr>
+        <p:spPr>
+          <a:xfrm>
+            <a:off x="385230" y="4007224"/>
+            <a:ext cx="6661029" cy="360767"/>
+          </a:xfrm>
+          <a:prstGeom prst="rect">
+            <a:avLst/>
+          </a:prstGeom>
+          <a:noFill/>
+          <a:ln>
+            <a:noFill/>
+          </a:ln>
+        </p:spPr>
+        <p:txBody>
+          <a:bodyPr spcFirstLastPara="1" wrap="square" lIns="91425" tIns="91425" rIns="91425" bIns="91425" anchor="t" anchorCtr="0">
+            <a:noAutofit/>
+          </a:bodyPr>
+          <a:lstStyle/>
+          <a:p>
+            <a:pPr lvl="0">
+              <a:spcBef>
+                <a:spcPts val="1000"/>
+              </a:spcBef>
+            </a:pPr>
+            <a:r>
+              <a:rPr lang="en" sz="1100" i="1" dirty="0">
+                <a:solidFill>
+                  <a:schemeClr val="bg1"/>
+                </a:solidFill>
+                <a:latin typeface="PT Serif" panose="020B0604020202020204" charset="0"/>
+                <a:ea typeface="Lora"/>
+                <a:cs typeface="Lora"/>
+                <a:sym typeface="Lora"/>
+              </a:rPr>
+              <a:t>Template </a:t>
+            </a:r>
+            <a:r>
+              <a:rPr lang="es-ES" sz="1100" i="1" dirty="0" err="1">
+                <a:solidFill>
+                  <a:schemeClr val="bg1"/>
+                </a:solidFill>
+                <a:latin typeface="PT Serif" panose="020B0604020202020204" charset="0"/>
+                <a:ea typeface="Lora"/>
+                <a:cs typeface="Lora"/>
+                <a:sym typeface="Lora"/>
+              </a:rPr>
+              <a:t>from</a:t>
+            </a:r>
+            <a:r>
+              <a:rPr lang="es-ES" sz="1100" i="1" dirty="0">
+                <a:solidFill>
+                  <a:schemeClr val="bg1"/>
+                </a:solidFill>
+                <a:latin typeface="PT Serif" panose="020B0604020202020204" charset="0"/>
+                <a:ea typeface="Lora"/>
+                <a:cs typeface="Lora"/>
+                <a:sym typeface="Lora"/>
+              </a:rPr>
+              <a:t> </a:t>
+            </a:r>
+            <a:r>
+              <a:rPr lang="es-ES" sz="1100" i="1" dirty="0" err="1">
+                <a:solidFill>
+                  <a:schemeClr val="bg1"/>
+                </a:solidFill>
+                <a:latin typeface="PT Serif" panose="020B0604020202020204" charset="0"/>
+                <a:ea typeface="Lora"/>
+                <a:cs typeface="Lora"/>
+                <a:sym typeface="Lora"/>
+              </a:rPr>
+              <a:t>SlidesCarnival</a:t>
+            </a:r>
+            <a:r>
+              <a:rPr lang="es-ES" sz="1100" i="1" dirty="0">
+                <a:solidFill>
+                  <a:schemeClr val="bg1"/>
+                </a:solidFill>
+                <a:latin typeface="PT Serif" panose="020B0604020202020204" charset="0"/>
+                <a:ea typeface="Lora"/>
+                <a:cs typeface="Lora"/>
+                <a:sym typeface="Lora"/>
+              </a:rPr>
+              <a:t>: </a:t>
+            </a:r>
+            <a:r>
+              <a:rPr lang="es-ES" sz="1100" b="1" i="1" u="sng" dirty="0">
+                <a:solidFill>
+                  <a:schemeClr val="bg1"/>
+                </a:solidFill>
+                <a:latin typeface="PT Serif" panose="020B0604020202020204" charset="0"/>
+                <a:hlinkClick r:id="rId2">
+                  <a:extLst>
+                    <a:ext uri="{A12FA001-AC4F-418D-AE19-62706E023703}">
+                      <ahyp:hlinkClr xmlns:ahyp="http://schemas.microsoft.com/office/drawing/2018/hyperlinkcolor" val="tx"/>
+                    </a:ext>
+                  </a:extLst>
+                </a:hlinkClick>
+              </a:rPr>
+              <a:t>https://www.slidescarnival.com/viola-free-presentation-template/414</a:t>
+            </a:r>
+            <a:r>
+              <a:rPr lang="en" sz="1100" b="1" i="1" u="sng" dirty="0">
+                <a:solidFill>
+                  <a:schemeClr val="bg1"/>
+                </a:solidFill>
+                <a:latin typeface="PT Serif" panose="020B0604020202020204" charset="0"/>
+                <a:sym typeface="Lora"/>
+              </a:rPr>
+              <a:t> </a:t>
+            </a:r>
+          </a:p>
+          <a:p>
+            <a:pPr lvl="0">
+              <a:spcBef>
+                <a:spcPts val="1000"/>
+              </a:spcBef>
+            </a:pPr>
+            <a:r>
+              <a:rPr lang="en" sz="1100" i="1" u="sng" dirty="0">
+                <a:solidFill>
+                  <a:schemeClr val="bg1"/>
+                </a:solidFill>
+                <a:latin typeface="PT Serif" panose="020B0604020202020204" charset="0"/>
+                <a:ea typeface="Lora"/>
+                <a:cs typeface="Lora"/>
+                <a:sym typeface="Lora"/>
+                <a:hlinkClick r:id="rId3">
+                  <a:extLst>
+                    <a:ext uri="{A12FA001-AC4F-418D-AE19-62706E023703}">
+                      <ahyp:hlinkClr xmlns:ahyp="http://schemas.microsoft.com/office/drawing/2018/hyperlinkcolor" val="tx"/>
+                    </a:ext>
+                  </a:extLst>
+                </a:hlinkClick>
+              </a:rPr>
+              <a:t>Creative Commons Attribution license</a:t>
+            </a:r>
+            <a:r>
+              <a:rPr lang="en" sz="1100" i="1" dirty="0">
+                <a:solidFill>
+                  <a:schemeClr val="bg1"/>
+                </a:solidFill>
+                <a:latin typeface="PT Serif" panose="020B0604020202020204" charset="0"/>
+                <a:ea typeface="Lora"/>
+                <a:cs typeface="Lora"/>
+                <a:sym typeface="Lora"/>
+              </a:rPr>
+              <a:t>. </a:t>
+            </a:r>
+          </a:p>
+          <a:p>
+            <a:pPr marL="0" lvl="0" indent="0" algn="l" rtl="0">
+              <a:spcBef>
+                <a:spcPts val="1000"/>
+              </a:spcBef>
+              <a:spcAft>
+                <a:spcPts val="0"/>
+              </a:spcAft>
+              <a:buNone/>
+            </a:pPr>
+            <a:endParaRPr sz="1100" i="1" dirty="0">
+              <a:latin typeface="Lora"/>
+              <a:ea typeface="Lora"/>
+              <a:cs typeface="Lora"/>
+              <a:sym typeface="Lora"/>
+            </a:endParaRPr>
+          </a:p>
+          <a:p>
+            <a:pPr marL="0" lvl="0" indent="0" algn="l" rtl="0">
+              <a:spcBef>
+                <a:spcPts val="1000"/>
+              </a:spcBef>
+              <a:spcAft>
+                <a:spcPts val="1000"/>
+              </a:spcAft>
+              <a:buNone/>
+            </a:pPr>
+            <a:endParaRPr sz="1100" i="1" dirty="0">
+              <a:latin typeface="Lora"/>
+              <a:ea typeface="Lora"/>
+              <a:cs typeface="Lora"/>
+              <a:sym typeface="Lora"/>
+            </a:endParaRPr>
+          </a:p>
+        </p:txBody>
+      </p:sp>
     </p:spTree>
     <p:extLst>
       <p:ext uri="{BB962C8B-B14F-4D97-AF65-F5344CB8AC3E}">

--- a/Defensa/transparenciasDefensa.pptx
+++ b/Defensa/transparenciasDefensa.pptx
@@ -16804,8 +16804,8 @@
         </p:blipFill>
         <p:spPr>
           <a:xfrm>
-            <a:off x="870138" y="1470212"/>
-            <a:ext cx="3288349" cy="1145515"/>
+            <a:off x="870138" y="1312252"/>
+            <a:ext cx="3741794" cy="1303475"/>
           </a:xfrm>
           <a:prstGeom prst="rect">
             <a:avLst/>
@@ -17113,7 +17113,7 @@
         <p:spPr>
           <a:xfrm>
             <a:off x="5809130" y="3126639"/>
-            <a:ext cx="1963270" cy="307777"/>
+            <a:ext cx="1963270" cy="276999"/>
           </a:xfrm>
           <a:prstGeom prst="rect">
             <a:avLst/>
@@ -17127,7 +17127,7 @@
           <a:lstStyle/>
           <a:p>
             <a:r>
-              <a:rPr lang="es-ES" dirty="0">
+              <a:rPr lang="es-ES" sz="1200" dirty="0">
                 <a:latin typeface="PT Serif" panose="020B0604020202020204" charset="0"/>
               </a:rPr>
               <a:t>Modelo adimensional</a:t>
@@ -23936,7 +23936,7 @@
               <a:t>: </a:t>
             </a:r>
             <a:r>
-              <a:rPr lang="es-ES" sz="1100" b="1" i="1" u="sng" dirty="0">
+              <a:rPr lang="es-ES" sz="1100" b="1" i="1" dirty="0">
                 <a:solidFill>
                   <a:schemeClr val="bg1"/>
                 </a:solidFill>
@@ -23949,18 +23949,14 @@
                   </a:extLst>
                 </a:hlinkClick>
               </a:rPr>
-              <a:t>https://www.slidescarnival.com/viola-free-presentation-template/414</a:t>
+              <a:t>https://www.slidescarnival.com/portia-free-presentation-template/135</a:t>
             </a:r>
-            <a:r>
-              <a:rPr lang="en" sz="1100" b="1" i="1" u="sng" dirty="0">
-                <a:solidFill>
-                  <a:schemeClr val="bg1"/>
-                </a:solidFill>
-                <a:latin typeface="PT Serif" panose="020B0604020202020204" charset="0"/>
-                <a:sym typeface="Lora"/>
-              </a:rPr>
-              <a:t> </a:t>
-            </a:r>
+            <a:endParaRPr lang="es-ES" sz="1100" b="1" i="1" dirty="0">
+              <a:solidFill>
+                <a:schemeClr val="bg1"/>
+              </a:solidFill>
+              <a:latin typeface="PT Serif" panose="020B0604020202020204" charset="0"/>
+            </a:endParaRPr>
           </a:p>
           <a:p>
             <a:pPr lvl="0">
@@ -24011,6 +24007,9 @@
               <a:buNone/>
             </a:pPr>
             <a:endParaRPr sz="1100" i="1" dirty="0">
+              <a:solidFill>
+                <a:schemeClr val="bg1"/>
+              </a:solidFill>
               <a:latin typeface="Lora"/>
               <a:ea typeface="Lora"/>
               <a:cs typeface="Lora"/>

--- a/Defensa/transparenciasDefensa.pptx
+++ b/Defensa/transparenciasDefensa.pptx
@@ -6995,6 +6995,40 @@
           </a:bodyPr>
           <a:lstStyle/>
           <a:p>
+            <a:pPr marL="0" marR="0" lvl="0" indent="0" algn="l" defTabSz="914400" rtl="0" eaLnBrk="1" fontAlgn="auto" latinLnBrk="0" hangingPunct="1">
+              <a:lnSpc>
+                <a:spcPct val="100000"/>
+              </a:lnSpc>
+              <a:spcBef>
+                <a:spcPts val="0"/>
+              </a:spcBef>
+              <a:spcAft>
+                <a:spcPts val="0"/>
+              </a:spcAft>
+              <a:buClr>
+                <a:srgbClr val="000000"/>
+              </a:buClr>
+              <a:buSzPts val="1400"/>
+              <a:buFont typeface="Arial"/>
+              <a:buNone/>
+              <a:tabLst/>
+              <a:defRPr/>
+            </a:pPr>
+            <a:r>
+              <a:rPr lang="es-ES" sz="1100" b="0" i="0" u="none" strike="noStrike" cap="none" dirty="0">
+                <a:solidFill>
+                  <a:srgbClr val="000000"/>
+                </a:solidFill>
+                <a:effectLst/>
+                <a:latin typeface="Arial"/>
+                <a:ea typeface="Arial"/>
+                <a:cs typeface="Arial"/>
+                <a:sym typeface="Arial"/>
+              </a:rPr>
+              <a:t>A continuación, veremos cómo se ha implementado el modelo y varios ejemplos de ejecución.</a:t>
+            </a:r>
+          </a:p>
+          <a:p>
             <a:pPr marL="0" lvl="0" indent="0" algn="l" rtl="0">
               <a:spcBef>
                 <a:spcPts val="0"/>
@@ -7004,7 +7038,7 @@
               </a:spcAft>
               <a:buNone/>
             </a:pPr>
-            <a:endParaRPr/>
+            <a:endParaRPr dirty="0"/>
           </a:p>
         </p:txBody>
       </p:sp>
@@ -7022,6 +7056,285 @@
 </file>
 
 <file path=ppt/notesSlides/notesSlide11.xml><?xml version="1.0" encoding="utf-8"?>
+<p:notes xmlns:a="http://schemas.openxmlformats.org/drawingml/2006/main" xmlns:r="http://schemas.openxmlformats.org/officeDocument/2006/relationships" xmlns:p="http://schemas.openxmlformats.org/presentationml/2006/main">
+  <p:cSld>
+    <p:spTree>
+      <p:nvGrpSpPr>
+        <p:cNvPr id="1" name=""/>
+        <p:cNvGrpSpPr/>
+        <p:nvPr/>
+      </p:nvGrpSpPr>
+      <p:grpSpPr>
+        <a:xfrm>
+          <a:off x="0" y="0"/>
+          <a:ext cx="0" cy="0"/>
+          <a:chOff x="0" y="0"/>
+          <a:chExt cx="0" cy="0"/>
+        </a:xfrm>
+      </p:grpSpPr>
+      <p:sp>
+        <p:nvSpPr>
+          <p:cNvPr id="2" name="Marcador de imagen de diapositiva 1"/>
+          <p:cNvSpPr>
+            <a:spLocks noGrp="1" noRot="1" noChangeAspect="1"/>
+          </p:cNvSpPr>
+          <p:nvPr>
+            <p:ph type="sldImg"/>
+          </p:nvPr>
+        </p:nvSpPr>
+        <p:spPr>
+          <a:xfrm>
+            <a:off x="381000" y="685800"/>
+            <a:ext cx="6096000" cy="3429000"/>
+          </a:xfrm>
+        </p:spPr>
+      </p:sp>
+      <p:sp>
+        <p:nvSpPr>
+          <p:cNvPr id="3" name="Marcador de notas 2"/>
+          <p:cNvSpPr>
+            <a:spLocks noGrp="1"/>
+          </p:cNvSpPr>
+          <p:nvPr>
+            <p:ph type="body" idx="1"/>
+          </p:nvPr>
+        </p:nvSpPr>
+        <p:spPr/>
+        <p:txBody>
+          <a:bodyPr/>
+          <a:lstStyle/>
+          <a:p>
+            <a:r>
+              <a:rPr lang="es-ES" sz="1100" b="0" i="0" u="none" strike="noStrike" cap="none" dirty="0">
+                <a:solidFill>
+                  <a:srgbClr val="000000"/>
+                </a:solidFill>
+                <a:effectLst/>
+                <a:latin typeface="Arial"/>
+                <a:ea typeface="Arial"/>
+                <a:cs typeface="Arial"/>
+                <a:sym typeface="Arial"/>
+              </a:rPr>
+              <a:t>Para las simulaciones se ha optado por una versión simplificada del modelo, donde el número de receptores es 2. </a:t>
+            </a:r>
+          </a:p>
+          <a:p>
+            <a:r>
+              <a:rPr lang="es-ES" sz="1100" b="0" i="0" u="none" strike="noStrike" cap="none" dirty="0">
+                <a:solidFill>
+                  <a:srgbClr val="000000"/>
+                </a:solidFill>
+                <a:effectLst/>
+                <a:latin typeface="Arial"/>
+                <a:ea typeface="Arial"/>
+                <a:cs typeface="Arial"/>
+                <a:sym typeface="Arial"/>
+              </a:rPr>
+              <a:t>Es decir, suponemos que hay dos tipos de receptores en la membrana de las células T: p (de proliferación) y d (de muerte) que controlan la evolución de los inhibidores de ciclo (Rb) y apoptosis (Bcl-2), respectivamente.</a:t>
+            </a:r>
+          </a:p>
+          <a:p>
+            <a:r>
+              <a:rPr lang="es-ES" sz="1100" b="0" i="0" u="none" strike="noStrike" cap="none" dirty="0">
+                <a:solidFill>
+                  <a:srgbClr val="000000"/>
+                </a:solidFill>
+                <a:effectLst/>
+                <a:latin typeface="Arial"/>
+                <a:ea typeface="Arial"/>
+                <a:cs typeface="Arial"/>
+                <a:sym typeface="Arial"/>
+              </a:rPr>
+              <a:t>Las células T efectoras y de memoria constituyen poblaciones distintas, pues las ecuaciones que determinan su comportamiento son diferentes. Para el caso de las células T de memoria hay que tener en cuenta que este tipo de células no muere durante la contracción clonal, lo que implica d=0, nos centramos solamente en el inhibidor del ciclo celular y no en el de muerte.</a:t>
+            </a:r>
+          </a:p>
+          <a:p>
+            <a:endParaRPr lang="es-ES" dirty="0"/>
+          </a:p>
+        </p:txBody>
+      </p:sp>
+    </p:spTree>
+    <p:extLst>
+      <p:ext uri="{BB962C8B-B14F-4D97-AF65-F5344CB8AC3E}">
+        <p14:creationId xmlns:p14="http://schemas.microsoft.com/office/powerpoint/2010/main" val="33663018"/>
+      </p:ext>
+    </p:extLst>
+  </p:cSld>
+  <p:clrMapOvr>
+    <a:masterClrMapping/>
+  </p:clrMapOvr>
+</p:notes>
+</file>
+
+<file path=ppt/notesSlides/notesSlide12.xml><?xml version="1.0" encoding="utf-8"?>
+<p:notes xmlns:a="http://schemas.openxmlformats.org/drawingml/2006/main" xmlns:r="http://schemas.openxmlformats.org/officeDocument/2006/relationships" xmlns:p="http://schemas.openxmlformats.org/presentationml/2006/main">
+  <p:cSld>
+    <p:spTree>
+      <p:nvGrpSpPr>
+        <p:cNvPr id="1" name=""/>
+        <p:cNvGrpSpPr/>
+        <p:nvPr/>
+      </p:nvGrpSpPr>
+      <p:grpSpPr>
+        <a:xfrm>
+          <a:off x="0" y="0"/>
+          <a:ext cx="0" cy="0"/>
+          <a:chOff x="0" y="0"/>
+          <a:chExt cx="0" cy="0"/>
+        </a:xfrm>
+      </p:grpSpPr>
+      <p:sp>
+        <p:nvSpPr>
+          <p:cNvPr id="2" name="Marcador de imagen de diapositiva 1"/>
+          <p:cNvSpPr>
+            <a:spLocks noGrp="1" noRot="1" noChangeAspect="1"/>
+          </p:cNvSpPr>
+          <p:nvPr>
+            <p:ph type="sldImg"/>
+          </p:nvPr>
+        </p:nvSpPr>
+        <p:spPr>
+          <a:xfrm>
+            <a:off x="381000" y="685800"/>
+            <a:ext cx="6096000" cy="3429000"/>
+          </a:xfrm>
+        </p:spPr>
+      </p:sp>
+      <p:sp>
+        <p:nvSpPr>
+          <p:cNvPr id="3" name="Marcador de notas 2"/>
+          <p:cNvSpPr>
+            <a:spLocks noGrp="1"/>
+          </p:cNvSpPr>
+          <p:nvPr>
+            <p:ph type="body" idx="1"/>
+          </p:nvPr>
+        </p:nvSpPr>
+        <p:spPr/>
+        <p:txBody>
+          <a:bodyPr/>
+          <a:lstStyle/>
+          <a:p>
+            <a:pPr lvl="0"/>
+            <a:r>
+              <a:rPr lang="es-ES" sz="1100" b="0" i="0" u="none" strike="noStrike" cap="none" dirty="0">
+                <a:solidFill>
+                  <a:srgbClr val="000000"/>
+                </a:solidFill>
+                <a:effectLst/>
+                <a:latin typeface="Arial"/>
+                <a:ea typeface="Arial"/>
+                <a:cs typeface="Arial"/>
+                <a:sym typeface="Arial"/>
+              </a:rPr>
+              <a:t>Comenzamos la simulación en un tiempo inicial t = 0 y acabamos en un tiempo final </a:t>
+            </a:r>
+            <a:r>
+              <a:rPr lang="es-ES" sz="1100" b="0" i="0" u="none" strike="noStrike" cap="none" dirty="0" err="1">
+                <a:solidFill>
+                  <a:srgbClr val="000000"/>
+                </a:solidFill>
+                <a:effectLst/>
+                <a:latin typeface="Arial"/>
+                <a:ea typeface="Arial"/>
+                <a:cs typeface="Arial"/>
+                <a:sym typeface="Arial"/>
+              </a:rPr>
+              <a:t>Tfinal</a:t>
+            </a:r>
+            <a:r>
+              <a:rPr lang="es-ES" sz="1100" b="0" i="0" u="none" strike="noStrike" cap="none" dirty="0">
+                <a:solidFill>
+                  <a:srgbClr val="000000"/>
+                </a:solidFill>
+                <a:effectLst/>
+                <a:latin typeface="Arial"/>
+                <a:ea typeface="Arial"/>
+                <a:cs typeface="Arial"/>
+                <a:sym typeface="Arial"/>
+              </a:rPr>
+              <a:t> configurable.</a:t>
+            </a:r>
+          </a:p>
+          <a:p>
+            <a:pPr lvl="0"/>
+            <a:r>
+              <a:rPr lang="es-ES" sz="1100" b="0" i="0" u="none" strike="noStrike" cap="none" dirty="0">
+                <a:solidFill>
+                  <a:srgbClr val="000000"/>
+                </a:solidFill>
+                <a:effectLst/>
+                <a:latin typeface="Arial"/>
+                <a:ea typeface="Arial"/>
+                <a:cs typeface="Arial"/>
+                <a:sym typeface="Arial"/>
+              </a:rPr>
+              <a:t>Para cada tiempo t, se calcula la cantidad de patógeno disponible, Y .</a:t>
+            </a:r>
+          </a:p>
+          <a:p>
+            <a:pPr lvl="0"/>
+            <a:r>
+              <a:rPr lang="es-ES" sz="1100" b="0" i="0" u="none" strike="noStrike" cap="none" dirty="0">
+                <a:solidFill>
+                  <a:srgbClr val="000000"/>
+                </a:solidFill>
+                <a:effectLst/>
+                <a:latin typeface="Arial"/>
+                <a:ea typeface="Arial"/>
+                <a:cs typeface="Arial"/>
+                <a:sym typeface="Arial"/>
+              </a:rPr>
+              <a:t>En función de Y , y para cada célula T de la población, se calcula la cantidad de patógeno que está a su alcance y se resuelve el sistema de ecuaciones correspondiente para conocer la cantidad de Rb (c) y Bcl-2 (a) activa en ese instante. En función de esto se desencadena la división celular, si c = 0, o el suicidio de la célula, si a = 0.</a:t>
+            </a:r>
+            <a:br>
+              <a:rPr lang="es-ES" sz="1100" b="0" i="0" u="none" strike="noStrike" cap="none" dirty="0">
+                <a:solidFill>
+                  <a:srgbClr val="000000"/>
+                </a:solidFill>
+                <a:effectLst/>
+                <a:latin typeface="Arial"/>
+                <a:ea typeface="Arial"/>
+                <a:cs typeface="Arial"/>
+                <a:sym typeface="Arial"/>
+              </a:rPr>
+            </a:br>
+            <a:r>
+              <a:rPr lang="es-ES" sz="1100" b="0" i="0" u="none" strike="noStrike" cap="none" dirty="0">
+                <a:solidFill>
+                  <a:srgbClr val="000000"/>
+                </a:solidFill>
+                <a:effectLst/>
+                <a:latin typeface="Arial"/>
+                <a:ea typeface="Arial"/>
+                <a:cs typeface="Arial"/>
+                <a:sym typeface="Arial"/>
+              </a:rPr>
+              <a:t>En otro caso la célula seguirá en fase de decisión y volverá a calcular a y c en la siguiente iteración en base a la cantidad obtenida en la actual.</a:t>
+            </a:r>
+          </a:p>
+          <a:p>
+            <a:pPr marL="139700" indent="0">
+              <a:buNone/>
+            </a:pPr>
+            <a:endParaRPr lang="es-ES" dirty="0"/>
+          </a:p>
+        </p:txBody>
+      </p:sp>
+    </p:spTree>
+    <p:extLst>
+      <p:ext uri="{BB962C8B-B14F-4D97-AF65-F5344CB8AC3E}">
+        <p14:creationId xmlns:p14="http://schemas.microsoft.com/office/powerpoint/2010/main" val="2437333882"/>
+      </p:ext>
+    </p:extLst>
+  </p:cSld>
+  <p:clrMapOvr>
+    <a:masterClrMapping/>
+  </p:clrMapOvr>
+</p:notes>
+</file>
+
+<file path=ppt/notesSlides/notesSlide13.xml><?xml version="1.0" encoding="utf-8"?>
 <p:notes xmlns:a="http://schemas.openxmlformats.org/drawingml/2006/main" xmlns:r="http://schemas.openxmlformats.org/officeDocument/2006/relationships" xmlns:p="http://schemas.openxmlformats.org/presentationml/2006/main" showMasterSp="0" showMasterPhAnim="0">
   <p:cSld>
     <p:spTree>
@@ -7130,7 +7443,7 @@
 </p:notes>
 </file>
 
-<file path=ppt/notesSlides/notesSlide12.xml><?xml version="1.0" encoding="utf-8"?>
+<file path=ppt/notesSlides/notesSlide14.xml><?xml version="1.0" encoding="utf-8"?>
 <p:notes xmlns:a="http://schemas.openxmlformats.org/drawingml/2006/main" xmlns:r="http://schemas.openxmlformats.org/officeDocument/2006/relationships" xmlns:p="http://schemas.openxmlformats.org/presentationml/2006/main" showMasterSp="0" showMasterPhAnim="0">
   <p:cSld>
     <p:spTree>
@@ -7239,7 +7552,7 @@
 </p:notes>
 </file>
 
-<file path=ppt/notesSlides/notesSlide13.xml><?xml version="1.0" encoding="utf-8"?>
+<file path=ppt/notesSlides/notesSlide15.xml><?xml version="1.0" encoding="utf-8"?>
 <p:notes xmlns:a="http://schemas.openxmlformats.org/drawingml/2006/main" xmlns:r="http://schemas.openxmlformats.org/officeDocument/2006/relationships" xmlns:p="http://schemas.openxmlformats.org/presentationml/2006/main" showMasterSp="0" showMasterPhAnim="0">
   <p:cSld>
     <p:spTree>
@@ -7431,6 +7744,40 @@
           </a:bodyPr>
           <a:lstStyle/>
           <a:p>
+            <a:pPr marL="0" marR="0" lvl="0" indent="0" algn="l" defTabSz="914400" rtl="0" eaLnBrk="1" fontAlgn="auto" latinLnBrk="0" hangingPunct="1">
+              <a:lnSpc>
+                <a:spcPct val="100000"/>
+              </a:lnSpc>
+              <a:spcBef>
+                <a:spcPts val="0"/>
+              </a:spcBef>
+              <a:spcAft>
+                <a:spcPts val="0"/>
+              </a:spcAft>
+              <a:buClr>
+                <a:srgbClr val="000000"/>
+              </a:buClr>
+              <a:buSzPts val="1400"/>
+              <a:buFont typeface="Arial"/>
+              <a:buNone/>
+              <a:tabLst/>
+              <a:defRPr/>
+            </a:pPr>
+            <a:r>
+              <a:rPr lang="es-ES" sz="1100" b="0" i="0" u="none" strike="noStrike" cap="none" dirty="0">
+                <a:solidFill>
+                  <a:srgbClr val="000000"/>
+                </a:solidFill>
+                <a:effectLst/>
+                <a:latin typeface="Arial"/>
+                <a:ea typeface="Arial"/>
+                <a:cs typeface="Arial"/>
+                <a:sym typeface="Arial"/>
+              </a:rPr>
+              <a:t>A continuación, daremos unas nociones básicas sobre los conceptos biológicos que fundamentan este trabajo. </a:t>
+            </a:r>
+          </a:p>
+          <a:p>
             <a:pPr marL="0" lvl="0" indent="0" algn="l" rtl="0">
               <a:spcBef>
                 <a:spcPts val="0"/>
@@ -7440,7 +7787,7 @@
               </a:spcAft>
               <a:buNone/>
             </a:pPr>
-            <a:endParaRPr/>
+            <a:endParaRPr dirty="0"/>
           </a:p>
         </p:txBody>
       </p:sp>
@@ -7540,6 +7887,67 @@
           </a:bodyPr>
           <a:lstStyle/>
           <a:p>
+            <a:pPr marL="0" marR="0" lvl="0" indent="0" algn="l" defTabSz="914400" rtl="0" eaLnBrk="1" fontAlgn="auto" latinLnBrk="0" hangingPunct="1">
+              <a:lnSpc>
+                <a:spcPct val="100000"/>
+              </a:lnSpc>
+              <a:spcBef>
+                <a:spcPts val="0"/>
+              </a:spcBef>
+              <a:spcAft>
+                <a:spcPts val="0"/>
+              </a:spcAft>
+              <a:buClr>
+                <a:srgbClr val="000000"/>
+              </a:buClr>
+              <a:buSzPts val="1400"/>
+              <a:buFont typeface="Arial"/>
+              <a:buNone/>
+              <a:tabLst/>
+              <a:defRPr/>
+            </a:pPr>
+            <a:endParaRPr lang="es-ES" sz="1100" b="0" i="0" u="none" strike="noStrike" cap="none" dirty="0">
+              <a:solidFill>
+                <a:srgbClr val="000000"/>
+              </a:solidFill>
+              <a:effectLst/>
+              <a:latin typeface="Arial"/>
+              <a:ea typeface="Arial"/>
+              <a:cs typeface="Arial"/>
+              <a:sym typeface="Arial"/>
+            </a:endParaRPr>
+          </a:p>
+          <a:p>
+            <a:r>
+              <a:rPr lang="es-ES" sz="1100" b="0" i="0" u="none" strike="noStrike" cap="none" dirty="0">
+                <a:solidFill>
+                  <a:srgbClr val="000000"/>
+                </a:solidFill>
+                <a:effectLst/>
+                <a:latin typeface="Arial"/>
+                <a:ea typeface="Arial"/>
+                <a:cs typeface="Arial"/>
+                <a:sym typeface="Arial"/>
+              </a:rPr>
+              <a:t>El sistema inmune está compuesto por diversos agentes que trabajan de forma coordinada para dar una respuesta eficaz y proporcional al ataque recibido. </a:t>
+            </a:r>
+          </a:p>
+          <a:p>
+            <a:r>
+              <a:rPr lang="es-ES" sz="1100" b="0" i="0" u="none" strike="noStrike" cap="none" dirty="0">
+                <a:solidFill>
+                  <a:srgbClr val="000000"/>
+                </a:solidFill>
+                <a:effectLst/>
+                <a:latin typeface="Arial"/>
+                <a:ea typeface="Arial"/>
+                <a:cs typeface="Arial"/>
+                <a:sym typeface="Arial"/>
+              </a:rPr>
+              <a:t>Los componentes del sistema inmune innato se encargan de defendernos cuando el agente infeccioso se encuentra en el medio extracelular, mientras que los del adaptativo comienzan a trabajar cuando el patógeno ha conseguido penetrar en las células de nuestro organismo. A lo largo de este trabajo nos centraremos en el papel que juegan las células T durante la respuesta inmune.</a:t>
+            </a:r>
+          </a:p>
+          <a:p>
             <a:pPr marL="0" lvl="0" indent="0" algn="l" rtl="0">
               <a:spcBef>
                 <a:spcPts val="0"/>
@@ -7549,7 +7957,7 @@
               </a:spcAft>
               <a:buNone/>
             </a:pPr>
-            <a:endParaRPr/>
+            <a:endParaRPr dirty="0"/>
           </a:p>
         </p:txBody>
       </p:sp>
@@ -7649,6 +8057,62 @@
           </a:bodyPr>
           <a:lstStyle/>
           <a:p>
+            <a:r>
+              <a:rPr lang="es-ES" sz="1100" b="0" i="0" u="none" strike="noStrike" cap="none" dirty="0">
+                <a:solidFill>
+                  <a:srgbClr val="000000"/>
+                </a:solidFill>
+                <a:effectLst/>
+                <a:latin typeface="Arial"/>
+                <a:ea typeface="Arial"/>
+                <a:cs typeface="Arial"/>
+                <a:sym typeface="Arial"/>
+              </a:rPr>
+              <a:t>Cuando una célula presentadora de antígeno, como el macrófago de la figura,  ha sido infectada (animación 1) transporta a la superficie celular ciertas proteínas del microorganismo infeccioso, conocidas como antígenos. Gracias a su receptor de membrana (TCR) las células T </a:t>
+            </a:r>
+            <a:r>
+              <a:rPr lang="es-ES" sz="1100" b="0" i="1" u="none" strike="noStrike" cap="none" dirty="0" err="1">
+                <a:solidFill>
+                  <a:srgbClr val="000000"/>
+                </a:solidFill>
+                <a:effectLst/>
+                <a:latin typeface="Arial"/>
+                <a:ea typeface="Arial"/>
+                <a:cs typeface="Arial"/>
+                <a:sym typeface="Arial"/>
+              </a:rPr>
+              <a:t>helper</a:t>
+            </a:r>
+            <a:r>
+              <a:rPr lang="es-ES" sz="1100" b="0" i="0" u="none" strike="noStrike" cap="none" dirty="0">
+                <a:solidFill>
+                  <a:srgbClr val="000000"/>
+                </a:solidFill>
+                <a:effectLst/>
+                <a:latin typeface="Arial"/>
+                <a:ea typeface="Arial"/>
+                <a:cs typeface="Arial"/>
+                <a:sym typeface="Arial"/>
+              </a:rPr>
+              <a:t> pueden reconocer aquellas células que han sido infectadas, mediante un proceso que se conoce como sinapsis inmunológica. Tras ello, este tipo de células T secretan ciertas proteínas que favorecen la proliferación de células T efectoras, que son las encargadas de eliminar a las células infectadas, una vez que se activan dejando atrás su estado naïve.</a:t>
+            </a:r>
+          </a:p>
+          <a:p>
+            <a:r>
+              <a:rPr lang="es-ES" sz="1100" b="0" i="0" u="none" strike="noStrike" cap="none" dirty="0">
+                <a:solidFill>
+                  <a:srgbClr val="000000"/>
+                </a:solidFill>
+                <a:effectLst/>
+                <a:latin typeface="Arial"/>
+                <a:ea typeface="Arial"/>
+                <a:cs typeface="Arial"/>
+                <a:sym typeface="Arial"/>
+              </a:rPr>
+              <a:t>Una vez que las células han sido activadas, estas comienzan a proliferar masivamente (animación 2). Este proceso se conoce como expansión clonal. Cuando el patógeno ha sido vencido, la mayoría de células T mueren, restaurando así los niveles de población iniciales. Sin embargo, se mantiene un pequeño porcentaje de la población de células T de memoria. Se llaman así porque guardan información del antígeno contra el que combatieron.</a:t>
+            </a:r>
+          </a:p>
+          <a:p>
             <a:pPr marL="0" lvl="0" indent="0" algn="l" rtl="0">
               <a:spcBef>
                 <a:spcPts val="0"/>
@@ -7658,7 +8122,7 @@
               </a:spcAft>
               <a:buNone/>
             </a:pPr>
-            <a:endParaRPr/>
+            <a:endParaRPr dirty="0"/>
           </a:p>
         </p:txBody>
       </p:sp>
@@ -7757,6 +8221,69 @@
             <a:noAutofit/>
           </a:bodyPr>
           <a:lstStyle/>
+          <a:p>
+            <a:r>
+              <a:rPr lang="es-ES" sz="1100" b="0" i="0" u="none" strike="noStrike" cap="none" dirty="0">
+                <a:solidFill>
+                  <a:srgbClr val="000000"/>
+                </a:solidFill>
+                <a:effectLst/>
+                <a:latin typeface="Arial"/>
+                <a:ea typeface="Arial"/>
+                <a:cs typeface="Arial"/>
+                <a:sym typeface="Arial"/>
+              </a:rPr>
+              <a:t>Aún se desconoce el mecanismo que rige la división o apoptosis de una célula T durante la respuesta inmune. Es por ello que han sido varios los modelos matemáticos que se han propuesto para intentar dar una explicación a este fenómeno. Entre ellos mencionamos algunos basados </a:t>
+            </a:r>
+          </a:p>
+          <a:p>
+            <a:pPr lvl="0"/>
+            <a:r>
+              <a:rPr lang="es-ES" sz="1100" b="0" i="0" u="none" strike="noStrike" cap="none" dirty="0">
+                <a:solidFill>
+                  <a:srgbClr val="000000"/>
+                </a:solidFill>
+                <a:effectLst/>
+                <a:latin typeface="Arial"/>
+                <a:ea typeface="Arial"/>
+                <a:cs typeface="Arial"/>
+                <a:sym typeface="Arial"/>
+              </a:rPr>
+              <a:t>En que las células T realizan un número de divisiones fijo dependiendo de la cantidad de antígeno en el momento de su activación.</a:t>
+            </a:r>
+          </a:p>
+          <a:p>
+            <a:pPr lvl="0"/>
+            <a:r>
+              <a:rPr lang="es-ES" sz="1100" b="0" i="0" u="none" strike="noStrike" cap="none" dirty="0">
+                <a:solidFill>
+                  <a:srgbClr val="000000"/>
+                </a:solidFill>
+                <a:effectLst/>
+                <a:latin typeface="Arial"/>
+                <a:ea typeface="Arial"/>
+                <a:cs typeface="Arial"/>
+                <a:sym typeface="Arial"/>
+              </a:rPr>
+              <a:t>En la competición de relojes estocásticos de división o suicido. </a:t>
+            </a:r>
+          </a:p>
+          <a:p>
+            <a:pPr lvl="0"/>
+            <a:r>
+              <a:rPr lang="es-ES" sz="1100" b="0" i="0" u="none" strike="noStrike" cap="none" dirty="0">
+                <a:solidFill>
+                  <a:srgbClr val="000000"/>
+                </a:solidFill>
+                <a:effectLst/>
+                <a:latin typeface="Arial"/>
+                <a:ea typeface="Arial"/>
+                <a:cs typeface="Arial"/>
+                <a:sym typeface="Arial"/>
+              </a:rPr>
+              <a:t>O en la concentración de moléculas inhibidoras en los alrededores de cada célula. Es esta última idea la que subyace en el modelo matemático que se presenta a continuación. (mientras se dice esto se pone la siguiente transparencia)</a:t>
+            </a:r>
+          </a:p>
           <a:p>
             <a:pPr marL="0" lvl="0" indent="0" algn="l" rtl="0">
               <a:spcBef>
@@ -7867,6 +8394,40 @@
           </a:bodyPr>
           <a:lstStyle/>
           <a:p>
+            <a:pPr marL="0" marR="0" lvl="0" indent="0" algn="l" defTabSz="914400" rtl="0" eaLnBrk="1" fontAlgn="auto" latinLnBrk="0" hangingPunct="1">
+              <a:lnSpc>
+                <a:spcPct val="100000"/>
+              </a:lnSpc>
+              <a:spcBef>
+                <a:spcPts val="0"/>
+              </a:spcBef>
+              <a:spcAft>
+                <a:spcPts val="0"/>
+              </a:spcAft>
+              <a:buClr>
+                <a:srgbClr val="000000"/>
+              </a:buClr>
+              <a:buSzPts val="1400"/>
+              <a:buFont typeface="Arial"/>
+              <a:buNone/>
+              <a:tabLst/>
+              <a:defRPr/>
+            </a:pPr>
+            <a:r>
+              <a:rPr lang="es-ES" sz="1100" b="0" i="0" u="none" strike="noStrike" cap="none" dirty="0">
+                <a:solidFill>
+                  <a:srgbClr val="000000"/>
+                </a:solidFill>
+                <a:effectLst/>
+                <a:latin typeface="Arial"/>
+                <a:ea typeface="Arial"/>
+                <a:cs typeface="Arial"/>
+                <a:sym typeface="Arial"/>
+              </a:rPr>
+              <a:t>En las transparencias que siguen veremos un algoritmo de decisión para cada célula T. </a:t>
+            </a:r>
+          </a:p>
+          <a:p>
             <a:pPr marL="0" lvl="0" indent="0" algn="l" rtl="0">
               <a:spcBef>
                 <a:spcPts val="0"/>
@@ -7876,7 +8437,7 @@
               </a:spcAft>
               <a:buNone/>
             </a:pPr>
-            <a:endParaRPr/>
+            <a:endParaRPr dirty="0"/>
           </a:p>
         </p:txBody>
       </p:sp>
@@ -7976,6 +8537,72 @@
           </a:bodyPr>
           <a:lstStyle/>
           <a:p>
+            <a:pPr marL="139700" indent="0">
+              <a:buNone/>
+            </a:pPr>
+            <a:r>
+              <a:rPr lang="es-ES" sz="1100" b="0" i="0" u="none" strike="noStrike" cap="none" dirty="0">
+                <a:solidFill>
+                  <a:srgbClr val="000000"/>
+                </a:solidFill>
+                <a:effectLst/>
+                <a:latin typeface="Arial"/>
+                <a:ea typeface="Arial"/>
+                <a:cs typeface="Arial"/>
+                <a:sym typeface="Arial"/>
+              </a:rPr>
+              <a:t>Las Hipótesis sobre las que se sustenta el modelo son:</a:t>
+            </a:r>
+          </a:p>
+          <a:p>
+            <a:pPr lvl="0"/>
+            <a:r>
+              <a:rPr lang="es-ES" sz="1100" b="0" i="0" u="none" strike="noStrike" cap="none" dirty="0">
+                <a:solidFill>
+                  <a:srgbClr val="000000"/>
+                </a:solidFill>
+                <a:effectLst/>
+                <a:latin typeface="Arial"/>
+                <a:ea typeface="Arial"/>
+                <a:cs typeface="Arial"/>
+                <a:sym typeface="Arial"/>
+              </a:rPr>
+              <a:t>La cantidad de dos moléculas inhibidoras, Retinoblastoma, que inhibe el inicio del ciclo celular y, por tanto, de la división), y Linfoma de célula B-2, que inhibe el proceso de muerte celular, determina cuándo y cuánto se dividen las células T.</a:t>
+            </a:r>
+          </a:p>
+          <a:p>
+            <a:pPr lvl="0"/>
+            <a:r>
+              <a:rPr lang="es-ES" sz="1100" b="0" i="0" u="none" strike="noStrike" cap="none" dirty="0">
+                <a:solidFill>
+                  <a:srgbClr val="000000"/>
+                </a:solidFill>
+                <a:effectLst/>
+                <a:latin typeface="Arial"/>
+                <a:ea typeface="Arial"/>
+                <a:cs typeface="Arial"/>
+                <a:sym typeface="Arial"/>
+              </a:rPr>
+              <a:t>La fluctuación en la cantidad de Rb y Bcl-2 depende de unas proteínas llamadas citoquinas. El efecto que percibe una célula T depende, no solo de la cantidad de estas en el ambiente, sino también del número de receptores de membrana de la célula.</a:t>
+            </a:r>
+          </a:p>
+          <a:p>
+            <a:pPr lvl="0"/>
+            <a:r>
+              <a:rPr lang="es-ES" sz="1100" b="0" i="0" u="none" strike="noStrike" cap="none" dirty="0">
+                <a:solidFill>
+                  <a:srgbClr val="000000"/>
+                </a:solidFill>
+                <a:effectLst/>
+                <a:latin typeface="Arial"/>
+                <a:ea typeface="Arial"/>
+                <a:cs typeface="Arial"/>
+                <a:sym typeface="Arial"/>
+              </a:rPr>
+              <a:t>Cuando se dividen las células naïve, su descendencia puede diferenciarse en una célula T efectora o en una célula T de memoria. Una vez diferenciadas la división es simétrica.</a:t>
+            </a:r>
+          </a:p>
+          <a:p>
             <a:pPr marL="0" lvl="0" indent="0" algn="l" rtl="0">
               <a:spcBef>
                 <a:spcPts val="0"/>
@@ -7985,7 +8612,7 @@
               </a:spcAft>
               <a:buNone/>
             </a:pPr>
-            <a:endParaRPr/>
+            <a:endParaRPr dirty="0"/>
           </a:p>
         </p:txBody>
       </p:sp>
@@ -8085,6 +8712,88 @@
           </a:bodyPr>
           <a:lstStyle/>
           <a:p>
+            <a:r>
+              <a:rPr lang="es-ES" sz="1100" b="0" i="0" u="none" strike="noStrike" cap="none" dirty="0">
+                <a:solidFill>
+                  <a:srgbClr val="000000"/>
+                </a:solidFill>
+                <a:effectLst/>
+                <a:latin typeface="Arial"/>
+                <a:ea typeface="Arial"/>
+                <a:cs typeface="Arial"/>
+                <a:sym typeface="Arial"/>
+              </a:rPr>
+              <a:t>Con el primer sistema ponemos de manifiesto que las concentraciones de Rb y Bcl-2, representadas por c(t) y a(t), respectivamente, dependen del número de señales TCR/antígeno (</a:t>
+            </a:r>
+            <a:r>
+              <a:rPr lang="es-ES" sz="1100" b="0" i="0" u="none" strike="noStrike" cap="none" dirty="0" err="1">
+                <a:solidFill>
+                  <a:srgbClr val="000000"/>
+                </a:solidFill>
+                <a:effectLst/>
+                <a:latin typeface="Arial"/>
+                <a:ea typeface="Arial"/>
+                <a:cs typeface="Arial"/>
+                <a:sym typeface="Arial"/>
+              </a:rPr>
+              <a:t>rT</a:t>
+            </a:r>
+            <a:r>
+              <a:rPr lang="es-ES" sz="1100" b="0" i="0" u="none" strike="noStrike" cap="none" dirty="0">
+                <a:solidFill>
+                  <a:srgbClr val="000000"/>
+                </a:solidFill>
+                <a:effectLst/>
+                <a:latin typeface="Arial"/>
+                <a:ea typeface="Arial"/>
+                <a:cs typeface="Arial"/>
+                <a:sym typeface="Arial"/>
+              </a:rPr>
+              <a:t> ) y, del número de receptores de membrana que posea la célula en cuestión (</a:t>
+            </a:r>
+            <a:r>
+              <a:rPr lang="es-ES" sz="1100" b="0" i="0" u="none" strike="noStrike" cap="none" dirty="0" err="1">
+                <a:solidFill>
+                  <a:srgbClr val="000000"/>
+                </a:solidFill>
+                <a:effectLst/>
+                <a:latin typeface="Arial"/>
+                <a:ea typeface="Arial"/>
+                <a:cs typeface="Arial"/>
+                <a:sym typeface="Arial"/>
+              </a:rPr>
+              <a:t>ri</a:t>
+            </a:r>
+            <a:r>
+              <a:rPr lang="es-ES" sz="1100" b="0" i="0" u="none" strike="noStrike" cap="none" dirty="0">
+                <a:solidFill>
+                  <a:srgbClr val="000000"/>
+                </a:solidFill>
+                <a:effectLst/>
+                <a:latin typeface="Arial"/>
+                <a:ea typeface="Arial"/>
+                <a:cs typeface="Arial"/>
+                <a:sym typeface="Arial"/>
+              </a:rPr>
+              <a:t>). </a:t>
+            </a:r>
+          </a:p>
+          <a:p>
+            <a:r>
+              <a:rPr lang="es-ES" sz="1100" b="0" i="0" u="none" strike="noStrike" cap="none" dirty="0">
+                <a:solidFill>
+                  <a:srgbClr val="000000"/>
+                </a:solidFill>
+                <a:effectLst/>
+                <a:latin typeface="Arial"/>
+                <a:ea typeface="Arial"/>
+                <a:cs typeface="Arial"/>
+                <a:sym typeface="Arial"/>
+              </a:rPr>
+              <a:t>Así mismo, asumimos que los receptores de membrana involucrados en el algoritmo de decisión de las células T son independientes y tienen efectos aditivos. De acuerdo con estas relaciones lineales obtenemos un modelo robusto, puesto que configuraciones similares de receptores de membrana provocan decisiones celulares similares.</a:t>
+            </a:r>
+          </a:p>
+          <a:p>
             <a:pPr marL="0" lvl="0" indent="0" algn="l" rtl="0">
               <a:spcBef>
                 <a:spcPts val="0"/>
@@ -8094,7 +8803,7 @@
               </a:spcAft>
               <a:buNone/>
             </a:pPr>
-            <a:endParaRPr/>
+            <a:endParaRPr dirty="0"/>
           </a:p>
         </p:txBody>
       </p:sp>
@@ -8194,6 +8903,102 @@
           </a:bodyPr>
           <a:lstStyle/>
           <a:p>
+            <a:r>
+              <a:rPr lang="es-ES" sz="1100" b="0" i="0" u="none" strike="noStrike" cap="none" dirty="0">
+                <a:solidFill>
+                  <a:srgbClr val="000000"/>
+                </a:solidFill>
+                <a:effectLst/>
+                <a:latin typeface="Arial"/>
+                <a:ea typeface="Arial"/>
+                <a:cs typeface="Arial"/>
+                <a:sym typeface="Arial"/>
+              </a:rPr>
+              <a:t>La primera ecuación modela la interacción del patógeno (y) con las células T (n). </a:t>
+            </a:r>
+          </a:p>
+          <a:p>
+            <a:r>
+              <a:rPr lang="es-ES" sz="1100" b="0" i="0" u="none" strike="noStrike" cap="none" dirty="0">
+                <a:solidFill>
+                  <a:srgbClr val="000000"/>
+                </a:solidFill>
+                <a:effectLst/>
+                <a:latin typeface="Arial"/>
+                <a:ea typeface="Arial"/>
+                <a:cs typeface="Arial"/>
+                <a:sym typeface="Arial"/>
+              </a:rPr>
+              <a:t>Según esta el patógeno aumenta su población hasta que el número de células T alcanza cierto valor crítico. En ese momento, la derivada de y(t) se hace negativa y, en consecuencia, y(t) comienza a decrecer. A su vez, en ausencia de células T, el patógeno crece de manera exponencial.</a:t>
+            </a:r>
+          </a:p>
+          <a:p>
+            <a:pPr marL="139700" indent="0">
+              <a:buNone/>
+            </a:pPr>
+            <a:r>
+              <a:rPr lang="es-ES" sz="1100" b="0" i="0" u="none" strike="noStrike" cap="none" dirty="0">
+                <a:solidFill>
+                  <a:srgbClr val="000000"/>
+                </a:solidFill>
+                <a:effectLst/>
+                <a:latin typeface="Arial"/>
+                <a:ea typeface="Arial"/>
+                <a:cs typeface="Arial"/>
+                <a:sym typeface="Arial"/>
+              </a:rPr>
+              <a:t> </a:t>
+            </a:r>
+          </a:p>
+          <a:p>
+            <a:r>
+              <a:rPr lang="es-ES" sz="1100" b="0" i="0" u="none" strike="noStrike" cap="none" dirty="0">
+                <a:solidFill>
+                  <a:srgbClr val="000000"/>
+                </a:solidFill>
+                <a:effectLst/>
+                <a:latin typeface="Arial"/>
+                <a:ea typeface="Arial"/>
+                <a:cs typeface="Arial"/>
+                <a:sym typeface="Arial"/>
+              </a:rPr>
+              <a:t>Además, asumiremos que las señales captadas por el TCR de una célula T son proporcionales al número de encuentros que tenga con el antígeno.</a:t>
+            </a:r>
+          </a:p>
+          <a:p>
+            <a:pPr marL="139700" indent="0">
+              <a:buNone/>
+            </a:pPr>
+            <a:r>
+              <a:rPr lang="es-ES" sz="1100" b="0" i="0" u="none" strike="noStrike" cap="none" dirty="0">
+                <a:solidFill>
+                  <a:srgbClr val="000000"/>
+                </a:solidFill>
+                <a:effectLst/>
+                <a:latin typeface="Arial"/>
+                <a:ea typeface="Arial"/>
+                <a:cs typeface="Arial"/>
+                <a:sym typeface="Arial"/>
+              </a:rPr>
+              <a:t> </a:t>
+            </a:r>
+          </a:p>
+          <a:p>
+            <a:r>
+              <a:rPr lang="es-ES" sz="1100" b="0" i="0" u="none" strike="noStrike" cap="none" dirty="0">
+                <a:solidFill>
+                  <a:srgbClr val="000000"/>
+                </a:solidFill>
+                <a:effectLst/>
+                <a:latin typeface="Arial"/>
+                <a:ea typeface="Arial"/>
+                <a:cs typeface="Arial"/>
+                <a:sym typeface="Arial"/>
+              </a:rPr>
+              <a:t>Según la 3, las células T que ya se han diferenciado se dividen de manera simétrica y reparten sus receptores de membrana entre sus dos células hijas como sugiere la tercera ecuación. </a:t>
+            </a:r>
+          </a:p>
+          <a:p>
             <a:pPr marL="0" lvl="0" indent="0" algn="l" rtl="0">
               <a:spcBef>
                 <a:spcPts val="0"/>
@@ -8203,7 +9008,7 @@
               </a:spcAft>
               <a:buNone/>
             </a:pPr>
-            <a:endParaRPr/>
+            <a:endParaRPr dirty="0"/>
           </a:p>
         </p:txBody>
       </p:sp>
@@ -12716,7 +13521,7 @@
             </p:nvSpPr>
             <p:spPr>
               <a:blipFill>
-                <a:blip r:embed="rId2"/>
+                <a:blip r:embed="rId3"/>
                 <a:stretch>
                   <a:fillRect/>
                 </a:stretch>
@@ -12752,7 +13557,7 @@
           <p:nvPr/>
         </p:nvPicPr>
         <p:blipFill>
-          <a:blip r:embed="rId3"/>
+          <a:blip r:embed="rId4"/>
           <a:stretch>
             <a:fillRect/>
           </a:stretch>
@@ -12900,7 +13705,7 @@
                 <a:ext cx="3496500" cy="762601"/>
               </a:xfrm>
               <a:blipFill>
-                <a:blip r:embed="rId4"/>
+                <a:blip r:embed="rId5"/>
                 <a:stretch>
                   <a:fillRect/>
                 </a:stretch>
@@ -12974,7 +13779,7 @@
           <p:nvPr/>
         </p:nvPicPr>
         <p:blipFill>
-          <a:blip r:embed="rId5"/>
+          <a:blip r:embed="rId6"/>
           <a:stretch>
             <a:fillRect/>
           </a:stretch>
@@ -13121,7 +13926,7 @@
                 <a:avLst/>
               </a:prstGeom>
               <a:blipFill>
-                <a:blip r:embed="rId6"/>
+                <a:blip r:embed="rId7"/>
                 <a:stretch>
                   <a:fillRect b="-9091"/>
                 </a:stretch>
@@ -13542,7 +14347,7 @@
           <p:nvPr/>
         </p:nvPicPr>
         <p:blipFill>
-          <a:blip r:embed="rId2"/>
+          <a:blip r:embed="rId3"/>
           <a:stretch>
             <a:fillRect/>
           </a:stretch>
@@ -25159,7 +25964,7 @@
                                           </p:stCondLst>
                                         </p:cTn>
                                         <p:tgtEl>
-                                          <p:spTgt spid="33"/>
+                                          <p:spTgt spid="28"/>
                                         </p:tgtEl>
                                         <p:attrNameLst>
                                           <p:attrName>style.visibility</p:attrName>
@@ -25173,164 +25978,6 @@
                                       <p:cBhvr>
                                         <p:cTn id="7" dur="500"/>
                                         <p:tgtEl>
-                                          <p:spTgt spid="33"/>
-                                        </p:tgtEl>
-                                      </p:cBhvr>
-                                    </p:animEffect>
-                                  </p:childTnLst>
-                                </p:cTn>
-                              </p:par>
-                              <p:par>
-                                <p:cTn id="8" presetID="10" presetClass="entr" presetSubtype="0" fill="hold" nodeType="withEffect">
-                                  <p:stCondLst>
-                                    <p:cond delay="0"/>
-                                  </p:stCondLst>
-                                  <p:childTnLst>
-                                    <p:set>
-                                      <p:cBhvr>
-                                        <p:cTn id="9" dur="1" fill="hold">
-                                          <p:stCondLst>
-                                            <p:cond delay="0"/>
-                                          </p:stCondLst>
-                                        </p:cTn>
-                                        <p:tgtEl>
-                                          <p:spTgt spid="35"/>
-                                        </p:tgtEl>
-                                        <p:attrNameLst>
-                                          <p:attrName>style.visibility</p:attrName>
-                                        </p:attrNameLst>
-                                      </p:cBhvr>
-                                      <p:to>
-                                        <p:strVal val="visible"/>
-                                      </p:to>
-                                    </p:set>
-                                    <p:animEffect transition="in" filter="fade">
-                                      <p:cBhvr>
-                                        <p:cTn id="10" dur="500"/>
-                                        <p:tgtEl>
-                                          <p:spTgt spid="35"/>
-                                        </p:tgtEl>
-                                      </p:cBhvr>
-                                    </p:animEffect>
-                                  </p:childTnLst>
-                                </p:cTn>
-                              </p:par>
-                              <p:par>
-                                <p:cTn id="11" presetID="10" presetClass="entr" presetSubtype="0" fill="hold" grpId="0" nodeType="withEffect">
-                                  <p:stCondLst>
-                                    <p:cond delay="0"/>
-                                  </p:stCondLst>
-                                  <p:childTnLst>
-                                    <p:set>
-                                      <p:cBhvr>
-                                        <p:cTn id="12" dur="1" fill="hold">
-                                          <p:stCondLst>
-                                            <p:cond delay="0"/>
-                                          </p:stCondLst>
-                                        </p:cTn>
-                                        <p:tgtEl>
-                                          <p:spTgt spid="41"/>
-                                        </p:tgtEl>
-                                        <p:attrNameLst>
-                                          <p:attrName>style.visibility</p:attrName>
-                                        </p:attrNameLst>
-                                      </p:cBhvr>
-                                      <p:to>
-                                        <p:strVal val="visible"/>
-                                      </p:to>
-                                    </p:set>
-                                    <p:animEffect transition="in" filter="fade">
-                                      <p:cBhvr>
-                                        <p:cTn id="13" dur="500"/>
-                                        <p:tgtEl>
-                                          <p:spTgt spid="41"/>
-                                        </p:tgtEl>
-                                      </p:cBhvr>
-                                    </p:animEffect>
-                                  </p:childTnLst>
-                                </p:cTn>
-                              </p:par>
-                              <p:par>
-                                <p:cTn id="14" presetID="10" presetClass="entr" presetSubtype="0" fill="hold" nodeType="withEffect">
-                                  <p:stCondLst>
-                                    <p:cond delay="0"/>
-                                  </p:stCondLst>
-                                  <p:childTnLst>
-                                    <p:set>
-                                      <p:cBhvr>
-                                        <p:cTn id="15" dur="1" fill="hold">
-                                          <p:stCondLst>
-                                            <p:cond delay="0"/>
-                                          </p:stCondLst>
-                                        </p:cTn>
-                                        <p:tgtEl>
-                                          <p:spTgt spid="39"/>
-                                        </p:tgtEl>
-                                        <p:attrNameLst>
-                                          <p:attrName>style.visibility</p:attrName>
-                                        </p:attrNameLst>
-                                      </p:cBhvr>
-                                      <p:to>
-                                        <p:strVal val="visible"/>
-                                      </p:to>
-                                    </p:set>
-                                    <p:animEffect transition="in" filter="fade">
-                                      <p:cBhvr>
-                                        <p:cTn id="16" dur="500"/>
-                                        <p:tgtEl>
-                                          <p:spTgt spid="39"/>
-                                        </p:tgtEl>
-                                      </p:cBhvr>
-                                    </p:animEffect>
-                                  </p:childTnLst>
-                                </p:cTn>
-                              </p:par>
-                            </p:childTnLst>
-                          </p:cTn>
-                        </p:par>
-                      </p:childTnLst>
-                    </p:cTn>
-                  </p:par>
-                  <p:par>
-                    <p:cTn id="17" fill="hold">
-                      <p:stCondLst>
-                        <p:cond delay="indefinite"/>
-                      </p:stCondLst>
-                      <p:childTnLst>
-                        <p:par>
-                          <p:cTn id="18" fill="hold">
-                            <p:stCondLst>
-                              <p:cond delay="0"/>
-                            </p:stCondLst>
-                            <p:childTnLst>
-                              <p:par>
-                                <p:cTn id="19" presetID="10" presetClass="entr" presetSubtype="0" fill="hold" grpId="0" nodeType="clickEffect">
-                                  <p:stCondLst>
-                                    <p:cond delay="0"/>
-                                  </p:stCondLst>
-                                  <p:childTnLst>
-                                    <p:set>
-                                      <p:cBhvr>
-                                        <p:cTn id="20" dur="1" fill="hold">
-                                          <p:stCondLst>
-                                            <p:cond delay="0"/>
-                                          </p:stCondLst>
-                                        </p:cTn>
-                                        <p:tgtEl>
-                                          <p:spTgt spid="28"/>
-                                        </p:tgtEl>
-                                        <p:attrNameLst>
-                                          <p:attrName>style.visibility</p:attrName>
-                                        </p:attrNameLst>
-                                      </p:cBhvr>
-                                      <p:to>
-                                        <p:strVal val="visible"/>
-                                      </p:to>
-                                    </p:set>
-                                    <p:animEffect transition="in" filter="fade">
-                                      <p:cBhvr>
-                                        <p:cTn id="21" dur="500"/>
-                                        <p:tgtEl>
                                           <p:spTgt spid="28"/>
                                         </p:tgtEl>
                                       </p:cBhvr>
@@ -25339,14 +25986,14 @@
                                 </p:cTn>
                               </p:par>
                               <p:par>
-                                <p:cTn id="22" presetID="10" presetClass="entr" presetSubtype="0" fill="hold" grpId="0" nodeType="withEffect">
+                                <p:cTn id="8" presetID="10" presetClass="entr" presetSubtype="0" fill="hold" grpId="0" nodeType="withEffect">
                                   <p:stCondLst>
                                     <p:cond delay="0"/>
                                   </p:stCondLst>
                                   <p:childTnLst>
                                     <p:set>
                                       <p:cBhvr>
-                                        <p:cTn id="23" dur="1" fill="hold">
+                                        <p:cTn id="9" dur="1" fill="hold">
                                           <p:stCondLst>
                                             <p:cond delay="0"/>
                                           </p:stCondLst>
@@ -25364,7 +26011,7 @@
                                     </p:set>
                                     <p:animEffect transition="in" filter="fade">
                                       <p:cBhvr>
-                                        <p:cTn id="24" dur="500"/>
+                                        <p:cTn id="10" dur="500"/>
                                         <p:tgtEl>
                                           <p:spTgt spid="32"/>
                                         </p:tgtEl>
@@ -25374,14 +26021,14 @@
                                 </p:cTn>
                               </p:par>
                               <p:par>
-                                <p:cTn id="25" presetID="10" presetClass="entr" presetSubtype="0" fill="hold" nodeType="withEffect">
+                                <p:cTn id="11" presetID="10" presetClass="entr" presetSubtype="0" fill="hold" nodeType="withEffect">
                                   <p:stCondLst>
                                     <p:cond delay="0"/>
                                   </p:stCondLst>
                                   <p:childTnLst>
                                     <p:set>
                                       <p:cBhvr>
-                                        <p:cTn id="26" dur="1" fill="hold">
+                                        <p:cTn id="12" dur="1" fill="hold">
                                           <p:stCondLst>
                                             <p:cond delay="0"/>
                                           </p:stCondLst>
@@ -25399,7 +26046,7 @@
                                     </p:set>
                                     <p:animEffect transition="in" filter="fade">
                                       <p:cBhvr>
-                                        <p:cTn id="27" dur="500"/>
+                                        <p:cTn id="13" dur="500"/>
                                         <p:tgtEl>
                                           <p:spTgt spid="27"/>
                                         </p:tgtEl>
@@ -25415,26 +26062,26 @@
                     </p:cTn>
                   </p:par>
                   <p:par>
-                    <p:cTn id="28" fill="hold">
+                    <p:cTn id="14" fill="hold">
                       <p:stCondLst>
                         <p:cond delay="indefinite"/>
                       </p:stCondLst>
                       <p:childTnLst>
                         <p:par>
-                          <p:cTn id="29" fill="hold">
+                          <p:cTn id="15" fill="hold">
                             <p:stCondLst>
                               <p:cond delay="0"/>
                             </p:stCondLst>
                             <p:childTnLst>
                               <p:par>
-                                <p:cTn id="30" presetID="10" presetClass="entr" presetSubtype="0" fill="hold" nodeType="clickEffect">
+                                <p:cTn id="16" presetID="10" presetClass="entr" presetSubtype="0" fill="hold" nodeType="clickEffect">
                                   <p:stCondLst>
                                     <p:cond delay="0"/>
                                   </p:stCondLst>
                                   <p:childTnLst>
                                     <p:set>
                                       <p:cBhvr>
-                                        <p:cTn id="31" dur="1" fill="hold">
+                                        <p:cTn id="17" dur="1" fill="hold">
                                           <p:stCondLst>
                                             <p:cond delay="0"/>
                                           </p:stCondLst>
@@ -25452,7 +26099,7 @@
                                     </p:set>
                                     <p:animEffect transition="in" filter="fade">
                                       <p:cBhvr>
-                                        <p:cTn id="32" dur="500"/>
+                                        <p:cTn id="18" dur="500"/>
                                         <p:tgtEl>
                                           <p:spTgt spid="31"/>
                                         </p:tgtEl>
@@ -25462,14 +26109,14 @@
                                 </p:cTn>
                               </p:par>
                               <p:par>
-                                <p:cTn id="33" presetID="10" presetClass="entr" presetSubtype="0" fill="hold" grpId="0" nodeType="withEffect">
+                                <p:cTn id="19" presetID="10" presetClass="entr" presetSubtype="0" fill="hold" grpId="0" nodeType="withEffect">
                                   <p:stCondLst>
                                     <p:cond delay="0"/>
                                   </p:stCondLst>
                                   <p:childTnLst>
                                     <p:set>
                                       <p:cBhvr>
-                                        <p:cTn id="34" dur="1" fill="hold">
+                                        <p:cTn id="20" dur="1" fill="hold">
                                           <p:stCondLst>
                                             <p:cond delay="0"/>
                                           </p:stCondLst>
@@ -25487,7 +26134,7 @@
                                     </p:set>
                                     <p:animEffect transition="in" filter="fade">
                                       <p:cBhvr>
-                                        <p:cTn id="35" dur="500"/>
+                                        <p:cTn id="21" dur="500"/>
                                         <p:tgtEl>
                                           <p:spTgt spid="29"/>
                                         </p:tgtEl>
@@ -25527,8 +26174,6 @@
       <p:bldP spid="28" grpId="0"/>
       <p:bldP spid="32" grpId="0"/>
       <p:bldP spid="29" grpId="0"/>
-      <p:bldP spid="33" grpId="0" animBg="1"/>
-      <p:bldP spid="41" grpId="0" animBg="1"/>
     </p:bldLst>
   </p:timing>
 </p:sld>
@@ -25624,7 +26269,7 @@
             </a:r>
             <a:r>
               <a:rPr lang="es-ES" dirty="0"/>
-              <a:t>mecanismo de decisión por el cual una célula decide dividirse o morir es desconocido.</a:t>
+              <a:t>mecanismo de decisión por el cual una célula decide dividirse o morir no se conoce al completo.</a:t>
             </a:r>
           </a:p>
           <a:p>

--- a/Defensa/transparenciasDefensa.pptx
+++ b/Defensa/transparenciasDefensa.pptx
@@ -6995,6 +6995,40 @@
           </a:bodyPr>
           <a:lstStyle/>
           <a:p>
+            <a:pPr marL="0" marR="0" lvl="0" indent="0" algn="l" defTabSz="914400" rtl="0" eaLnBrk="1" fontAlgn="auto" latinLnBrk="0" hangingPunct="1">
+              <a:lnSpc>
+                <a:spcPct val="100000"/>
+              </a:lnSpc>
+              <a:spcBef>
+                <a:spcPts val="0"/>
+              </a:spcBef>
+              <a:spcAft>
+                <a:spcPts val="0"/>
+              </a:spcAft>
+              <a:buClr>
+                <a:srgbClr val="000000"/>
+              </a:buClr>
+              <a:buSzPts val="1400"/>
+              <a:buFont typeface="Arial"/>
+              <a:buNone/>
+              <a:tabLst/>
+              <a:defRPr/>
+            </a:pPr>
+            <a:r>
+              <a:rPr lang="es-ES" sz="1100" b="0" i="0" u="none" strike="noStrike" cap="none" dirty="0">
+                <a:solidFill>
+                  <a:srgbClr val="000000"/>
+                </a:solidFill>
+                <a:effectLst/>
+                <a:latin typeface="Arial"/>
+                <a:ea typeface="Arial"/>
+                <a:cs typeface="Arial"/>
+                <a:sym typeface="Arial"/>
+              </a:rPr>
+              <a:t>A continuación, veremos cómo se ha implementado el modelo y varios ejemplos de ejecución.</a:t>
+            </a:r>
+          </a:p>
+          <a:p>
             <a:pPr marL="0" lvl="0" indent="0" algn="l" rtl="0">
               <a:spcBef>
                 <a:spcPts val="0"/>
@@ -7004,7 +7038,7 @@
               </a:spcAft>
               <a:buNone/>
             </a:pPr>
-            <a:endParaRPr/>
+            <a:endParaRPr dirty="0"/>
           </a:p>
         </p:txBody>
       </p:sp>
@@ -7022,6 +7056,279 @@
 </file>
 
 <file path=ppt/notesSlides/notesSlide11.xml><?xml version="1.0" encoding="utf-8"?>
+<p:notes xmlns:a="http://schemas.openxmlformats.org/drawingml/2006/main" xmlns:r="http://schemas.openxmlformats.org/officeDocument/2006/relationships" xmlns:p="http://schemas.openxmlformats.org/presentationml/2006/main">
+  <p:cSld>
+    <p:spTree>
+      <p:nvGrpSpPr>
+        <p:cNvPr id="1" name=""/>
+        <p:cNvGrpSpPr/>
+        <p:nvPr/>
+      </p:nvGrpSpPr>
+      <p:grpSpPr>
+        <a:xfrm>
+          <a:off x="0" y="0"/>
+          <a:ext cx="0" cy="0"/>
+          <a:chOff x="0" y="0"/>
+          <a:chExt cx="0" cy="0"/>
+        </a:xfrm>
+      </p:grpSpPr>
+      <p:sp>
+        <p:nvSpPr>
+          <p:cNvPr id="2" name="Marcador de imagen de diapositiva 1"/>
+          <p:cNvSpPr>
+            <a:spLocks noGrp="1" noRot="1" noChangeAspect="1"/>
+          </p:cNvSpPr>
+          <p:nvPr>
+            <p:ph type="sldImg"/>
+          </p:nvPr>
+        </p:nvSpPr>
+        <p:spPr>
+          <a:xfrm>
+            <a:off x="381000" y="685800"/>
+            <a:ext cx="6096000" cy="3429000"/>
+          </a:xfrm>
+        </p:spPr>
+      </p:sp>
+      <p:sp>
+        <p:nvSpPr>
+          <p:cNvPr id="3" name="Marcador de notas 2"/>
+          <p:cNvSpPr>
+            <a:spLocks noGrp="1"/>
+          </p:cNvSpPr>
+          <p:nvPr>
+            <p:ph type="body" idx="1"/>
+          </p:nvPr>
+        </p:nvSpPr>
+        <p:spPr/>
+        <p:txBody>
+          <a:bodyPr/>
+          <a:lstStyle/>
+          <a:p>
+            <a:r>
+              <a:rPr lang="es-ES" sz="1100" b="0" i="0" u="none" strike="noStrike" cap="none" dirty="0">
+                <a:solidFill>
+                  <a:srgbClr val="000000"/>
+                </a:solidFill>
+                <a:effectLst/>
+                <a:latin typeface="Arial"/>
+                <a:ea typeface="Arial"/>
+                <a:cs typeface="Arial"/>
+                <a:sym typeface="Arial"/>
+              </a:rPr>
+              <a:t>Para las simulaciones se ha optado por una versión simplificada del modelo, donde el número de receptores es 2. Es decir, suponemos que hay dos tipos de receptores en la membrana de las células T: p (de proliferación) y d (de muerte) que controlan la evolución de los inhibidores de ciclo (Rb) y apoptosis (Bcl-2), respectivamente.</a:t>
+            </a:r>
+          </a:p>
+          <a:p>
+            <a:pPr marL="139700" indent="0">
+              <a:buNone/>
+            </a:pPr>
+            <a:endParaRPr lang="es-ES" sz="1100" b="0" i="0" u="none" strike="noStrike" cap="none" dirty="0">
+              <a:solidFill>
+                <a:srgbClr val="000000"/>
+              </a:solidFill>
+              <a:effectLst/>
+              <a:latin typeface="Arial"/>
+              <a:ea typeface="Arial"/>
+              <a:cs typeface="Arial"/>
+              <a:sym typeface="Arial"/>
+            </a:endParaRPr>
+          </a:p>
+          <a:p>
+            <a:r>
+              <a:rPr lang="es-ES" sz="1100" b="0" i="0" u="none" strike="noStrike" cap="none" dirty="0">
+                <a:solidFill>
+                  <a:srgbClr val="000000"/>
+                </a:solidFill>
+                <a:effectLst/>
+                <a:latin typeface="Arial"/>
+                <a:ea typeface="Arial"/>
+                <a:cs typeface="Arial"/>
+                <a:sym typeface="Arial"/>
+              </a:rPr>
+              <a:t>Las células T efectoras y de memoria constituyen poblaciones distintas, pues las ecuaciones que determinan su comportamiento son diferentes. Para el caso de las células T de memoria hay que tener en cuenta que este tipo de células no muere durante la contracción clonal, lo que implica d=0, nos centramos solamente en el inhibidor del ciclo celular y no en el de muerte.</a:t>
+            </a:r>
+          </a:p>
+          <a:p>
+            <a:endParaRPr lang="es-ES" dirty="0"/>
+          </a:p>
+        </p:txBody>
+      </p:sp>
+    </p:spTree>
+    <p:extLst>
+      <p:ext uri="{BB962C8B-B14F-4D97-AF65-F5344CB8AC3E}">
+        <p14:creationId xmlns:p14="http://schemas.microsoft.com/office/powerpoint/2010/main" val="2617763529"/>
+      </p:ext>
+    </p:extLst>
+  </p:cSld>
+  <p:clrMapOvr>
+    <a:masterClrMapping/>
+  </p:clrMapOvr>
+</p:notes>
+</file>
+
+<file path=ppt/notesSlides/notesSlide12.xml><?xml version="1.0" encoding="utf-8"?>
+<p:notes xmlns:a="http://schemas.openxmlformats.org/drawingml/2006/main" xmlns:r="http://schemas.openxmlformats.org/officeDocument/2006/relationships" xmlns:p="http://schemas.openxmlformats.org/presentationml/2006/main">
+  <p:cSld>
+    <p:spTree>
+      <p:nvGrpSpPr>
+        <p:cNvPr id="1" name=""/>
+        <p:cNvGrpSpPr/>
+        <p:nvPr/>
+      </p:nvGrpSpPr>
+      <p:grpSpPr>
+        <a:xfrm>
+          <a:off x="0" y="0"/>
+          <a:ext cx="0" cy="0"/>
+          <a:chOff x="0" y="0"/>
+          <a:chExt cx="0" cy="0"/>
+        </a:xfrm>
+      </p:grpSpPr>
+      <p:sp>
+        <p:nvSpPr>
+          <p:cNvPr id="2" name="Marcador de imagen de diapositiva 1"/>
+          <p:cNvSpPr>
+            <a:spLocks noGrp="1" noRot="1" noChangeAspect="1"/>
+          </p:cNvSpPr>
+          <p:nvPr>
+            <p:ph type="sldImg"/>
+          </p:nvPr>
+        </p:nvSpPr>
+        <p:spPr>
+          <a:xfrm>
+            <a:off x="381000" y="685800"/>
+            <a:ext cx="6096000" cy="3429000"/>
+          </a:xfrm>
+        </p:spPr>
+      </p:sp>
+      <p:sp>
+        <p:nvSpPr>
+          <p:cNvPr id="3" name="Marcador de notas 2"/>
+          <p:cNvSpPr>
+            <a:spLocks noGrp="1"/>
+          </p:cNvSpPr>
+          <p:nvPr>
+            <p:ph type="body" idx="1"/>
+          </p:nvPr>
+        </p:nvSpPr>
+        <p:spPr/>
+        <p:txBody>
+          <a:bodyPr/>
+          <a:lstStyle/>
+          <a:p>
+            <a:pPr lvl="0"/>
+            <a:r>
+              <a:rPr lang="es-ES" sz="1100" b="0" i="0" u="none" strike="noStrike" cap="none" dirty="0">
+                <a:solidFill>
+                  <a:srgbClr val="000000"/>
+                </a:solidFill>
+                <a:effectLst/>
+                <a:latin typeface="Arial"/>
+                <a:ea typeface="Arial"/>
+                <a:cs typeface="Arial"/>
+                <a:sym typeface="Arial"/>
+              </a:rPr>
+              <a:t>Comenzamos la simulación en un tiempo inicial t = 0 y acabamos en un tiempo final </a:t>
+            </a:r>
+            <a:r>
+              <a:rPr lang="es-ES" sz="1100" b="0" i="0" u="none" strike="noStrike" cap="none" dirty="0" err="1">
+                <a:solidFill>
+                  <a:srgbClr val="000000"/>
+                </a:solidFill>
+                <a:effectLst/>
+                <a:latin typeface="Arial"/>
+                <a:ea typeface="Arial"/>
+                <a:cs typeface="Arial"/>
+                <a:sym typeface="Arial"/>
+              </a:rPr>
+              <a:t>Tfinal</a:t>
+            </a:r>
+            <a:r>
+              <a:rPr lang="es-ES" sz="1100" b="0" i="0" u="none" strike="noStrike" cap="none" dirty="0">
+                <a:solidFill>
+                  <a:srgbClr val="000000"/>
+                </a:solidFill>
+                <a:effectLst/>
+                <a:latin typeface="Arial"/>
+                <a:ea typeface="Arial"/>
+                <a:cs typeface="Arial"/>
+                <a:sym typeface="Arial"/>
+              </a:rPr>
+              <a:t> configurable.</a:t>
+            </a:r>
+          </a:p>
+          <a:p>
+            <a:pPr lvl="0"/>
+            <a:r>
+              <a:rPr lang="es-ES" sz="1100" b="0" i="0" u="none" strike="noStrike" cap="none" dirty="0">
+                <a:solidFill>
+                  <a:srgbClr val="000000"/>
+                </a:solidFill>
+                <a:effectLst/>
+                <a:latin typeface="Arial"/>
+                <a:ea typeface="Arial"/>
+                <a:cs typeface="Arial"/>
+                <a:sym typeface="Arial"/>
+              </a:rPr>
+              <a:t>Para cada tiempo t, se calcula la cantidad de patógeno disponible, Y .</a:t>
+            </a:r>
+          </a:p>
+          <a:p>
+            <a:pPr lvl="0"/>
+            <a:r>
+              <a:rPr lang="es-ES" sz="1100" b="0" i="0" u="none" strike="noStrike" cap="none" dirty="0">
+                <a:solidFill>
+                  <a:srgbClr val="000000"/>
+                </a:solidFill>
+                <a:effectLst/>
+                <a:latin typeface="Arial"/>
+                <a:ea typeface="Arial"/>
+                <a:cs typeface="Arial"/>
+                <a:sym typeface="Arial"/>
+              </a:rPr>
+              <a:t>En función de Y , y para cada célula T de la población, se calcula la cantidad de patógeno que está a su alcance y se resuelve el sistema de ecuaciones correspondiente para conocer la cantidad de Rb (c) y Bcl-2 (a) activa en ese instante. En función de esto se desencadena la división celular, si c = 0, o el suicidio de la célula, si a = 0.</a:t>
+            </a:r>
+            <a:br>
+              <a:rPr lang="es-ES" sz="1100" b="0" i="0" u="none" strike="noStrike" cap="none" dirty="0">
+                <a:solidFill>
+                  <a:srgbClr val="000000"/>
+                </a:solidFill>
+                <a:effectLst/>
+                <a:latin typeface="Arial"/>
+                <a:ea typeface="Arial"/>
+                <a:cs typeface="Arial"/>
+                <a:sym typeface="Arial"/>
+              </a:rPr>
+            </a:br>
+            <a:r>
+              <a:rPr lang="es-ES" sz="1100" b="0" i="0" u="none" strike="noStrike" cap="none">
+                <a:solidFill>
+                  <a:srgbClr val="000000"/>
+                </a:solidFill>
+                <a:effectLst/>
+                <a:latin typeface="Arial"/>
+                <a:ea typeface="Arial"/>
+                <a:cs typeface="Arial"/>
+                <a:sym typeface="Arial"/>
+              </a:rPr>
+              <a:t>En otro caso la célula seguirá en fase de decisión y volverá a calcular a y c en la siguiente iteración en base a la cantidad obtenida en la actual.</a:t>
+            </a:r>
+          </a:p>
+        </p:txBody>
+      </p:sp>
+    </p:spTree>
+    <p:extLst>
+      <p:ext uri="{BB962C8B-B14F-4D97-AF65-F5344CB8AC3E}">
+        <p14:creationId xmlns:p14="http://schemas.microsoft.com/office/powerpoint/2010/main" val="2475791637"/>
+      </p:ext>
+    </p:extLst>
+  </p:cSld>
+  <p:clrMapOvr>
+    <a:masterClrMapping/>
+  </p:clrMapOvr>
+</p:notes>
+</file>
+
+<file path=ppt/notesSlides/notesSlide13.xml><?xml version="1.0" encoding="utf-8"?>
 <p:notes xmlns:a="http://schemas.openxmlformats.org/drawingml/2006/main" xmlns:r="http://schemas.openxmlformats.org/officeDocument/2006/relationships" xmlns:p="http://schemas.openxmlformats.org/presentationml/2006/main" showMasterSp="0" showMasterPhAnim="0">
   <p:cSld>
     <p:spTree>
@@ -7130,7 +7437,7 @@
 </p:notes>
 </file>
 
-<file path=ppt/notesSlides/notesSlide12.xml><?xml version="1.0" encoding="utf-8"?>
+<file path=ppt/notesSlides/notesSlide14.xml><?xml version="1.0" encoding="utf-8"?>
 <p:notes xmlns:a="http://schemas.openxmlformats.org/drawingml/2006/main" xmlns:r="http://schemas.openxmlformats.org/officeDocument/2006/relationships" xmlns:p="http://schemas.openxmlformats.org/presentationml/2006/main" showMasterSp="0" showMasterPhAnim="0">
   <p:cSld>
     <p:spTree>
@@ -7239,7 +7546,7 @@
 </p:notes>
 </file>
 
-<file path=ppt/notesSlides/notesSlide13.xml><?xml version="1.0" encoding="utf-8"?>
+<file path=ppt/notesSlides/notesSlide15.xml><?xml version="1.0" encoding="utf-8"?>
 <p:notes xmlns:a="http://schemas.openxmlformats.org/drawingml/2006/main" xmlns:r="http://schemas.openxmlformats.org/officeDocument/2006/relationships" xmlns:p="http://schemas.openxmlformats.org/presentationml/2006/main" showMasterSp="0" showMasterPhAnim="0">
   <p:cSld>
     <p:spTree>
@@ -7431,6 +7738,40 @@
           </a:bodyPr>
           <a:lstStyle/>
           <a:p>
+            <a:pPr marL="0" marR="0" lvl="0" indent="0" algn="l" defTabSz="914400" rtl="0" eaLnBrk="1" fontAlgn="auto" latinLnBrk="0" hangingPunct="1">
+              <a:lnSpc>
+                <a:spcPct val="100000"/>
+              </a:lnSpc>
+              <a:spcBef>
+                <a:spcPts val="0"/>
+              </a:spcBef>
+              <a:spcAft>
+                <a:spcPts val="0"/>
+              </a:spcAft>
+              <a:buClr>
+                <a:srgbClr val="000000"/>
+              </a:buClr>
+              <a:buSzPts val="1400"/>
+              <a:buFont typeface="Arial"/>
+              <a:buNone/>
+              <a:tabLst/>
+              <a:defRPr/>
+            </a:pPr>
+            <a:r>
+              <a:rPr lang="es-ES" sz="1100" b="0" i="0" u="none" strike="noStrike" cap="none" dirty="0">
+                <a:solidFill>
+                  <a:srgbClr val="000000"/>
+                </a:solidFill>
+                <a:effectLst/>
+                <a:latin typeface="Arial"/>
+                <a:ea typeface="Arial"/>
+                <a:cs typeface="Arial"/>
+                <a:sym typeface="Arial"/>
+              </a:rPr>
+              <a:t>A continuación, daremos unas nociones básicas sobre los conceptos biológicos que fundamentan este trabajo. </a:t>
+            </a:r>
+          </a:p>
+          <a:p>
             <a:pPr marL="0" lvl="0" indent="0" algn="l" rtl="0">
               <a:spcBef>
                 <a:spcPts val="0"/>
@@ -7440,7 +7781,7 @@
               </a:spcAft>
               <a:buNone/>
             </a:pPr>
-            <a:endParaRPr/>
+            <a:endParaRPr dirty="0"/>
           </a:p>
         </p:txBody>
       </p:sp>
@@ -7540,6 +7881,36 @@
           </a:bodyPr>
           <a:lstStyle/>
           <a:p>
+            <a:r>
+              <a:rPr lang="es-ES" sz="1100" b="0" i="0" u="none" strike="noStrike" cap="none" dirty="0">
+                <a:solidFill>
+                  <a:srgbClr val="000000"/>
+                </a:solidFill>
+                <a:effectLst/>
+                <a:latin typeface="Arial"/>
+                <a:ea typeface="Arial"/>
+                <a:cs typeface="Arial"/>
+                <a:sym typeface="Arial"/>
+              </a:rPr>
+              <a:t>El sistema inmune está compuesto por diversos agentes que trabajan de forma coordinada para dar una respuesta eficaz y proporcional al ataque recibido. </a:t>
+            </a:r>
+          </a:p>
+          <a:p>
+            <a:r>
+              <a:rPr lang="es-ES" sz="1100" b="0" i="0" u="none" strike="noStrike" cap="none" dirty="0">
+                <a:solidFill>
+                  <a:srgbClr val="000000"/>
+                </a:solidFill>
+                <a:effectLst/>
+                <a:latin typeface="Arial"/>
+                <a:ea typeface="Arial"/>
+                <a:cs typeface="Arial"/>
+                <a:sym typeface="Arial"/>
+              </a:rPr>
+              <a:t>Los componentes del sistema inmune innato se encargan de defendernos cuando el agente infeccioso se encuentra en el medio extracelular, mientras que los del adaptativo comienzan a trabajar cuando el patógeno ha conseguido penetrar en las células de nuestro organismo. A lo largo de este trabajo nos centraremos en el papel que juegan las células T durante la respuesta inmune.</a:t>
+            </a:r>
+          </a:p>
+          <a:p>
             <a:pPr marL="0" lvl="0" indent="0" algn="l" rtl="0">
               <a:spcBef>
                 <a:spcPts val="0"/>
@@ -7549,7 +7920,7 @@
               </a:spcAft>
               <a:buNone/>
             </a:pPr>
-            <a:endParaRPr/>
+            <a:endParaRPr dirty="0"/>
           </a:p>
         </p:txBody>
       </p:sp>
@@ -7649,6 +8020,62 @@
           </a:bodyPr>
           <a:lstStyle/>
           <a:p>
+            <a:r>
+              <a:rPr lang="es-ES" sz="1100" b="0" i="0" u="none" strike="noStrike" cap="none" dirty="0">
+                <a:solidFill>
+                  <a:srgbClr val="000000"/>
+                </a:solidFill>
+                <a:effectLst/>
+                <a:latin typeface="Arial"/>
+                <a:ea typeface="Arial"/>
+                <a:cs typeface="Arial"/>
+                <a:sym typeface="Arial"/>
+              </a:rPr>
+              <a:t>Cuando una célula presentadora de antígeno, como el macrófago de la figura,  ha sido infectada (animación 1) transporta a la superficie celular ciertas proteínas del microorganismo infeccioso, conocidas como antígenos. Gracias a su receptor de membrana (TCR) las células T </a:t>
+            </a:r>
+            <a:r>
+              <a:rPr lang="es-ES" sz="1100" b="0" i="1" u="none" strike="noStrike" cap="none" dirty="0" err="1">
+                <a:solidFill>
+                  <a:srgbClr val="000000"/>
+                </a:solidFill>
+                <a:effectLst/>
+                <a:latin typeface="Arial"/>
+                <a:ea typeface="Arial"/>
+                <a:cs typeface="Arial"/>
+                <a:sym typeface="Arial"/>
+              </a:rPr>
+              <a:t>helper</a:t>
+            </a:r>
+            <a:r>
+              <a:rPr lang="es-ES" sz="1100" b="0" i="0" u="none" strike="noStrike" cap="none" dirty="0">
+                <a:solidFill>
+                  <a:srgbClr val="000000"/>
+                </a:solidFill>
+                <a:effectLst/>
+                <a:latin typeface="Arial"/>
+                <a:ea typeface="Arial"/>
+                <a:cs typeface="Arial"/>
+                <a:sym typeface="Arial"/>
+              </a:rPr>
+              <a:t> pueden reconocer aquellas células que han sido infectadas, mediante un proceso que se conoce como sinapsis inmunológica. Tras ello, este tipo de células T secretan ciertas proteínas que favorecen la proliferación de células T efectoras, que son las encargadas de eliminar a las células infectadas, una vez que se activan dejando atrás su estado naïve.</a:t>
+            </a:r>
+          </a:p>
+          <a:p>
+            <a:r>
+              <a:rPr lang="es-ES" sz="1100" b="0" i="0" u="none" strike="noStrike" cap="none" dirty="0">
+                <a:solidFill>
+                  <a:srgbClr val="000000"/>
+                </a:solidFill>
+                <a:effectLst/>
+                <a:latin typeface="Arial"/>
+                <a:ea typeface="Arial"/>
+                <a:cs typeface="Arial"/>
+                <a:sym typeface="Arial"/>
+              </a:rPr>
+              <a:t>Una vez que las células han sido activadas, estas comienzan a proliferar masivamente (animación 2). Este proceso se conoce como expansión clonal. Cuando el patógeno ha sido vencido, la mayoría de células T mueren, restaurando así los niveles de población iniciales. Sin embargo, se mantiene un pequeño porcentaje de la población de células T de memoria. Se llaman así porque guardan información del antígeno contra el que combatieron.</a:t>
+            </a:r>
+          </a:p>
+          <a:p>
             <a:pPr marL="0" lvl="0" indent="0" algn="l" rtl="0">
               <a:spcBef>
                 <a:spcPts val="0"/>
@@ -7658,7 +8085,7 @@
               </a:spcAft>
               <a:buNone/>
             </a:pPr>
-            <a:endParaRPr/>
+            <a:endParaRPr dirty="0"/>
           </a:p>
         </p:txBody>
       </p:sp>
@@ -7757,6 +8184,84 @@
             <a:noAutofit/>
           </a:bodyPr>
           <a:lstStyle/>
+          <a:p>
+            <a:r>
+              <a:rPr lang="es-ES" sz="1100" b="0" i="0" u="none" strike="noStrike" cap="none" dirty="0">
+                <a:solidFill>
+                  <a:srgbClr val="000000"/>
+                </a:solidFill>
+                <a:effectLst/>
+                <a:latin typeface="Arial"/>
+                <a:ea typeface="Arial"/>
+                <a:cs typeface="Arial"/>
+                <a:sym typeface="Arial"/>
+              </a:rPr>
+              <a:t>Aún se desconoce el mecanismo que rige la división o apoptosis de una célula T durante la respuesta inmune. Es por ello que han sido varios los modelos matemáticos que se han propuesto para intentar dar una explicación a este fenómeno. Entre ellos mencionamos algunos basados </a:t>
+            </a:r>
+          </a:p>
+          <a:p>
+            <a:pPr lvl="0"/>
+            <a:r>
+              <a:rPr lang="es-ES" sz="1100" b="0" i="0" u="none" strike="noStrike" cap="none" dirty="0">
+                <a:solidFill>
+                  <a:srgbClr val="000000"/>
+                </a:solidFill>
+                <a:effectLst/>
+                <a:latin typeface="Arial"/>
+                <a:ea typeface="Arial"/>
+                <a:cs typeface="Arial"/>
+                <a:sym typeface="Arial"/>
+              </a:rPr>
+              <a:t>En que las células T realizan un número de divisiones fijo dependiendo de la cantidad de antígeno en el momento de su activación.</a:t>
+            </a:r>
+          </a:p>
+          <a:p>
+            <a:pPr lvl="0"/>
+            <a:r>
+              <a:rPr lang="es-ES" sz="1100" b="0" i="0" u="none" strike="noStrike" cap="none" dirty="0">
+                <a:solidFill>
+                  <a:srgbClr val="000000"/>
+                </a:solidFill>
+                <a:effectLst/>
+                <a:latin typeface="Arial"/>
+                <a:ea typeface="Arial"/>
+                <a:cs typeface="Arial"/>
+                <a:sym typeface="Arial"/>
+              </a:rPr>
+              <a:t>En la competición de relojes estocásticos de división o suicido. </a:t>
+            </a:r>
+          </a:p>
+          <a:p>
+            <a:pPr lvl="0"/>
+            <a:r>
+              <a:rPr lang="es-ES" sz="1100" b="0" i="0" u="none" strike="noStrike" cap="none" dirty="0">
+                <a:solidFill>
+                  <a:srgbClr val="000000"/>
+                </a:solidFill>
+                <a:effectLst/>
+                <a:latin typeface="Arial"/>
+                <a:ea typeface="Arial"/>
+                <a:cs typeface="Arial"/>
+                <a:sym typeface="Arial"/>
+              </a:rPr>
+              <a:t>O en la concentración de moléculas inhibidoras en los alrededores de cada célula. </a:t>
+            </a:r>
+          </a:p>
+          <a:p>
+            <a:r>
+              <a:rPr lang="es-ES" sz="1100" b="0" i="0" u="none" strike="noStrike" cap="none" dirty="0">
+                <a:solidFill>
+                  <a:srgbClr val="000000"/>
+                </a:solidFill>
+                <a:effectLst/>
+                <a:latin typeface="Arial"/>
+                <a:ea typeface="Arial"/>
+                <a:cs typeface="Arial"/>
+                <a:sym typeface="Arial"/>
+              </a:rPr>
+              <a:t>Es esta última idea la que subyace en el modelo matemático que se presenta a continuación. (mientras se dice esto se pone la siguiente transparencia)</a:t>
+            </a:r>
+          </a:p>
           <a:p>
             <a:pPr marL="0" lvl="0" indent="0" algn="l" rtl="0">
               <a:spcBef>
@@ -7867,6 +8372,21 @@
           </a:bodyPr>
           <a:lstStyle/>
           <a:p>
+            <a:r>
+              <a:rPr lang="es-ES" sz="1100" b="0" i="0" u="none" strike="noStrike" cap="none" dirty="0">
+                <a:solidFill>
+                  <a:srgbClr val="000000"/>
+                </a:solidFill>
+                <a:effectLst/>
+                <a:latin typeface="Arial"/>
+                <a:ea typeface="Arial"/>
+                <a:cs typeface="Arial"/>
+                <a:sym typeface="Arial"/>
+              </a:rPr>
+              <a:t>En las transparencias que siguen veremos un algoritmo de decisión para cada célula T. </a:t>
+            </a:r>
+          </a:p>
+          <a:p>
             <a:pPr marL="0" lvl="0" indent="0" algn="l" rtl="0">
               <a:spcBef>
                 <a:spcPts val="0"/>
@@ -7876,7 +8396,7 @@
               </a:spcAft>
               <a:buNone/>
             </a:pPr>
-            <a:endParaRPr/>
+            <a:endParaRPr dirty="0"/>
           </a:p>
         </p:txBody>
       </p:sp>
@@ -7976,6 +8496,69 @@
           </a:bodyPr>
           <a:lstStyle/>
           <a:p>
+            <a:r>
+              <a:rPr lang="es-ES" sz="1100" b="0" i="0" u="none" strike="noStrike" cap="none" dirty="0">
+                <a:solidFill>
+                  <a:srgbClr val="000000"/>
+                </a:solidFill>
+                <a:effectLst/>
+                <a:latin typeface="Arial"/>
+                <a:ea typeface="Arial"/>
+                <a:cs typeface="Arial"/>
+                <a:sym typeface="Arial"/>
+              </a:rPr>
+              <a:t>Las Hipótesis sobre las que se sustenta el modelo son:</a:t>
+            </a:r>
+          </a:p>
+          <a:p>
+            <a:pPr lvl="0"/>
+            <a:r>
+              <a:rPr lang="es-ES" sz="1100" b="0" i="0" u="none" strike="noStrike" cap="none" dirty="0">
+                <a:solidFill>
+                  <a:srgbClr val="000000"/>
+                </a:solidFill>
+                <a:effectLst/>
+                <a:latin typeface="Arial"/>
+                <a:ea typeface="Arial"/>
+                <a:cs typeface="Arial"/>
+                <a:sym typeface="Arial"/>
+              </a:rPr>
+              <a:t>La cantidad de dos moléculas inhibidoras, Retinoblastoma, que inhibe el inicio del ciclo celular y, por tanto, de la división), y Linfoma de célula B-2, que inhibe el proceso de muerte celular, determina cuándo y cuánto se dividen las células T.</a:t>
+            </a:r>
+          </a:p>
+          <a:p>
+            <a:pPr lvl="0"/>
+            <a:r>
+              <a:rPr lang="es-ES" sz="1100" b="0" i="0" u="none" strike="noStrike" cap="none" dirty="0">
+                <a:solidFill>
+                  <a:srgbClr val="000000"/>
+                </a:solidFill>
+                <a:effectLst/>
+                <a:latin typeface="Arial"/>
+                <a:ea typeface="Arial"/>
+                <a:cs typeface="Arial"/>
+                <a:sym typeface="Arial"/>
+              </a:rPr>
+              <a:t>La fluctuación en la cantidad de Rb y Bcl-2 depende de unas proteínas llamadas citoquinas. El efecto que percibe una célula T depende, no solo de la cantidad de estas en el ambiente, sino también del número de receptores de membrana de la célula.</a:t>
+            </a:r>
+          </a:p>
+          <a:p>
+            <a:pPr lvl="0"/>
+            <a:r>
+              <a:rPr lang="es-ES" sz="1100" b="0" i="0" u="none" strike="noStrike" cap="none" dirty="0">
+                <a:solidFill>
+                  <a:srgbClr val="000000"/>
+                </a:solidFill>
+                <a:effectLst/>
+                <a:latin typeface="Arial"/>
+                <a:ea typeface="Arial"/>
+                <a:cs typeface="Arial"/>
+                <a:sym typeface="Arial"/>
+              </a:rPr>
+              <a:t>Cuando se dividen las células naïve, su descendencia puede diferenciarse en una célula T efectora o en una célula T de memoria. Una vez diferenciadas la división es simétrica.</a:t>
+            </a:r>
+          </a:p>
+          <a:p>
             <a:pPr marL="0" lvl="0" indent="0" algn="l" rtl="0">
               <a:spcBef>
                 <a:spcPts val="0"/>
@@ -7985,7 +8568,7 @@
               </a:spcAft>
               <a:buNone/>
             </a:pPr>
-            <a:endParaRPr/>
+            <a:endParaRPr dirty="0"/>
           </a:p>
         </p:txBody>
       </p:sp>
@@ -8085,6 +8668,133 @@
           </a:bodyPr>
           <a:lstStyle/>
           <a:p>
+            <a:r>
+              <a:rPr lang="es-ES" sz="1100" b="0" i="0" u="none" strike="noStrike" cap="none" dirty="0">
+                <a:solidFill>
+                  <a:srgbClr val="000000"/>
+                </a:solidFill>
+                <a:effectLst/>
+                <a:latin typeface="Arial"/>
+                <a:ea typeface="Arial"/>
+                <a:cs typeface="Arial"/>
+                <a:sym typeface="Arial"/>
+              </a:rPr>
+              <a:t>Con el primer sistema ponemos de manifiesto que las concentraciones de Rb y Bcl-2, representadas por c(t) y a(t), respectivamente, dependen del número de señales TCR/antígeno</a:t>
+            </a:r>
+          </a:p>
+          <a:p>
+            <a:r>
+              <a:rPr lang="es-ES" sz="1100" b="0" i="0" u="none" strike="noStrike" cap="none" dirty="0">
+                <a:solidFill>
+                  <a:srgbClr val="000000"/>
+                </a:solidFill>
+                <a:effectLst/>
+                <a:latin typeface="Arial"/>
+                <a:ea typeface="Arial"/>
+                <a:cs typeface="Arial"/>
+                <a:sym typeface="Arial"/>
+              </a:rPr>
+              <a:t>(</a:t>
+            </a:r>
+            <a:r>
+              <a:rPr lang="es-ES" sz="1100" b="0" i="0" u="none" strike="noStrike" cap="none" dirty="0" err="1">
+                <a:solidFill>
+                  <a:srgbClr val="000000"/>
+                </a:solidFill>
+                <a:effectLst/>
+                <a:latin typeface="Arial"/>
+                <a:ea typeface="Arial"/>
+                <a:cs typeface="Arial"/>
+                <a:sym typeface="Arial"/>
+              </a:rPr>
+              <a:t>rT</a:t>
+            </a:r>
+            <a:r>
+              <a:rPr lang="es-ES" sz="1100" b="0" i="0" u="none" strike="noStrike" cap="none" dirty="0">
+                <a:solidFill>
+                  <a:srgbClr val="000000"/>
+                </a:solidFill>
+                <a:effectLst/>
+                <a:latin typeface="Arial"/>
+                <a:ea typeface="Arial"/>
+                <a:cs typeface="Arial"/>
+                <a:sym typeface="Arial"/>
+              </a:rPr>
+              <a:t> ) y, del número de receptores de membrana que posea la célula en cuestión (</a:t>
+            </a:r>
+            <a:r>
+              <a:rPr lang="es-ES" sz="1100" b="0" i="0" u="none" strike="noStrike" cap="none" dirty="0" err="1">
+                <a:solidFill>
+                  <a:srgbClr val="000000"/>
+                </a:solidFill>
+                <a:effectLst/>
+                <a:latin typeface="Arial"/>
+                <a:ea typeface="Arial"/>
+                <a:cs typeface="Arial"/>
+                <a:sym typeface="Arial"/>
+              </a:rPr>
+              <a:t>ri</a:t>
+            </a:r>
+            <a:r>
+              <a:rPr lang="es-ES" sz="1100" b="0" i="0" u="none" strike="noStrike" cap="none" dirty="0">
+                <a:solidFill>
+                  <a:srgbClr val="000000"/>
+                </a:solidFill>
+                <a:effectLst/>
+                <a:latin typeface="Arial"/>
+                <a:ea typeface="Arial"/>
+                <a:cs typeface="Arial"/>
+                <a:sym typeface="Arial"/>
+              </a:rPr>
+              <a:t>). </a:t>
+            </a:r>
+          </a:p>
+          <a:p>
+            <a:r>
+              <a:rPr lang="es-ES" sz="1100" b="0" i="0" u="none" strike="noStrike" cap="none" dirty="0">
+                <a:solidFill>
+                  <a:srgbClr val="000000"/>
+                </a:solidFill>
+                <a:effectLst/>
+                <a:latin typeface="Arial"/>
+                <a:ea typeface="Arial"/>
+                <a:cs typeface="Arial"/>
+                <a:sym typeface="Arial"/>
+              </a:rPr>
+              <a:t> </a:t>
+            </a:r>
+          </a:p>
+          <a:p>
+            <a:r>
+              <a:rPr lang="es-ES" sz="1100" b="0" i="0" u="none" strike="noStrike" cap="none" dirty="0">
+                <a:solidFill>
+                  <a:srgbClr val="000000"/>
+                </a:solidFill>
+                <a:effectLst/>
+                <a:latin typeface="Arial"/>
+                <a:ea typeface="Arial"/>
+                <a:cs typeface="Arial"/>
+                <a:sym typeface="Arial"/>
+              </a:rPr>
+              <a:t>Así mismo, asumimos que los receptores de membrana involucrados en el algoritmo de decisión de las células T son independientes y tienen efectos aditivos. De acuerdo</a:t>
+            </a:r>
+          </a:p>
+          <a:p>
+            <a:r>
+              <a:rPr lang="es-ES" sz="1100" b="0" i="0" u="none" strike="noStrike" cap="none" dirty="0">
+                <a:solidFill>
+                  <a:srgbClr val="000000"/>
+                </a:solidFill>
+                <a:effectLst/>
+                <a:latin typeface="Arial"/>
+                <a:ea typeface="Arial"/>
+                <a:cs typeface="Arial"/>
+                <a:sym typeface="Arial"/>
+              </a:rPr>
+              <a:t>con estas relaciones lineales obtenemos un modelo robusto, puesto que configuraciones similares de receptores de membrana provocan decisiones celulares similares.</a:t>
+            </a:r>
+          </a:p>
+          <a:p>
             <a:pPr marL="0" lvl="0" indent="0" algn="l" rtl="0">
               <a:spcBef>
                 <a:spcPts val="0"/>
@@ -8094,7 +8804,7 @@
               </a:spcAft>
               <a:buNone/>
             </a:pPr>
-            <a:endParaRPr/>
+            <a:endParaRPr dirty="0"/>
           </a:p>
         </p:txBody>
       </p:sp>
@@ -8194,6 +8904,96 @@
           </a:bodyPr>
           <a:lstStyle/>
           <a:p>
+            <a:r>
+              <a:rPr lang="es-ES" sz="1100" b="0" i="0" u="none" strike="noStrike" cap="none" dirty="0">
+                <a:solidFill>
+                  <a:srgbClr val="000000"/>
+                </a:solidFill>
+                <a:effectLst/>
+                <a:latin typeface="Arial"/>
+                <a:ea typeface="Arial"/>
+                <a:cs typeface="Arial"/>
+                <a:sym typeface="Arial"/>
+              </a:rPr>
+              <a:t>La primera ecuación modela la interacción del patógeno (y) con las células T (n). </a:t>
+            </a:r>
+          </a:p>
+          <a:p>
+            <a:r>
+              <a:rPr lang="es-ES" sz="1100" b="0" i="0" u="none" strike="noStrike" cap="none" dirty="0">
+                <a:solidFill>
+                  <a:srgbClr val="000000"/>
+                </a:solidFill>
+                <a:effectLst/>
+                <a:latin typeface="Arial"/>
+                <a:ea typeface="Arial"/>
+                <a:cs typeface="Arial"/>
+                <a:sym typeface="Arial"/>
+              </a:rPr>
+              <a:t>Según esta el patógeno aumenta su población hasta que el número de células T alcanza cierto valor crítico. En ese momento, la derivada de y(t) se hace negativa y, en consecuencia, y(t) comienza a decrecer. A su vez, en ausencia de células T, el patógeno crece de manera exponencial.</a:t>
+            </a:r>
+          </a:p>
+          <a:p>
+            <a:pPr marL="139700" indent="0">
+              <a:buNone/>
+            </a:pPr>
+            <a:endParaRPr lang="es-ES" sz="1100" b="0" i="0" u="none" strike="noStrike" cap="none" dirty="0">
+              <a:solidFill>
+                <a:srgbClr val="000000"/>
+              </a:solidFill>
+              <a:effectLst/>
+              <a:latin typeface="Arial"/>
+              <a:ea typeface="Arial"/>
+              <a:cs typeface="Arial"/>
+              <a:sym typeface="Arial"/>
+            </a:endParaRPr>
+          </a:p>
+          <a:p>
+            <a:r>
+              <a:rPr lang="es-ES" sz="1100" b="0" i="0" u="none" strike="noStrike" cap="none" dirty="0">
+                <a:solidFill>
+                  <a:srgbClr val="000000"/>
+                </a:solidFill>
+                <a:effectLst/>
+                <a:latin typeface="Arial"/>
+                <a:ea typeface="Arial"/>
+                <a:cs typeface="Arial"/>
+                <a:sym typeface="Arial"/>
+              </a:rPr>
+              <a:t>Además, asumiremos que las señales captadas por el TCR de una célula T son proporcionales al número de encuentros que tenga con el antígeno.</a:t>
+            </a:r>
+          </a:p>
+          <a:p>
+            <a:pPr marL="139700" indent="0">
+              <a:buNone/>
+            </a:pPr>
+            <a:endParaRPr lang="es-ES" sz="1100" b="0" i="0" u="none" strike="noStrike" cap="none" dirty="0">
+              <a:solidFill>
+                <a:srgbClr val="000000"/>
+              </a:solidFill>
+              <a:effectLst/>
+              <a:latin typeface="Arial"/>
+              <a:ea typeface="Arial"/>
+              <a:cs typeface="Arial"/>
+              <a:sym typeface="Arial"/>
+            </a:endParaRPr>
+          </a:p>
+          <a:p>
+            <a:r>
+              <a:rPr lang="es-ES" sz="1100" b="0" i="0" u="none" strike="noStrike" cap="none" dirty="0">
+                <a:solidFill>
+                  <a:srgbClr val="000000"/>
+                </a:solidFill>
+                <a:effectLst/>
+                <a:latin typeface="Arial"/>
+                <a:ea typeface="Arial"/>
+                <a:cs typeface="Arial"/>
+                <a:sym typeface="Arial"/>
+              </a:rPr>
+              <a:t>Según la 3, las células T que ya se han diferenciado se dividen de manera simétrica y reparten sus receptores de membrana entre sus dos células hijas como sugiere la tercera ecuación. </a:t>
+            </a:r>
+          </a:p>
+          <a:p>
             <a:pPr marL="0" lvl="0" indent="0" algn="l" rtl="0">
               <a:spcBef>
                 <a:spcPts val="0"/>
@@ -8203,7 +9003,7 @@
               </a:spcAft>
               <a:buNone/>
             </a:pPr>
-            <a:endParaRPr/>
+            <a:endParaRPr dirty="0"/>
           </a:p>
         </p:txBody>
       </p:sp>
@@ -12716,7 +13516,7 @@
             </p:nvSpPr>
             <p:spPr>
               <a:blipFill>
-                <a:blip r:embed="rId2"/>
+                <a:blip r:embed="rId3"/>
                 <a:stretch>
                   <a:fillRect/>
                 </a:stretch>
@@ -12752,7 +13552,7 @@
           <p:nvPr/>
         </p:nvPicPr>
         <p:blipFill>
-          <a:blip r:embed="rId3"/>
+          <a:blip r:embed="rId4"/>
           <a:stretch>
             <a:fillRect/>
           </a:stretch>
@@ -12900,7 +13700,7 @@
                 <a:ext cx="3496500" cy="762601"/>
               </a:xfrm>
               <a:blipFill>
-                <a:blip r:embed="rId4"/>
+                <a:blip r:embed="rId5"/>
                 <a:stretch>
                   <a:fillRect/>
                 </a:stretch>
@@ -12974,7 +13774,7 @@
           <p:nvPr/>
         </p:nvPicPr>
         <p:blipFill>
-          <a:blip r:embed="rId5"/>
+          <a:blip r:embed="rId6"/>
           <a:stretch>
             <a:fillRect/>
           </a:stretch>
@@ -13121,7 +13921,7 @@
                 <a:avLst/>
               </a:prstGeom>
               <a:blipFill>
-                <a:blip r:embed="rId6"/>
+                <a:blip r:embed="rId7"/>
                 <a:stretch>
                   <a:fillRect b="-9091"/>
                 </a:stretch>
@@ -13542,7 +14342,7 @@
           <p:nvPr/>
         </p:nvPicPr>
         <p:blipFill>
-          <a:blip r:embed="rId2"/>
+          <a:blip r:embed="rId3"/>
           <a:stretch>
             <a:fillRect/>
           </a:stretch>

--- a/Defensa/transparenciasDefensa.pptx
+++ b/Defensa/transparenciasDefensa.pptx
@@ -2691,7 +2691,7 @@
   <dgm:whole/>
   <dgm:extLst>
     <a:ext uri="http://schemas.microsoft.com/office/drawing/2008/diagram">
-      <dsp:dataModelExt xmlns:dsp="http://schemas.microsoft.com/office/drawing/2008/diagram" relId="rId6" minVer="http://schemas.openxmlformats.org/drawingml/2006/diagram"/>
+      <dsp:dataModelExt xmlns:dsp="http://schemas.microsoft.com/office/drawing/2008/diagram" relId="rId7" minVer="http://schemas.openxmlformats.org/drawingml/2006/diagram"/>
     </a:ext>
   </dgm:extLst>
 </dgm:dataModel>
@@ -7329,6 +7329,678 @@
 </file>
 
 <file path=ppt/notesSlides/notesSlide13.xml><?xml version="1.0" encoding="utf-8"?>
+<p:notes xmlns:a="http://schemas.openxmlformats.org/drawingml/2006/main" xmlns:r="http://schemas.openxmlformats.org/officeDocument/2006/relationships" xmlns:p="http://schemas.openxmlformats.org/presentationml/2006/main">
+  <p:cSld>
+    <p:spTree>
+      <p:nvGrpSpPr>
+        <p:cNvPr id="1" name=""/>
+        <p:cNvGrpSpPr/>
+        <p:nvPr/>
+      </p:nvGrpSpPr>
+      <p:grpSpPr>
+        <a:xfrm>
+          <a:off x="0" y="0"/>
+          <a:ext cx="0" cy="0"/>
+          <a:chOff x="0" y="0"/>
+          <a:chExt cx="0" cy="0"/>
+        </a:xfrm>
+      </p:grpSpPr>
+      <p:sp>
+        <p:nvSpPr>
+          <p:cNvPr id="2" name="Marcador de imagen de diapositiva 1"/>
+          <p:cNvSpPr>
+            <a:spLocks noGrp="1" noRot="1" noChangeAspect="1"/>
+          </p:cNvSpPr>
+          <p:nvPr>
+            <p:ph type="sldImg"/>
+          </p:nvPr>
+        </p:nvSpPr>
+        <p:spPr>
+          <a:xfrm>
+            <a:off x="381000" y="685800"/>
+            <a:ext cx="6096000" cy="3429000"/>
+          </a:xfrm>
+        </p:spPr>
+      </p:sp>
+      <p:sp>
+        <p:nvSpPr>
+          <p:cNvPr id="3" name="Marcador de notas 2"/>
+          <p:cNvSpPr>
+            <a:spLocks noGrp="1"/>
+          </p:cNvSpPr>
+          <p:nvPr>
+            <p:ph type="body" idx="1"/>
+          </p:nvPr>
+        </p:nvSpPr>
+        <p:spPr/>
+        <p:txBody>
+          <a:bodyPr/>
+          <a:lstStyle/>
+          <a:p>
+            <a:r>
+              <a:rPr lang="es-ES" sz="1100" b="0" i="0" u="none" strike="noStrike" cap="none" dirty="0">
+                <a:solidFill>
+                  <a:srgbClr val="000000"/>
+                </a:solidFill>
+                <a:effectLst/>
+                <a:latin typeface="Arial"/>
+                <a:ea typeface="Arial"/>
+                <a:cs typeface="Arial"/>
+                <a:sym typeface="Arial"/>
+              </a:rPr>
+              <a:t>Se entiende como situación de intolerancia al patógeno aquella en la que las </a:t>
+            </a:r>
+            <a:r>
+              <a:rPr lang="es-ES" sz="1100" b="0" i="0" u="none" strike="noStrike" cap="none" dirty="0" err="1">
+                <a:solidFill>
+                  <a:srgbClr val="000000"/>
+                </a:solidFill>
+                <a:effectLst/>
+                <a:latin typeface="Arial"/>
+                <a:ea typeface="Arial"/>
+                <a:cs typeface="Arial"/>
+                <a:sym typeface="Arial"/>
+              </a:rPr>
+              <a:t>célulasT</a:t>
+            </a:r>
+            <a:r>
+              <a:rPr lang="es-ES" sz="1100" b="0" i="0" u="none" strike="noStrike" cap="none" dirty="0">
+                <a:solidFill>
+                  <a:srgbClr val="000000"/>
+                </a:solidFill>
+                <a:effectLst/>
+                <a:latin typeface="Arial"/>
+                <a:ea typeface="Arial"/>
+                <a:cs typeface="Arial"/>
+                <a:sym typeface="Arial"/>
+              </a:rPr>
+              <a:t> son capaces de controlar la infección y eliminar por completo al agente infeccioso.</a:t>
+            </a:r>
+          </a:p>
+          <a:p>
+            <a:r>
+              <a:rPr lang="es-ES" sz="1100" b="0" i="0" u="none" strike="noStrike" cap="none" dirty="0">
+                <a:solidFill>
+                  <a:srgbClr val="000000"/>
+                </a:solidFill>
+                <a:effectLst/>
+                <a:latin typeface="Arial"/>
+                <a:ea typeface="Arial"/>
+                <a:cs typeface="Arial"/>
+                <a:sym typeface="Arial"/>
+              </a:rPr>
+              <a:t>En la primera figura se puede observar que el patógeno, representado con una línea roja, crece rápidamente. Una vez que las células T son conscientes de la rápida proliferación de un agente no deseado, su número comienza a crecer. Sin embargo, esto se produce con cierto retraso tras la aparición del patógeno. Lo que estamos describiendo es la conocida expansión clonal.</a:t>
+            </a:r>
+          </a:p>
+          <a:p>
+            <a:r>
+              <a:rPr lang="es-ES" sz="1100" b="0" i="0" u="none" strike="noStrike" cap="none" dirty="0">
+                <a:solidFill>
+                  <a:srgbClr val="000000"/>
+                </a:solidFill>
+                <a:effectLst/>
+                <a:latin typeface="Arial"/>
+                <a:ea typeface="Arial"/>
+                <a:cs typeface="Arial"/>
+                <a:sym typeface="Arial"/>
+              </a:rPr>
+              <a:t>Debido a que los receptores de proliferación, p, autorregulan los receptores de muerte, d, se observa cómo, tras el aumento en el número de células T, le sigue la contracción clonal, restaurando así los niveles de población.</a:t>
+            </a:r>
+          </a:p>
+          <a:p>
+            <a:r>
+              <a:rPr lang="es-ES" sz="1100" b="0" i="0" u="none" strike="noStrike" cap="none" dirty="0">
+                <a:solidFill>
+                  <a:srgbClr val="000000"/>
+                </a:solidFill>
+                <a:effectLst/>
+                <a:latin typeface="Arial"/>
+                <a:ea typeface="Arial"/>
+                <a:cs typeface="Arial"/>
+                <a:sym typeface="Arial"/>
+              </a:rPr>
+              <a:t>En cuanto a las células T de memoria vemos como su población queda reducida a un 5 - 10% de la población de células T.</a:t>
+            </a:r>
+          </a:p>
+          <a:p>
+            <a:pPr marL="139700" indent="0">
+              <a:buNone/>
+            </a:pPr>
+            <a:endParaRPr lang="es-ES" sz="1100" b="0" i="0" u="none" strike="noStrike" cap="none" dirty="0">
+              <a:solidFill>
+                <a:srgbClr val="000000"/>
+              </a:solidFill>
+              <a:effectLst/>
+              <a:latin typeface="Arial"/>
+              <a:ea typeface="Arial"/>
+              <a:cs typeface="Arial"/>
+              <a:sym typeface="Arial"/>
+            </a:endParaRPr>
+          </a:p>
+          <a:p>
+            <a:r>
+              <a:rPr lang="es-ES" sz="1100" b="0" i="0" u="none" strike="noStrike" cap="none" dirty="0">
+                <a:solidFill>
+                  <a:srgbClr val="000000"/>
+                </a:solidFill>
+                <a:effectLst/>
+                <a:latin typeface="Arial"/>
+                <a:ea typeface="Arial"/>
+                <a:cs typeface="Arial"/>
+                <a:sym typeface="Arial"/>
+              </a:rPr>
+              <a:t>Como se puede ver en la Figura de la derecha, en este caso las células T no consiguen erradicar la infección.  Las células T comienzan la expansión clonal como respuesta a la presencia de patógeno. Este aumento de población inmune hace que la población del patógeno se vea afectada rápidamente, pues en este caso su tasa de reproducción es más baja. Es entonces cuando las células inmunes perciben que el patógeno ha sido eliminado con éxito y comienzan la contracción clonal, haciendo que su población decaiga hasta desaparecer (recordemos que los receptores de muerte (d) no inducen la formación de receptores de proliferación (p)). </a:t>
+            </a:r>
+          </a:p>
+          <a:p>
+            <a:endParaRPr lang="es-ES" dirty="0"/>
+          </a:p>
+        </p:txBody>
+      </p:sp>
+    </p:spTree>
+    <p:extLst>
+      <p:ext uri="{BB962C8B-B14F-4D97-AF65-F5344CB8AC3E}">
+        <p14:creationId xmlns:p14="http://schemas.microsoft.com/office/powerpoint/2010/main" val="3728936515"/>
+      </p:ext>
+    </p:extLst>
+  </p:cSld>
+  <p:clrMapOvr>
+    <a:masterClrMapping/>
+  </p:clrMapOvr>
+</p:notes>
+</file>
+
+<file path=ppt/notesSlides/notesSlide14.xml><?xml version="1.0" encoding="utf-8"?>
+<p:notes xmlns:a="http://schemas.openxmlformats.org/drawingml/2006/main" xmlns:r="http://schemas.openxmlformats.org/officeDocument/2006/relationships" xmlns:p="http://schemas.openxmlformats.org/presentationml/2006/main">
+  <p:cSld>
+    <p:spTree>
+      <p:nvGrpSpPr>
+        <p:cNvPr id="1" name=""/>
+        <p:cNvGrpSpPr/>
+        <p:nvPr/>
+      </p:nvGrpSpPr>
+      <p:grpSpPr>
+        <a:xfrm>
+          <a:off x="0" y="0"/>
+          <a:ext cx="0" cy="0"/>
+          <a:chOff x="0" y="0"/>
+          <a:chExt cx="0" cy="0"/>
+        </a:xfrm>
+      </p:grpSpPr>
+      <p:sp>
+        <p:nvSpPr>
+          <p:cNvPr id="2" name="Marcador de imagen de diapositiva 1"/>
+          <p:cNvSpPr>
+            <a:spLocks noGrp="1" noRot="1" noChangeAspect="1"/>
+          </p:cNvSpPr>
+          <p:nvPr>
+            <p:ph type="sldImg"/>
+          </p:nvPr>
+        </p:nvSpPr>
+        <p:spPr>
+          <a:xfrm>
+            <a:off x="381000" y="685800"/>
+            <a:ext cx="6096000" cy="3429000"/>
+          </a:xfrm>
+        </p:spPr>
+      </p:sp>
+      <p:sp>
+        <p:nvSpPr>
+          <p:cNvPr id="3" name="Marcador de notas 2"/>
+          <p:cNvSpPr>
+            <a:spLocks noGrp="1"/>
+          </p:cNvSpPr>
+          <p:nvPr>
+            <p:ph type="body" idx="1"/>
+          </p:nvPr>
+        </p:nvSpPr>
+        <p:spPr/>
+        <p:txBody>
+          <a:bodyPr/>
+          <a:lstStyle/>
+          <a:p>
+            <a:r>
+              <a:rPr lang="es-ES" sz="1100" b="0" i="0" u="none" strike="noStrike" cap="none" dirty="0">
+                <a:solidFill>
+                  <a:srgbClr val="000000"/>
+                </a:solidFill>
+                <a:effectLst/>
+                <a:latin typeface="Arial"/>
+                <a:ea typeface="Arial"/>
+                <a:cs typeface="Arial"/>
+                <a:sym typeface="Arial"/>
+              </a:rPr>
+              <a:t>Ahora veremos cómo se comportan distintas poblaciones de células T efectoras frente a un mismo patógeno, cuando presentan afinidades dispares al agente infeccioso. </a:t>
+            </a:r>
+          </a:p>
+          <a:p>
+            <a:r>
+              <a:rPr lang="es-ES" sz="1100" b="0" i="0" u="none" strike="noStrike" cap="none" dirty="0">
+                <a:solidFill>
+                  <a:srgbClr val="000000"/>
+                </a:solidFill>
+                <a:effectLst/>
+                <a:latin typeface="Arial"/>
+                <a:ea typeface="Arial"/>
+                <a:cs typeface="Arial"/>
+                <a:sym typeface="Arial"/>
+              </a:rPr>
+              <a:t>La diferencia en cuanto a expansión es considerable, la población más afín al patógeno es la que se reproduce a mayor velocidad.</a:t>
+            </a:r>
+          </a:p>
+          <a:p>
+            <a:r>
+              <a:rPr lang="es-ES" sz="1100" b="0" i="0" u="none" strike="noStrike" cap="none" dirty="0">
+                <a:solidFill>
+                  <a:srgbClr val="000000"/>
+                </a:solidFill>
+                <a:effectLst/>
+                <a:latin typeface="Arial"/>
+                <a:ea typeface="Arial"/>
+                <a:cs typeface="Arial"/>
+                <a:sym typeface="Arial"/>
+              </a:rPr>
+              <a:t>Pero... ¿qué pasaría si esta población inmunodominante desapareciera? Las poblaciones subdominantes se expanden más que antes para suplir la ausencia de la inmunodominante y controlar la infección. No debemos olvidar que la afinidad que tienen estas poblaciones al patógeno es menor y esto hace que este pueda crecer más en el mismo periodo de tiempo.</a:t>
+            </a:r>
+          </a:p>
+          <a:p>
+            <a:pPr marL="139700" indent="0">
+              <a:buNone/>
+            </a:pPr>
+            <a:endParaRPr lang="es-ES" dirty="0"/>
+          </a:p>
+        </p:txBody>
+      </p:sp>
+    </p:spTree>
+    <p:extLst>
+      <p:ext uri="{BB962C8B-B14F-4D97-AF65-F5344CB8AC3E}">
+        <p14:creationId xmlns:p14="http://schemas.microsoft.com/office/powerpoint/2010/main" val="825579200"/>
+      </p:ext>
+    </p:extLst>
+  </p:cSld>
+  <p:clrMapOvr>
+    <a:masterClrMapping/>
+  </p:clrMapOvr>
+</p:notes>
+</file>
+
+<file path=ppt/notesSlides/notesSlide15.xml><?xml version="1.0" encoding="utf-8"?>
+<p:notes xmlns:a="http://schemas.openxmlformats.org/drawingml/2006/main" xmlns:r="http://schemas.openxmlformats.org/officeDocument/2006/relationships" xmlns:p="http://schemas.openxmlformats.org/presentationml/2006/main" showMasterSp="0" showMasterPhAnim="0">
+  <p:cSld>
+    <p:spTree>
+      <p:nvGrpSpPr>
+        <p:cNvPr id="1" name="Shape 70"/>
+        <p:cNvGrpSpPr/>
+        <p:nvPr/>
+      </p:nvGrpSpPr>
+      <p:grpSpPr>
+        <a:xfrm>
+          <a:off x="0" y="0"/>
+          <a:ext cx="0" cy="0"/>
+          <a:chOff x="0" y="0"/>
+          <a:chExt cx="0" cy="0"/>
+        </a:xfrm>
+      </p:grpSpPr>
+      <p:sp>
+        <p:nvSpPr>
+          <p:cNvPr id="71" name="Google Shape;71;g35f391192_029:notes"/>
+          <p:cNvSpPr>
+            <a:spLocks noGrp="1" noRot="1" noChangeAspect="1"/>
+          </p:cNvSpPr>
+          <p:nvPr>
+            <p:ph type="sldImg" idx="2"/>
+          </p:nvPr>
+        </p:nvSpPr>
+        <p:spPr>
+          <a:xfrm>
+            <a:off x="381000" y="685800"/>
+            <a:ext cx="6096000" cy="3429000"/>
+          </a:xfrm>
+          <a:custGeom>
+            <a:avLst/>
+            <a:gdLst/>
+            <a:ahLst/>
+            <a:cxnLst/>
+            <a:rect l="l" t="t" r="r" b="b"/>
+            <a:pathLst>
+              <a:path w="120000" h="120000" extrusionOk="0">
+                <a:moveTo>
+                  <a:pt x="0" y="0"/>
+                </a:moveTo>
+                <a:lnTo>
+                  <a:pt x="120000" y="0"/>
+                </a:lnTo>
+                <a:lnTo>
+                  <a:pt x="120000" y="120000"/>
+                </a:lnTo>
+                <a:lnTo>
+                  <a:pt x="0" y="120000"/>
+                </a:lnTo>
+                <a:close/>
+              </a:path>
+            </a:pathLst>
+          </a:custGeom>
+        </p:spPr>
+      </p:sp>
+      <p:sp>
+        <p:nvSpPr>
+          <p:cNvPr id="72" name="Google Shape;72;g35f391192_029:notes"/>
+          <p:cNvSpPr txBox="1">
+            <a:spLocks noGrp="1"/>
+          </p:cNvSpPr>
+          <p:nvPr>
+            <p:ph type="body" idx="1"/>
+          </p:nvPr>
+        </p:nvSpPr>
+        <p:spPr>
+          <a:xfrm>
+            <a:off x="685800" y="4343400"/>
+            <a:ext cx="5486400" cy="4114800"/>
+          </a:xfrm>
+          <a:prstGeom prst="rect">
+            <a:avLst/>
+          </a:prstGeom>
+        </p:spPr>
+        <p:txBody>
+          <a:bodyPr spcFirstLastPara="1" wrap="square" lIns="91425" tIns="91425" rIns="91425" bIns="91425" anchor="t" anchorCtr="0">
+            <a:noAutofit/>
+          </a:bodyPr>
+          <a:lstStyle/>
+          <a:p>
+            <a:r>
+              <a:rPr lang="es-ES" sz="1100" b="0" i="0" u="none" strike="noStrike" cap="none" dirty="0">
+                <a:solidFill>
+                  <a:srgbClr val="000000"/>
+                </a:solidFill>
+                <a:effectLst/>
+                <a:latin typeface="Arial"/>
+                <a:ea typeface="Arial"/>
+                <a:cs typeface="Arial"/>
+                <a:sym typeface="Arial"/>
+              </a:rPr>
+              <a:t>Además del modelo microscópico, en este trabajo se incluye un algoritmo de decisión a nivel poblacional. </a:t>
+            </a:r>
+          </a:p>
+          <a:p>
+            <a:pPr marL="0" lvl="0" indent="0" algn="l" rtl="0">
+              <a:spcBef>
+                <a:spcPts val="0"/>
+              </a:spcBef>
+              <a:spcAft>
+                <a:spcPts val="0"/>
+              </a:spcAft>
+              <a:buNone/>
+            </a:pPr>
+            <a:endParaRPr dirty="0"/>
+          </a:p>
+        </p:txBody>
+      </p:sp>
+    </p:spTree>
+    <p:extLst>
+      <p:ext uri="{BB962C8B-B14F-4D97-AF65-F5344CB8AC3E}">
+        <p14:creationId xmlns:p14="http://schemas.microsoft.com/office/powerpoint/2010/main" val="4205928134"/>
+      </p:ext>
+    </p:extLst>
+  </p:cSld>
+  <p:clrMapOvr>
+    <a:masterClrMapping/>
+  </p:clrMapOvr>
+</p:notes>
+</file>
+
+<file path=ppt/notesSlides/notesSlide16.xml><?xml version="1.0" encoding="utf-8"?>
+<p:notes xmlns:a="http://schemas.openxmlformats.org/drawingml/2006/main" xmlns:r="http://schemas.openxmlformats.org/officeDocument/2006/relationships" xmlns:p="http://schemas.openxmlformats.org/presentationml/2006/main">
+  <p:cSld>
+    <p:spTree>
+      <p:nvGrpSpPr>
+        <p:cNvPr id="1" name=""/>
+        <p:cNvGrpSpPr/>
+        <p:nvPr/>
+      </p:nvGrpSpPr>
+      <p:grpSpPr>
+        <a:xfrm>
+          <a:off x="0" y="0"/>
+          <a:ext cx="0" cy="0"/>
+          <a:chOff x="0" y="0"/>
+          <a:chExt cx="0" cy="0"/>
+        </a:xfrm>
+      </p:grpSpPr>
+      <p:sp>
+        <p:nvSpPr>
+          <p:cNvPr id="2" name="Marcador de imagen de diapositiva 1"/>
+          <p:cNvSpPr>
+            <a:spLocks noGrp="1" noRot="1" noChangeAspect="1"/>
+          </p:cNvSpPr>
+          <p:nvPr>
+            <p:ph type="sldImg"/>
+          </p:nvPr>
+        </p:nvSpPr>
+        <p:spPr>
+          <a:xfrm>
+            <a:off x="381000" y="685800"/>
+            <a:ext cx="6096000" cy="3429000"/>
+          </a:xfrm>
+        </p:spPr>
+      </p:sp>
+      <p:sp>
+        <p:nvSpPr>
+          <p:cNvPr id="3" name="Marcador de notas 2"/>
+          <p:cNvSpPr>
+            <a:spLocks noGrp="1"/>
+          </p:cNvSpPr>
+          <p:nvPr>
+            <p:ph type="body" idx="1"/>
+          </p:nvPr>
+        </p:nvSpPr>
+        <p:spPr/>
+        <p:txBody>
+          <a:bodyPr/>
+          <a:lstStyle/>
+          <a:p>
+            <a:r>
+              <a:rPr lang="es-ES" sz="1100" b="0" i="0" u="none" strike="noStrike" cap="none" dirty="0">
+                <a:solidFill>
+                  <a:srgbClr val="000000"/>
+                </a:solidFill>
+                <a:effectLst/>
+                <a:latin typeface="Arial"/>
+                <a:ea typeface="Arial"/>
+                <a:cs typeface="Arial"/>
+                <a:sym typeface="Arial"/>
+              </a:rPr>
+              <a:t>nos centraremos en dos características de la dinámica de población de las células T: </a:t>
+            </a:r>
+          </a:p>
+          <a:p>
+            <a:r>
+              <a:rPr lang="es-ES" sz="1100" b="0" i="0" u="none" strike="noStrike" cap="none" dirty="0">
+                <a:solidFill>
+                  <a:srgbClr val="000000"/>
+                </a:solidFill>
+                <a:effectLst/>
+                <a:latin typeface="Arial"/>
+                <a:ea typeface="Arial"/>
+                <a:cs typeface="Arial"/>
+                <a:sym typeface="Arial"/>
+              </a:rPr>
+              <a:t>la elasticidad (la población se expande y se contrae, dando lugar a lo que se conoce como expansión y contracción clonal) </a:t>
+            </a:r>
+          </a:p>
+          <a:p>
+            <a:r>
+              <a:rPr lang="es-ES" sz="1100" b="0" i="0" u="none" strike="noStrike" cap="none" dirty="0">
+                <a:solidFill>
+                  <a:srgbClr val="000000"/>
+                </a:solidFill>
+                <a:effectLst/>
+                <a:latin typeface="Arial"/>
+                <a:ea typeface="Arial"/>
+                <a:cs typeface="Arial"/>
+                <a:sym typeface="Arial"/>
+              </a:rPr>
+              <a:t>y la inercia (la contracción clonal se presenta con retraso tras la desaparición del patógeno)</a:t>
+            </a:r>
+          </a:p>
+          <a:p>
+            <a:endParaRPr lang="es-ES" dirty="0"/>
+          </a:p>
+        </p:txBody>
+      </p:sp>
+    </p:spTree>
+    <p:extLst>
+      <p:ext uri="{BB962C8B-B14F-4D97-AF65-F5344CB8AC3E}">
+        <p14:creationId xmlns:p14="http://schemas.microsoft.com/office/powerpoint/2010/main" val="3065843806"/>
+      </p:ext>
+    </p:extLst>
+  </p:cSld>
+  <p:clrMapOvr>
+    <a:masterClrMapping/>
+  </p:clrMapOvr>
+</p:notes>
+</file>
+
+<file path=ppt/notesSlides/notesSlide17.xml><?xml version="1.0" encoding="utf-8"?>
+<p:notes xmlns:a="http://schemas.openxmlformats.org/drawingml/2006/main" xmlns:r="http://schemas.openxmlformats.org/officeDocument/2006/relationships" xmlns:p="http://schemas.openxmlformats.org/presentationml/2006/main">
+  <p:cSld>
+    <p:spTree>
+      <p:nvGrpSpPr>
+        <p:cNvPr id="1" name=""/>
+        <p:cNvGrpSpPr/>
+        <p:nvPr/>
+      </p:nvGrpSpPr>
+      <p:grpSpPr>
+        <a:xfrm>
+          <a:off x="0" y="0"/>
+          <a:ext cx="0" cy="0"/>
+          <a:chOff x="0" y="0"/>
+          <a:chExt cx="0" cy="0"/>
+        </a:xfrm>
+      </p:grpSpPr>
+      <p:sp>
+        <p:nvSpPr>
+          <p:cNvPr id="2" name="Marcador de imagen de diapositiva 1"/>
+          <p:cNvSpPr>
+            <a:spLocks noGrp="1" noRot="1" noChangeAspect="1"/>
+          </p:cNvSpPr>
+          <p:nvPr>
+            <p:ph type="sldImg"/>
+          </p:nvPr>
+        </p:nvSpPr>
+        <p:spPr>
+          <a:xfrm>
+            <a:off x="381000" y="685800"/>
+            <a:ext cx="6096000" cy="3429000"/>
+          </a:xfrm>
+        </p:spPr>
+      </p:sp>
+      <p:sp>
+        <p:nvSpPr>
+          <p:cNvPr id="3" name="Marcador de notas 2"/>
+          <p:cNvSpPr>
+            <a:spLocks noGrp="1"/>
+          </p:cNvSpPr>
+          <p:nvPr>
+            <p:ph type="body" idx="1"/>
+          </p:nvPr>
+        </p:nvSpPr>
+        <p:spPr/>
+        <p:txBody>
+          <a:bodyPr/>
+          <a:lstStyle/>
+          <a:p>
+            <a:r>
+              <a:rPr lang="es-ES" sz="1100" b="0" i="0" u="none" strike="noStrike" cap="none" dirty="0">
+                <a:solidFill>
+                  <a:srgbClr val="000000"/>
+                </a:solidFill>
+                <a:effectLst/>
+                <a:latin typeface="Arial"/>
+                <a:ea typeface="Arial"/>
+                <a:cs typeface="Arial"/>
+                <a:sym typeface="Arial"/>
+              </a:rPr>
+              <a:t>En este caso se modela la dinámica de las células T efectoras como el balance entre dos fuerzas opuestas actuando sobre la población: una fuerza por parte del antígeno causada por la presencia del patógeno y una fuerza intrínseca elástica que devuelve a la población a su estado inicial.</a:t>
+            </a:r>
+          </a:p>
+          <a:p>
+            <a:r>
+              <a:rPr lang="es-ES" sz="1100" b="0" i="0" u="none" strike="noStrike" cap="none" dirty="0">
+                <a:solidFill>
+                  <a:srgbClr val="000000"/>
+                </a:solidFill>
+                <a:effectLst/>
+                <a:latin typeface="Arial"/>
+                <a:ea typeface="Arial"/>
+                <a:cs typeface="Arial"/>
+                <a:sym typeface="Arial"/>
+              </a:rPr>
+              <a:t>En concreto, asumiremos que la fuerza que ejerce el antígeno es proporcional al número de células del patógeno y modelaremos la elasticidad mediante la Ley de Hooke, que establece que la fuerza necesaria para restablecer el equilibrio una vez que la población ha llegado a cierto valor es proporcional a dicho valor.</a:t>
+            </a:r>
+          </a:p>
+          <a:p>
+            <a:r>
+              <a:rPr lang="es-ES" sz="1100" b="0" i="0" u="none" strike="noStrike" cap="none" dirty="0">
+                <a:solidFill>
+                  <a:srgbClr val="000000"/>
+                </a:solidFill>
+                <a:effectLst/>
+                <a:latin typeface="Arial"/>
+                <a:ea typeface="Arial"/>
+                <a:cs typeface="Arial"/>
+                <a:sym typeface="Arial"/>
+              </a:rPr>
+              <a:t>También asumiremos que el patógeno prolifera con una ratio constante y que serán eliminados por la acción de las células T de manera proporcional a sus encuentros mutuos, al igual que en el modelo anterior.</a:t>
+            </a:r>
+          </a:p>
+          <a:p>
+            <a:pPr marL="139700" indent="0">
+              <a:buNone/>
+            </a:pPr>
+            <a:endParaRPr lang="es-ES" sz="1100" b="0" i="0" u="none" strike="noStrike" cap="none" dirty="0">
+              <a:solidFill>
+                <a:srgbClr val="000000"/>
+              </a:solidFill>
+              <a:effectLst/>
+              <a:latin typeface="Arial"/>
+              <a:ea typeface="Arial"/>
+              <a:cs typeface="Arial"/>
+              <a:sym typeface="Arial"/>
+            </a:endParaRPr>
+          </a:p>
+          <a:p>
+            <a:r>
+              <a:rPr lang="es-ES" sz="1100" b="0" i="0" u="none" strike="noStrike" cap="none" dirty="0">
+                <a:solidFill>
+                  <a:srgbClr val="000000"/>
+                </a:solidFill>
+                <a:effectLst/>
+                <a:latin typeface="Arial"/>
+                <a:ea typeface="Arial"/>
+                <a:cs typeface="Arial"/>
+                <a:sym typeface="Arial"/>
+              </a:rPr>
+              <a:t>También puede expresarse de manera adimensional, reduciendo el número de parámetros a dos.</a:t>
+            </a:r>
+          </a:p>
+          <a:p>
+            <a:endParaRPr lang="es-ES" dirty="0"/>
+          </a:p>
+        </p:txBody>
+      </p:sp>
+    </p:spTree>
+    <p:extLst>
+      <p:ext uri="{BB962C8B-B14F-4D97-AF65-F5344CB8AC3E}">
+        <p14:creationId xmlns:p14="http://schemas.microsoft.com/office/powerpoint/2010/main" val="3348238775"/>
+      </p:ext>
+    </p:extLst>
+  </p:cSld>
+  <p:clrMapOvr>
+    <a:masterClrMapping/>
+  </p:clrMapOvr>
+</p:notes>
+</file>
+
+<file path=ppt/notesSlides/notesSlide18.xml><?xml version="1.0" encoding="utf-8"?>
 <p:notes xmlns:a="http://schemas.openxmlformats.org/drawingml/2006/main" xmlns:r="http://schemas.openxmlformats.org/officeDocument/2006/relationships" xmlns:p="http://schemas.openxmlformats.org/presentationml/2006/main" showMasterSp="0" showMasterPhAnim="0">
   <p:cSld>
     <p:spTree>
@@ -7427,115 +8099,6 @@
     </p:spTree>
     <p:extLst>
       <p:ext uri="{BB962C8B-B14F-4D97-AF65-F5344CB8AC3E}">
-        <p14:creationId xmlns:p14="http://schemas.microsoft.com/office/powerpoint/2010/main" val="4205928134"/>
-      </p:ext>
-    </p:extLst>
-  </p:cSld>
-  <p:clrMapOvr>
-    <a:masterClrMapping/>
-  </p:clrMapOvr>
-</p:notes>
-</file>
-
-<file path=ppt/notesSlides/notesSlide14.xml><?xml version="1.0" encoding="utf-8"?>
-<p:notes xmlns:a="http://schemas.openxmlformats.org/drawingml/2006/main" xmlns:r="http://schemas.openxmlformats.org/officeDocument/2006/relationships" xmlns:p="http://schemas.openxmlformats.org/presentationml/2006/main" showMasterSp="0" showMasterPhAnim="0">
-  <p:cSld>
-    <p:spTree>
-      <p:nvGrpSpPr>
-        <p:cNvPr id="1" name="Shape 70"/>
-        <p:cNvGrpSpPr/>
-        <p:nvPr/>
-      </p:nvGrpSpPr>
-      <p:grpSpPr>
-        <a:xfrm>
-          <a:off x="0" y="0"/>
-          <a:ext cx="0" cy="0"/>
-          <a:chOff x="0" y="0"/>
-          <a:chExt cx="0" cy="0"/>
-        </a:xfrm>
-      </p:grpSpPr>
-      <p:sp>
-        <p:nvSpPr>
-          <p:cNvPr id="71" name="Google Shape;71;g35f391192_029:notes"/>
-          <p:cNvSpPr>
-            <a:spLocks noGrp="1" noRot="1" noChangeAspect="1"/>
-          </p:cNvSpPr>
-          <p:nvPr>
-            <p:ph type="sldImg" idx="2"/>
-          </p:nvPr>
-        </p:nvSpPr>
-        <p:spPr>
-          <a:xfrm>
-            <a:off x="381000" y="685800"/>
-            <a:ext cx="6096000" cy="3429000"/>
-          </a:xfrm>
-          <a:custGeom>
-            <a:avLst/>
-            <a:gdLst/>
-            <a:ahLst/>
-            <a:cxnLst/>
-            <a:rect l="l" t="t" r="r" b="b"/>
-            <a:pathLst>
-              <a:path w="120000" h="120000" extrusionOk="0">
-                <a:moveTo>
-                  <a:pt x="0" y="0"/>
-                </a:moveTo>
-                <a:lnTo>
-                  <a:pt x="120000" y="0"/>
-                </a:lnTo>
-                <a:lnTo>
-                  <a:pt x="120000" y="120000"/>
-                </a:lnTo>
-                <a:lnTo>
-                  <a:pt x="0" y="120000"/>
-                </a:lnTo>
-                <a:close/>
-              </a:path>
-            </a:pathLst>
-          </a:custGeom>
-        </p:spPr>
-      </p:sp>
-      <p:sp>
-        <p:nvSpPr>
-          <p:cNvPr id="72" name="Google Shape;72;g35f391192_029:notes"/>
-          <p:cNvSpPr txBox="1">
-            <a:spLocks noGrp="1"/>
-          </p:cNvSpPr>
-          <p:nvPr>
-            <p:ph type="body" idx="1"/>
-          </p:nvPr>
-        </p:nvSpPr>
-        <p:spPr>
-          <a:xfrm>
-            <a:off x="685800" y="4343400"/>
-            <a:ext cx="5486400" cy="4114800"/>
-          </a:xfrm>
-          <a:prstGeom prst="rect">
-            <a:avLst/>
-          </a:prstGeom>
-        </p:spPr>
-        <p:txBody>
-          <a:bodyPr spcFirstLastPara="1" wrap="square" lIns="91425" tIns="91425" rIns="91425" bIns="91425" anchor="t" anchorCtr="0">
-            <a:noAutofit/>
-          </a:bodyPr>
-          <a:lstStyle/>
-          <a:p>
-            <a:pPr marL="0" lvl="0" indent="0" algn="l" rtl="0">
-              <a:spcBef>
-                <a:spcPts val="0"/>
-              </a:spcBef>
-              <a:spcAft>
-                <a:spcPts val="0"/>
-              </a:spcAft>
-              <a:buNone/>
-            </a:pPr>
-            <a:endParaRPr/>
-          </a:p>
-        </p:txBody>
-      </p:sp>
-    </p:spTree>
-    <p:extLst>
-      <p:ext uri="{BB962C8B-B14F-4D97-AF65-F5344CB8AC3E}">
         <p14:creationId xmlns:p14="http://schemas.microsoft.com/office/powerpoint/2010/main" val="2167538617"/>
       </p:ext>
     </p:extLst>
@@ -7546,7 +8109,7 @@
 </p:notes>
 </file>
 
-<file path=ppt/notesSlides/notesSlide15.xml><?xml version="1.0" encoding="utf-8"?>
+<file path=ppt/notesSlides/notesSlide19.xml><?xml version="1.0" encoding="utf-8"?>
 <p:notes xmlns:a="http://schemas.openxmlformats.org/drawingml/2006/main" xmlns:r="http://schemas.openxmlformats.org/officeDocument/2006/relationships" xmlns:p="http://schemas.openxmlformats.org/presentationml/2006/main" showMasterSp="0" showMasterPhAnim="0">
   <p:cSld>
     <p:spTree>
@@ -7789,6 +8352,67 @@
     <p:extLst>
       <p:ext uri="{BB962C8B-B14F-4D97-AF65-F5344CB8AC3E}">
         <p14:creationId xmlns:p14="http://schemas.microsoft.com/office/powerpoint/2010/main" val="2137219675"/>
+      </p:ext>
+    </p:extLst>
+  </p:cSld>
+  <p:clrMapOvr>
+    <a:masterClrMapping/>
+  </p:clrMapOvr>
+</p:notes>
+</file>
+
+<file path=ppt/notesSlides/notesSlide20.xml><?xml version="1.0" encoding="utf-8"?>
+<p:notes xmlns:a="http://schemas.openxmlformats.org/drawingml/2006/main" xmlns:r="http://schemas.openxmlformats.org/officeDocument/2006/relationships" xmlns:p="http://schemas.openxmlformats.org/presentationml/2006/main">
+  <p:cSld>
+    <p:spTree>
+      <p:nvGrpSpPr>
+        <p:cNvPr id="1" name=""/>
+        <p:cNvGrpSpPr/>
+        <p:nvPr/>
+      </p:nvGrpSpPr>
+      <p:grpSpPr>
+        <a:xfrm>
+          <a:off x="0" y="0"/>
+          <a:ext cx="0" cy="0"/>
+          <a:chOff x="0" y="0"/>
+          <a:chExt cx="0" cy="0"/>
+        </a:xfrm>
+      </p:grpSpPr>
+      <p:sp>
+        <p:nvSpPr>
+          <p:cNvPr id="2" name="Marcador de imagen de diapositiva 1"/>
+          <p:cNvSpPr>
+            <a:spLocks noGrp="1" noRot="1" noChangeAspect="1"/>
+          </p:cNvSpPr>
+          <p:nvPr>
+            <p:ph type="sldImg"/>
+          </p:nvPr>
+        </p:nvSpPr>
+        <p:spPr/>
+      </p:sp>
+      <p:sp>
+        <p:nvSpPr>
+          <p:cNvPr id="3" name="Marcador de notas 2"/>
+          <p:cNvSpPr>
+            <a:spLocks noGrp="1"/>
+          </p:cNvSpPr>
+          <p:nvPr>
+            <p:ph type="body" idx="1"/>
+          </p:nvPr>
+        </p:nvSpPr>
+        <p:spPr/>
+        <p:txBody>
+          <a:bodyPr/>
+          <a:lstStyle/>
+          <a:p>
+            <a:endParaRPr lang="es-ES" dirty="0"/>
+          </a:p>
+        </p:txBody>
+      </p:sp>
+    </p:spTree>
+    <p:extLst>
+      <p:ext uri="{BB962C8B-B14F-4D97-AF65-F5344CB8AC3E}">
+        <p14:creationId xmlns:p14="http://schemas.microsoft.com/office/powerpoint/2010/main" val="1047978399"/>
       </p:ext>
     </p:extLst>
   </p:cSld>
@@ -15476,7 +16100,7 @@
           <p:nvPr/>
         </p:nvPicPr>
         <p:blipFill>
-          <a:blip r:embed="rId2"/>
+          <a:blip r:embed="rId3"/>
           <a:stretch>
             <a:fillRect/>
           </a:stretch>
@@ -15506,7 +16130,7 @@
           <p:nvPr/>
         </p:nvPicPr>
         <p:blipFill>
-          <a:blip r:embed="rId3"/>
+          <a:blip r:embed="rId4"/>
           <a:stretch>
             <a:fillRect/>
           </a:stretch>
@@ -15950,7 +16574,7 @@
                 <a:ext cx="2471100" cy="842683"/>
               </a:xfrm>
               <a:blipFill>
-                <a:blip r:embed="rId2"/>
+                <a:blip r:embed="rId3"/>
                 <a:stretch>
                   <a:fillRect b="-19565"/>
                 </a:stretch>
@@ -16004,7 +16628,7 @@
               <a:rPr lang="es-ES" sz="1400" dirty="0">
                 <a:sym typeface="Wingdings" panose="05000000000000000000" pitchFamily="2" charset="2"/>
               </a:rPr>
-              <a:t> Eliminación del clon inmunodominante</a:t>
+              <a:t>Eliminación del clon inmunodominante</a:t>
             </a:r>
             <a:endParaRPr lang="es-ES" sz="1400" dirty="0"/>
           </a:p>
@@ -16099,7 +16723,7 @@
           <p:nvPr/>
         </p:nvPicPr>
         <p:blipFill>
-          <a:blip r:embed="rId3"/>
+          <a:blip r:embed="rId4"/>
           <a:stretch>
             <a:fillRect/>
           </a:stretch>
@@ -16129,7 +16753,7 @@
           <p:nvPr/>
         </p:nvPicPr>
         <p:blipFill>
-          <a:blip r:embed="rId4"/>
+          <a:blip r:embed="rId5"/>
           <a:stretch>
             <a:fillRect/>
           </a:stretch>
@@ -16159,7 +16783,7 @@
           <p:nvPr/>
         </p:nvPicPr>
         <p:blipFill>
-          <a:blip r:embed="rId5"/>
+          <a:blip r:embed="rId6"/>
           <a:stretch>
             <a:fillRect/>
           </a:stretch>
@@ -16189,7 +16813,7 @@
           <p:nvPr/>
         </p:nvPicPr>
         <p:blipFill>
-          <a:blip r:embed="rId6"/>
+          <a:blip r:embed="rId7"/>
           <a:stretch>
             <a:fillRect/>
           </a:stretch>
@@ -16920,7 +17544,7 @@
         <p:spPr>
           <a:xfrm flipH="1">
             <a:off x="3917423" y="3763460"/>
-            <a:ext cx="2723646" cy="0"/>
+            <a:ext cx="2196938" cy="0"/>
           </a:xfrm>
           <a:prstGeom prst="line">
             <a:avLst/>
@@ -16993,7 +17617,7 @@
         <p:spPr>
           <a:xfrm>
             <a:off x="3051630" y="2856762"/>
-            <a:ext cx="1093919" cy="537004"/>
+            <a:ext cx="1093919" cy="461665"/>
           </a:xfrm>
           <a:prstGeom prst="rect">
             <a:avLst/>
@@ -17010,7 +17634,7 @@
               <a:rPr lang="es-ES" sz="1200" dirty="0">
                 <a:latin typeface="PT Serif" panose="020B0604020202020204" charset="0"/>
               </a:rPr>
-              <a:t>número de células T</a:t>
+              <a:t>número de células </a:t>
             </a:r>
           </a:p>
         </p:txBody>
@@ -17597,7 +18221,7 @@
           <p:nvPr/>
         </p:nvPicPr>
         <p:blipFill>
-          <a:blip r:embed="rId2"/>
+          <a:blip r:embed="rId3"/>
           <a:stretch>
             <a:fillRect/>
           </a:stretch>
@@ -17627,7 +18251,7 @@
           <p:nvPr/>
         </p:nvPicPr>
         <p:blipFill rotWithShape="1">
-          <a:blip r:embed="rId3"/>
+          <a:blip r:embed="rId4"/>
           <a:srcRect t="4197" b="1"/>
           <a:stretch/>
         </p:blipFill>
@@ -17877,7 +18501,7 @@
                 <a:avLst/>
               </a:prstGeom>
               <a:blipFill>
-                <a:blip r:embed="rId4"/>
+                <a:blip r:embed="rId5"/>
                 <a:stretch>
                   <a:fillRect t="-735" b="-5147"/>
                 </a:stretch>
@@ -19839,7 +20463,7 @@
         </p:xfrm>
         <a:graphic>
           <a:graphicData uri="http://schemas.openxmlformats.org/drawingml/2006/diagram">
-            <dgm:relIds xmlns:dgm="http://schemas.openxmlformats.org/drawingml/2006/diagram" xmlns:r="http://schemas.openxmlformats.org/officeDocument/2006/relationships" r:dm="rId2" r:lo="rId3" r:qs="rId4" r:cs="rId5"/>
+            <dgm:relIds xmlns:dgm="http://schemas.openxmlformats.org/drawingml/2006/diagram" xmlns:r="http://schemas.openxmlformats.org/officeDocument/2006/relationships" r:dm="rId3" r:lo="rId4" r:qs="rId5" r:cs="rId6"/>
           </a:graphicData>
         </a:graphic>
       </p:graphicFrame>
@@ -19858,7 +20482,7 @@
           <p:nvPr/>
         </p:nvPicPr>
         <p:blipFill>
-          <a:blip r:embed="rId7"/>
+          <a:blip r:embed="rId8"/>
           <a:stretch>
             <a:fillRect/>
           </a:stretch>
@@ -20029,7 +20653,7 @@
                 <a:avLst/>
               </a:prstGeom>
               <a:blipFill>
-                <a:blip r:embed="rId8"/>
+                <a:blip r:embed="rId9"/>
                 <a:stretch>
                   <a:fillRect l="-987" t="-1163" b="-10465"/>
                 </a:stretch>
@@ -20060,655 +20684,6 @@
   <p:clrMapOvr>
     <a:masterClrMapping/>
   </p:clrMapOvr>
-  <p:timing>
-    <p:tnLst>
-      <p:par>
-        <p:cTn id="1" dur="indefinite" restart="never" nodeType="tmRoot">
-          <p:childTnLst>
-            <p:seq concurrent="1" nextAc="seek">
-              <p:cTn id="2" dur="indefinite" nodeType="mainSeq">
-                <p:childTnLst>
-                  <p:par>
-                    <p:cTn id="3" fill="hold">
-                      <p:stCondLst>
-                        <p:cond delay="indefinite"/>
-                      </p:stCondLst>
-                      <p:childTnLst>
-                        <p:par>
-                          <p:cTn id="4" fill="hold">
-                            <p:stCondLst>
-                              <p:cond delay="0"/>
-                            </p:stCondLst>
-                            <p:childTnLst>
-                              <p:par>
-                                <p:cTn id="5" presetID="10" presetClass="entr" presetSubtype="0" fill="hold" grpId="0" nodeType="clickEffect">
-                                  <p:stCondLst>
-                                    <p:cond delay="0"/>
-                                  </p:stCondLst>
-                                  <p:childTnLst>
-                                    <p:set>
-                                      <p:cBhvr>
-                                        <p:cTn id="6" dur="1" fill="hold">
-                                          <p:stCondLst>
-                                            <p:cond delay="0"/>
-                                          </p:stCondLst>
-                                        </p:cTn>
-                                        <p:tgtEl>
-                                          <p:spTgt spid="6">
-                                            <p:graphicEl>
-                                              <a:dgm id="{54143F90-5DA0-438C-B1B6-69DEBDEDD35D}"/>
-                                            </p:graphicEl>
-                                          </p:spTgt>
-                                        </p:tgtEl>
-                                        <p:attrNameLst>
-                                          <p:attrName>style.visibility</p:attrName>
-                                        </p:attrNameLst>
-                                      </p:cBhvr>
-                                      <p:to>
-                                        <p:strVal val="visible"/>
-                                      </p:to>
-                                    </p:set>
-                                    <p:animEffect transition="in" filter="fade">
-                                      <p:cBhvr>
-                                        <p:cTn id="7" dur="500"/>
-                                        <p:tgtEl>
-                                          <p:spTgt spid="6">
-                                            <p:graphicEl>
-                                              <a:dgm id="{54143F90-5DA0-438C-B1B6-69DEBDEDD35D}"/>
-                                            </p:graphicEl>
-                                          </p:spTgt>
-                                        </p:tgtEl>
-                                      </p:cBhvr>
-                                    </p:animEffect>
-                                  </p:childTnLst>
-                                </p:cTn>
-                              </p:par>
-                            </p:childTnLst>
-                          </p:cTn>
-                        </p:par>
-                      </p:childTnLst>
-                    </p:cTn>
-                  </p:par>
-                  <p:par>
-                    <p:cTn id="8" fill="hold">
-                      <p:stCondLst>
-                        <p:cond delay="indefinite"/>
-                      </p:stCondLst>
-                      <p:childTnLst>
-                        <p:par>
-                          <p:cTn id="9" fill="hold">
-                            <p:stCondLst>
-                              <p:cond delay="0"/>
-                            </p:stCondLst>
-                            <p:childTnLst>
-                              <p:par>
-                                <p:cTn id="10" presetID="10" presetClass="entr" presetSubtype="0" fill="hold" grpId="0" nodeType="clickEffect">
-                                  <p:stCondLst>
-                                    <p:cond delay="0"/>
-                                  </p:stCondLst>
-                                  <p:childTnLst>
-                                    <p:set>
-                                      <p:cBhvr>
-                                        <p:cTn id="11" dur="1" fill="hold">
-                                          <p:stCondLst>
-                                            <p:cond delay="0"/>
-                                          </p:stCondLst>
-                                        </p:cTn>
-                                        <p:tgtEl>
-                                          <p:spTgt spid="6">
-                                            <p:graphicEl>
-                                              <a:dgm id="{08ABFF66-A22D-4580-83FB-89773644666F}"/>
-                                            </p:graphicEl>
-                                          </p:spTgt>
-                                        </p:tgtEl>
-                                        <p:attrNameLst>
-                                          <p:attrName>style.visibility</p:attrName>
-                                        </p:attrNameLst>
-                                      </p:cBhvr>
-                                      <p:to>
-                                        <p:strVal val="visible"/>
-                                      </p:to>
-                                    </p:set>
-                                    <p:animEffect transition="in" filter="fade">
-                                      <p:cBhvr>
-                                        <p:cTn id="12" dur="500"/>
-                                        <p:tgtEl>
-                                          <p:spTgt spid="6">
-                                            <p:graphicEl>
-                                              <a:dgm id="{08ABFF66-A22D-4580-83FB-89773644666F}"/>
-                                            </p:graphicEl>
-                                          </p:spTgt>
-                                        </p:tgtEl>
-                                      </p:cBhvr>
-                                    </p:animEffect>
-                                  </p:childTnLst>
-                                </p:cTn>
-                              </p:par>
-                            </p:childTnLst>
-                          </p:cTn>
-                        </p:par>
-                      </p:childTnLst>
-                    </p:cTn>
-                  </p:par>
-                  <p:par>
-                    <p:cTn id="13" fill="hold">
-                      <p:stCondLst>
-                        <p:cond delay="indefinite"/>
-                      </p:stCondLst>
-                      <p:childTnLst>
-                        <p:par>
-                          <p:cTn id="14" fill="hold">
-                            <p:stCondLst>
-                              <p:cond delay="0"/>
-                            </p:stCondLst>
-                            <p:childTnLst>
-                              <p:par>
-                                <p:cTn id="15" presetID="10" presetClass="entr" presetSubtype="0" fill="hold" nodeType="clickEffect">
-                                  <p:stCondLst>
-                                    <p:cond delay="0"/>
-                                  </p:stCondLst>
-                                  <p:childTnLst>
-                                    <p:set>
-                                      <p:cBhvr>
-                                        <p:cTn id="16" dur="1" fill="hold">
-                                          <p:stCondLst>
-                                            <p:cond delay="0"/>
-                                          </p:stCondLst>
-                                        </p:cTn>
-                                        <p:tgtEl>
-                                          <p:spTgt spid="8"/>
-                                        </p:tgtEl>
-                                        <p:attrNameLst>
-                                          <p:attrName>style.visibility</p:attrName>
-                                        </p:attrNameLst>
-                                      </p:cBhvr>
-                                      <p:to>
-                                        <p:strVal val="visible"/>
-                                      </p:to>
-                                    </p:set>
-                                    <p:animEffect transition="in" filter="fade">
-                                      <p:cBhvr>
-                                        <p:cTn id="17" dur="500"/>
-                                        <p:tgtEl>
-                                          <p:spTgt spid="8"/>
-                                        </p:tgtEl>
-                                      </p:cBhvr>
-                                    </p:animEffect>
-                                  </p:childTnLst>
-                                </p:cTn>
-                              </p:par>
-                              <p:par>
-                                <p:cTn id="18" presetID="10" presetClass="entr" presetSubtype="0" fill="hold" nodeType="withEffect">
-                                  <p:stCondLst>
-                                    <p:cond delay="0"/>
-                                  </p:stCondLst>
-                                  <p:childTnLst>
-                                    <p:set>
-                                      <p:cBhvr>
-                                        <p:cTn id="19" dur="1" fill="hold">
-                                          <p:stCondLst>
-                                            <p:cond delay="0"/>
-                                          </p:stCondLst>
-                                        </p:cTn>
-                                        <p:tgtEl>
-                                          <p:spTgt spid="10"/>
-                                        </p:tgtEl>
-                                        <p:attrNameLst>
-                                          <p:attrName>style.visibility</p:attrName>
-                                        </p:attrNameLst>
-                                      </p:cBhvr>
-                                      <p:to>
-                                        <p:strVal val="visible"/>
-                                      </p:to>
-                                    </p:set>
-                                    <p:animEffect transition="in" filter="fade">
-                                      <p:cBhvr>
-                                        <p:cTn id="20" dur="500"/>
-                                        <p:tgtEl>
-                                          <p:spTgt spid="10"/>
-                                        </p:tgtEl>
-                                      </p:cBhvr>
-                                    </p:animEffect>
-                                  </p:childTnLst>
-                                </p:cTn>
-                              </p:par>
-                              <p:par>
-                                <p:cTn id="21" presetID="10" presetClass="entr" presetSubtype="0" fill="hold" grpId="0" nodeType="withEffect">
-                                  <p:stCondLst>
-                                    <p:cond delay="0"/>
-                                  </p:stCondLst>
-                                  <p:childTnLst>
-                                    <p:set>
-                                      <p:cBhvr>
-                                        <p:cTn id="22" dur="1" fill="hold">
-                                          <p:stCondLst>
-                                            <p:cond delay="0"/>
-                                          </p:stCondLst>
-                                        </p:cTn>
-                                        <p:tgtEl>
-                                          <p:spTgt spid="13"/>
-                                        </p:tgtEl>
-                                        <p:attrNameLst>
-                                          <p:attrName>style.visibility</p:attrName>
-                                        </p:attrNameLst>
-                                      </p:cBhvr>
-                                      <p:to>
-                                        <p:strVal val="visible"/>
-                                      </p:to>
-                                    </p:set>
-                                    <p:animEffect transition="in" filter="fade">
-                                      <p:cBhvr>
-                                        <p:cTn id="23" dur="500"/>
-                                        <p:tgtEl>
-                                          <p:spTgt spid="13"/>
-                                        </p:tgtEl>
-                                      </p:cBhvr>
-                                    </p:animEffect>
-                                  </p:childTnLst>
-                                </p:cTn>
-                              </p:par>
-                            </p:childTnLst>
-                          </p:cTn>
-                        </p:par>
-                      </p:childTnLst>
-                    </p:cTn>
-                  </p:par>
-                  <p:par>
-                    <p:cTn id="24" fill="hold">
-                      <p:stCondLst>
-                        <p:cond delay="indefinite"/>
-                      </p:stCondLst>
-                      <p:childTnLst>
-                        <p:par>
-                          <p:cTn id="25" fill="hold">
-                            <p:stCondLst>
-                              <p:cond delay="0"/>
-                            </p:stCondLst>
-                            <p:childTnLst>
-                              <p:par>
-                                <p:cTn id="26" presetID="10" presetClass="entr" presetSubtype="0" fill="hold" grpId="0" nodeType="clickEffect">
-                                  <p:stCondLst>
-                                    <p:cond delay="0"/>
-                                  </p:stCondLst>
-                                  <p:childTnLst>
-                                    <p:set>
-                                      <p:cBhvr>
-                                        <p:cTn id="27" dur="1" fill="hold">
-                                          <p:stCondLst>
-                                            <p:cond delay="0"/>
-                                          </p:stCondLst>
-                                        </p:cTn>
-                                        <p:tgtEl>
-                                          <p:spTgt spid="6">
-                                            <p:graphicEl>
-                                              <a:dgm id="{7D948F0A-893C-4E23-BF48-D4C4A60A2890}"/>
-                                            </p:graphicEl>
-                                          </p:spTgt>
-                                        </p:tgtEl>
-                                        <p:attrNameLst>
-                                          <p:attrName>style.visibility</p:attrName>
-                                        </p:attrNameLst>
-                                      </p:cBhvr>
-                                      <p:to>
-                                        <p:strVal val="visible"/>
-                                      </p:to>
-                                    </p:set>
-                                    <p:animEffect transition="in" filter="fade">
-                                      <p:cBhvr>
-                                        <p:cTn id="28" dur="500"/>
-                                        <p:tgtEl>
-                                          <p:spTgt spid="6">
-                                            <p:graphicEl>
-                                              <a:dgm id="{7D948F0A-893C-4E23-BF48-D4C4A60A2890}"/>
-                                            </p:graphicEl>
-                                          </p:spTgt>
-                                        </p:tgtEl>
-                                      </p:cBhvr>
-                                    </p:animEffect>
-                                  </p:childTnLst>
-                                </p:cTn>
-                              </p:par>
-                            </p:childTnLst>
-                          </p:cTn>
-                        </p:par>
-                      </p:childTnLst>
-                    </p:cTn>
-                  </p:par>
-                  <p:par>
-                    <p:cTn id="29" fill="hold">
-                      <p:stCondLst>
-                        <p:cond delay="indefinite"/>
-                      </p:stCondLst>
-                      <p:childTnLst>
-                        <p:par>
-                          <p:cTn id="30" fill="hold">
-                            <p:stCondLst>
-                              <p:cond delay="0"/>
-                            </p:stCondLst>
-                            <p:childTnLst>
-                              <p:par>
-                                <p:cTn id="31" presetID="10" presetClass="entr" presetSubtype="0" fill="hold" grpId="0" nodeType="clickEffect">
-                                  <p:stCondLst>
-                                    <p:cond delay="0"/>
-                                  </p:stCondLst>
-                                  <p:childTnLst>
-                                    <p:set>
-                                      <p:cBhvr>
-                                        <p:cTn id="32" dur="1" fill="hold">
-                                          <p:stCondLst>
-                                            <p:cond delay="0"/>
-                                          </p:stCondLst>
-                                        </p:cTn>
-                                        <p:tgtEl>
-                                          <p:spTgt spid="6">
-                                            <p:graphicEl>
-                                              <a:dgm id="{D0E89D03-5614-47D9-8071-198866EBBC1E}"/>
-                                            </p:graphicEl>
-                                          </p:spTgt>
-                                        </p:tgtEl>
-                                        <p:attrNameLst>
-                                          <p:attrName>style.visibility</p:attrName>
-                                        </p:attrNameLst>
-                                      </p:cBhvr>
-                                      <p:to>
-                                        <p:strVal val="visible"/>
-                                      </p:to>
-                                    </p:set>
-                                    <p:animEffect transition="in" filter="fade">
-                                      <p:cBhvr>
-                                        <p:cTn id="33" dur="500"/>
-                                        <p:tgtEl>
-                                          <p:spTgt spid="6">
-                                            <p:graphicEl>
-                                              <a:dgm id="{D0E89D03-5614-47D9-8071-198866EBBC1E}"/>
-                                            </p:graphicEl>
-                                          </p:spTgt>
-                                        </p:tgtEl>
-                                      </p:cBhvr>
-                                    </p:animEffect>
-                                  </p:childTnLst>
-                                </p:cTn>
-                              </p:par>
-                            </p:childTnLst>
-                          </p:cTn>
-                        </p:par>
-                      </p:childTnLst>
-                    </p:cTn>
-                  </p:par>
-                  <p:par>
-                    <p:cTn id="34" fill="hold">
-                      <p:stCondLst>
-                        <p:cond delay="indefinite"/>
-                      </p:stCondLst>
-                      <p:childTnLst>
-                        <p:par>
-                          <p:cTn id="35" fill="hold">
-                            <p:stCondLst>
-                              <p:cond delay="0"/>
-                            </p:stCondLst>
-                            <p:childTnLst>
-                              <p:par>
-                                <p:cTn id="36" presetID="10" presetClass="entr" presetSubtype="0" fill="hold" grpId="0" nodeType="clickEffect">
-                                  <p:stCondLst>
-                                    <p:cond delay="0"/>
-                                  </p:stCondLst>
-                                  <p:childTnLst>
-                                    <p:set>
-                                      <p:cBhvr>
-                                        <p:cTn id="37" dur="1" fill="hold">
-                                          <p:stCondLst>
-                                            <p:cond delay="0"/>
-                                          </p:stCondLst>
-                                        </p:cTn>
-                                        <p:tgtEl>
-                                          <p:spTgt spid="6">
-                                            <p:graphicEl>
-                                              <a:dgm id="{A7A76AFB-269C-47CE-A470-912D0CD58FF4}"/>
-                                            </p:graphicEl>
-                                          </p:spTgt>
-                                        </p:tgtEl>
-                                        <p:attrNameLst>
-                                          <p:attrName>style.visibility</p:attrName>
-                                        </p:attrNameLst>
-                                      </p:cBhvr>
-                                      <p:to>
-                                        <p:strVal val="visible"/>
-                                      </p:to>
-                                    </p:set>
-                                    <p:animEffect transition="in" filter="fade">
-                                      <p:cBhvr>
-                                        <p:cTn id="38" dur="500"/>
-                                        <p:tgtEl>
-                                          <p:spTgt spid="6">
-                                            <p:graphicEl>
-                                              <a:dgm id="{A7A76AFB-269C-47CE-A470-912D0CD58FF4}"/>
-                                            </p:graphicEl>
-                                          </p:spTgt>
-                                        </p:tgtEl>
-                                      </p:cBhvr>
-                                    </p:animEffect>
-                                  </p:childTnLst>
-                                </p:cTn>
-                              </p:par>
-                            </p:childTnLst>
-                          </p:cTn>
-                        </p:par>
-                      </p:childTnLst>
-                    </p:cTn>
-                  </p:par>
-                  <p:par>
-                    <p:cTn id="39" fill="hold">
-                      <p:stCondLst>
-                        <p:cond delay="indefinite"/>
-                      </p:stCondLst>
-                      <p:childTnLst>
-                        <p:par>
-                          <p:cTn id="40" fill="hold">
-                            <p:stCondLst>
-                              <p:cond delay="0"/>
-                            </p:stCondLst>
-                            <p:childTnLst>
-                              <p:par>
-                                <p:cTn id="41" presetID="10" presetClass="entr" presetSubtype="0" fill="hold" grpId="0" nodeType="clickEffect">
-                                  <p:stCondLst>
-                                    <p:cond delay="0"/>
-                                  </p:stCondLst>
-                                  <p:childTnLst>
-                                    <p:set>
-                                      <p:cBhvr>
-                                        <p:cTn id="42" dur="1" fill="hold">
-                                          <p:stCondLst>
-                                            <p:cond delay="0"/>
-                                          </p:stCondLst>
-                                        </p:cTn>
-                                        <p:tgtEl>
-                                          <p:spTgt spid="6">
-                                            <p:graphicEl>
-                                              <a:dgm id="{CEB4CE8B-890E-427B-A451-7B9BCB9F7C6E}"/>
-                                            </p:graphicEl>
-                                          </p:spTgt>
-                                        </p:tgtEl>
-                                        <p:attrNameLst>
-                                          <p:attrName>style.visibility</p:attrName>
-                                        </p:attrNameLst>
-                                      </p:cBhvr>
-                                      <p:to>
-                                        <p:strVal val="visible"/>
-                                      </p:to>
-                                    </p:set>
-                                    <p:animEffect transition="in" filter="fade">
-                                      <p:cBhvr>
-                                        <p:cTn id="43" dur="500"/>
-                                        <p:tgtEl>
-                                          <p:spTgt spid="6">
-                                            <p:graphicEl>
-                                              <a:dgm id="{CEB4CE8B-890E-427B-A451-7B9BCB9F7C6E}"/>
-                                            </p:graphicEl>
-                                          </p:spTgt>
-                                        </p:tgtEl>
-                                      </p:cBhvr>
-                                    </p:animEffect>
-                                  </p:childTnLst>
-                                </p:cTn>
-                              </p:par>
-                            </p:childTnLst>
-                          </p:cTn>
-                        </p:par>
-                      </p:childTnLst>
-                    </p:cTn>
-                  </p:par>
-                  <p:par>
-                    <p:cTn id="44" fill="hold">
-                      <p:stCondLst>
-                        <p:cond delay="indefinite"/>
-                      </p:stCondLst>
-                      <p:childTnLst>
-                        <p:par>
-                          <p:cTn id="45" fill="hold">
-                            <p:stCondLst>
-                              <p:cond delay="0"/>
-                            </p:stCondLst>
-                            <p:childTnLst>
-                              <p:par>
-                                <p:cTn id="46" presetID="10" presetClass="entr" presetSubtype="0" fill="hold" grpId="0" nodeType="clickEffect">
-                                  <p:stCondLst>
-                                    <p:cond delay="0"/>
-                                  </p:stCondLst>
-                                  <p:childTnLst>
-                                    <p:set>
-                                      <p:cBhvr>
-                                        <p:cTn id="47" dur="1" fill="hold">
-                                          <p:stCondLst>
-                                            <p:cond delay="0"/>
-                                          </p:stCondLst>
-                                        </p:cTn>
-                                        <p:tgtEl>
-                                          <p:spTgt spid="6">
-                                            <p:graphicEl>
-                                              <a:dgm id="{32D9BD3E-FDD3-4B65-A03A-93C083987507}"/>
-                                            </p:graphicEl>
-                                          </p:spTgt>
-                                        </p:tgtEl>
-                                        <p:attrNameLst>
-                                          <p:attrName>style.visibility</p:attrName>
-                                        </p:attrNameLst>
-                                      </p:cBhvr>
-                                      <p:to>
-                                        <p:strVal val="visible"/>
-                                      </p:to>
-                                    </p:set>
-                                    <p:animEffect transition="in" filter="fade">
-                                      <p:cBhvr>
-                                        <p:cTn id="48" dur="500"/>
-                                        <p:tgtEl>
-                                          <p:spTgt spid="6">
-                                            <p:graphicEl>
-                                              <a:dgm id="{32D9BD3E-FDD3-4B65-A03A-93C083987507}"/>
-                                            </p:graphicEl>
-                                          </p:spTgt>
-                                        </p:tgtEl>
-                                      </p:cBhvr>
-                                    </p:animEffect>
-                                  </p:childTnLst>
-                                </p:cTn>
-                              </p:par>
-                            </p:childTnLst>
-                          </p:cTn>
-                        </p:par>
-                      </p:childTnLst>
-                    </p:cTn>
-                  </p:par>
-                  <p:par>
-                    <p:cTn id="49" fill="hold">
-                      <p:stCondLst>
-                        <p:cond delay="indefinite"/>
-                      </p:stCondLst>
-                      <p:childTnLst>
-                        <p:par>
-                          <p:cTn id="50" fill="hold">
-                            <p:stCondLst>
-                              <p:cond delay="0"/>
-                            </p:stCondLst>
-                            <p:childTnLst>
-                              <p:par>
-                                <p:cTn id="51" presetID="10" presetClass="entr" presetSubtype="0" fill="hold" grpId="0" nodeType="clickEffect">
-                                  <p:stCondLst>
-                                    <p:cond delay="0"/>
-                                  </p:stCondLst>
-                                  <p:childTnLst>
-                                    <p:set>
-                                      <p:cBhvr>
-                                        <p:cTn id="52" dur="1" fill="hold">
-                                          <p:stCondLst>
-                                            <p:cond delay="0"/>
-                                          </p:stCondLst>
-                                        </p:cTn>
-                                        <p:tgtEl>
-                                          <p:spTgt spid="6">
-                                            <p:graphicEl>
-                                              <a:dgm id="{798B6C53-7BF5-449C-BF44-A1370250D004}"/>
-                                            </p:graphicEl>
-                                          </p:spTgt>
-                                        </p:tgtEl>
-                                        <p:attrNameLst>
-                                          <p:attrName>style.visibility</p:attrName>
-                                        </p:attrNameLst>
-                                      </p:cBhvr>
-                                      <p:to>
-                                        <p:strVal val="visible"/>
-                                      </p:to>
-                                    </p:set>
-                                    <p:animEffect transition="in" filter="fade">
-                                      <p:cBhvr>
-                                        <p:cTn id="53" dur="500"/>
-                                        <p:tgtEl>
-                                          <p:spTgt spid="6">
-                                            <p:graphicEl>
-                                              <a:dgm id="{798B6C53-7BF5-449C-BF44-A1370250D004}"/>
-                                            </p:graphicEl>
-                                          </p:spTgt>
-                                        </p:tgtEl>
-                                      </p:cBhvr>
-                                    </p:animEffect>
-                                  </p:childTnLst>
-                                </p:cTn>
-                              </p:par>
-                            </p:childTnLst>
-                          </p:cTn>
-                        </p:par>
-                      </p:childTnLst>
-                    </p:cTn>
-                  </p:par>
-                </p:childTnLst>
-              </p:cTn>
-              <p:prevCondLst>
-                <p:cond evt="onPrev" delay="0">
-                  <p:tgtEl>
-                    <p:sldTgt/>
-                  </p:tgtEl>
-                </p:cond>
-              </p:prevCondLst>
-              <p:nextCondLst>
-                <p:cond evt="onNext" delay="0">
-                  <p:tgtEl>
-                    <p:sldTgt/>
-                  </p:tgtEl>
-                </p:cond>
-              </p:nextCondLst>
-            </p:seq>
-          </p:childTnLst>
-        </p:cTn>
-      </p:par>
-    </p:tnLst>
-    <p:bldLst>
-      <p:bldGraphic spid="6" grpId="0" uiExpand="1">
-        <p:bldSub>
-          <a:bldDgm bld="one"/>
-        </p:bldSub>
-      </p:bldGraphic>
-      <p:bldP spid="13" grpId="0"/>
-    </p:bldLst>
-  </p:timing>
 </p:sld>
 </file>
 
@@ -25958,7 +25933,7 @@
                                           </p:stCondLst>
                                         </p:cTn>
                                         <p:tgtEl>
-                                          <p:spTgt spid="33"/>
+                                          <p:spTgt spid="28"/>
                                         </p:tgtEl>
                                         <p:attrNameLst>
                                           <p:attrName>style.visibility</p:attrName>
@@ -25972,164 +25947,6 @@
                                       <p:cBhvr>
                                         <p:cTn id="7" dur="500"/>
                                         <p:tgtEl>
-                                          <p:spTgt spid="33"/>
-                                        </p:tgtEl>
-                                      </p:cBhvr>
-                                    </p:animEffect>
-                                  </p:childTnLst>
-                                </p:cTn>
-                              </p:par>
-                              <p:par>
-                                <p:cTn id="8" presetID="10" presetClass="entr" presetSubtype="0" fill="hold" nodeType="withEffect">
-                                  <p:stCondLst>
-                                    <p:cond delay="0"/>
-                                  </p:stCondLst>
-                                  <p:childTnLst>
-                                    <p:set>
-                                      <p:cBhvr>
-                                        <p:cTn id="9" dur="1" fill="hold">
-                                          <p:stCondLst>
-                                            <p:cond delay="0"/>
-                                          </p:stCondLst>
-                                        </p:cTn>
-                                        <p:tgtEl>
-                                          <p:spTgt spid="35"/>
-                                        </p:tgtEl>
-                                        <p:attrNameLst>
-                                          <p:attrName>style.visibility</p:attrName>
-                                        </p:attrNameLst>
-                                      </p:cBhvr>
-                                      <p:to>
-                                        <p:strVal val="visible"/>
-                                      </p:to>
-                                    </p:set>
-                                    <p:animEffect transition="in" filter="fade">
-                                      <p:cBhvr>
-                                        <p:cTn id="10" dur="500"/>
-                                        <p:tgtEl>
-                                          <p:spTgt spid="35"/>
-                                        </p:tgtEl>
-                                      </p:cBhvr>
-                                    </p:animEffect>
-                                  </p:childTnLst>
-                                </p:cTn>
-                              </p:par>
-                              <p:par>
-                                <p:cTn id="11" presetID="10" presetClass="entr" presetSubtype="0" fill="hold" grpId="0" nodeType="withEffect">
-                                  <p:stCondLst>
-                                    <p:cond delay="0"/>
-                                  </p:stCondLst>
-                                  <p:childTnLst>
-                                    <p:set>
-                                      <p:cBhvr>
-                                        <p:cTn id="12" dur="1" fill="hold">
-                                          <p:stCondLst>
-                                            <p:cond delay="0"/>
-                                          </p:stCondLst>
-                                        </p:cTn>
-                                        <p:tgtEl>
-                                          <p:spTgt spid="41"/>
-                                        </p:tgtEl>
-                                        <p:attrNameLst>
-                                          <p:attrName>style.visibility</p:attrName>
-                                        </p:attrNameLst>
-                                      </p:cBhvr>
-                                      <p:to>
-                                        <p:strVal val="visible"/>
-                                      </p:to>
-                                    </p:set>
-                                    <p:animEffect transition="in" filter="fade">
-                                      <p:cBhvr>
-                                        <p:cTn id="13" dur="500"/>
-                                        <p:tgtEl>
-                                          <p:spTgt spid="41"/>
-                                        </p:tgtEl>
-                                      </p:cBhvr>
-                                    </p:animEffect>
-                                  </p:childTnLst>
-                                </p:cTn>
-                              </p:par>
-                              <p:par>
-                                <p:cTn id="14" presetID="10" presetClass="entr" presetSubtype="0" fill="hold" nodeType="withEffect">
-                                  <p:stCondLst>
-                                    <p:cond delay="0"/>
-                                  </p:stCondLst>
-                                  <p:childTnLst>
-                                    <p:set>
-                                      <p:cBhvr>
-                                        <p:cTn id="15" dur="1" fill="hold">
-                                          <p:stCondLst>
-                                            <p:cond delay="0"/>
-                                          </p:stCondLst>
-                                        </p:cTn>
-                                        <p:tgtEl>
-                                          <p:spTgt spid="39"/>
-                                        </p:tgtEl>
-                                        <p:attrNameLst>
-                                          <p:attrName>style.visibility</p:attrName>
-                                        </p:attrNameLst>
-                                      </p:cBhvr>
-                                      <p:to>
-                                        <p:strVal val="visible"/>
-                                      </p:to>
-                                    </p:set>
-                                    <p:animEffect transition="in" filter="fade">
-                                      <p:cBhvr>
-                                        <p:cTn id="16" dur="500"/>
-                                        <p:tgtEl>
-                                          <p:spTgt spid="39"/>
-                                        </p:tgtEl>
-                                      </p:cBhvr>
-                                    </p:animEffect>
-                                  </p:childTnLst>
-                                </p:cTn>
-                              </p:par>
-                            </p:childTnLst>
-                          </p:cTn>
-                        </p:par>
-                      </p:childTnLst>
-                    </p:cTn>
-                  </p:par>
-                  <p:par>
-                    <p:cTn id="17" fill="hold">
-                      <p:stCondLst>
-                        <p:cond delay="indefinite"/>
-                      </p:stCondLst>
-                      <p:childTnLst>
-                        <p:par>
-                          <p:cTn id="18" fill="hold">
-                            <p:stCondLst>
-                              <p:cond delay="0"/>
-                            </p:stCondLst>
-                            <p:childTnLst>
-                              <p:par>
-                                <p:cTn id="19" presetID="10" presetClass="entr" presetSubtype="0" fill="hold" grpId="0" nodeType="clickEffect">
-                                  <p:stCondLst>
-                                    <p:cond delay="0"/>
-                                  </p:stCondLst>
-                                  <p:childTnLst>
-                                    <p:set>
-                                      <p:cBhvr>
-                                        <p:cTn id="20" dur="1" fill="hold">
-                                          <p:stCondLst>
-                                            <p:cond delay="0"/>
-                                          </p:stCondLst>
-                                        </p:cTn>
-                                        <p:tgtEl>
-                                          <p:spTgt spid="28"/>
-                                        </p:tgtEl>
-                                        <p:attrNameLst>
-                                          <p:attrName>style.visibility</p:attrName>
-                                        </p:attrNameLst>
-                                      </p:cBhvr>
-                                      <p:to>
-                                        <p:strVal val="visible"/>
-                                      </p:to>
-                                    </p:set>
-                                    <p:animEffect transition="in" filter="fade">
-                                      <p:cBhvr>
-                                        <p:cTn id="21" dur="500"/>
-                                        <p:tgtEl>
                                           <p:spTgt spid="28"/>
                                         </p:tgtEl>
                                       </p:cBhvr>
@@ -26138,14 +25955,14 @@
                                 </p:cTn>
                               </p:par>
                               <p:par>
-                                <p:cTn id="22" presetID="10" presetClass="entr" presetSubtype="0" fill="hold" grpId="0" nodeType="withEffect">
+                                <p:cTn id="8" presetID="10" presetClass="entr" presetSubtype="0" fill="hold" grpId="0" nodeType="withEffect">
                                   <p:stCondLst>
                                     <p:cond delay="0"/>
                                   </p:stCondLst>
                                   <p:childTnLst>
                                     <p:set>
                                       <p:cBhvr>
-                                        <p:cTn id="23" dur="1" fill="hold">
+                                        <p:cTn id="9" dur="1" fill="hold">
                                           <p:stCondLst>
                                             <p:cond delay="0"/>
                                           </p:stCondLst>
@@ -26163,7 +25980,7 @@
                                     </p:set>
                                     <p:animEffect transition="in" filter="fade">
                                       <p:cBhvr>
-                                        <p:cTn id="24" dur="500"/>
+                                        <p:cTn id="10" dur="500"/>
                                         <p:tgtEl>
                                           <p:spTgt spid="32"/>
                                         </p:tgtEl>
@@ -26173,14 +25990,14 @@
                                 </p:cTn>
                               </p:par>
                               <p:par>
-                                <p:cTn id="25" presetID="10" presetClass="entr" presetSubtype="0" fill="hold" nodeType="withEffect">
+                                <p:cTn id="11" presetID="10" presetClass="entr" presetSubtype="0" fill="hold" nodeType="withEffect">
                                   <p:stCondLst>
                                     <p:cond delay="0"/>
                                   </p:stCondLst>
                                   <p:childTnLst>
                                     <p:set>
                                       <p:cBhvr>
-                                        <p:cTn id="26" dur="1" fill="hold">
+                                        <p:cTn id="12" dur="1" fill="hold">
                                           <p:stCondLst>
                                             <p:cond delay="0"/>
                                           </p:stCondLst>
@@ -26198,7 +26015,7 @@
                                     </p:set>
                                     <p:animEffect transition="in" filter="fade">
                                       <p:cBhvr>
-                                        <p:cTn id="27" dur="500"/>
+                                        <p:cTn id="13" dur="500"/>
                                         <p:tgtEl>
                                           <p:spTgt spid="27"/>
                                         </p:tgtEl>
@@ -26214,26 +26031,26 @@
                     </p:cTn>
                   </p:par>
                   <p:par>
-                    <p:cTn id="28" fill="hold">
+                    <p:cTn id="14" fill="hold">
                       <p:stCondLst>
                         <p:cond delay="indefinite"/>
                       </p:stCondLst>
                       <p:childTnLst>
                         <p:par>
-                          <p:cTn id="29" fill="hold">
+                          <p:cTn id="15" fill="hold">
                             <p:stCondLst>
                               <p:cond delay="0"/>
                             </p:stCondLst>
                             <p:childTnLst>
                               <p:par>
-                                <p:cTn id="30" presetID="10" presetClass="entr" presetSubtype="0" fill="hold" nodeType="clickEffect">
+                                <p:cTn id="16" presetID="10" presetClass="entr" presetSubtype="0" fill="hold" nodeType="clickEffect">
                                   <p:stCondLst>
                                     <p:cond delay="0"/>
                                   </p:stCondLst>
                                   <p:childTnLst>
                                     <p:set>
                                       <p:cBhvr>
-                                        <p:cTn id="31" dur="1" fill="hold">
+                                        <p:cTn id="17" dur="1" fill="hold">
                                           <p:stCondLst>
                                             <p:cond delay="0"/>
                                           </p:stCondLst>
@@ -26251,7 +26068,7 @@
                                     </p:set>
                                     <p:animEffect transition="in" filter="fade">
                                       <p:cBhvr>
-                                        <p:cTn id="32" dur="500"/>
+                                        <p:cTn id="18" dur="500"/>
                                         <p:tgtEl>
                                           <p:spTgt spid="31"/>
                                         </p:tgtEl>
@@ -26261,14 +26078,14 @@
                                 </p:cTn>
                               </p:par>
                               <p:par>
-                                <p:cTn id="33" presetID="10" presetClass="entr" presetSubtype="0" fill="hold" grpId="0" nodeType="withEffect">
+                                <p:cTn id="19" presetID="10" presetClass="entr" presetSubtype="0" fill="hold" grpId="0" nodeType="withEffect">
                                   <p:stCondLst>
                                     <p:cond delay="0"/>
                                   </p:stCondLst>
                                   <p:childTnLst>
                                     <p:set>
                                       <p:cBhvr>
-                                        <p:cTn id="34" dur="1" fill="hold">
+                                        <p:cTn id="20" dur="1" fill="hold">
                                           <p:stCondLst>
                                             <p:cond delay="0"/>
                                           </p:stCondLst>
@@ -26286,7 +26103,7 @@
                                     </p:set>
                                     <p:animEffect transition="in" filter="fade">
                                       <p:cBhvr>
-                                        <p:cTn id="35" dur="500"/>
+                                        <p:cTn id="21" dur="500"/>
                                         <p:tgtEl>
                                           <p:spTgt spid="29"/>
                                         </p:tgtEl>
@@ -26326,8 +26143,6 @@
       <p:bldP spid="28" grpId="0"/>
       <p:bldP spid="32" grpId="0"/>
       <p:bldP spid="29" grpId="0"/>
-      <p:bldP spid="33" grpId="0" animBg="1"/>
-      <p:bldP spid="41" grpId="0" animBg="1"/>
     </p:bldLst>
   </p:timing>
 </p:sld>

--- a/Defensa/transparenciasDefensa.pptx
+++ b/Defensa/transparenciasDefensa.pptx
@@ -8083,6 +8083,40 @@
           </a:bodyPr>
           <a:lstStyle/>
           <a:p>
+            <a:pPr marL="0" marR="0" lvl="0" indent="0" algn="l" defTabSz="914400" rtl="0" eaLnBrk="1" fontAlgn="auto" latinLnBrk="0" hangingPunct="1">
+              <a:lnSpc>
+                <a:spcPct val="100000"/>
+              </a:lnSpc>
+              <a:spcBef>
+                <a:spcPts val="0"/>
+              </a:spcBef>
+              <a:spcAft>
+                <a:spcPts val="0"/>
+              </a:spcAft>
+              <a:buClr>
+                <a:srgbClr val="000000"/>
+              </a:buClr>
+              <a:buSzPts val="1400"/>
+              <a:buFont typeface="Arial"/>
+              <a:buNone/>
+              <a:tabLst/>
+              <a:defRPr/>
+            </a:pPr>
+            <a:r>
+              <a:rPr lang="es-ES" sz="1100" b="0" i="0" u="none" strike="noStrike" cap="none" dirty="0">
+                <a:solidFill>
+                  <a:srgbClr val="000000"/>
+                </a:solidFill>
+                <a:effectLst/>
+                <a:latin typeface="Arial"/>
+                <a:ea typeface="Arial"/>
+                <a:cs typeface="Arial"/>
+                <a:sym typeface="Arial"/>
+              </a:rPr>
+              <a:t>A continuación, veremos algunas de las simulaciones realizadas con el modelo macroscópico</a:t>
+            </a:r>
+          </a:p>
+          <a:p>
             <a:pPr marL="0" lvl="0" indent="0" algn="l" rtl="0">
               <a:spcBef>
                 <a:spcPts val="0"/>
@@ -8092,7 +8126,7 @@
               </a:spcAft>
               <a:buNone/>
             </a:pPr>
-            <a:endParaRPr/>
+            <a:endParaRPr dirty="0"/>
           </a:p>
         </p:txBody>
       </p:sp>
@@ -8110,11 +8144,11 @@
 </file>
 
 <file path=ppt/notesSlides/notesSlide19.xml><?xml version="1.0" encoding="utf-8"?>
-<p:notes xmlns:a="http://schemas.openxmlformats.org/drawingml/2006/main" xmlns:r="http://schemas.openxmlformats.org/officeDocument/2006/relationships" xmlns:p="http://schemas.openxmlformats.org/presentationml/2006/main" showMasterSp="0" showMasterPhAnim="0">
+<p:notes xmlns:a="http://schemas.openxmlformats.org/drawingml/2006/main" xmlns:r="http://schemas.openxmlformats.org/officeDocument/2006/relationships" xmlns:p="http://schemas.openxmlformats.org/presentationml/2006/main">
   <p:cSld>
     <p:spTree>
       <p:nvGrpSpPr>
-        <p:cNvPr id="1" name="Shape 70"/>
+        <p:cNvPr id="1" name=""/>
         <p:cNvGrpSpPr/>
         <p:nvPr/>
       </p:nvGrpSpPr>
@@ -8128,12 +8162,12 @@
       </p:grpSpPr>
       <p:sp>
         <p:nvSpPr>
-          <p:cNvPr id="71" name="Google Shape;71;g35f391192_029:notes"/>
+          <p:cNvPr id="2" name="Marcador de imagen de diapositiva 1"/>
           <p:cNvSpPr>
             <a:spLocks noGrp="1" noRot="1" noChangeAspect="1"/>
           </p:cNvSpPr>
           <p:nvPr>
-            <p:ph type="sldImg" idx="2"/>
+            <p:ph type="sldImg"/>
           </p:nvPr>
         </p:nvSpPr>
         <p:spPr>
@@ -8141,74 +8175,105 @@
             <a:off x="381000" y="685800"/>
             <a:ext cx="6096000" cy="3429000"/>
           </a:xfrm>
-          <a:custGeom>
-            <a:avLst/>
-            <a:gdLst/>
-            <a:ahLst/>
-            <a:cxnLst/>
-            <a:rect l="l" t="t" r="r" b="b"/>
-            <a:pathLst>
-              <a:path w="120000" h="120000" extrusionOk="0">
-                <a:moveTo>
-                  <a:pt x="0" y="0"/>
-                </a:moveTo>
-                <a:lnTo>
-                  <a:pt x="120000" y="0"/>
-                </a:lnTo>
-                <a:lnTo>
-                  <a:pt x="120000" y="120000"/>
-                </a:lnTo>
-                <a:lnTo>
-                  <a:pt x="0" y="120000"/>
-                </a:lnTo>
-                <a:close/>
-              </a:path>
-            </a:pathLst>
-          </a:custGeom>
         </p:spPr>
       </p:sp>
       <p:sp>
         <p:nvSpPr>
-          <p:cNvPr id="72" name="Google Shape;72;g35f391192_029:notes"/>
-          <p:cNvSpPr txBox="1">
+          <p:cNvPr id="3" name="Marcador de notas 2"/>
+          <p:cNvSpPr>
             <a:spLocks noGrp="1"/>
           </p:cNvSpPr>
           <p:nvPr>
             <p:ph type="body" idx="1"/>
           </p:nvPr>
         </p:nvSpPr>
-        <p:spPr>
-          <a:xfrm>
-            <a:off x="685800" y="4343400"/>
-            <a:ext cx="5486400" cy="4114800"/>
-          </a:xfrm>
-          <a:prstGeom prst="rect">
-            <a:avLst/>
-          </a:prstGeom>
-        </p:spPr>
+        <p:spPr/>
         <p:txBody>
-          <a:bodyPr spcFirstLastPara="1" wrap="square" lIns="91425" tIns="91425" rIns="91425" bIns="91425" anchor="t" anchorCtr="0">
-            <a:noAutofit/>
-          </a:bodyPr>
+          <a:bodyPr/>
           <a:lstStyle/>
           <a:p>
-            <a:pPr marL="0" lvl="0" indent="0" algn="l" rtl="0">
-              <a:spcBef>
-                <a:spcPts val="0"/>
-              </a:spcBef>
-              <a:spcAft>
-                <a:spcPts val="0"/>
-              </a:spcAft>
+            <a:r>
+              <a:rPr lang="es-ES" sz="1100" b="0" i="0" u="none" strike="noStrike" cap="none" dirty="0">
+                <a:solidFill>
+                  <a:srgbClr val="000000"/>
+                </a:solidFill>
+                <a:effectLst/>
+                <a:latin typeface="Arial"/>
+                <a:ea typeface="Arial"/>
+                <a:cs typeface="Arial"/>
+                <a:sym typeface="Arial"/>
+              </a:rPr>
+              <a:t>Como vemos, el comportamiento de tolerancia e intolerancia al patógeno en este caso es análogo al visto para el modelo microscópico. En ambos casos se pone de manifiesto las características de elasticidad e inercia de la población de células T. </a:t>
+            </a:r>
+          </a:p>
+          <a:p>
+            <a:pPr marL="139700" indent="0">
               <a:buNone/>
             </a:pPr>
-            <a:endParaRPr/>
+            <a:r>
+              <a:rPr lang="es-ES" sz="1100" b="0" i="0" u="none" strike="noStrike" cap="none" dirty="0">
+                <a:solidFill>
+                  <a:srgbClr val="000000"/>
+                </a:solidFill>
+                <a:effectLst/>
+                <a:latin typeface="Arial"/>
+                <a:ea typeface="Arial"/>
+                <a:cs typeface="Arial"/>
+                <a:sym typeface="Arial"/>
+              </a:rPr>
+              <a:t> </a:t>
+            </a:r>
+          </a:p>
+          <a:p>
+            <a:r>
+              <a:rPr lang="es-ES" sz="1100" b="0" i="0" u="none" strike="noStrike" cap="none" dirty="0">
+                <a:solidFill>
+                  <a:srgbClr val="000000"/>
+                </a:solidFill>
+                <a:effectLst/>
+                <a:latin typeface="Arial"/>
+                <a:ea typeface="Arial"/>
+                <a:cs typeface="Arial"/>
+                <a:sym typeface="Arial"/>
+              </a:rPr>
+              <a:t>En la figura de la derecha se puede observar un comportamiento de tolerancia en el que ha tenido lugar una recaída de la infección. Tras la primera expansión clonal de las células T, le sigue la contracción clonal, sin embargo, en este caso, la tasa de reproducción del patógeno, </a:t>
+            </a:r>
+            <a:r>
+              <a:rPr lang="es-ES" sz="1100" b="0" i="0" u="none" strike="noStrike" cap="none" dirty="0" err="1">
+                <a:solidFill>
+                  <a:srgbClr val="000000"/>
+                </a:solidFill>
+                <a:effectLst/>
+                <a:latin typeface="Arial"/>
+                <a:ea typeface="Arial"/>
+                <a:cs typeface="Arial"/>
+                <a:sym typeface="Arial"/>
+              </a:rPr>
+              <a:t>alpha</a:t>
+            </a:r>
+            <a:r>
+              <a:rPr lang="es-ES" sz="1100" b="0" i="0" u="none" strike="noStrike" cap="none" dirty="0">
+                <a:solidFill>
+                  <a:srgbClr val="000000"/>
+                </a:solidFill>
+                <a:effectLst/>
+                <a:latin typeface="Arial"/>
+                <a:ea typeface="Arial"/>
+                <a:cs typeface="Arial"/>
+                <a:sym typeface="Arial"/>
+              </a:rPr>
+              <a:t>, y el número de células del patógeno aún existentes son suficientes para contrarrestar la fuerza elástica de las células T, k, provocando así que vuelva a aumentar la población de estas últimas, repitiendo el proceso.</a:t>
+            </a:r>
+          </a:p>
+          <a:p>
+            <a:endParaRPr lang="es-ES" dirty="0"/>
           </a:p>
         </p:txBody>
       </p:sp>
     </p:spTree>
     <p:extLst>
       <p:ext uri="{BB962C8B-B14F-4D97-AF65-F5344CB8AC3E}">
-        <p14:creationId xmlns:p14="http://schemas.microsoft.com/office/powerpoint/2010/main" val="2226417868"/>
+        <p14:creationId xmlns:p14="http://schemas.microsoft.com/office/powerpoint/2010/main" val="3923464836"/>
       </p:ext>
     </p:extLst>
   </p:cSld>
@@ -8362,6 +8427,267 @@
 </file>
 
 <file path=ppt/notesSlides/notesSlide20.xml><?xml version="1.0" encoding="utf-8"?>
+<p:notes xmlns:a="http://schemas.openxmlformats.org/drawingml/2006/main" xmlns:r="http://schemas.openxmlformats.org/officeDocument/2006/relationships" xmlns:p="http://schemas.openxmlformats.org/presentationml/2006/main">
+  <p:cSld>
+    <p:spTree>
+      <p:nvGrpSpPr>
+        <p:cNvPr id="1" name=""/>
+        <p:cNvGrpSpPr/>
+        <p:nvPr/>
+      </p:nvGrpSpPr>
+      <p:grpSpPr>
+        <a:xfrm>
+          <a:off x="0" y="0"/>
+          <a:ext cx="0" cy="0"/>
+          <a:chOff x="0" y="0"/>
+          <a:chExt cx="0" cy="0"/>
+        </a:xfrm>
+      </p:grpSpPr>
+      <p:sp>
+        <p:nvSpPr>
+          <p:cNvPr id="2" name="Marcador de imagen de diapositiva 1"/>
+          <p:cNvSpPr>
+            <a:spLocks noGrp="1" noRot="1" noChangeAspect="1"/>
+          </p:cNvSpPr>
+          <p:nvPr>
+            <p:ph type="sldImg"/>
+          </p:nvPr>
+        </p:nvSpPr>
+        <p:spPr>
+          <a:xfrm>
+            <a:off x="381000" y="685800"/>
+            <a:ext cx="6096000" cy="3429000"/>
+          </a:xfrm>
+        </p:spPr>
+      </p:sp>
+      <p:sp>
+        <p:nvSpPr>
+          <p:cNvPr id="3" name="Marcador de notas 2"/>
+          <p:cNvSpPr>
+            <a:spLocks noGrp="1"/>
+          </p:cNvSpPr>
+          <p:nvPr>
+            <p:ph type="body" idx="1"/>
+          </p:nvPr>
+        </p:nvSpPr>
+        <p:spPr/>
+        <p:txBody>
+          <a:bodyPr/>
+          <a:lstStyle/>
+          <a:p>
+            <a:r>
+              <a:rPr lang="es-ES" sz="1100" b="0" i="0" u="none" strike="noStrike" cap="none" dirty="0">
+                <a:solidFill>
+                  <a:srgbClr val="000000"/>
+                </a:solidFill>
+                <a:effectLst/>
+                <a:latin typeface="Arial"/>
+                <a:ea typeface="Arial"/>
+                <a:cs typeface="Arial"/>
+                <a:sym typeface="Arial"/>
+              </a:rPr>
+              <a:t>Es interesante analizar la relación que existe entre el valor de los parámetros del modelo y las regiones de intolerancia y tolerancia.</a:t>
+            </a:r>
+          </a:p>
+          <a:p>
+            <a:pPr marL="139700" indent="0">
+              <a:buNone/>
+            </a:pPr>
+            <a:endParaRPr lang="es-ES" sz="1100" b="0" i="0" u="none" strike="noStrike" cap="none" dirty="0">
+              <a:solidFill>
+                <a:srgbClr val="000000"/>
+              </a:solidFill>
+              <a:effectLst/>
+              <a:latin typeface="Arial"/>
+              <a:ea typeface="Arial"/>
+              <a:cs typeface="Arial"/>
+              <a:sym typeface="Arial"/>
+            </a:endParaRPr>
+          </a:p>
+          <a:p>
+            <a:r>
+              <a:rPr lang="es-ES" sz="1100" b="0" i="0" u="none" strike="noStrike" cap="none" dirty="0">
+                <a:solidFill>
+                  <a:srgbClr val="000000"/>
+                </a:solidFill>
+                <a:effectLst/>
+                <a:latin typeface="Arial"/>
+                <a:ea typeface="Arial"/>
+                <a:cs typeface="Arial"/>
+                <a:sym typeface="Arial"/>
+              </a:rPr>
+              <a:t>Si dejamos uno de los dos parámetros fijos, es posible cambiar de una región a otra con tan solo modificar el otro parámetro. De hecho, de acuerdo con este modelo, patógenos (y tumores) pueden escapar de la acción de las células T por dos métodos: reduciendo el efecto de las células T, el parámetro beta, o reduciendo su tasa de proliferación, el parámetro </a:t>
+            </a:r>
+            <a:r>
+              <a:rPr lang="es-ES" sz="1100" b="0" i="0" u="none" strike="noStrike" cap="none" dirty="0" err="1">
+                <a:solidFill>
+                  <a:srgbClr val="000000"/>
+                </a:solidFill>
+                <a:effectLst/>
+                <a:latin typeface="Arial"/>
+                <a:ea typeface="Arial"/>
+                <a:cs typeface="Arial"/>
+                <a:sym typeface="Arial"/>
+              </a:rPr>
+              <a:t>alpha</a:t>
+            </a:r>
+            <a:r>
+              <a:rPr lang="es-ES" sz="1100" b="0" i="0" u="none" strike="noStrike" cap="none" dirty="0">
+                <a:solidFill>
+                  <a:srgbClr val="000000"/>
+                </a:solidFill>
+                <a:effectLst/>
+                <a:latin typeface="Arial"/>
+                <a:ea typeface="Arial"/>
+                <a:cs typeface="Arial"/>
+                <a:sym typeface="Arial"/>
+              </a:rPr>
+              <a:t>, </a:t>
+            </a:r>
+          </a:p>
+          <a:p>
+            <a:r>
+              <a:rPr lang="es-ES" sz="1100" b="0" i="0" u="none" strike="noStrike" cap="none" dirty="0">
+                <a:solidFill>
+                  <a:srgbClr val="000000"/>
+                </a:solidFill>
+                <a:effectLst/>
+                <a:latin typeface="Arial"/>
+                <a:ea typeface="Arial"/>
+                <a:cs typeface="Arial"/>
+                <a:sym typeface="Arial"/>
+              </a:rPr>
+              <a:t>Una consecuencia que se puede extraer de esto es que mecanismos como la fiebre, que incrementa la tasa de proliferación del patógeno, o la inflamación, que aumenta la acción de las células T, favorecen que el patógeno sea vencido.</a:t>
+            </a:r>
+          </a:p>
+          <a:p>
+            <a:endParaRPr lang="es-ES" dirty="0"/>
+          </a:p>
+        </p:txBody>
+      </p:sp>
+    </p:spTree>
+    <p:extLst>
+      <p:ext uri="{BB962C8B-B14F-4D97-AF65-F5344CB8AC3E}">
+        <p14:creationId xmlns:p14="http://schemas.microsoft.com/office/powerpoint/2010/main" val="1420610306"/>
+      </p:ext>
+    </p:extLst>
+  </p:cSld>
+  <p:clrMapOvr>
+    <a:masterClrMapping/>
+  </p:clrMapOvr>
+</p:notes>
+</file>
+
+<file path=ppt/notesSlides/notesSlide21.xml><?xml version="1.0" encoding="utf-8"?>
+<p:notes xmlns:a="http://schemas.openxmlformats.org/drawingml/2006/main" xmlns:r="http://schemas.openxmlformats.org/officeDocument/2006/relationships" xmlns:p="http://schemas.openxmlformats.org/presentationml/2006/main" showMasterSp="0" showMasterPhAnim="0">
+  <p:cSld>
+    <p:spTree>
+      <p:nvGrpSpPr>
+        <p:cNvPr id="1" name="Shape 70"/>
+        <p:cNvGrpSpPr/>
+        <p:nvPr/>
+      </p:nvGrpSpPr>
+      <p:grpSpPr>
+        <a:xfrm>
+          <a:off x="0" y="0"/>
+          <a:ext cx="0" cy="0"/>
+          <a:chOff x="0" y="0"/>
+          <a:chExt cx="0" cy="0"/>
+        </a:xfrm>
+      </p:grpSpPr>
+      <p:sp>
+        <p:nvSpPr>
+          <p:cNvPr id="71" name="Google Shape;71;g35f391192_029:notes"/>
+          <p:cNvSpPr>
+            <a:spLocks noGrp="1" noRot="1" noChangeAspect="1"/>
+          </p:cNvSpPr>
+          <p:nvPr>
+            <p:ph type="sldImg" idx="2"/>
+          </p:nvPr>
+        </p:nvSpPr>
+        <p:spPr>
+          <a:xfrm>
+            <a:off x="381000" y="685800"/>
+            <a:ext cx="6096000" cy="3429000"/>
+          </a:xfrm>
+          <a:custGeom>
+            <a:avLst/>
+            <a:gdLst/>
+            <a:ahLst/>
+            <a:cxnLst/>
+            <a:rect l="l" t="t" r="r" b="b"/>
+            <a:pathLst>
+              <a:path w="120000" h="120000" extrusionOk="0">
+                <a:moveTo>
+                  <a:pt x="0" y="0"/>
+                </a:moveTo>
+                <a:lnTo>
+                  <a:pt x="120000" y="0"/>
+                </a:lnTo>
+                <a:lnTo>
+                  <a:pt x="120000" y="120000"/>
+                </a:lnTo>
+                <a:lnTo>
+                  <a:pt x="0" y="120000"/>
+                </a:lnTo>
+                <a:close/>
+              </a:path>
+            </a:pathLst>
+          </a:custGeom>
+        </p:spPr>
+      </p:sp>
+      <p:sp>
+        <p:nvSpPr>
+          <p:cNvPr id="72" name="Google Shape;72;g35f391192_029:notes"/>
+          <p:cNvSpPr txBox="1">
+            <a:spLocks noGrp="1"/>
+          </p:cNvSpPr>
+          <p:nvPr>
+            <p:ph type="body" idx="1"/>
+          </p:nvPr>
+        </p:nvSpPr>
+        <p:spPr>
+          <a:xfrm>
+            <a:off x="685800" y="4343400"/>
+            <a:ext cx="5486400" cy="4114800"/>
+          </a:xfrm>
+          <a:prstGeom prst="rect">
+            <a:avLst/>
+          </a:prstGeom>
+        </p:spPr>
+        <p:txBody>
+          <a:bodyPr spcFirstLastPara="1" wrap="square" lIns="91425" tIns="91425" rIns="91425" bIns="91425" anchor="t" anchorCtr="0">
+            <a:noAutofit/>
+          </a:bodyPr>
+          <a:lstStyle/>
+          <a:p>
+            <a:pPr marL="0" lvl="0" indent="0" algn="l" rtl="0">
+              <a:spcBef>
+                <a:spcPts val="0"/>
+              </a:spcBef>
+              <a:spcAft>
+                <a:spcPts val="0"/>
+              </a:spcAft>
+              <a:buNone/>
+            </a:pPr>
+            <a:endParaRPr/>
+          </a:p>
+        </p:txBody>
+      </p:sp>
+    </p:spTree>
+    <p:extLst>
+      <p:ext uri="{BB962C8B-B14F-4D97-AF65-F5344CB8AC3E}">
+        <p14:creationId xmlns:p14="http://schemas.microsoft.com/office/powerpoint/2010/main" val="2226417868"/>
+      </p:ext>
+    </p:extLst>
+  </p:cSld>
+  <p:clrMapOvr>
+    <a:masterClrMapping/>
+  </p:clrMapOvr>
+</p:notes>
+</file>
+
+<file path=ppt/notesSlides/notesSlide22.xml><?xml version="1.0" encoding="utf-8"?>
 <p:notes xmlns:a="http://schemas.openxmlformats.org/drawingml/2006/main" xmlns:r="http://schemas.openxmlformats.org/officeDocument/2006/relationships" xmlns:p="http://schemas.openxmlformats.org/presentationml/2006/main">
   <p:cSld>
     <p:spTree>
@@ -18899,7 +19225,7 @@
           <p:nvPr/>
         </p:nvPicPr>
         <p:blipFill>
-          <a:blip r:embed="rId2"/>
+          <a:blip r:embed="rId3"/>
           <a:stretch>
             <a:fillRect/>
           </a:stretch>
@@ -18929,7 +19255,7 @@
           <p:nvPr/>
         </p:nvPicPr>
         <p:blipFill>
-          <a:blip r:embed="rId3"/>
+          <a:blip r:embed="rId4"/>
           <a:stretch>
             <a:fillRect/>
           </a:stretch>
@@ -19319,7 +19645,7 @@
           <p:nvPr/>
         </p:nvPicPr>
         <p:blipFill>
-          <a:blip r:embed="rId4"/>
+          <a:blip r:embed="rId5"/>
           <a:stretch>
             <a:fillRect/>
           </a:stretch>
@@ -19644,7 +19970,7 @@
           <p:nvPr/>
         </p:nvPicPr>
         <p:blipFill rotWithShape="1">
-          <a:blip r:embed="rId2"/>
+          <a:blip r:embed="rId3"/>
           <a:srcRect l="15438" r="19355"/>
           <a:stretch/>
         </p:blipFill>
@@ -19658,6 +19984,240 @@
           </a:prstGeom>
         </p:spPr>
       </p:pic>
+      <mc:AlternateContent xmlns:mc="http://schemas.openxmlformats.org/markup-compatibility/2006">
+        <mc:Choice xmlns:a14="http://schemas.microsoft.com/office/drawing/2010/main" Requires="a14">
+          <p:sp>
+            <p:nvSpPr>
+              <p:cNvPr id="3" name="CuadroTexto 2">
+                <a:extLst>
+                  <a:ext uri="{FF2B5EF4-FFF2-40B4-BE49-F238E27FC236}">
+                    <a16:creationId xmlns:a16="http://schemas.microsoft.com/office/drawing/2014/main" id="{70C87E2E-D3A4-4123-B88A-561323ED5304}"/>
+                  </a:ext>
+                </a:extLst>
+              </p:cNvPr>
+              <p:cNvSpPr txBox="1"/>
+              <p:nvPr/>
+            </p:nvSpPr>
+            <p:spPr>
+              <a:xfrm>
+                <a:off x="787424" y="2197601"/>
+                <a:ext cx="2251611" cy="461665"/>
+              </a:xfrm>
+              <a:prstGeom prst="rect">
+                <a:avLst/>
+              </a:prstGeom>
+              <a:noFill/>
+            </p:spPr>
+            <p:txBody>
+              <a:bodyPr wrap="square" rtlCol="0">
+                <a:spAutoFit/>
+              </a:bodyPr>
+              <a:lstStyle/>
+              <a:p>
+                <a14:m>
+                  <m:oMath xmlns:m="http://schemas.openxmlformats.org/officeDocument/2006/math">
+                    <m:sSup>
+                      <m:sSupPr>
+                        <m:ctrlPr>
+                          <a:rPr lang="es-ES" sz="1200" i="1" smtClean="0">
+                            <a:latin typeface="Cambria Math" panose="02040503050406030204" pitchFamily="18" charset="0"/>
+                            <a:ea typeface="Cambria Math" panose="02040503050406030204" pitchFamily="18" charset="0"/>
+                          </a:rPr>
+                        </m:ctrlPr>
+                      </m:sSupPr>
+                      <m:e>
+                        <m:r>
+                          <a:rPr lang="es-ES" sz="1200" i="1" smtClean="0">
+                            <a:latin typeface="Cambria Math" panose="02040503050406030204" pitchFamily="18" charset="0"/>
+                            <a:ea typeface="Cambria Math" panose="02040503050406030204" pitchFamily="18" charset="0"/>
+                          </a:rPr>
+                          <m:t>𝛼</m:t>
+                        </m:r>
+                      </m:e>
+                      <m:sup>
+                        <m:r>
+                          <a:rPr lang="es-ES" sz="1200" b="0" i="1" smtClean="0">
+                            <a:latin typeface="Cambria Math" panose="02040503050406030204" pitchFamily="18" charset="0"/>
+                            <a:ea typeface="Cambria Math" panose="02040503050406030204" pitchFamily="18" charset="0"/>
+                          </a:rPr>
+                          <m:t>∗</m:t>
+                        </m:r>
+                      </m:sup>
+                    </m:sSup>
+                  </m:oMath>
+                </a14:m>
+                <a:r>
+                  <a:rPr lang="es-ES" sz="1200" dirty="0">
+                    <a:latin typeface="PT Serif" panose="020B0604020202020204" charset="0"/>
+                  </a:rPr>
+                  <a:t>: Tasa de reproducción del patógeno</a:t>
+                </a:r>
+              </a:p>
+            </p:txBody>
+          </p:sp>
+        </mc:Choice>
+        <mc:Fallback>
+          <p:sp>
+            <p:nvSpPr>
+              <p:cNvPr id="3" name="CuadroTexto 2">
+                <a:extLst>
+                  <a:ext uri="{FF2B5EF4-FFF2-40B4-BE49-F238E27FC236}">
+                    <a16:creationId xmlns:a16="http://schemas.microsoft.com/office/drawing/2014/main" id="{70C87E2E-D3A4-4123-B88A-561323ED5304}"/>
+                  </a:ext>
+                </a:extLst>
+              </p:cNvPr>
+              <p:cNvSpPr txBox="1">
+                <a:spLocks noRot="1" noChangeAspect="1" noMove="1" noResize="1" noEditPoints="1" noAdjustHandles="1" noChangeArrowheads="1" noChangeShapeType="1" noTextEdit="1"/>
+              </p:cNvSpPr>
+              <p:nvPr/>
+            </p:nvSpPr>
+            <p:spPr>
+              <a:xfrm>
+                <a:off x="787424" y="2197601"/>
+                <a:ext cx="2251611" cy="461665"/>
+              </a:xfrm>
+              <a:prstGeom prst="rect">
+                <a:avLst/>
+              </a:prstGeom>
+              <a:blipFill>
+                <a:blip r:embed="rId4"/>
+                <a:stretch>
+                  <a:fillRect b="-9211"/>
+                </a:stretch>
+              </a:blipFill>
+            </p:spPr>
+            <p:txBody>
+              <a:bodyPr/>
+              <a:lstStyle/>
+              <a:p>
+                <a:r>
+                  <a:rPr lang="es-ES">
+                    <a:noFill/>
+                  </a:rPr>
+                  <a:t> </a:t>
+                </a:r>
+              </a:p>
+            </p:txBody>
+          </p:sp>
+        </mc:Fallback>
+      </mc:AlternateContent>
+      <mc:AlternateContent xmlns:mc="http://schemas.openxmlformats.org/markup-compatibility/2006">
+        <mc:Choice xmlns:a14="http://schemas.microsoft.com/office/drawing/2010/main" Requires="a14">
+          <p:sp>
+            <p:nvSpPr>
+              <p:cNvPr id="7" name="CuadroTexto 6">
+                <a:extLst>
+                  <a:ext uri="{FF2B5EF4-FFF2-40B4-BE49-F238E27FC236}">
+                    <a16:creationId xmlns:a16="http://schemas.microsoft.com/office/drawing/2014/main" id="{5CCE5BDF-D80D-45CC-B8D7-1B92587A9E35}"/>
+                  </a:ext>
+                </a:extLst>
+              </p:cNvPr>
+              <p:cNvSpPr txBox="1"/>
+              <p:nvPr/>
+            </p:nvSpPr>
+            <p:spPr>
+              <a:xfrm>
+                <a:off x="6089787" y="3448869"/>
+                <a:ext cx="2780528" cy="430887"/>
+              </a:xfrm>
+              <a:prstGeom prst="rect">
+                <a:avLst/>
+              </a:prstGeom>
+              <a:noFill/>
+            </p:spPr>
+            <p:txBody>
+              <a:bodyPr wrap="square" rtlCol="0">
+                <a:spAutoFit/>
+              </a:bodyPr>
+              <a:lstStyle/>
+              <a:p>
+                <a14:m>
+                  <m:oMath xmlns:m="http://schemas.openxmlformats.org/officeDocument/2006/math">
+                    <m:sSup>
+                      <m:sSupPr>
+                        <m:ctrlPr>
+                          <a:rPr lang="es-ES" sz="1100" i="1" smtClean="0">
+                            <a:latin typeface="Cambria Math" panose="02040503050406030204" pitchFamily="18" charset="0"/>
+                            <a:ea typeface="Cambria Math" panose="02040503050406030204" pitchFamily="18" charset="0"/>
+                          </a:rPr>
+                        </m:ctrlPr>
+                      </m:sSupPr>
+                      <m:e>
+                        <m:r>
+                          <a:rPr lang="es-ES" sz="1100" i="1" smtClean="0">
+                            <a:latin typeface="Cambria Math" panose="02040503050406030204" pitchFamily="18" charset="0"/>
+                            <a:ea typeface="Cambria Math" panose="02040503050406030204" pitchFamily="18" charset="0"/>
+                          </a:rPr>
+                          <m:t>𝛽</m:t>
+                        </m:r>
+                      </m:e>
+                      <m:sup>
+                        <m:r>
+                          <a:rPr lang="es-ES" sz="1100" b="0" i="1" smtClean="0">
+                            <a:latin typeface="Cambria Math" panose="02040503050406030204" pitchFamily="18" charset="0"/>
+                            <a:ea typeface="Cambria Math" panose="02040503050406030204" pitchFamily="18" charset="0"/>
+                          </a:rPr>
+                          <m:t>∗</m:t>
+                        </m:r>
+                      </m:sup>
+                    </m:sSup>
+                  </m:oMath>
+                </a14:m>
+                <a:r>
+                  <a:rPr lang="es-ES" sz="1100" dirty="0">
+                    <a:latin typeface="PT Serif" panose="020B0604020202020204" charset="0"/>
+                  </a:rPr>
+                  <a:t>: Tasa de eliminación del patógeno a causa de las células T</a:t>
+                </a:r>
+              </a:p>
+            </p:txBody>
+          </p:sp>
+        </mc:Choice>
+        <mc:Fallback>
+          <p:sp>
+            <p:nvSpPr>
+              <p:cNvPr id="7" name="CuadroTexto 6">
+                <a:extLst>
+                  <a:ext uri="{FF2B5EF4-FFF2-40B4-BE49-F238E27FC236}">
+                    <a16:creationId xmlns:a16="http://schemas.microsoft.com/office/drawing/2014/main" id="{5CCE5BDF-D80D-45CC-B8D7-1B92587A9E35}"/>
+                  </a:ext>
+                </a:extLst>
+              </p:cNvPr>
+              <p:cNvSpPr txBox="1">
+                <a:spLocks noRot="1" noChangeAspect="1" noMove="1" noResize="1" noEditPoints="1" noAdjustHandles="1" noChangeArrowheads="1" noChangeShapeType="1" noTextEdit="1"/>
+              </p:cNvSpPr>
+              <p:nvPr/>
+            </p:nvSpPr>
+            <p:spPr>
+              <a:xfrm>
+                <a:off x="6089787" y="3448869"/>
+                <a:ext cx="2780528" cy="430887"/>
+              </a:xfrm>
+              <a:prstGeom prst="rect">
+                <a:avLst/>
+              </a:prstGeom>
+              <a:blipFill>
+                <a:blip r:embed="rId5"/>
+                <a:stretch>
+                  <a:fillRect b="-10000"/>
+                </a:stretch>
+              </a:blipFill>
+            </p:spPr>
+            <p:txBody>
+              <a:bodyPr/>
+              <a:lstStyle/>
+              <a:p>
+                <a:r>
+                  <a:rPr lang="es-ES">
+                    <a:noFill/>
+                  </a:rPr>
+                  <a:t> </a:t>
+                </a:r>
+              </a:p>
+            </p:txBody>
+          </p:sp>
+        </mc:Fallback>
+      </mc:AlternateContent>
     </p:spTree>
     <p:extLst>
       <p:ext uri="{BB962C8B-B14F-4D97-AF65-F5344CB8AC3E}">
@@ -19668,135 +20228,6 @@
   <p:clrMapOvr>
     <a:masterClrMapping/>
   </p:clrMapOvr>
-  <p:timing>
-    <p:tnLst>
-      <p:par>
-        <p:cTn id="1" dur="indefinite" restart="never" nodeType="tmRoot">
-          <p:childTnLst>
-            <p:seq concurrent="1" nextAc="seek">
-              <p:cTn id="2" dur="indefinite" nodeType="mainSeq">
-                <p:childTnLst>
-                  <p:par>
-                    <p:cTn id="3" fill="hold">
-                      <p:stCondLst>
-                        <p:cond delay="indefinite"/>
-                      </p:stCondLst>
-                      <p:childTnLst>
-                        <p:par>
-                          <p:cTn id="4" fill="hold">
-                            <p:stCondLst>
-                              <p:cond delay="0"/>
-                            </p:stCondLst>
-                            <p:childTnLst>
-                              <p:par>
-                                <p:cTn id="5" presetID="10" presetClass="entr" presetSubtype="0" fill="hold" nodeType="clickEffect">
-                                  <p:stCondLst>
-                                    <p:cond delay="0"/>
-                                  </p:stCondLst>
-                                  <p:childTnLst>
-                                    <p:set>
-                                      <p:cBhvr>
-                                        <p:cTn id="6" dur="1" fill="hold">
-                                          <p:stCondLst>
-                                            <p:cond delay="0"/>
-                                          </p:stCondLst>
-                                        </p:cTn>
-                                        <p:tgtEl>
-                                          <p:spTgt spid="13"/>
-                                        </p:tgtEl>
-                                        <p:attrNameLst>
-                                          <p:attrName>style.visibility</p:attrName>
-                                        </p:attrNameLst>
-                                      </p:cBhvr>
-                                      <p:to>
-                                        <p:strVal val="visible"/>
-                                      </p:to>
-                                    </p:set>
-                                    <p:animEffect transition="in" filter="fade">
-                                      <p:cBhvr>
-                                        <p:cTn id="7" dur="500"/>
-                                        <p:tgtEl>
-                                          <p:spTgt spid="13"/>
-                                        </p:tgtEl>
-                                      </p:cBhvr>
-                                    </p:animEffect>
-                                  </p:childTnLst>
-                                </p:cTn>
-                              </p:par>
-                              <p:par>
-                                <p:cTn id="8" presetID="10" presetClass="entr" presetSubtype="0" fill="hold" grpId="0" nodeType="withEffect">
-                                  <p:stCondLst>
-                                    <p:cond delay="0"/>
-                                  </p:stCondLst>
-                                  <p:childTnLst>
-                                    <p:set>
-                                      <p:cBhvr>
-                                        <p:cTn id="9" dur="1" fill="hold">
-                                          <p:stCondLst>
-                                            <p:cond delay="0"/>
-                                          </p:stCondLst>
-                                        </p:cTn>
-                                        <p:tgtEl>
-                                          <p:spTgt spid="5">
-                                            <p:txEl>
-                                              <p:pRg st="0" end="0"/>
-                                            </p:txEl>
-                                          </p:spTgt>
-                                        </p:tgtEl>
-                                        <p:attrNameLst>
-                                          <p:attrName>style.visibility</p:attrName>
-                                        </p:attrNameLst>
-                                      </p:cBhvr>
-                                      <p:to>
-                                        <p:strVal val="visible"/>
-                                      </p:to>
-                                    </p:set>
-                                    <p:animEffect transition="in" filter="fade">
-                                      <p:cBhvr>
-                                        <p:cTn id="10" dur="500"/>
-                                        <p:tgtEl>
-                                          <p:spTgt spid="5">
-                                            <p:txEl>
-                                              <p:pRg st="0" end="0"/>
-                                            </p:txEl>
-                                          </p:spTgt>
-                                        </p:tgtEl>
-                                      </p:cBhvr>
-                                    </p:animEffect>
-                                  </p:childTnLst>
-                                </p:cTn>
-                              </p:par>
-                            </p:childTnLst>
-                          </p:cTn>
-                        </p:par>
-                      </p:childTnLst>
-                    </p:cTn>
-                  </p:par>
-                </p:childTnLst>
-              </p:cTn>
-              <p:prevCondLst>
-                <p:cond evt="onPrev" delay="0">
-                  <p:tgtEl>
-                    <p:sldTgt/>
-                  </p:tgtEl>
-                </p:cond>
-              </p:prevCondLst>
-              <p:nextCondLst>
-                <p:cond evt="onNext" delay="0">
-                  <p:tgtEl>
-                    <p:sldTgt/>
-                  </p:tgtEl>
-                </p:cond>
-              </p:nextCondLst>
-            </p:seq>
-          </p:childTnLst>
-        </p:cTn>
-      </p:par>
-    </p:tnLst>
-    <p:bldLst>
-      <p:bldP spid="5" grpId="0" build="p"/>
-    </p:bldLst>
-  </p:timing>
 </p:sld>
 </file>
 

--- a/Defensa/transparenciasDefensa.pptx
+++ b/Defensa/transparenciasDefensa.pptx
@@ -8714,7 +8714,12 @@
             <p:ph type="sldImg"/>
           </p:nvPr>
         </p:nvSpPr>
-        <p:spPr/>
+        <p:spPr>
+          <a:xfrm>
+            <a:off x="381000" y="685800"/>
+            <a:ext cx="6096000" cy="3429000"/>
+          </a:xfrm>
+        </p:spPr>
       </p:sp>
       <p:sp>
         <p:nvSpPr>
@@ -19984,8 +19989,8 @@
           </a:prstGeom>
         </p:spPr>
       </p:pic>
-      <mc:AlternateContent xmlns:mc="http://schemas.openxmlformats.org/markup-compatibility/2006">
-        <mc:Choice xmlns:a14="http://schemas.microsoft.com/office/drawing/2010/main" Requires="a14">
+      <mc:AlternateContent xmlns:mc="http://schemas.openxmlformats.org/markup-compatibility/2006" xmlns:a14="http://schemas.microsoft.com/office/drawing/2010/main">
+        <mc:Choice Requires="a14">
           <p:sp>
             <p:nvSpPr>
               <p:cNvPr id="3" name="CuadroTexto 2">
@@ -20056,7 +20061,7 @@
             </p:txBody>
           </p:sp>
         </mc:Choice>
-        <mc:Fallback>
+        <mc:Fallback xmlns="">
           <p:sp>
             <p:nvSpPr>
               <p:cNvPr id="3" name="CuadroTexto 2">
@@ -20101,8 +20106,8 @@
           </p:sp>
         </mc:Fallback>
       </mc:AlternateContent>
-      <mc:AlternateContent xmlns:mc="http://schemas.openxmlformats.org/markup-compatibility/2006">
-        <mc:Choice xmlns:a14="http://schemas.microsoft.com/office/drawing/2010/main" Requires="a14">
+      <mc:AlternateContent xmlns:mc="http://schemas.openxmlformats.org/markup-compatibility/2006" xmlns:a14="http://schemas.microsoft.com/office/drawing/2010/main">
+        <mc:Choice Requires="a14">
           <p:sp>
             <p:nvSpPr>
               <p:cNvPr id="7" name="CuadroTexto 6">
@@ -20173,7 +20178,7 @@
             </p:txBody>
           </p:sp>
         </mc:Choice>
-        <mc:Fallback>
+        <mc:Fallback xmlns="">
           <p:sp>
             <p:nvSpPr>
               <p:cNvPr id="7" name="CuadroTexto 6">

--- a/Defensa/transparenciasDefensa.pptx
+++ b/Defensa/transparenciasDefensa.pptx
@@ -7604,6 +7604,90 @@
             </a:r>
           </a:p>
           <a:p>
+            <a:endParaRPr lang="es-ES" sz="1100" b="0" i="0" u="none" strike="noStrike" cap="none" dirty="0">
+              <a:solidFill>
+                <a:srgbClr val="000000"/>
+              </a:solidFill>
+              <a:effectLst/>
+              <a:latin typeface="Arial"/>
+              <a:ea typeface="Arial"/>
+              <a:cs typeface="Arial"/>
+              <a:sym typeface="Arial"/>
+            </a:endParaRPr>
+          </a:p>
+          <a:p>
+            <a:r>
+              <a:rPr lang="es-ES" sz="1100" b="0" i="0" u="none" strike="noStrike" cap="none" baseline="0" dirty="0">
+                <a:solidFill>
+                  <a:srgbClr val="000000"/>
+                </a:solidFill>
+                <a:latin typeface="Arial"/>
+                <a:ea typeface="Arial"/>
+                <a:cs typeface="Arial"/>
+                <a:sym typeface="Arial"/>
+              </a:rPr>
+              <a:t>Estas simulaciones ponen de </a:t>
+            </a:r>
+            <a:r>
+              <a:rPr lang="es-ES" sz="1100" b="0" i="0" u="none" strike="noStrike" cap="none" baseline="0" dirty="0" err="1">
+                <a:solidFill>
+                  <a:srgbClr val="000000"/>
+                </a:solidFill>
+                <a:latin typeface="Arial"/>
+                <a:ea typeface="Arial"/>
+                <a:cs typeface="Arial"/>
+                <a:sym typeface="Arial"/>
+              </a:rPr>
+              <a:t>maniesto</a:t>
+            </a:r>
+            <a:r>
+              <a:rPr lang="es-ES" sz="1100" b="0" i="0" u="none" strike="noStrike" cap="none" baseline="0" dirty="0">
+                <a:solidFill>
+                  <a:srgbClr val="000000"/>
+                </a:solidFill>
+                <a:latin typeface="Arial"/>
+                <a:ea typeface="Arial"/>
+                <a:cs typeface="Arial"/>
+                <a:sym typeface="Arial"/>
+              </a:rPr>
+              <a:t> la importancia de las células T de memoria. En una situación donde las células T efectoras no presentan una anidad al patógeno muy elevada las consecuencias pueden ser muy graves, pues la infección se alarga y las células T no son </a:t>
+            </a:r>
+            <a:r>
+              <a:rPr lang="es-ES" sz="1100" b="0" i="0" u="none" strike="noStrike" cap="none" baseline="0" dirty="0" err="1">
+                <a:solidFill>
+                  <a:srgbClr val="000000"/>
+                </a:solidFill>
+                <a:latin typeface="Arial"/>
+                <a:ea typeface="Arial"/>
+                <a:cs typeface="Arial"/>
+                <a:sym typeface="Arial"/>
+              </a:rPr>
+              <a:t>sucientemente</a:t>
+            </a:r>
+            <a:r>
+              <a:rPr lang="es-ES" sz="1100" b="0" i="0" u="none" strike="noStrike" cap="none" baseline="0" dirty="0">
+                <a:solidFill>
+                  <a:srgbClr val="000000"/>
+                </a:solidFill>
+                <a:latin typeface="Arial"/>
+                <a:ea typeface="Arial"/>
+                <a:cs typeface="Arial"/>
+                <a:sym typeface="Arial"/>
+              </a:rPr>
+              <a:t> dañinas para el agente externo. Sin embargo, si contamos con células T de memoria que guardan información relevante para combatir a ese agente, nuestro organismo se encontrará en una situación más segura, ya que se podrá actuar más rápidamente con células que disponen de alta anidad con el patógeno y desencadenarán, por tanto, un ataque mucho más efectivo.</a:t>
+            </a:r>
+            <a:endParaRPr lang="es-ES" sz="1100" b="0" i="0" u="none" strike="noStrike" cap="none" dirty="0">
+              <a:solidFill>
+                <a:srgbClr val="000000"/>
+              </a:solidFill>
+              <a:effectLst/>
+              <a:latin typeface="Arial"/>
+              <a:ea typeface="Arial"/>
+              <a:cs typeface="Arial"/>
+              <a:sym typeface="Arial"/>
+            </a:endParaRPr>
+          </a:p>
+          <a:p>
             <a:pPr marL="139700" indent="0">
               <a:buNone/>
             </a:pPr>
@@ -14222,6 +14306,9 @@
   <p:clrMapOvr>
     <a:masterClrMapping/>
   </p:clrMapOvr>
+  <p:transition>
+    <p:fade thruBlk="1"/>
+  </p:transition>
 </p:sld>
 </file>
 

--- a/Defensa/transparenciasDefensa.pptx
+++ b/Defensa/transparenciasDefensa.pptx
@@ -2024,7 +2024,7 @@
   <dgm:whole/>
   <dgm:extLst>
     <a:ext uri="http://schemas.microsoft.com/office/drawing/2008/diagram">
-      <dsp:dataModelExt xmlns:dsp="http://schemas.microsoft.com/office/drawing/2008/diagram" relId="rId6" minVer="http://schemas.openxmlformats.org/drawingml/2006/diagram"/>
+      <dsp:dataModelExt xmlns:dsp="http://schemas.microsoft.com/office/drawing/2008/diagram" relId="rId7" minVer="http://schemas.openxmlformats.org/drawingml/2006/diagram"/>
     </a:ext>
   </dgm:extLst>
 </dgm:dataModel>
@@ -14306,7 +14306,7 @@
   <p:clrMapOvr>
     <a:masterClrMapping/>
   </p:clrMapOvr>
-  <p:transition>
+  <p:transition advTm="6019">
     <p:fade thruBlk="1"/>
   </p:transition>
 </p:sld>
@@ -14465,6 +14465,9 @@
   <p:clrMapOvr>
     <a:masterClrMapping/>
   </p:clrMapOvr>
+  <p:transition advTm="5795">
+    <p:fade thruBlk="1"/>
+  </p:transition>
 </p:sld>
 </file>
 
@@ -14558,7 +14561,7 @@
             </p:nvSpPr>
             <p:spPr>
               <a:blipFill>
-                <a:blip r:embed="rId3"/>
+                <a:blip r:embed="rId4"/>
                 <a:stretch>
                   <a:fillRect/>
                 </a:stretch>
@@ -14594,7 +14597,7 @@
           <p:nvPr/>
         </p:nvPicPr>
         <p:blipFill>
-          <a:blip r:embed="rId4"/>
+          <a:blip r:embed="rId5"/>
           <a:stretch>
             <a:fillRect/>
           </a:stretch>
@@ -14742,7 +14745,7 @@
                 <a:ext cx="3496500" cy="762601"/>
               </a:xfrm>
               <a:blipFill>
-                <a:blip r:embed="rId5"/>
+                <a:blip r:embed="rId6"/>
                 <a:stretch>
                   <a:fillRect/>
                 </a:stretch>
@@ -14816,7 +14819,7 @@
           <p:nvPr/>
         </p:nvPicPr>
         <p:blipFill>
-          <a:blip r:embed="rId6"/>
+          <a:blip r:embed="rId7"/>
           <a:stretch>
             <a:fillRect/>
           </a:stretch>
@@ -14963,7 +14966,7 @@
                 <a:avLst/>
               </a:prstGeom>
               <a:blipFill>
-                <a:blip r:embed="rId7"/>
+                <a:blip r:embed="rId8"/>
                 <a:stretch>
                   <a:fillRect b="-9091"/>
                 </a:stretch>
@@ -15102,6 +15105,9 @@
         </p:txBody>
       </p:sp>
     </p:spTree>
+    <p:custDataLst>
+      <p:tags r:id="rId1"/>
+    </p:custDataLst>
     <p:extLst>
       <p:ext uri="{BB962C8B-B14F-4D97-AF65-F5344CB8AC3E}">
         <p14:creationId xmlns:p14="http://schemas.microsoft.com/office/powerpoint/2010/main" val="1443138136"/>
@@ -15111,6 +15117,9 @@
   <p:clrMapOvr>
     <a:masterClrMapping/>
   </p:clrMapOvr>
+  <p:transition advTm="31560">
+    <p:fade thruBlk="1"/>
+  </p:transition>
   <p:timing>
     <p:tnLst>
       <p:par>
@@ -15384,7 +15393,7 @@
           <p:nvPr/>
         </p:nvPicPr>
         <p:blipFill>
-          <a:blip r:embed="rId3"/>
+          <a:blip r:embed="rId4"/>
           <a:stretch>
             <a:fillRect/>
           </a:stretch>
@@ -15829,6 +15838,9 @@
         </p:txBody>
       </p:sp>
     </p:spTree>
+    <p:custDataLst>
+      <p:tags r:id="rId1"/>
+    </p:custDataLst>
     <p:extLst>
       <p:ext uri="{BB962C8B-B14F-4D97-AF65-F5344CB8AC3E}">
         <p14:creationId xmlns:p14="http://schemas.microsoft.com/office/powerpoint/2010/main" val="2753846255"/>
@@ -15838,6 +15850,9 @@
   <p:clrMapOvr>
     <a:masterClrMapping/>
   </p:clrMapOvr>
+  <p:transition advTm="33725">
+    <p:fade thruBlk="1"/>
+  </p:transition>
   <p:timing>
     <p:tnLst>
       <p:par>
@@ -16518,7 +16533,7 @@
           <p:nvPr/>
         </p:nvPicPr>
         <p:blipFill>
-          <a:blip r:embed="rId3"/>
+          <a:blip r:embed="rId4"/>
           <a:stretch>
             <a:fillRect/>
           </a:stretch>
@@ -16548,7 +16563,7 @@
           <p:nvPr/>
         </p:nvPicPr>
         <p:blipFill>
-          <a:blip r:embed="rId4"/>
+          <a:blip r:embed="rId5"/>
           <a:stretch>
             <a:fillRect/>
           </a:stretch>
@@ -16684,6 +16699,9 @@
         </p:txBody>
       </p:sp>
     </p:spTree>
+    <p:custDataLst>
+      <p:tags r:id="rId1"/>
+    </p:custDataLst>
     <p:extLst>
       <p:ext uri="{BB962C8B-B14F-4D97-AF65-F5344CB8AC3E}">
         <p14:creationId xmlns:p14="http://schemas.microsoft.com/office/powerpoint/2010/main" val="3102500262"/>
@@ -16693,6 +16711,9 @@
   <p:clrMapOvr>
     <a:masterClrMapping/>
   </p:clrMapOvr>
+  <p:transition advTm="73860">
+    <p:fade thruBlk="1"/>
+  </p:transition>
   <p:timing>
     <p:tnLst>
       <p:par>
@@ -16992,7 +17013,7 @@
                 <a:ext cx="2471100" cy="842683"/>
               </a:xfrm>
               <a:blipFill>
-                <a:blip r:embed="rId3"/>
+                <a:blip r:embed="rId4"/>
                 <a:stretch>
                   <a:fillRect b="-19565"/>
                 </a:stretch>
@@ -17141,7 +17162,7 @@
           <p:nvPr/>
         </p:nvPicPr>
         <p:blipFill>
-          <a:blip r:embed="rId4"/>
+          <a:blip r:embed="rId5"/>
           <a:stretch>
             <a:fillRect/>
           </a:stretch>
@@ -17171,7 +17192,7 @@
           <p:nvPr/>
         </p:nvPicPr>
         <p:blipFill>
-          <a:blip r:embed="rId5"/>
+          <a:blip r:embed="rId6"/>
           <a:stretch>
             <a:fillRect/>
           </a:stretch>
@@ -17201,7 +17222,7 @@
           <p:nvPr/>
         </p:nvPicPr>
         <p:blipFill>
-          <a:blip r:embed="rId6"/>
+          <a:blip r:embed="rId7"/>
           <a:stretch>
             <a:fillRect/>
           </a:stretch>
@@ -17231,7 +17252,7 @@
           <p:nvPr/>
         </p:nvPicPr>
         <p:blipFill>
-          <a:blip r:embed="rId7"/>
+          <a:blip r:embed="rId8"/>
           <a:stretch>
             <a:fillRect/>
           </a:stretch>
@@ -17301,6 +17322,9 @@
         </p:txBody>
       </p:sp>
     </p:spTree>
+    <p:custDataLst>
+      <p:tags r:id="rId1"/>
+    </p:custDataLst>
     <p:extLst>
       <p:ext uri="{BB962C8B-B14F-4D97-AF65-F5344CB8AC3E}">
         <p14:creationId xmlns:p14="http://schemas.microsoft.com/office/powerpoint/2010/main" val="2096949491"/>
@@ -17310,6 +17334,9 @@
   <p:clrMapOvr>
     <a:masterClrMapping/>
   </p:clrMapOvr>
+  <p:transition advTm="58321">
+    <p:fade thruBlk="1"/>
+  </p:transition>
   <p:timing>
     <p:tnLst>
       <p:par>
@@ -17762,6 +17789,9 @@
   <p:clrMapOvr>
     <a:masterClrMapping/>
   </p:clrMapOvr>
+  <p:transition advTm="9296">
+    <p:fade thruBlk="1"/>
+  </p:transition>
 </p:sld>
 </file>
 
@@ -18389,6 +18419,9 @@
         </p:style>
       </p:cxnSp>
     </p:spTree>
+    <p:custDataLst>
+      <p:tags r:id="rId1"/>
+    </p:custDataLst>
     <p:extLst>
       <p:ext uri="{BB962C8B-B14F-4D97-AF65-F5344CB8AC3E}">
         <p14:creationId xmlns:p14="http://schemas.microsoft.com/office/powerpoint/2010/main" val="1572627558"/>
@@ -18398,6 +18431,9 @@
   <p:clrMapOvr>
     <a:masterClrMapping/>
   </p:clrMapOvr>
+  <p:transition advTm="16881">
+    <p:fade thruBlk="1"/>
+  </p:transition>
   <p:timing>
     <p:tnLst>
       <p:par>
@@ -18987,6 +19023,9 @@
   <p:clrMapOvr>
     <a:masterClrMapping/>
   </p:clrMapOvr>
+  <p:transition advTm="37157">
+    <p:fade thruBlk="1"/>
+  </p:transition>
 </p:sld>
 </file>
 
@@ -19139,6 +19178,9 @@
   <p:clrMapOvr>
     <a:masterClrMapping/>
   </p:clrMapOvr>
+  <p:transition advTm="4077">
+    <p:fade thruBlk="1"/>
+  </p:transition>
 </p:sld>
 </file>
 
@@ -19762,6 +19804,9 @@
   <p:clrMapOvr>
     <a:masterClrMapping/>
   </p:clrMapOvr>
+  <p:transition advTm="44790">
+    <p:fade thruBlk="1"/>
+  </p:transition>
 </p:sld>
 </file>
 
@@ -19925,6 +19970,9 @@
   <p:clrMapOvr>
     <a:masterClrMapping/>
   </p:clrMapOvr>
+  <p:transition advTm="4191">
+    <p:fade thruBlk="1"/>
+  </p:transition>
 </p:sld>
 </file>
 
@@ -20320,6 +20368,9 @@
   <p:clrMapOvr>
     <a:masterClrMapping/>
   </p:clrMapOvr>
+  <p:transition advTm="43815">
+    <p:fade thruBlk="1"/>
+  </p:transition>
 </p:sld>
 </file>
 
@@ -20476,6 +20527,9 @@
   <p:clrMapOvr>
     <a:masterClrMapping/>
   </p:clrMapOvr>
+  <p:transition advTm="6788">
+    <p:fade thruBlk="1"/>
+  </p:transition>
 </p:sld>
 </file>
 
@@ -20623,6 +20677,9 @@
   <p:clrMapOvr>
     <a:masterClrMapping/>
   </p:clrMapOvr>
+  <p:transition advTm="16268">
+    <p:fade thruBlk="1"/>
+  </p:transition>
 </p:sld>
 </file>
 
@@ -20774,11 +20831,14 @@
         </p:xfrm>
         <a:graphic>
           <a:graphicData uri="http://schemas.openxmlformats.org/drawingml/2006/diagram">
-            <dgm:relIds xmlns:dgm="http://schemas.openxmlformats.org/drawingml/2006/diagram" xmlns:r="http://schemas.openxmlformats.org/officeDocument/2006/relationships" r:dm="rId2" r:lo="rId3" r:qs="rId4" r:cs="rId5"/>
+            <dgm:relIds xmlns:dgm="http://schemas.openxmlformats.org/drawingml/2006/diagram" xmlns:r="http://schemas.openxmlformats.org/officeDocument/2006/relationships" r:dm="rId3" r:lo="rId4" r:qs="rId5" r:cs="rId6"/>
           </a:graphicData>
         </a:graphic>
       </p:graphicFrame>
     </p:spTree>
+    <p:custDataLst>
+      <p:tags r:id="rId1"/>
+    </p:custDataLst>
     <p:extLst>
       <p:ext uri="{BB962C8B-B14F-4D97-AF65-F5344CB8AC3E}">
         <p14:creationId xmlns:p14="http://schemas.microsoft.com/office/powerpoint/2010/main" val="638888697"/>
@@ -20788,6 +20848,9 @@
   <p:clrMapOvr>
     <a:masterClrMapping/>
   </p:clrMapOvr>
+  <p:transition advTm="25127">
+    <p:fade thruBlk="1"/>
+  </p:transition>
   <p:timing>
     <p:tnLst>
       <p:par>
@@ -21207,6 +21270,9 @@
   <p:clrMapOvr>
     <a:masterClrMapping/>
   </p:clrMapOvr>
+  <p:transition advTm="27707">
+    <p:fade thruBlk="1"/>
+  </p:transition>
 </p:sld>
 </file>
 
@@ -21703,7 +21769,7 @@
                 <a:ext cx="3496500" cy="1847634"/>
               </a:xfrm>
               <a:blipFill>
-                <a:blip r:embed="rId2"/>
+                <a:blip r:embed="rId3"/>
                 <a:stretch>
                   <a:fillRect/>
                 </a:stretch>
@@ -21777,7 +21843,7 @@
           <p:nvPr/>
         </p:nvPicPr>
         <p:blipFill rotWithShape="1">
-          <a:blip r:embed="rId3"/>
+          <a:blip r:embed="rId4"/>
           <a:srcRect t="3105"/>
           <a:stretch/>
         </p:blipFill>
@@ -21806,7 +21872,7 @@
           <p:nvPr/>
         </p:nvPicPr>
         <p:blipFill>
-          <a:blip r:embed="rId4"/>
+          <a:blip r:embed="rId5"/>
           <a:stretch>
             <a:fillRect/>
           </a:stretch>
@@ -22500,7 +22566,7 @@
                 <a:avLst/>
               </a:prstGeom>
               <a:blipFill>
-                <a:blip r:embed="rId5"/>
+                <a:blip r:embed="rId6"/>
                 <a:stretch>
                   <a:fillRect/>
                 </a:stretch>
@@ -23630,6 +23696,9 @@
         </p:txBody>
       </p:sp>
     </p:spTree>
+    <p:custDataLst>
+      <p:tags r:id="rId1"/>
+    </p:custDataLst>
     <p:extLst>
       <p:ext uri="{BB962C8B-B14F-4D97-AF65-F5344CB8AC3E}">
         <p14:creationId xmlns:p14="http://schemas.microsoft.com/office/powerpoint/2010/main" val="4026824729"/>
@@ -23639,6 +23708,9 @@
   <p:clrMapOvr>
     <a:masterClrMapping/>
   </p:clrMapOvr>
+  <p:transition advTm="45625">
+    <p:fade thruBlk="1"/>
+  </p:transition>
   <p:timing>
     <p:tnLst>
       <p:par>
@@ -25089,6 +25161,9 @@
   <p:clrMapOvr>
     <a:masterClrMapping/>
   </p:clrMapOvr>
+  <p:transition advTm="42616">
+    <p:fade thruBlk="1"/>
+  </p:transition>
 </p:sld>
 </file>
 
@@ -25343,6 +25418,9 @@
   <p:clrMapOvr>
     <a:masterClrMapping/>
   </p:clrMapOvr>
+  <p:transition advTm="3967">
+    <p:fade thruBlk="1"/>
+  </p:transition>
 </p:sld>
 </file>
 
@@ -25591,6 +25669,9 @@
   <p:clrMapOvr>
     <a:masterClrMapping/>
   </p:clrMapOvr>
+  <p:transition advTm="34539">
+    <p:fade thruBlk="1"/>
+  </p:transition>
 </p:sld>
 </file>
 
@@ -25810,7 +25891,7 @@
           <p:nvPr/>
         </p:nvPicPr>
         <p:blipFill>
-          <a:blip r:embed="rId3"/>
+          <a:blip r:embed="rId4"/>
           <a:stretch>
             <a:fillRect/>
           </a:stretch>
@@ -25856,7 +25937,7 @@
             <a:r>
               <a:rPr lang="es-ES" sz="1100" dirty="0">
                 <a:latin typeface="PT Serif" panose="020B0604020202020204" charset="0"/>
-                <a:hlinkClick r:id="rId4"/>
+                <a:hlinkClick r:id="rId5"/>
               </a:rPr>
               <a:t>link imagen</a:t>
             </a:r>
@@ -26413,6 +26494,9 @@
         </p:style>
       </p:cxnSp>
     </p:spTree>
+    <p:custDataLst>
+      <p:tags r:id="rId1"/>
+    </p:custDataLst>
     <p:extLst>
       <p:ext uri="{BB962C8B-B14F-4D97-AF65-F5344CB8AC3E}">
         <p14:creationId xmlns:p14="http://schemas.microsoft.com/office/powerpoint/2010/main" val="1492788833"/>
@@ -26422,6 +26506,9 @@
   <p:clrMapOvr>
     <a:masterClrMapping/>
   </p:clrMapOvr>
+  <p:transition advTm="49298">
+    <p:fade thruBlk="1"/>
+  </p:transition>
   <p:timing>
     <p:tnLst>
       <p:par>
@@ -26879,6 +26966,9 @@
   <p:clrMapOvr>
     <a:masterClrMapping/>
   </p:clrMapOvr>
+  <p:transition advTm="26999">
+    <p:fade thruBlk="1"/>
+  </p:transition>
 </p:sld>
 </file>
 
@@ -27035,6 +27125,9 @@
   <p:clrMapOvr>
     <a:masterClrMapping/>
   </p:clrMapOvr>
+  <p:transition advTm="7338">
+    <p:fade thruBlk="1"/>
+  </p:transition>
 </p:sld>
 </file>
 
@@ -27247,6 +27340,9 @@
   <p:clrMapOvr>
     <a:masterClrMapping/>
   </p:clrMapOvr>
+  <p:transition advTm="49361">
+    <p:fade thruBlk="1"/>
+  </p:transition>
 </p:sld>
 </file>
 
@@ -27766,7 +27862,7 @@
                 <a:avLst/>
               </a:prstGeom>
               <a:blipFill>
-                <a:blip r:embed="rId3"/>
+                <a:blip r:embed="rId4"/>
                 <a:stretch>
                   <a:fillRect t="-508" b="-3046"/>
                 </a:stretch>
@@ -27802,7 +27898,7 @@
           <p:nvPr/>
         </p:nvPicPr>
         <p:blipFill rotWithShape="1">
-          <a:blip r:embed="rId4"/>
+          <a:blip r:embed="rId5"/>
           <a:srcRect l="1379" r="44344"/>
           <a:stretch/>
         </p:blipFill>
@@ -27831,7 +27927,7 @@
           <p:nvPr/>
         </p:nvPicPr>
         <p:blipFill rotWithShape="1">
-          <a:blip r:embed="rId5"/>
+          <a:blip r:embed="rId6"/>
           <a:srcRect t="1" r="28388" b="-11544"/>
           <a:stretch/>
         </p:blipFill>
@@ -28258,6 +28354,9 @@
         </p:txBody>
       </p:sp>
     </p:spTree>
+    <p:custDataLst>
+      <p:tags r:id="rId1"/>
+    </p:custDataLst>
     <p:extLst>
       <p:ext uri="{BB962C8B-B14F-4D97-AF65-F5344CB8AC3E}">
         <p14:creationId xmlns:p14="http://schemas.microsoft.com/office/powerpoint/2010/main" val="1084784738"/>
@@ -28267,6 +28366,9 @@
   <p:clrMapOvr>
     <a:masterClrMapping/>
   </p:clrMapOvr>
+  <p:transition advTm="26947">
+    <p:fade thruBlk="1"/>
+  </p:transition>
   <p:timing>
     <p:tnLst>
       <p:par>
@@ -29666,7 +29768,64 @@
   <p:clrMapOvr>
     <a:masterClrMapping/>
   </p:clrMapOvr>
+  <p:transition advTm="42096">
+    <p:fade thruBlk="1"/>
+  </p:transition>
 </p:sld>
+</file>
+
+<file path=ppt/tags/tag1.xml><?xml version="1.0" encoding="utf-8"?>
+<p:tagLst xmlns:a="http://schemas.openxmlformats.org/drawingml/2006/main" xmlns:r="http://schemas.openxmlformats.org/officeDocument/2006/relationships" xmlns:p="http://schemas.openxmlformats.org/presentationml/2006/main">
+  <p:tag name="TIMING" val="|34.3|9.5"/>
+</p:tagLst>
+</file>
+
+<file path=ppt/tags/tag2.xml><?xml version="1.0" encoding="utf-8"?>
+<p:tagLst xmlns:a="http://schemas.openxmlformats.org/drawingml/2006/main" xmlns:r="http://schemas.openxmlformats.org/officeDocument/2006/relationships" xmlns:p="http://schemas.openxmlformats.org/presentationml/2006/main">
+  <p:tag name="TIMING" val="|7.9|2.3|3.1"/>
+</p:tagLst>
+</file>
+
+<file path=ppt/tags/tag3.xml><?xml version="1.0" encoding="utf-8"?>
+<p:tagLst xmlns:a="http://schemas.openxmlformats.org/drawingml/2006/main" xmlns:r="http://schemas.openxmlformats.org/officeDocument/2006/relationships" xmlns:p="http://schemas.openxmlformats.org/presentationml/2006/main">
+  <p:tag name="TIMING" val="|8.6|1.6|8.2"/>
+</p:tagLst>
+</file>
+
+<file path=ppt/tags/tag4.xml><?xml version="1.0" encoding="utf-8"?>
+<p:tagLst xmlns:a="http://schemas.openxmlformats.org/drawingml/2006/main" xmlns:r="http://schemas.openxmlformats.org/officeDocument/2006/relationships" xmlns:p="http://schemas.openxmlformats.org/presentationml/2006/main">
+  <p:tag name="TIMING" val="|5.7|3.8|6.2|16.7"/>
+</p:tagLst>
+</file>
+
+<file path=ppt/tags/tag5.xml><?xml version="1.0" encoding="utf-8"?>
+<p:tagLst xmlns:a="http://schemas.openxmlformats.org/drawingml/2006/main" xmlns:r="http://schemas.openxmlformats.org/officeDocument/2006/relationships" xmlns:p="http://schemas.openxmlformats.org/presentationml/2006/main">
+  <p:tag name="TIMING" val="|14.1|3.2"/>
+</p:tagLst>
+</file>
+
+<file path=ppt/tags/tag6.xml><?xml version="1.0" encoding="utf-8"?>
+<p:tagLst xmlns:a="http://schemas.openxmlformats.org/drawingml/2006/main" xmlns:r="http://schemas.openxmlformats.org/officeDocument/2006/relationships" xmlns:p="http://schemas.openxmlformats.org/presentationml/2006/main">
+  <p:tag name="TIMING" val="|11.1|8.9|3.8"/>
+</p:tagLst>
+</file>
+
+<file path=ppt/tags/tag7.xml><?xml version="1.0" encoding="utf-8"?>
+<p:tagLst xmlns:a="http://schemas.openxmlformats.org/drawingml/2006/main" xmlns:r="http://schemas.openxmlformats.org/officeDocument/2006/relationships" xmlns:p="http://schemas.openxmlformats.org/presentationml/2006/main">
+  <p:tag name="TIMING" val="|3.5|4.7"/>
+</p:tagLst>
+</file>
+
+<file path=ppt/tags/tag8.xml><?xml version="1.0" encoding="utf-8"?>
+<p:tagLst xmlns:a="http://schemas.openxmlformats.org/drawingml/2006/main" xmlns:r="http://schemas.openxmlformats.org/officeDocument/2006/relationships" xmlns:p="http://schemas.openxmlformats.org/presentationml/2006/main">
+  <p:tag name="TIMING" val="|8.5"/>
+</p:tagLst>
+</file>
+
+<file path=ppt/tags/tag9.xml><?xml version="1.0" encoding="utf-8"?>
+<p:tagLst xmlns:a="http://schemas.openxmlformats.org/drawingml/2006/main" xmlns:r="http://schemas.openxmlformats.org/officeDocument/2006/relationships" xmlns:p="http://schemas.openxmlformats.org/presentationml/2006/main">
+  <p:tag name="TIMING" val="|13.7|7.9|7.6|4.9|10.7"/>
+</p:tagLst>
 </file>
 
 <file path=ppt/theme/theme1.xml><?xml version="1.0" encoding="utf-8"?>

--- a/Defensa/transparenciasDefensa.pptx
+++ b/Defensa/transparenciasDefensa.pptx
@@ -5,7 +5,7 @@
     <p:sldMasterId id="2147483658" r:id="rId1"/>
   </p:sldMasterIdLst>
   <p:notesMasterIdLst>
-    <p:notesMasterId r:id="rId29"/>
+    <p:notesMasterId r:id="rId30"/>
   </p:notesMasterIdLst>
   <p:sldIdLst>
     <p:sldId id="256" r:id="rId2"/>
@@ -16,53 +16,54 @@
     <p:sldId id="289" r:id="rId7"/>
     <p:sldId id="290" r:id="rId8"/>
     <p:sldId id="292" r:id="rId9"/>
-    <p:sldId id="291" r:id="rId10"/>
-    <p:sldId id="293" r:id="rId11"/>
-    <p:sldId id="294" r:id="rId12"/>
-    <p:sldId id="295" r:id="rId13"/>
-    <p:sldId id="297" r:id="rId14"/>
-    <p:sldId id="296" r:id="rId15"/>
-    <p:sldId id="298" r:id="rId16"/>
-    <p:sldId id="299" r:id="rId17"/>
-    <p:sldId id="300" r:id="rId18"/>
-    <p:sldId id="301" r:id="rId19"/>
-    <p:sldId id="303" r:id="rId20"/>
-    <p:sldId id="305" r:id="rId21"/>
-    <p:sldId id="306" r:id="rId22"/>
-    <p:sldId id="309" r:id="rId23"/>
-    <p:sldId id="312" r:id="rId24"/>
-    <p:sldId id="307" r:id="rId25"/>
-    <p:sldId id="308" r:id="rId26"/>
-    <p:sldId id="313" r:id="rId27"/>
-    <p:sldId id="314" r:id="rId28"/>
+    <p:sldId id="315" r:id="rId10"/>
+    <p:sldId id="291" r:id="rId11"/>
+    <p:sldId id="293" r:id="rId12"/>
+    <p:sldId id="294" r:id="rId13"/>
+    <p:sldId id="295" r:id="rId14"/>
+    <p:sldId id="297" r:id="rId15"/>
+    <p:sldId id="296" r:id="rId16"/>
+    <p:sldId id="298" r:id="rId17"/>
+    <p:sldId id="299" r:id="rId18"/>
+    <p:sldId id="300" r:id="rId19"/>
+    <p:sldId id="301" r:id="rId20"/>
+    <p:sldId id="303" r:id="rId21"/>
+    <p:sldId id="305" r:id="rId22"/>
+    <p:sldId id="306" r:id="rId23"/>
+    <p:sldId id="309" r:id="rId24"/>
+    <p:sldId id="312" r:id="rId25"/>
+    <p:sldId id="307" r:id="rId26"/>
+    <p:sldId id="308" r:id="rId27"/>
+    <p:sldId id="313" r:id="rId28"/>
+    <p:sldId id="314" r:id="rId29"/>
   </p:sldIdLst>
   <p:sldSz cx="9144000" cy="5143500" type="screen16x9"/>
   <p:notesSz cx="6858000" cy="9144000"/>
   <p:embeddedFontLst>
     <p:embeddedFont>
       <p:font typeface="Cambria Math" panose="02040503050406030204" pitchFamily="18" charset="0"/>
-      <p:regular r:id="rId30"/>
+      <p:regular r:id="rId31"/>
     </p:embeddedFont>
     <p:embeddedFont>
       <p:font typeface="Lora" panose="020B0604020202020204" charset="0"/>
-      <p:regular r:id="rId31"/>
-      <p:bold r:id="rId32"/>
-      <p:italic r:id="rId33"/>
-      <p:boldItalic r:id="rId34"/>
+      <p:regular r:id="rId32"/>
+      <p:bold r:id="rId33"/>
+      <p:italic r:id="rId34"/>
+      <p:boldItalic r:id="rId35"/>
     </p:embeddedFont>
     <p:embeddedFont>
       <p:font typeface="Playfair Display" panose="020B0604020202020204" charset="0"/>
-      <p:regular r:id="rId35"/>
-      <p:bold r:id="rId36"/>
-      <p:italic r:id="rId37"/>
-      <p:boldItalic r:id="rId38"/>
+      <p:regular r:id="rId36"/>
+      <p:bold r:id="rId37"/>
+      <p:italic r:id="rId38"/>
+      <p:boldItalic r:id="rId39"/>
     </p:embeddedFont>
     <p:embeddedFont>
       <p:font typeface="PT Serif" panose="020B0604020202020204" charset="0"/>
-      <p:regular r:id="rId39"/>
-      <p:bold r:id="rId40"/>
-      <p:italic r:id="rId41"/>
-      <p:boldItalic r:id="rId42"/>
+      <p:regular r:id="rId40"/>
+      <p:bold r:id="rId41"/>
+      <p:italic r:id="rId42"/>
+      <p:boldItalic r:id="rId43"/>
     </p:embeddedFont>
   </p:embeddedFontLst>
   <p:defaultTextStyle>
@@ -14306,13 +14307,1035 @@
   <p:clrMapOvr>
     <a:masterClrMapping/>
   </p:clrMapOvr>
-  <p:transition advTm="6019">
+  <p:transition>
     <p:fade thruBlk="1"/>
   </p:transition>
 </p:sld>
 </file>
 
 <file path=ppt/slides/slide10.xml><?xml version="1.0" encoding="utf-8"?>
+<p:sld xmlns:a="http://schemas.openxmlformats.org/drawingml/2006/main" xmlns:r="http://schemas.openxmlformats.org/officeDocument/2006/relationships" xmlns:p="http://schemas.openxmlformats.org/presentationml/2006/main">
+  <p:cSld>
+    <p:spTree>
+      <p:nvGrpSpPr>
+        <p:cNvPr id="1" name="Shape 86"/>
+        <p:cNvGrpSpPr/>
+        <p:nvPr/>
+      </p:nvGrpSpPr>
+      <p:grpSpPr>
+        <a:xfrm>
+          <a:off x="0" y="0"/>
+          <a:ext cx="0" cy="0"/>
+          <a:chOff x="0" y="0"/>
+          <a:chExt cx="0" cy="0"/>
+        </a:xfrm>
+      </p:grpSpPr>
+      <p:sp>
+        <p:nvSpPr>
+          <p:cNvPr id="87" name="Google Shape;87;p17"/>
+          <p:cNvSpPr txBox="1">
+            <a:spLocks noGrp="1"/>
+          </p:cNvSpPr>
+          <p:nvPr>
+            <p:ph type="title"/>
+          </p:nvPr>
+        </p:nvSpPr>
+        <p:spPr>
+          <a:xfrm>
+            <a:off x="388955" y="338306"/>
+            <a:ext cx="8366100" cy="762600"/>
+          </a:xfrm>
+          <a:prstGeom prst="rect">
+            <a:avLst/>
+          </a:prstGeom>
+        </p:spPr>
+        <p:txBody>
+          <a:bodyPr spcFirstLastPara="1" wrap="square" lIns="91425" tIns="91425" rIns="91425" bIns="91425" anchor="ctr" anchorCtr="0">
+            <a:noAutofit/>
+          </a:bodyPr>
+          <a:lstStyle/>
+          <a:p>
+            <a:pPr marL="0" lvl="0" indent="0" algn="ctr" rtl="0">
+              <a:spcBef>
+                <a:spcPts val="0"/>
+              </a:spcBef>
+              <a:spcAft>
+                <a:spcPts val="0"/>
+              </a:spcAft>
+              <a:buNone/>
+            </a:pPr>
+            <a:r>
+              <a:rPr lang="es-ES" dirty="0"/>
+              <a:t>Ecuaciones del modelo (2)</a:t>
+            </a:r>
+            <a:endParaRPr dirty="0"/>
+          </a:p>
+        </p:txBody>
+      </p:sp>
+      <p:sp>
+        <p:nvSpPr>
+          <p:cNvPr id="89" name="Google Shape;89;p17"/>
+          <p:cNvSpPr txBox="1">
+            <a:spLocks noGrp="1"/>
+          </p:cNvSpPr>
+          <p:nvPr>
+            <p:ph type="sldNum" idx="12"/>
+          </p:nvPr>
+        </p:nvSpPr>
+        <p:spPr>
+          <a:xfrm>
+            <a:off x="4297650" y="4419838"/>
+            <a:ext cx="548700" cy="393600"/>
+          </a:xfrm>
+          <a:prstGeom prst="rect">
+            <a:avLst/>
+          </a:prstGeom>
+        </p:spPr>
+        <p:txBody>
+          <a:bodyPr spcFirstLastPara="1" wrap="square" lIns="91425" tIns="91425" rIns="91425" bIns="91425" anchor="b" anchorCtr="0">
+            <a:noAutofit/>
+          </a:bodyPr>
+          <a:lstStyle/>
+          <a:p>
+            <a:pPr marL="0" lvl="0" indent="0" algn="ctr" rtl="0">
+              <a:spcBef>
+                <a:spcPts val="0"/>
+              </a:spcBef>
+              <a:spcAft>
+                <a:spcPts val="0"/>
+              </a:spcAft>
+              <a:buNone/>
+            </a:pPr>
+            <a:fld id="{00000000-1234-1234-1234-123412341234}" type="slidenum">
+              <a:rPr lang="en"/>
+              <a:t>10</a:t>
+            </a:fld>
+            <a:endParaRPr/>
+          </a:p>
+        </p:txBody>
+      </p:sp>
+      <p:pic>
+        <p:nvPicPr>
+          <p:cNvPr id="9" name="Imagen 8">
+            <a:extLst>
+              <a:ext uri="{FF2B5EF4-FFF2-40B4-BE49-F238E27FC236}">
+                <a16:creationId xmlns:a16="http://schemas.microsoft.com/office/drawing/2014/main" id="{4CE6EB55-58CD-490E-812E-027423A42B13}"/>
+              </a:ext>
+            </a:extLst>
+          </p:cNvPr>
+          <p:cNvPicPr>
+            <a:picLocks noChangeAspect="1"/>
+          </p:cNvPicPr>
+          <p:nvPr/>
+        </p:nvPicPr>
+        <p:blipFill>
+          <a:blip r:embed="rId3"/>
+          <a:stretch>
+            <a:fillRect/>
+          </a:stretch>
+        </p:blipFill>
+        <p:spPr>
+          <a:xfrm>
+            <a:off x="820734" y="1105591"/>
+            <a:ext cx="2521539" cy="371191"/>
+          </a:xfrm>
+          <a:prstGeom prst="rect">
+            <a:avLst/>
+          </a:prstGeom>
+        </p:spPr>
+      </p:pic>
+      <p:pic>
+        <p:nvPicPr>
+          <p:cNvPr id="10" name="Imagen 9">
+            <a:extLst>
+              <a:ext uri="{FF2B5EF4-FFF2-40B4-BE49-F238E27FC236}">
+                <a16:creationId xmlns:a16="http://schemas.microsoft.com/office/drawing/2014/main" id="{FA228D28-8A38-4321-960F-4F980F4B9700}"/>
+              </a:ext>
+            </a:extLst>
+          </p:cNvPr>
+          <p:cNvPicPr>
+            <a:picLocks noChangeAspect="1"/>
+          </p:cNvPicPr>
+          <p:nvPr/>
+        </p:nvPicPr>
+        <p:blipFill>
+          <a:blip r:embed="rId4"/>
+          <a:stretch>
+            <a:fillRect/>
+          </a:stretch>
+        </p:blipFill>
+        <p:spPr>
+          <a:xfrm>
+            <a:off x="820734" y="1873523"/>
+            <a:ext cx="1713801" cy="620233"/>
+          </a:xfrm>
+          <a:prstGeom prst="rect">
+            <a:avLst/>
+          </a:prstGeom>
+        </p:spPr>
+      </p:pic>
+      <mc:AlternateContent xmlns:mc="http://schemas.openxmlformats.org/markup-compatibility/2006" xmlns:a14="http://schemas.microsoft.com/office/drawing/2010/main">
+        <mc:Choice Requires="a14">
+          <p:sp>
+            <p:nvSpPr>
+              <p:cNvPr id="14" name="CuadroTexto 13">
+                <a:extLst>
+                  <a:ext uri="{FF2B5EF4-FFF2-40B4-BE49-F238E27FC236}">
+                    <a16:creationId xmlns:a16="http://schemas.microsoft.com/office/drawing/2014/main" id="{EF912221-C4AD-452B-A6B4-FDE7FF1F9FBA}"/>
+                  </a:ext>
+                </a:extLst>
+              </p:cNvPr>
+              <p:cNvSpPr txBox="1"/>
+              <p:nvPr/>
+            </p:nvSpPr>
+            <p:spPr>
+              <a:xfrm>
+                <a:off x="820734" y="2870262"/>
+                <a:ext cx="7502532" cy="1385700"/>
+              </a:xfrm>
+              <a:prstGeom prst="rect">
+                <a:avLst/>
+              </a:prstGeom>
+              <a:noFill/>
+            </p:spPr>
+            <p:txBody>
+              <a:bodyPr wrap="square" rtlCol="0">
+                <a:spAutoFit/>
+              </a:bodyPr>
+              <a:lstStyle/>
+              <a:p>
+                <a:pPr marL="171450" indent="-171450">
+                  <a:buFont typeface="Arial" panose="020B0604020202020204" pitchFamily="34" charset="0"/>
+                  <a:buChar char="•"/>
+                </a:pPr>
+                <a:r>
+                  <a:rPr lang="es-ES" sz="1200" dirty="0">
+                    <a:latin typeface="PT Serif" panose="020B0604020202020204" charset="0"/>
+                  </a:rPr>
+                  <a:t>Donde </a:t>
+                </a:r>
+                <a14:m>
+                  <m:oMath xmlns:m="http://schemas.openxmlformats.org/officeDocument/2006/math">
+                    <m:r>
+                      <a:rPr lang="es-ES" sz="1200" i="1" dirty="0" smtClean="0">
+                        <a:latin typeface="Cambria Math" panose="02040503050406030204" pitchFamily="18" charset="0"/>
+                      </a:rPr>
+                      <m:t>𝑦</m:t>
+                    </m:r>
+                    <m:r>
+                      <a:rPr lang="es-ES" sz="1200" i="1" dirty="0">
+                        <a:latin typeface="Cambria Math" panose="02040503050406030204" pitchFamily="18" charset="0"/>
+                      </a:rPr>
+                      <m:t>(</m:t>
+                    </m:r>
+                    <m:r>
+                      <a:rPr lang="es-ES" sz="1200" i="1" dirty="0">
+                        <a:latin typeface="Cambria Math" panose="02040503050406030204" pitchFamily="18" charset="0"/>
+                      </a:rPr>
+                      <m:t>𝑡</m:t>
+                    </m:r>
+                    <m:r>
+                      <a:rPr lang="es-ES" sz="1200" i="1" dirty="0">
+                        <a:latin typeface="Cambria Math" panose="02040503050406030204" pitchFamily="18" charset="0"/>
+                      </a:rPr>
+                      <m:t>)</m:t>
+                    </m:r>
+                  </m:oMath>
+                </a14:m>
+                <a:r>
+                  <a:rPr lang="es-ES" sz="1200" dirty="0">
+                    <a:latin typeface="PT Serif" panose="020B0604020202020204" charset="0"/>
+                  </a:rPr>
+                  <a:t> y </a:t>
+                </a:r>
+                <a14:m>
+                  <m:oMath xmlns:m="http://schemas.openxmlformats.org/officeDocument/2006/math">
+                    <m:r>
+                      <a:rPr lang="es-ES" sz="1200" i="1" dirty="0" smtClean="0">
+                        <a:latin typeface="Cambria Math" panose="02040503050406030204" pitchFamily="18" charset="0"/>
+                      </a:rPr>
+                      <m:t>𝑛</m:t>
+                    </m:r>
+                    <m:r>
+                      <a:rPr lang="es-ES" sz="1200" i="1" dirty="0" smtClean="0">
+                        <a:latin typeface="Cambria Math" panose="02040503050406030204" pitchFamily="18" charset="0"/>
+                      </a:rPr>
+                      <m:t>(</m:t>
+                    </m:r>
+                    <m:r>
+                      <a:rPr lang="es-ES" sz="1200" i="1" dirty="0" smtClean="0">
+                        <a:latin typeface="Cambria Math" panose="02040503050406030204" pitchFamily="18" charset="0"/>
+                      </a:rPr>
+                      <m:t>𝑡</m:t>
+                    </m:r>
+                    <m:r>
+                      <a:rPr lang="es-ES" sz="1200" i="1" dirty="0" smtClean="0">
+                        <a:latin typeface="Cambria Math" panose="02040503050406030204" pitchFamily="18" charset="0"/>
+                      </a:rPr>
+                      <m:t>)</m:t>
+                    </m:r>
+                  </m:oMath>
+                </a14:m>
+                <a:r>
+                  <a:rPr lang="es-ES" sz="1200" dirty="0">
+                    <a:latin typeface="PT Serif" panose="020B0604020202020204" charset="0"/>
+                  </a:rPr>
+                  <a:t> denotan el número de células del patógeno y el número de células T, respectivamente. </a:t>
+                </a:r>
+              </a:p>
+              <a:p>
+                <a:pPr marL="171450" indent="-171450">
+                  <a:buFont typeface="Arial" panose="020B0604020202020204" pitchFamily="34" charset="0"/>
+                  <a:buChar char="•"/>
+                </a:pPr>
+                <a14:m>
+                  <m:oMath xmlns:m="http://schemas.openxmlformats.org/officeDocument/2006/math">
+                    <m:r>
+                      <a:rPr lang="es-ES" sz="1200" i="1" smtClean="0">
+                        <a:latin typeface="Cambria Math" panose="02040503050406030204" pitchFamily="18" charset="0"/>
+                        <a:ea typeface="Cambria Math" panose="02040503050406030204" pitchFamily="18" charset="0"/>
+                      </a:rPr>
+                      <m:t>𝛼</m:t>
+                    </m:r>
+                    <m:r>
+                      <a:rPr lang="es-ES" sz="1200" b="0" i="1" smtClean="0">
+                        <a:latin typeface="Cambria Math" panose="02040503050406030204" pitchFamily="18" charset="0"/>
+                        <a:ea typeface="Cambria Math" panose="02040503050406030204" pitchFamily="18" charset="0"/>
+                      </a:rPr>
+                      <m:t> </m:t>
+                    </m:r>
+                  </m:oMath>
+                </a14:m>
+                <a:r>
+                  <a:rPr lang="es-ES" sz="1200" dirty="0">
+                    <a:latin typeface="PT Serif" panose="020B0604020202020204" charset="0"/>
+                  </a:rPr>
+                  <a:t>representa la tasa de proliferación del patógeno, mientras que </a:t>
+                </a:r>
+                <a14:m>
+                  <m:oMath xmlns:m="http://schemas.openxmlformats.org/officeDocument/2006/math">
+                    <m:r>
+                      <a:rPr lang="es-ES" sz="1200" i="1" smtClean="0">
+                        <a:latin typeface="Cambria Math" panose="02040503050406030204" pitchFamily="18" charset="0"/>
+                        <a:ea typeface="Cambria Math" panose="02040503050406030204" pitchFamily="18" charset="0"/>
+                      </a:rPr>
+                      <m:t>𝛽</m:t>
+                    </m:r>
+                  </m:oMath>
+                </a14:m>
+                <a:r>
+                  <a:rPr lang="es-ES" sz="1200" dirty="0">
+                    <a:latin typeface="PT Serif" panose="020B0604020202020204" charset="0"/>
+                  </a:rPr>
+                  <a:t> corresponde a la tasa de eliminación del mismo a causa de las células T. Ambos son parámetros positivos.</a:t>
+                </a:r>
+              </a:p>
+              <a:p>
+                <a:pPr marL="171450" indent="-171450">
+                  <a:buFont typeface="Arial" panose="020B0604020202020204" pitchFamily="34" charset="0"/>
+                  <a:buChar char="•"/>
+                </a:pPr>
+                <a14:m>
+                  <m:oMath xmlns:m="http://schemas.openxmlformats.org/officeDocument/2006/math">
+                    <m:r>
+                      <a:rPr lang="es-ES" sz="1200" i="1" smtClean="0">
+                        <a:latin typeface="Cambria Math" panose="02040503050406030204" pitchFamily="18" charset="0"/>
+                        <a:ea typeface="Cambria Math" panose="02040503050406030204" pitchFamily="18" charset="0"/>
+                      </a:rPr>
+                      <m:t>𝛾</m:t>
+                    </m:r>
+                    <m:r>
+                      <a:rPr lang="es-ES" sz="1200" b="0" i="1" smtClean="0">
+                        <a:latin typeface="Cambria Math" panose="02040503050406030204" pitchFamily="18" charset="0"/>
+                        <a:ea typeface="Cambria Math" panose="02040503050406030204" pitchFamily="18" charset="0"/>
+                      </a:rPr>
+                      <m:t> </m:t>
+                    </m:r>
+                  </m:oMath>
+                </a14:m>
+                <a:r>
+                  <a:rPr lang="es-ES" sz="1200" dirty="0">
+                    <a:latin typeface="PT Serif" panose="020B0604020202020204" charset="0"/>
+                  </a:rPr>
+                  <a:t>es un parámetro que depende del antígeno y denota la probabilidad de que haya una activación del TCR debido a un encuentro con el antígeno. </a:t>
+                </a:r>
+                <a14:m>
+                  <m:oMath xmlns:m="http://schemas.openxmlformats.org/officeDocument/2006/math">
+                    <m:sSubSup>
+                      <m:sSubSupPr>
+                        <m:ctrlPr>
+                          <a:rPr lang="es-ES" sz="1200" i="1" smtClean="0">
+                            <a:latin typeface="Cambria Math" panose="02040503050406030204" pitchFamily="18" charset="0"/>
+                          </a:rPr>
+                        </m:ctrlPr>
+                      </m:sSubSupPr>
+                      <m:e>
+                        <m:r>
+                          <a:rPr lang="es-ES" sz="1200" i="1" smtClean="0">
+                            <a:latin typeface="Cambria Math" panose="02040503050406030204" pitchFamily="18" charset="0"/>
+                            <a:ea typeface="Cambria Math" panose="02040503050406030204" pitchFamily="18" charset="0"/>
+                          </a:rPr>
+                          <m:t>𝜌</m:t>
+                        </m:r>
+                      </m:e>
+                      <m:sub>
+                        <m:r>
+                          <a:rPr lang="es-ES" sz="1200" b="0" i="1" smtClean="0">
+                            <a:latin typeface="Cambria Math" panose="02040503050406030204" pitchFamily="18" charset="0"/>
+                          </a:rPr>
+                          <m:t>𝑛</m:t>
+                        </m:r>
+                      </m:sub>
+                      <m:sup>
+                        <m:r>
+                          <a:rPr lang="es-ES" sz="1200" b="0" i="1" smtClean="0">
+                            <a:latin typeface="Cambria Math" panose="02040503050406030204" pitchFamily="18" charset="0"/>
+                          </a:rPr>
+                          <m:t>𝑥</m:t>
+                        </m:r>
+                      </m:sup>
+                    </m:sSubSup>
+                  </m:oMath>
+                </a14:m>
+                <a:r>
+                  <a:rPr lang="es-ES" sz="1200" dirty="0">
+                    <a:latin typeface="PT Serif" panose="020B0604020202020204" charset="0"/>
+                  </a:rPr>
+                  <a:t> representa la cantidad de antígeno que está disponible para una célula T, </a:t>
+                </a:r>
+                <a14:m>
+                  <m:oMath xmlns:m="http://schemas.openxmlformats.org/officeDocument/2006/math">
+                    <m:r>
+                      <a:rPr lang="es-ES" sz="1200" i="1" dirty="0" smtClean="0">
+                        <a:latin typeface="Cambria Math" panose="02040503050406030204" pitchFamily="18" charset="0"/>
+                      </a:rPr>
+                      <m:t>𝑥</m:t>
+                    </m:r>
+                  </m:oMath>
+                </a14:m>
+                <a:r>
+                  <a:rPr lang="es-ES" sz="1200" dirty="0">
+                    <a:latin typeface="PT Serif" panose="020B0604020202020204" charset="0"/>
+                  </a:rPr>
+                  <a:t>, en porcentaje.</a:t>
+                </a:r>
+              </a:p>
+              <a:p>
+                <a:pPr marL="171450" indent="-171450">
+                  <a:buFont typeface="Arial" panose="020B0604020202020204" pitchFamily="34" charset="0"/>
+                  <a:buChar char="•"/>
+                </a:pPr>
+                <a14:m>
+                  <m:oMath xmlns:m="http://schemas.openxmlformats.org/officeDocument/2006/math">
+                    <m:sSubSup>
+                      <m:sSubSupPr>
+                        <m:ctrlPr>
+                          <a:rPr lang="es-ES" sz="1200" i="1" smtClean="0">
+                            <a:latin typeface="Cambria Math" panose="02040503050406030204" pitchFamily="18" charset="0"/>
+                            <a:ea typeface="Cambria Math" panose="02040503050406030204" pitchFamily="18" charset="0"/>
+                          </a:rPr>
+                        </m:ctrlPr>
+                      </m:sSubSupPr>
+                      <m:e>
+                        <m:r>
+                          <a:rPr lang="es-ES" sz="1200" i="1" smtClean="0">
+                            <a:latin typeface="Cambria Math" panose="02040503050406030204" pitchFamily="18" charset="0"/>
+                            <a:ea typeface="Cambria Math" panose="02040503050406030204" pitchFamily="18" charset="0"/>
+                          </a:rPr>
+                          <m:t>𝛿</m:t>
+                        </m:r>
+                      </m:e>
+                      <m:sub>
+                        <m:r>
+                          <a:rPr lang="es-ES" sz="1200" b="0" i="1" smtClean="0">
+                            <a:latin typeface="Cambria Math" panose="02040503050406030204" pitchFamily="18" charset="0"/>
+                            <a:ea typeface="Cambria Math" panose="02040503050406030204" pitchFamily="18" charset="0"/>
+                          </a:rPr>
+                          <m:t>𝑖</m:t>
+                        </m:r>
+                      </m:sub>
+                      <m:sup>
+                        <m:r>
+                          <a:rPr lang="es-ES" sz="1200" b="0" i="1" smtClean="0">
+                            <a:latin typeface="Cambria Math" panose="02040503050406030204" pitchFamily="18" charset="0"/>
+                            <a:ea typeface="Cambria Math" panose="02040503050406030204" pitchFamily="18" charset="0"/>
+                          </a:rPr>
+                          <m:t>𝑥</m:t>
+                        </m:r>
+                      </m:sup>
+                    </m:sSubSup>
+                  </m:oMath>
+                </a14:m>
+                <a:r>
+                  <a:rPr lang="es-ES" sz="1200" dirty="0">
+                    <a:latin typeface="PT Serif" panose="020B0604020202020204" charset="0"/>
+                  </a:rPr>
+                  <a:t>representa el ratio de receptores de membrana de tipo </a:t>
+                </a:r>
+                <a14:m>
+                  <m:oMath xmlns:m="http://schemas.openxmlformats.org/officeDocument/2006/math">
+                    <m:sSub>
+                      <m:sSubPr>
+                        <m:ctrlPr>
+                          <a:rPr lang="es-ES" sz="1200" i="1" smtClean="0">
+                            <a:latin typeface="Cambria Math" panose="02040503050406030204" pitchFamily="18" charset="0"/>
+                          </a:rPr>
+                        </m:ctrlPr>
+                      </m:sSubPr>
+                      <m:e>
+                        <m:r>
+                          <a:rPr lang="es-ES" sz="1200" b="0" i="1" smtClean="0">
+                            <a:latin typeface="Cambria Math" panose="02040503050406030204" pitchFamily="18" charset="0"/>
+                          </a:rPr>
+                          <m:t>𝑅</m:t>
+                        </m:r>
+                      </m:e>
+                      <m:sub>
+                        <m:r>
+                          <a:rPr lang="es-ES" sz="1200" b="0" i="1" smtClean="0">
+                            <a:latin typeface="Cambria Math" panose="02040503050406030204" pitchFamily="18" charset="0"/>
+                          </a:rPr>
+                          <m:t>𝑖</m:t>
+                        </m:r>
+                      </m:sub>
+                    </m:sSub>
+                  </m:oMath>
+                </a14:m>
+                <a:r>
+                  <a:rPr lang="es-ES" sz="1200" dirty="0">
+                    <a:latin typeface="PT Serif" panose="020B0604020202020204" charset="0"/>
+                  </a:rPr>
+                  <a:t> entre las células hijas.</a:t>
+                </a:r>
+              </a:p>
+            </p:txBody>
+          </p:sp>
+        </mc:Choice>
+        <mc:Fallback xmlns="">
+          <p:sp>
+            <p:nvSpPr>
+              <p:cNvPr id="14" name="CuadroTexto 13">
+                <a:extLst>
+                  <a:ext uri="{FF2B5EF4-FFF2-40B4-BE49-F238E27FC236}">
+                    <a16:creationId xmlns:a16="http://schemas.microsoft.com/office/drawing/2014/main" id="{EF912221-C4AD-452B-A6B4-FDE7FF1F9FBA}"/>
+                  </a:ext>
+                </a:extLst>
+              </p:cNvPr>
+              <p:cNvSpPr txBox="1">
+                <a:spLocks noRot="1" noChangeAspect="1" noMove="1" noResize="1" noEditPoints="1" noAdjustHandles="1" noChangeArrowheads="1" noChangeShapeType="1" noTextEdit="1"/>
+              </p:cNvSpPr>
+              <p:nvPr/>
+            </p:nvSpPr>
+            <p:spPr>
+              <a:xfrm>
+                <a:off x="820734" y="2870262"/>
+                <a:ext cx="7502532" cy="1385700"/>
+              </a:xfrm>
+              <a:prstGeom prst="rect">
+                <a:avLst/>
+              </a:prstGeom>
+              <a:blipFill>
+                <a:blip r:embed="rId5"/>
+                <a:stretch>
+                  <a:fillRect t="-441" b="-2643"/>
+                </a:stretch>
+              </a:blipFill>
+            </p:spPr>
+            <p:txBody>
+              <a:bodyPr/>
+              <a:lstStyle/>
+              <a:p>
+                <a:r>
+                  <a:rPr lang="es-ES">
+                    <a:noFill/>
+                  </a:rPr>
+                  <a:t> </a:t>
+                </a:r>
+              </a:p>
+            </p:txBody>
+          </p:sp>
+        </mc:Fallback>
+      </mc:AlternateContent>
+      <p:pic>
+        <p:nvPicPr>
+          <p:cNvPr id="11" name="Imagen 10">
+            <a:extLst>
+              <a:ext uri="{FF2B5EF4-FFF2-40B4-BE49-F238E27FC236}">
+                <a16:creationId xmlns:a16="http://schemas.microsoft.com/office/drawing/2014/main" id="{498735CF-4B06-4491-ABFC-540B6480DDEE}"/>
+              </a:ext>
+            </a:extLst>
+          </p:cNvPr>
+          <p:cNvPicPr>
+            <a:picLocks noChangeAspect="1"/>
+          </p:cNvPicPr>
+          <p:nvPr/>
+        </p:nvPicPr>
+        <p:blipFill>
+          <a:blip r:embed="rId6"/>
+          <a:stretch>
+            <a:fillRect/>
+          </a:stretch>
+        </p:blipFill>
+        <p:spPr>
+          <a:xfrm>
+            <a:off x="820734" y="1489557"/>
+            <a:ext cx="1596122" cy="371191"/>
+          </a:xfrm>
+          <a:prstGeom prst="rect">
+            <a:avLst/>
+          </a:prstGeom>
+        </p:spPr>
+      </p:pic>
+      <p:sp>
+        <p:nvSpPr>
+          <p:cNvPr id="16" name="CuadroTexto 15">
+            <a:extLst>
+              <a:ext uri="{FF2B5EF4-FFF2-40B4-BE49-F238E27FC236}">
+                <a16:creationId xmlns:a16="http://schemas.microsoft.com/office/drawing/2014/main" id="{B96B4C78-C47A-4F84-B37A-04FD97DF5B04}"/>
+              </a:ext>
+            </a:extLst>
+          </p:cNvPr>
+          <p:cNvSpPr txBox="1"/>
+          <p:nvPr/>
+        </p:nvSpPr>
+        <p:spPr>
+          <a:xfrm>
+            <a:off x="3356821" y="1141343"/>
+            <a:ext cx="3657600" cy="307777"/>
+          </a:xfrm>
+          <a:prstGeom prst="rect">
+            <a:avLst/>
+          </a:prstGeom>
+          <a:noFill/>
+        </p:spPr>
+        <p:txBody>
+          <a:bodyPr wrap="square" rtlCol="0">
+            <a:spAutoFit/>
+          </a:bodyPr>
+          <a:lstStyle/>
+          <a:p>
+            <a:r>
+              <a:rPr lang="es-ES" dirty="0">
+                <a:latin typeface="PT Serif" panose="020B0604020202020204" charset="0"/>
+                <a:sym typeface="Wingdings" panose="05000000000000000000" pitchFamily="2" charset="2"/>
+              </a:rPr>
+              <a:t> </a:t>
+            </a:r>
+            <a:r>
+              <a:rPr lang="es-ES" dirty="0">
+                <a:latin typeface="PT Serif" panose="020B0604020202020204" charset="0"/>
+              </a:rPr>
+              <a:t>Dinámica del patógeno</a:t>
+            </a:r>
+          </a:p>
+        </p:txBody>
+      </p:sp>
+      <mc:AlternateContent xmlns:mc="http://schemas.openxmlformats.org/markup-compatibility/2006" xmlns:a14="http://schemas.microsoft.com/office/drawing/2010/main">
+        <mc:Choice Requires="a14">
+          <p:sp>
+            <p:nvSpPr>
+              <p:cNvPr id="17" name="CuadroTexto 16">
+                <a:extLst>
+                  <a:ext uri="{FF2B5EF4-FFF2-40B4-BE49-F238E27FC236}">
+                    <a16:creationId xmlns:a16="http://schemas.microsoft.com/office/drawing/2014/main" id="{FD90E7E4-7A9B-418C-93E9-3ACA366C5918}"/>
+                  </a:ext>
+                </a:extLst>
+              </p:cNvPr>
+              <p:cNvSpPr txBox="1"/>
+              <p:nvPr/>
+            </p:nvSpPr>
+            <p:spPr>
+              <a:xfrm>
+                <a:off x="2564984" y="1521263"/>
+                <a:ext cx="5788732" cy="307777"/>
+              </a:xfrm>
+              <a:prstGeom prst="rect">
+                <a:avLst/>
+              </a:prstGeom>
+              <a:noFill/>
+            </p:spPr>
+            <p:txBody>
+              <a:bodyPr wrap="square" rtlCol="0">
+                <a:spAutoFit/>
+              </a:bodyPr>
+              <a:lstStyle/>
+              <a:p>
+                <a:r>
+                  <a:rPr lang="es-ES" dirty="0">
+                    <a:latin typeface="PT Serif" panose="020B0604020202020204" charset="0"/>
+                    <a:sym typeface="Wingdings" panose="05000000000000000000" pitchFamily="2" charset="2"/>
+                  </a:rPr>
+                  <a:t> </a:t>
+                </a:r>
+                <a14:m>
+                  <m:oMath xmlns:m="http://schemas.openxmlformats.org/officeDocument/2006/math">
+                    <m:sSubSup>
+                      <m:sSubSupPr>
+                        <m:ctrlPr>
+                          <a:rPr lang="es-ES" i="1" smtClean="0">
+                            <a:latin typeface="Cambria Math" panose="02040503050406030204" pitchFamily="18" charset="0"/>
+                            <a:sym typeface="Wingdings" panose="05000000000000000000" pitchFamily="2" charset="2"/>
+                          </a:rPr>
+                        </m:ctrlPr>
+                      </m:sSubSupPr>
+                      <m:e>
+                        <m:r>
+                          <a:rPr lang="es-ES" b="0" i="1" smtClean="0">
+                            <a:latin typeface="Cambria Math" panose="02040503050406030204" pitchFamily="18" charset="0"/>
+                            <a:sym typeface="Wingdings" panose="05000000000000000000" pitchFamily="2" charset="2"/>
+                          </a:rPr>
+                          <m:t>𝑟</m:t>
+                        </m:r>
+                      </m:e>
+                      <m:sub>
+                        <m:r>
+                          <a:rPr lang="es-ES" b="0" i="1" smtClean="0">
+                            <a:latin typeface="Cambria Math" panose="02040503050406030204" pitchFamily="18" charset="0"/>
+                            <a:sym typeface="Wingdings" panose="05000000000000000000" pitchFamily="2" charset="2"/>
+                          </a:rPr>
+                          <m:t>𝑇</m:t>
+                        </m:r>
+                      </m:sub>
+                      <m:sup>
+                        <m:r>
+                          <a:rPr lang="es-ES" b="0" i="1" smtClean="0">
+                            <a:latin typeface="Cambria Math" panose="02040503050406030204" pitchFamily="18" charset="0"/>
+                            <a:sym typeface="Wingdings" panose="05000000000000000000" pitchFamily="2" charset="2"/>
+                          </a:rPr>
+                          <m:t>𝑥</m:t>
+                        </m:r>
+                      </m:sup>
+                    </m:sSubSup>
+                    <m:r>
+                      <a:rPr lang="es-ES" b="0" i="1" smtClean="0">
+                        <a:latin typeface="Cambria Math" panose="02040503050406030204" pitchFamily="18" charset="0"/>
+                        <a:sym typeface="Wingdings" panose="05000000000000000000" pitchFamily="2" charset="2"/>
+                      </a:rPr>
+                      <m:t>(</m:t>
+                    </m:r>
+                    <m:r>
+                      <a:rPr lang="es-ES" b="0" i="1" smtClean="0">
+                        <a:latin typeface="Cambria Math" panose="02040503050406030204" pitchFamily="18" charset="0"/>
+                        <a:sym typeface="Wingdings" panose="05000000000000000000" pitchFamily="2" charset="2"/>
+                      </a:rPr>
+                      <m:t>𝑡</m:t>
+                    </m:r>
+                    <m:r>
+                      <a:rPr lang="es-ES" b="0" i="1" smtClean="0">
+                        <a:latin typeface="Cambria Math" panose="02040503050406030204" pitchFamily="18" charset="0"/>
+                        <a:sym typeface="Wingdings" panose="05000000000000000000" pitchFamily="2" charset="2"/>
+                      </a:rPr>
+                      <m:t>)</m:t>
+                    </m:r>
+                  </m:oMath>
+                </a14:m>
+                <a:r>
+                  <a:rPr lang="es-ES" dirty="0">
+                    <a:latin typeface="PT Serif" panose="020B0604020202020204" charset="0"/>
+                    <a:sym typeface="Wingdings" panose="05000000000000000000" pitchFamily="2" charset="2"/>
+                  </a:rPr>
+                  <a:t> es el </a:t>
+                </a:r>
+                <a:r>
+                  <a:rPr lang="es-ES" dirty="0">
+                    <a:latin typeface="PT Serif" panose="020B0604020202020204" charset="0"/>
+                  </a:rPr>
+                  <a:t>número de señales TCR de una célula </a:t>
+                </a:r>
+                <a14:m>
+                  <m:oMath xmlns:m="http://schemas.openxmlformats.org/officeDocument/2006/math">
+                    <m:r>
+                      <a:rPr lang="es-ES" i="1" dirty="0" smtClean="0">
+                        <a:latin typeface="Cambria Math" panose="02040503050406030204" pitchFamily="18" charset="0"/>
+                      </a:rPr>
+                      <m:t>𝑥</m:t>
+                    </m:r>
+                  </m:oMath>
+                </a14:m>
+                <a:r>
+                  <a:rPr lang="es-ES" dirty="0">
+                    <a:latin typeface="PT Serif" panose="020B0604020202020204" charset="0"/>
+                  </a:rPr>
+                  <a:t> en tiempo </a:t>
+                </a:r>
+                <a14:m>
+                  <m:oMath xmlns:m="http://schemas.openxmlformats.org/officeDocument/2006/math">
+                    <m:r>
+                      <a:rPr lang="es-ES" i="1" dirty="0" smtClean="0">
+                        <a:latin typeface="Cambria Math" panose="02040503050406030204" pitchFamily="18" charset="0"/>
+                      </a:rPr>
+                      <m:t>𝑡</m:t>
+                    </m:r>
+                  </m:oMath>
+                </a14:m>
+                <a:endParaRPr lang="es-ES" dirty="0">
+                  <a:latin typeface="PT Serif" panose="020B0604020202020204" charset="0"/>
+                </a:endParaRPr>
+              </a:p>
+            </p:txBody>
+          </p:sp>
+        </mc:Choice>
+        <mc:Fallback xmlns="">
+          <p:sp>
+            <p:nvSpPr>
+              <p:cNvPr id="17" name="CuadroTexto 16">
+                <a:extLst>
+                  <a:ext uri="{FF2B5EF4-FFF2-40B4-BE49-F238E27FC236}">
+                    <a16:creationId xmlns:a16="http://schemas.microsoft.com/office/drawing/2014/main" id="{FD90E7E4-7A9B-418C-93E9-3ACA366C5918}"/>
+                  </a:ext>
+                </a:extLst>
+              </p:cNvPr>
+              <p:cNvSpPr txBox="1">
+                <a:spLocks noRot="1" noChangeAspect="1" noMove="1" noResize="1" noEditPoints="1" noAdjustHandles="1" noChangeArrowheads="1" noChangeShapeType="1" noTextEdit="1"/>
+              </p:cNvSpPr>
+              <p:nvPr/>
+            </p:nvSpPr>
+            <p:spPr>
+              <a:xfrm>
+                <a:off x="2564984" y="1521263"/>
+                <a:ext cx="5788732" cy="307777"/>
+              </a:xfrm>
+              <a:prstGeom prst="rect">
+                <a:avLst/>
+              </a:prstGeom>
+              <a:blipFill>
+                <a:blip r:embed="rId7"/>
+                <a:stretch>
+                  <a:fillRect l="-316" t="-4000" b="-20000"/>
+                </a:stretch>
+              </a:blipFill>
+            </p:spPr>
+            <p:txBody>
+              <a:bodyPr/>
+              <a:lstStyle/>
+              <a:p>
+                <a:r>
+                  <a:rPr lang="es-ES">
+                    <a:noFill/>
+                  </a:rPr>
+                  <a:t> </a:t>
+                </a:r>
+              </a:p>
+            </p:txBody>
+          </p:sp>
+        </mc:Fallback>
+      </mc:AlternateContent>
+      <mc:AlternateContent xmlns:mc="http://schemas.openxmlformats.org/markup-compatibility/2006" xmlns:a14="http://schemas.microsoft.com/office/drawing/2010/main">
+        <mc:Choice Requires="a14">
+          <p:sp>
+            <p:nvSpPr>
+              <p:cNvPr id="18" name="CuadroTexto 17">
+                <a:extLst>
+                  <a:ext uri="{FF2B5EF4-FFF2-40B4-BE49-F238E27FC236}">
+                    <a16:creationId xmlns:a16="http://schemas.microsoft.com/office/drawing/2014/main" id="{E44E146C-84CC-47F9-B018-3ACED6C45A96}"/>
+                  </a:ext>
+                </a:extLst>
+              </p:cNvPr>
+              <p:cNvSpPr txBox="1"/>
+              <p:nvPr/>
+            </p:nvSpPr>
+            <p:spPr>
+              <a:xfrm>
+                <a:off x="2564984" y="2025731"/>
+                <a:ext cx="5788732" cy="554126"/>
+              </a:xfrm>
+              <a:prstGeom prst="rect">
+                <a:avLst/>
+              </a:prstGeom>
+              <a:noFill/>
+            </p:spPr>
+            <p:txBody>
+              <a:bodyPr wrap="square" rtlCol="0">
+                <a:spAutoFit/>
+              </a:bodyPr>
+              <a:lstStyle/>
+              <a:p>
+                <a:r>
+                  <a:rPr lang="es-ES" dirty="0">
+                    <a:latin typeface="PT Serif" panose="020B0604020202020204" charset="0"/>
+                    <a:sym typeface="Wingdings" panose="05000000000000000000" pitchFamily="2" charset="2"/>
+                  </a:rPr>
+                  <a:t> </a:t>
+                </a:r>
+                <a14:m>
+                  <m:oMath xmlns:m="http://schemas.openxmlformats.org/officeDocument/2006/math">
+                    <m:sSubSup>
+                      <m:sSubSupPr>
+                        <m:ctrlPr>
+                          <a:rPr lang="es-ES" i="1" smtClean="0">
+                            <a:latin typeface="Cambria Math" panose="02040503050406030204" pitchFamily="18" charset="0"/>
+                            <a:sym typeface="Wingdings" panose="05000000000000000000" pitchFamily="2" charset="2"/>
+                          </a:rPr>
+                        </m:ctrlPr>
+                      </m:sSubSupPr>
+                      <m:e>
+                        <m:r>
+                          <a:rPr lang="es-ES" b="0" i="1" smtClean="0">
+                            <a:latin typeface="Cambria Math" panose="02040503050406030204" pitchFamily="18" charset="0"/>
+                            <a:sym typeface="Wingdings" panose="05000000000000000000" pitchFamily="2" charset="2"/>
+                          </a:rPr>
+                          <m:t>𝑟</m:t>
+                        </m:r>
+                      </m:e>
+                      <m:sub>
+                        <m:r>
+                          <a:rPr lang="es-ES" b="0" i="1" smtClean="0">
+                            <a:latin typeface="Cambria Math" panose="02040503050406030204" pitchFamily="18" charset="0"/>
+                            <a:sym typeface="Wingdings" panose="05000000000000000000" pitchFamily="2" charset="2"/>
+                          </a:rPr>
+                          <m:t>𝑖</m:t>
+                        </m:r>
+                        <m:r>
+                          <a:rPr lang="es-ES" b="0" i="1" smtClean="0">
+                            <a:latin typeface="Cambria Math" panose="02040503050406030204" pitchFamily="18" charset="0"/>
+                            <a:sym typeface="Wingdings" panose="05000000000000000000" pitchFamily="2" charset="2"/>
+                          </a:rPr>
+                          <m:t>0</m:t>
+                        </m:r>
+                      </m:sub>
+                      <m:sup>
+                        <m:r>
+                          <a:rPr lang="es-ES" b="0" i="1" smtClean="0">
+                            <a:latin typeface="Cambria Math" panose="02040503050406030204" pitchFamily="18" charset="0"/>
+                            <a:sym typeface="Wingdings" panose="05000000000000000000" pitchFamily="2" charset="2"/>
+                          </a:rPr>
+                          <m:t>1</m:t>
+                        </m:r>
+                      </m:sup>
+                    </m:sSubSup>
+                  </m:oMath>
+                </a14:m>
+                <a:r>
+                  <a:rPr lang="es-ES" dirty="0">
+                    <a:latin typeface="PT Serif" panose="020B0604020202020204" charset="0"/>
+                    <a:sym typeface="Wingdings" panose="05000000000000000000" pitchFamily="2" charset="2"/>
+                  </a:rPr>
+                  <a:t> y </a:t>
+                </a:r>
+                <a14:m>
+                  <m:oMath xmlns:m="http://schemas.openxmlformats.org/officeDocument/2006/math">
+                    <m:sSubSup>
+                      <m:sSubSupPr>
+                        <m:ctrlPr>
+                          <a:rPr lang="es-ES" i="1">
+                            <a:latin typeface="Cambria Math" panose="02040503050406030204" pitchFamily="18" charset="0"/>
+                            <a:sym typeface="Wingdings" panose="05000000000000000000" pitchFamily="2" charset="2"/>
+                          </a:rPr>
+                        </m:ctrlPr>
+                      </m:sSubSupPr>
+                      <m:e>
+                        <m:r>
+                          <a:rPr lang="es-ES" i="1">
+                            <a:latin typeface="Cambria Math" panose="02040503050406030204" pitchFamily="18" charset="0"/>
+                            <a:sym typeface="Wingdings" panose="05000000000000000000" pitchFamily="2" charset="2"/>
+                          </a:rPr>
+                          <m:t>𝑟</m:t>
+                        </m:r>
+                      </m:e>
+                      <m:sub>
+                        <m:r>
+                          <a:rPr lang="es-ES" i="1">
+                            <a:latin typeface="Cambria Math" panose="02040503050406030204" pitchFamily="18" charset="0"/>
+                            <a:sym typeface="Wingdings" panose="05000000000000000000" pitchFamily="2" charset="2"/>
+                          </a:rPr>
+                          <m:t>𝑖</m:t>
+                        </m:r>
+                        <m:r>
+                          <a:rPr lang="es-ES" i="1">
+                            <a:latin typeface="Cambria Math" panose="02040503050406030204" pitchFamily="18" charset="0"/>
+                            <a:sym typeface="Wingdings" panose="05000000000000000000" pitchFamily="2" charset="2"/>
+                          </a:rPr>
+                          <m:t>0</m:t>
+                        </m:r>
+                      </m:sub>
+                      <m:sup>
+                        <m:r>
+                          <a:rPr lang="es-ES" b="0" i="1" smtClean="0">
+                            <a:latin typeface="Cambria Math" panose="02040503050406030204" pitchFamily="18" charset="0"/>
+                            <a:sym typeface="Wingdings" panose="05000000000000000000" pitchFamily="2" charset="2"/>
+                          </a:rPr>
+                          <m:t>2</m:t>
+                        </m:r>
+                      </m:sup>
+                    </m:sSubSup>
+                  </m:oMath>
+                </a14:m>
+                <a:r>
+                  <a:rPr lang="es-ES" dirty="0">
+                    <a:latin typeface="PT Serif" panose="020B0604020202020204" charset="0"/>
+                    <a:sym typeface="Wingdings" panose="05000000000000000000" pitchFamily="2" charset="2"/>
+                  </a:rPr>
+                  <a:t> son el número de receptores de membrana iniciales para las células hijas 1 y 2</a:t>
+                </a:r>
+                <a:endParaRPr lang="es-ES" dirty="0">
+                  <a:latin typeface="PT Serif" panose="020B0604020202020204" charset="0"/>
+                </a:endParaRPr>
+              </a:p>
+            </p:txBody>
+          </p:sp>
+        </mc:Choice>
+        <mc:Fallback xmlns="">
+          <p:sp>
+            <p:nvSpPr>
+              <p:cNvPr id="18" name="CuadroTexto 17">
+                <a:extLst>
+                  <a:ext uri="{FF2B5EF4-FFF2-40B4-BE49-F238E27FC236}">
+                    <a16:creationId xmlns:a16="http://schemas.microsoft.com/office/drawing/2014/main" id="{E44E146C-84CC-47F9-B018-3ACED6C45A96}"/>
+                  </a:ext>
+                </a:extLst>
+              </p:cNvPr>
+              <p:cNvSpPr txBox="1">
+                <a:spLocks noRot="1" noChangeAspect="1" noMove="1" noResize="1" noEditPoints="1" noAdjustHandles="1" noChangeArrowheads="1" noChangeShapeType="1" noTextEdit="1"/>
+              </p:cNvSpPr>
+              <p:nvPr/>
+            </p:nvSpPr>
+            <p:spPr>
+              <a:xfrm>
+                <a:off x="2564984" y="2025731"/>
+                <a:ext cx="5788732" cy="554126"/>
+              </a:xfrm>
+              <a:prstGeom prst="rect">
+                <a:avLst/>
+              </a:prstGeom>
+              <a:blipFill>
+                <a:blip r:embed="rId8"/>
+                <a:stretch>
+                  <a:fillRect l="-316" b="-6593"/>
+                </a:stretch>
+              </a:blipFill>
+            </p:spPr>
+            <p:txBody>
+              <a:bodyPr/>
+              <a:lstStyle/>
+              <a:p>
+                <a:r>
+                  <a:rPr lang="es-ES">
+                    <a:noFill/>
+                  </a:rPr>
+                  <a:t> </a:t>
+                </a:r>
+              </a:p>
+            </p:txBody>
+          </p:sp>
+        </mc:Fallback>
+      </mc:AlternateContent>
+    </p:spTree>
+    <p:extLst>
+      <p:ext uri="{BB962C8B-B14F-4D97-AF65-F5344CB8AC3E}">
+        <p14:creationId xmlns:p14="http://schemas.microsoft.com/office/powerpoint/2010/main" val="1917530247"/>
+      </p:ext>
+    </p:extLst>
+  </p:cSld>
+  <p:clrMapOvr>
+    <a:masterClrMapping/>
+  </p:clrMapOvr>
+  <p:transition>
+    <p:fade thruBlk="1"/>
+  </p:transition>
+</p:sld>
+</file>
+
+<file path=ppt/slides/slide11.xml><?xml version="1.0" encoding="utf-8"?>
 <p:sld xmlns:a="http://schemas.openxmlformats.org/drawingml/2006/main" xmlns:r="http://schemas.openxmlformats.org/officeDocument/2006/relationships" xmlns:p="http://schemas.openxmlformats.org/presentationml/2006/main">
   <p:cSld>
     <p:spTree>
@@ -14449,7 +15472,7 @@
             </a:pPr>
             <a:fld id="{00000000-1234-1234-1234-123412341234}" type="slidenum">
               <a:rPr lang="en"/>
-              <a:t>10</a:t>
+              <a:t>11</a:t>
             </a:fld>
             <a:endParaRPr/>
           </a:p>
@@ -14465,13 +15488,13 @@
   <p:clrMapOvr>
     <a:masterClrMapping/>
   </p:clrMapOvr>
-  <p:transition advTm="5795">
+  <p:transition>
     <p:fade thruBlk="1"/>
   </p:transition>
 </p:sld>
 </file>
 
-<file path=ppt/slides/slide11.xml><?xml version="1.0" encoding="utf-8"?>
+<file path=ppt/slides/slide12.xml><?xml version="1.0" encoding="utf-8"?>
 <p:sld xmlns:a="http://schemas.openxmlformats.org/drawingml/2006/main" xmlns:r="http://schemas.openxmlformats.org/officeDocument/2006/relationships" xmlns:p="http://schemas.openxmlformats.org/presentationml/2006/main">
   <p:cSld>
     <p:spTree>
@@ -14798,7 +15821,7 @@
             </a:pPr>
             <a:fld id="{00000000-1234-1234-1234-123412341234}" type="slidenum">
               <a:rPr lang="es-ES" smtClean="0"/>
-              <a:t>11</a:t>
+              <a:t>12</a:t>
             </a:fld>
             <a:endParaRPr lang="es-ES"/>
           </a:p>
@@ -15117,7 +16140,7 @@
   <p:clrMapOvr>
     <a:masterClrMapping/>
   </p:clrMapOvr>
-  <p:transition advTm="31560">
+  <p:transition>
     <p:fade thruBlk="1"/>
   </p:transition>
   <p:timing>
@@ -15295,7 +16318,7 @@
 </p:sld>
 </file>
 
-<file path=ppt/slides/slide12.xml><?xml version="1.0" encoding="utf-8"?>
+<file path=ppt/slides/slide13.xml><?xml version="1.0" encoding="utf-8"?>
 <p:sld xmlns:a="http://schemas.openxmlformats.org/drawingml/2006/main" xmlns:r="http://schemas.openxmlformats.org/officeDocument/2006/relationships" xmlns:p="http://schemas.openxmlformats.org/presentationml/2006/main">
   <p:cSld>
     <p:spTree>
@@ -15372,7 +16395,7 @@
             </a:pPr>
             <a:fld id="{00000000-1234-1234-1234-123412341234}" type="slidenum">
               <a:rPr lang="es-ES" smtClean="0"/>
-              <a:t>12</a:t>
+              <a:t>13</a:t>
             </a:fld>
             <a:endParaRPr lang="es-ES"/>
           </a:p>
@@ -15850,7 +16873,7 @@
   <p:clrMapOvr>
     <a:masterClrMapping/>
   </p:clrMapOvr>
-  <p:transition advTm="33725">
+  <p:transition>
     <p:fade thruBlk="1"/>
   </p:transition>
   <p:timing>
@@ -16358,7 +17381,7 @@
 </p:sld>
 </file>
 
-<file path=ppt/slides/slide13.xml><?xml version="1.0" encoding="utf-8"?>
+<file path=ppt/slides/slide14.xml><?xml version="1.0" encoding="utf-8"?>
 <p:sld xmlns:a="http://schemas.openxmlformats.org/drawingml/2006/main" xmlns:r="http://schemas.openxmlformats.org/officeDocument/2006/relationships" xmlns:p="http://schemas.openxmlformats.org/presentationml/2006/main">
   <p:cSld>
     <p:spTree>
@@ -16512,7 +17535,7 @@
             </a:pPr>
             <a:fld id="{00000000-1234-1234-1234-123412341234}" type="slidenum">
               <a:rPr lang="es-ES" smtClean="0"/>
-              <a:t>13</a:t>
+              <a:t>14</a:t>
             </a:fld>
             <a:endParaRPr lang="es-ES"/>
           </a:p>
@@ -16711,7 +17734,7 @@
   <p:clrMapOvr>
     <a:masterClrMapping/>
   </p:clrMapOvr>
-  <p:transition advTm="73860">
+  <p:transition>
     <p:fade thruBlk="1"/>
   </p:transition>
   <p:timing>
@@ -16857,7 +17880,7 @@
 </p:sld>
 </file>
 
-<file path=ppt/slides/slide14.xml><?xml version="1.0" encoding="utf-8"?>
+<file path=ppt/slides/slide15.xml><?xml version="1.0" encoding="utf-8"?>
 <p:sld xmlns:a="http://schemas.openxmlformats.org/drawingml/2006/main" xmlns:r="http://schemas.openxmlformats.org/officeDocument/2006/relationships" xmlns:p="http://schemas.openxmlformats.org/presentationml/2006/main">
   <p:cSld>
     <p:spTree>
@@ -17141,7 +18164,7 @@
             </a:pPr>
             <a:fld id="{00000000-1234-1234-1234-123412341234}" type="slidenum">
               <a:rPr lang="es-ES" smtClean="0"/>
-              <a:t>14</a:t>
+              <a:t>15</a:t>
             </a:fld>
             <a:endParaRPr lang="es-ES"/>
           </a:p>
@@ -17334,7 +18357,7 @@
   <p:clrMapOvr>
     <a:masterClrMapping/>
   </p:clrMapOvr>
-  <p:transition advTm="58321">
+  <p:transition>
     <p:fade thruBlk="1"/>
   </p:transition>
   <p:timing>
@@ -17636,7 +18659,7 @@
 </p:sld>
 </file>
 
-<file path=ppt/slides/slide15.xml><?xml version="1.0" encoding="utf-8"?>
+<file path=ppt/slides/slide16.xml><?xml version="1.0" encoding="utf-8"?>
 <p:sld xmlns:a="http://schemas.openxmlformats.org/drawingml/2006/main" xmlns:r="http://schemas.openxmlformats.org/officeDocument/2006/relationships" xmlns:p="http://schemas.openxmlformats.org/presentationml/2006/main">
   <p:cSld>
     <p:spTree>
@@ -17773,7 +18796,7 @@
             </a:pPr>
             <a:fld id="{00000000-1234-1234-1234-123412341234}" type="slidenum">
               <a:rPr lang="en"/>
-              <a:t>15</a:t>
+              <a:t>16</a:t>
             </a:fld>
             <a:endParaRPr/>
           </a:p>
@@ -17789,13 +18812,13 @@
   <p:clrMapOvr>
     <a:masterClrMapping/>
   </p:clrMapOvr>
-  <p:transition advTm="9296">
+  <p:transition>
     <p:fade thruBlk="1"/>
   </p:transition>
 </p:sld>
 </file>
 
-<file path=ppt/slides/slide16.xml><?xml version="1.0" encoding="utf-8"?>
+<file path=ppt/slides/slide17.xml><?xml version="1.0" encoding="utf-8"?>
 <p:sld xmlns:a="http://schemas.openxmlformats.org/drawingml/2006/main" xmlns:r="http://schemas.openxmlformats.org/officeDocument/2006/relationships" xmlns:p="http://schemas.openxmlformats.org/presentationml/2006/main">
   <p:cSld>
     <p:spTree>
@@ -17931,7 +18954,7 @@
             </a:pPr>
             <a:fld id="{00000000-1234-1234-1234-123412341234}" type="slidenum">
               <a:rPr lang="es-ES" smtClean="0"/>
-              <a:t>16</a:t>
+              <a:t>17</a:t>
             </a:fld>
             <a:endParaRPr lang="es-ES"/>
           </a:p>
@@ -18431,7 +19454,7 @@
   <p:clrMapOvr>
     <a:masterClrMapping/>
   </p:clrMapOvr>
-  <p:transition advTm="16881">
+  <p:transition>
     <p:fade thruBlk="1"/>
   </p:transition>
   <p:timing>
@@ -18577,7 +19600,7 @@
 </p:sld>
 </file>
 
-<file path=ppt/slides/slide17.xml><?xml version="1.0" encoding="utf-8"?>
+<file path=ppt/slides/slide18.xml><?xml version="1.0" encoding="utf-8"?>
 <p:sld xmlns:a="http://schemas.openxmlformats.org/drawingml/2006/main" xmlns:r="http://schemas.openxmlformats.org/officeDocument/2006/relationships" xmlns:p="http://schemas.openxmlformats.org/presentationml/2006/main">
   <p:cSld>
     <p:spTree>
@@ -18654,7 +19677,7 @@
             </a:pPr>
             <a:fld id="{00000000-1234-1234-1234-123412341234}" type="slidenum">
               <a:rPr lang="es-ES" smtClean="0"/>
-              <a:t>17</a:t>
+              <a:t>18</a:t>
             </a:fld>
             <a:endParaRPr lang="es-ES" dirty="0"/>
           </a:p>
@@ -19023,13 +20046,13 @@
   <p:clrMapOvr>
     <a:masterClrMapping/>
   </p:clrMapOvr>
-  <p:transition advTm="37157">
+  <p:transition>
     <p:fade thruBlk="1"/>
   </p:transition>
 </p:sld>
 </file>
 
-<file path=ppt/slides/slide18.xml><?xml version="1.0" encoding="utf-8"?>
+<file path=ppt/slides/slide19.xml><?xml version="1.0" encoding="utf-8"?>
 <p:sld xmlns:a="http://schemas.openxmlformats.org/drawingml/2006/main" xmlns:r="http://schemas.openxmlformats.org/officeDocument/2006/relationships" xmlns:p="http://schemas.openxmlformats.org/presentationml/2006/main">
   <p:cSld>
     <p:spTree>
@@ -19162,7 +20185,7 @@
             </a:pPr>
             <a:fld id="{00000000-1234-1234-1234-123412341234}" type="slidenum">
               <a:rPr lang="en"/>
-              <a:t>18</a:t>
+              <a:t>19</a:t>
             </a:fld>
             <a:endParaRPr/>
           </a:p>
@@ -19178,13 +20201,179 @@
   <p:clrMapOvr>
     <a:masterClrMapping/>
   </p:clrMapOvr>
-  <p:transition advTm="4077">
+  <p:transition>
     <p:fade thruBlk="1"/>
   </p:transition>
 </p:sld>
 </file>
 
-<file path=ppt/slides/slide19.xml><?xml version="1.0" encoding="utf-8"?>
+<file path=ppt/slides/slide2.xml><?xml version="1.0" encoding="utf-8"?>
+<p:sld xmlns:a="http://schemas.openxmlformats.org/drawingml/2006/main" xmlns:r="http://schemas.openxmlformats.org/officeDocument/2006/relationships" xmlns:p="http://schemas.openxmlformats.org/presentationml/2006/main">
+  <p:cSld>
+    <p:spTree>
+      <p:nvGrpSpPr>
+        <p:cNvPr id="1" name="Shape 73"/>
+        <p:cNvGrpSpPr/>
+        <p:nvPr/>
+      </p:nvGrpSpPr>
+      <p:grpSpPr>
+        <a:xfrm>
+          <a:off x="0" y="0"/>
+          <a:ext cx="0" cy="0"/>
+          <a:chOff x="0" y="0"/>
+          <a:chExt cx="0" cy="0"/>
+        </a:xfrm>
+      </p:grpSpPr>
+      <p:sp>
+        <p:nvSpPr>
+          <p:cNvPr id="74" name="Google Shape;74;p15"/>
+          <p:cNvSpPr txBox="1">
+            <a:spLocks noGrp="1"/>
+          </p:cNvSpPr>
+          <p:nvPr>
+            <p:ph type="ctrTitle"/>
+          </p:nvPr>
+        </p:nvSpPr>
+        <p:spPr>
+          <a:xfrm>
+            <a:off x="1619700" y="1583344"/>
+            <a:ext cx="5904600" cy="1159800"/>
+          </a:xfrm>
+          <a:prstGeom prst="rect">
+            <a:avLst/>
+          </a:prstGeom>
+        </p:spPr>
+        <p:txBody>
+          <a:bodyPr spcFirstLastPara="1" wrap="square" lIns="91425" tIns="91425" rIns="91425" bIns="91425" anchor="b" anchorCtr="0">
+            <a:noAutofit/>
+          </a:bodyPr>
+          <a:lstStyle/>
+          <a:p>
+            <a:pPr marL="0" lvl="0" indent="0" algn="ctr" rtl="0">
+              <a:spcBef>
+                <a:spcPts val="0"/>
+              </a:spcBef>
+              <a:spcAft>
+                <a:spcPts val="0"/>
+              </a:spcAft>
+              <a:buNone/>
+            </a:pPr>
+            <a:r>
+              <a:rPr lang="en" dirty="0"/>
+              <a:t>1.</a:t>
+            </a:r>
+            <a:endParaRPr dirty="0"/>
+          </a:p>
+          <a:p>
+            <a:pPr lvl="0"/>
+            <a:r>
+              <a:rPr lang="es-ES" dirty="0"/>
+              <a:t>Introducción</a:t>
+            </a:r>
+            <a:endParaRPr dirty="0"/>
+          </a:p>
+        </p:txBody>
+      </p:sp>
+      <p:sp>
+        <p:nvSpPr>
+          <p:cNvPr id="75" name="Google Shape;75;p15"/>
+          <p:cNvSpPr txBox="1">
+            <a:spLocks noGrp="1"/>
+          </p:cNvSpPr>
+          <p:nvPr>
+            <p:ph type="subTitle" idx="1"/>
+          </p:nvPr>
+        </p:nvSpPr>
+        <p:spPr>
+          <a:xfrm>
+            <a:off x="1619700" y="2840060"/>
+            <a:ext cx="5904600" cy="784800"/>
+          </a:xfrm>
+          <a:prstGeom prst="rect">
+            <a:avLst/>
+          </a:prstGeom>
+        </p:spPr>
+        <p:txBody>
+          <a:bodyPr spcFirstLastPara="1" wrap="square" lIns="91425" tIns="91425" rIns="91425" bIns="91425" anchor="t" anchorCtr="0">
+            <a:noAutofit/>
+          </a:bodyPr>
+          <a:lstStyle/>
+          <a:p>
+            <a:pPr marL="0" lvl="0" indent="0"/>
+            <a:r>
+              <a:rPr lang="es-ES" dirty="0"/>
+              <a:t>El sistema inmune y las células T</a:t>
+            </a:r>
+          </a:p>
+          <a:p>
+            <a:pPr marL="0" lvl="0" indent="0"/>
+            <a:r>
+              <a:rPr lang="es-ES" dirty="0"/>
+              <a:t>Algoritmo de decisión</a:t>
+            </a:r>
+            <a:endParaRPr dirty="0"/>
+          </a:p>
+        </p:txBody>
+      </p:sp>
+      <p:sp>
+        <p:nvSpPr>
+          <p:cNvPr id="76" name="Google Shape;76;p15"/>
+          <p:cNvSpPr txBox="1">
+            <a:spLocks noGrp="1"/>
+          </p:cNvSpPr>
+          <p:nvPr>
+            <p:ph type="sldNum" idx="12"/>
+          </p:nvPr>
+        </p:nvSpPr>
+        <p:spPr>
+          <a:xfrm>
+            <a:off x="4297650" y="4419838"/>
+            <a:ext cx="548700" cy="393600"/>
+          </a:xfrm>
+          <a:prstGeom prst="rect">
+            <a:avLst/>
+          </a:prstGeom>
+        </p:spPr>
+        <p:txBody>
+          <a:bodyPr spcFirstLastPara="1" wrap="square" lIns="91425" tIns="91425" rIns="91425" bIns="91425" anchor="b" anchorCtr="0">
+            <a:noAutofit/>
+          </a:bodyPr>
+          <a:lstStyle/>
+          <a:p>
+            <a:pPr marL="0" lvl="0" indent="0" algn="ctr" rtl="0">
+              <a:spcBef>
+                <a:spcPts val="0"/>
+              </a:spcBef>
+              <a:spcAft>
+                <a:spcPts val="0"/>
+              </a:spcAft>
+              <a:buNone/>
+            </a:pPr>
+            <a:fld id="{00000000-1234-1234-1234-123412341234}" type="slidenum">
+              <a:rPr lang="en"/>
+              <a:t>2</a:t>
+            </a:fld>
+            <a:endParaRPr/>
+          </a:p>
+        </p:txBody>
+      </p:sp>
+    </p:spTree>
+    <p:extLst>
+      <p:ext uri="{BB962C8B-B14F-4D97-AF65-F5344CB8AC3E}">
+        <p14:creationId xmlns:p14="http://schemas.microsoft.com/office/powerpoint/2010/main" val="3558167106"/>
+      </p:ext>
+    </p:extLst>
+  </p:cSld>
+  <p:clrMapOvr>
+    <a:masterClrMapping/>
+  </p:clrMapOvr>
+  <p:transition>
+    <p:fade thruBlk="1"/>
+  </p:transition>
+</p:sld>
+</file>
+
+<file path=ppt/slides/slide20.xml><?xml version="1.0" encoding="utf-8"?>
 <p:sld xmlns:a="http://schemas.openxmlformats.org/drawingml/2006/main" xmlns:r="http://schemas.openxmlformats.org/officeDocument/2006/relationships" xmlns:p="http://schemas.openxmlformats.org/presentationml/2006/main">
   <p:cSld>
     <p:spTree>
@@ -19338,7 +20527,7 @@
             </a:pPr>
             <a:fld id="{00000000-1234-1234-1234-123412341234}" type="slidenum">
               <a:rPr lang="es-ES" smtClean="0"/>
-              <a:t>19</a:t>
+              <a:t>20</a:t>
             </a:fld>
             <a:endParaRPr lang="es-ES"/>
           </a:p>
@@ -19804,179 +20993,13 @@
   <p:clrMapOvr>
     <a:masterClrMapping/>
   </p:clrMapOvr>
-  <p:transition advTm="44790">
+  <p:transition>
     <p:fade thruBlk="1"/>
   </p:transition>
 </p:sld>
 </file>
 
-<file path=ppt/slides/slide2.xml><?xml version="1.0" encoding="utf-8"?>
-<p:sld xmlns:a="http://schemas.openxmlformats.org/drawingml/2006/main" xmlns:r="http://schemas.openxmlformats.org/officeDocument/2006/relationships" xmlns:p="http://schemas.openxmlformats.org/presentationml/2006/main">
-  <p:cSld>
-    <p:spTree>
-      <p:nvGrpSpPr>
-        <p:cNvPr id="1" name="Shape 73"/>
-        <p:cNvGrpSpPr/>
-        <p:nvPr/>
-      </p:nvGrpSpPr>
-      <p:grpSpPr>
-        <a:xfrm>
-          <a:off x="0" y="0"/>
-          <a:ext cx="0" cy="0"/>
-          <a:chOff x="0" y="0"/>
-          <a:chExt cx="0" cy="0"/>
-        </a:xfrm>
-      </p:grpSpPr>
-      <p:sp>
-        <p:nvSpPr>
-          <p:cNvPr id="74" name="Google Shape;74;p15"/>
-          <p:cNvSpPr txBox="1">
-            <a:spLocks noGrp="1"/>
-          </p:cNvSpPr>
-          <p:nvPr>
-            <p:ph type="ctrTitle"/>
-          </p:nvPr>
-        </p:nvSpPr>
-        <p:spPr>
-          <a:xfrm>
-            <a:off x="1619700" y="1583344"/>
-            <a:ext cx="5904600" cy="1159800"/>
-          </a:xfrm>
-          <a:prstGeom prst="rect">
-            <a:avLst/>
-          </a:prstGeom>
-        </p:spPr>
-        <p:txBody>
-          <a:bodyPr spcFirstLastPara="1" wrap="square" lIns="91425" tIns="91425" rIns="91425" bIns="91425" anchor="b" anchorCtr="0">
-            <a:noAutofit/>
-          </a:bodyPr>
-          <a:lstStyle/>
-          <a:p>
-            <a:pPr marL="0" lvl="0" indent="0" algn="ctr" rtl="0">
-              <a:spcBef>
-                <a:spcPts val="0"/>
-              </a:spcBef>
-              <a:spcAft>
-                <a:spcPts val="0"/>
-              </a:spcAft>
-              <a:buNone/>
-            </a:pPr>
-            <a:r>
-              <a:rPr lang="en" dirty="0"/>
-              <a:t>1.</a:t>
-            </a:r>
-            <a:endParaRPr dirty="0"/>
-          </a:p>
-          <a:p>
-            <a:pPr lvl="0"/>
-            <a:r>
-              <a:rPr lang="es-ES" dirty="0"/>
-              <a:t>Introducción</a:t>
-            </a:r>
-            <a:endParaRPr dirty="0"/>
-          </a:p>
-        </p:txBody>
-      </p:sp>
-      <p:sp>
-        <p:nvSpPr>
-          <p:cNvPr id="75" name="Google Shape;75;p15"/>
-          <p:cNvSpPr txBox="1">
-            <a:spLocks noGrp="1"/>
-          </p:cNvSpPr>
-          <p:nvPr>
-            <p:ph type="subTitle" idx="1"/>
-          </p:nvPr>
-        </p:nvSpPr>
-        <p:spPr>
-          <a:xfrm>
-            <a:off x="1619700" y="2840060"/>
-            <a:ext cx="5904600" cy="784800"/>
-          </a:xfrm>
-          <a:prstGeom prst="rect">
-            <a:avLst/>
-          </a:prstGeom>
-        </p:spPr>
-        <p:txBody>
-          <a:bodyPr spcFirstLastPara="1" wrap="square" lIns="91425" tIns="91425" rIns="91425" bIns="91425" anchor="t" anchorCtr="0">
-            <a:noAutofit/>
-          </a:bodyPr>
-          <a:lstStyle/>
-          <a:p>
-            <a:pPr marL="0" lvl="0" indent="0"/>
-            <a:r>
-              <a:rPr lang="es-ES" dirty="0"/>
-              <a:t>El sistema inmune y las células T</a:t>
-            </a:r>
-          </a:p>
-          <a:p>
-            <a:pPr marL="0" lvl="0" indent="0"/>
-            <a:r>
-              <a:rPr lang="es-ES" dirty="0"/>
-              <a:t>Algoritmo de decisión</a:t>
-            </a:r>
-            <a:endParaRPr dirty="0"/>
-          </a:p>
-        </p:txBody>
-      </p:sp>
-      <p:sp>
-        <p:nvSpPr>
-          <p:cNvPr id="76" name="Google Shape;76;p15"/>
-          <p:cNvSpPr txBox="1">
-            <a:spLocks noGrp="1"/>
-          </p:cNvSpPr>
-          <p:nvPr>
-            <p:ph type="sldNum" idx="12"/>
-          </p:nvPr>
-        </p:nvSpPr>
-        <p:spPr>
-          <a:xfrm>
-            <a:off x="4297650" y="4419838"/>
-            <a:ext cx="548700" cy="393600"/>
-          </a:xfrm>
-          <a:prstGeom prst="rect">
-            <a:avLst/>
-          </a:prstGeom>
-        </p:spPr>
-        <p:txBody>
-          <a:bodyPr spcFirstLastPara="1" wrap="square" lIns="91425" tIns="91425" rIns="91425" bIns="91425" anchor="b" anchorCtr="0">
-            <a:noAutofit/>
-          </a:bodyPr>
-          <a:lstStyle/>
-          <a:p>
-            <a:pPr marL="0" lvl="0" indent="0" algn="ctr" rtl="0">
-              <a:spcBef>
-                <a:spcPts val="0"/>
-              </a:spcBef>
-              <a:spcAft>
-                <a:spcPts val="0"/>
-              </a:spcAft>
-              <a:buNone/>
-            </a:pPr>
-            <a:fld id="{00000000-1234-1234-1234-123412341234}" type="slidenum">
-              <a:rPr lang="en"/>
-              <a:t>2</a:t>
-            </a:fld>
-            <a:endParaRPr/>
-          </a:p>
-        </p:txBody>
-      </p:sp>
-    </p:spTree>
-    <p:extLst>
-      <p:ext uri="{BB962C8B-B14F-4D97-AF65-F5344CB8AC3E}">
-        <p14:creationId xmlns:p14="http://schemas.microsoft.com/office/powerpoint/2010/main" val="3558167106"/>
-      </p:ext>
-    </p:extLst>
-  </p:cSld>
-  <p:clrMapOvr>
-    <a:masterClrMapping/>
-  </p:clrMapOvr>
-  <p:transition advTm="4191">
-    <p:fade thruBlk="1"/>
-  </p:transition>
-</p:sld>
-</file>
-
-<file path=ppt/slides/slide20.xml><?xml version="1.0" encoding="utf-8"?>
+<file path=ppt/slides/slide21.xml><?xml version="1.0" encoding="utf-8"?>
 <p:sld xmlns:a="http://schemas.openxmlformats.org/drawingml/2006/main" xmlns:r="http://schemas.openxmlformats.org/officeDocument/2006/relationships" xmlns:p="http://schemas.openxmlformats.org/presentationml/2006/main">
   <p:cSld>
     <p:spTree>
@@ -20089,7 +21112,7 @@
             </a:pPr>
             <a:fld id="{00000000-1234-1234-1234-123412341234}" type="slidenum">
               <a:rPr lang="es-ES" smtClean="0"/>
-              <a:t>20</a:t>
+              <a:t>21</a:t>
             </a:fld>
             <a:endParaRPr lang="es-ES"/>
           </a:p>
@@ -20368,13 +21391,13 @@
   <p:clrMapOvr>
     <a:masterClrMapping/>
   </p:clrMapOvr>
-  <p:transition advTm="43815">
+  <p:transition>
     <p:fade thruBlk="1"/>
   </p:transition>
 </p:sld>
 </file>
 
-<file path=ppt/slides/slide21.xml><?xml version="1.0" encoding="utf-8"?>
+<file path=ppt/slides/slide22.xml><?xml version="1.0" encoding="utf-8"?>
 <p:sld xmlns:a="http://schemas.openxmlformats.org/drawingml/2006/main" xmlns:r="http://schemas.openxmlformats.org/officeDocument/2006/relationships" xmlns:p="http://schemas.openxmlformats.org/presentationml/2006/main">
   <p:cSld>
     <p:spTree>
@@ -20511,7 +21534,7 @@
             </a:pPr>
             <a:fld id="{00000000-1234-1234-1234-123412341234}" type="slidenum">
               <a:rPr lang="en"/>
-              <a:t>21</a:t>
+              <a:t>22</a:t>
             </a:fld>
             <a:endParaRPr/>
           </a:p>
@@ -20527,13 +21550,13 @@
   <p:clrMapOvr>
     <a:masterClrMapping/>
   </p:clrMapOvr>
-  <p:transition advTm="6788">
+  <p:transition>
     <p:fade thruBlk="1"/>
   </p:transition>
 </p:sld>
 </file>
 
-<file path=ppt/slides/slide22.xml><?xml version="1.0" encoding="utf-8"?>
+<file path=ppt/slides/slide23.xml><?xml version="1.0" encoding="utf-8"?>
 <p:sld xmlns:a="http://schemas.openxmlformats.org/drawingml/2006/main" xmlns:r="http://schemas.openxmlformats.org/officeDocument/2006/relationships" xmlns:p="http://schemas.openxmlformats.org/presentationml/2006/main">
   <p:cSld>
     <p:spTree>
@@ -20661,7 +21684,7 @@
             </a:pPr>
             <a:fld id="{00000000-1234-1234-1234-123412341234}" type="slidenum">
               <a:rPr lang="es-ES" smtClean="0"/>
-              <a:t>22</a:t>
+              <a:t>23</a:t>
             </a:fld>
             <a:endParaRPr lang="es-ES"/>
           </a:p>
@@ -20677,13 +21700,13 @@
   <p:clrMapOvr>
     <a:masterClrMapping/>
   </p:clrMapOvr>
-  <p:transition advTm="16268">
+  <p:transition>
     <p:fade thruBlk="1"/>
   </p:transition>
 </p:sld>
 </file>
 
-<file path=ppt/slides/slide23.xml><?xml version="1.0" encoding="utf-8"?>
+<file path=ppt/slides/slide24.xml><?xml version="1.0" encoding="utf-8"?>
 <p:sld xmlns:a="http://schemas.openxmlformats.org/drawingml/2006/main" xmlns:r="http://schemas.openxmlformats.org/officeDocument/2006/relationships" xmlns:p="http://schemas.openxmlformats.org/presentationml/2006/main">
   <p:cSld>
     <p:spTree>
@@ -20756,7 +21779,7 @@
           <a:p>
             <a:r>
               <a:rPr lang="es-ES" sz="1600" dirty="0"/>
-              <a:t>Implementación de una red neuronal capaz de predecir los parámetros del modelo macroscópico a partir de cierta información de una </a:t>
+              <a:t>Implementación de una red neuronal capaz de predecir el valor de los parámetros del modelo macroscópico a partir de cierta información de una </a:t>
             </a:r>
             <a:r>
               <a:rPr lang="es-ES" sz="1600" i="1" dirty="0"/>
@@ -20801,7 +21824,7 @@
             </a:pPr>
             <a:fld id="{00000000-1234-1234-1234-123412341234}" type="slidenum">
               <a:rPr lang="es-ES" smtClean="0"/>
-              <a:t>23</a:t>
+              <a:t>24</a:t>
             </a:fld>
             <a:endParaRPr lang="es-ES"/>
           </a:p>
@@ -20848,7 +21871,7 @@
   <p:clrMapOvr>
     <a:masterClrMapping/>
   </p:clrMapOvr>
-  <p:transition advTm="25127">
+  <p:transition>
     <p:fade thruBlk="1"/>
   </p:transition>
   <p:timing>
@@ -20942,7 +21965,7 @@
 </p:sld>
 </file>
 
-<file path=ppt/slides/slide24.xml><?xml version="1.0" encoding="utf-8"?>
+<file path=ppt/slides/slide25.xml><?xml version="1.0" encoding="utf-8"?>
 <p:sld xmlns:a="http://schemas.openxmlformats.org/drawingml/2006/main" xmlns:r="http://schemas.openxmlformats.org/officeDocument/2006/relationships" xmlns:p="http://schemas.openxmlformats.org/presentationml/2006/main">
   <p:cSld>
     <p:spTree>
@@ -21019,7 +22042,7 @@
             </a:pPr>
             <a:fld id="{00000000-1234-1234-1234-123412341234}" type="slidenum">
               <a:rPr lang="es-ES" smtClean="0"/>
-              <a:t>24</a:t>
+              <a:t>25</a:t>
             </a:fld>
             <a:endParaRPr lang="es-ES"/>
           </a:p>
@@ -21270,13 +22293,13 @@
   <p:clrMapOvr>
     <a:masterClrMapping/>
   </p:clrMapOvr>
-  <p:transition advTm="27707">
+  <p:transition>
     <p:fade thruBlk="1"/>
   </p:transition>
 </p:sld>
 </file>
 
-<file path=ppt/slides/slide25.xml><?xml version="1.0" encoding="utf-8"?>
+<file path=ppt/slides/slide26.xml><?xml version="1.0" encoding="utf-8"?>
 <p:sld xmlns:a="http://schemas.openxmlformats.org/drawingml/2006/main" xmlns:r="http://schemas.openxmlformats.org/officeDocument/2006/relationships" xmlns:p="http://schemas.openxmlformats.org/presentationml/2006/main">
   <p:cSld>
     <p:spTree>
@@ -21822,7 +22845,7 @@
             </a:pPr>
             <a:fld id="{00000000-1234-1234-1234-123412341234}" type="slidenum">
               <a:rPr lang="es-ES" smtClean="0"/>
-              <a:t>25</a:t>
+              <a:t>26</a:t>
             </a:fld>
             <a:endParaRPr lang="es-ES" dirty="0"/>
           </a:p>
@@ -23708,7 +24731,7 @@
   <p:clrMapOvr>
     <a:masterClrMapping/>
   </p:clrMapOvr>
-  <p:transition advTm="45625">
+  <p:transition>
     <p:fade thruBlk="1"/>
   </p:transition>
   <p:timing>
@@ -24854,7 +25877,7 @@
 </p:sld>
 </file>
 
-<file path=ppt/slides/slide26.xml><?xml version="1.0" encoding="utf-8"?>
+<file path=ppt/slides/slide27.xml><?xml version="1.0" encoding="utf-8"?>
 <p:sld xmlns:a="http://schemas.openxmlformats.org/drawingml/2006/main" xmlns:r="http://schemas.openxmlformats.org/officeDocument/2006/relationships" xmlns:p="http://schemas.openxmlformats.org/presentationml/2006/main">
   <p:cSld>
     <p:spTree>
@@ -24955,7 +25978,7 @@
                 </a:spcAft>
                 <a:buNone/>
               </a:pPr>
-              <a:t>26</a:t>
+              <a:t>27</a:t>
             </a:fld>
             <a:endParaRPr lang="es-ES" sz="900"/>
           </a:p>
@@ -25161,13 +26184,13 @@
   <p:clrMapOvr>
     <a:masterClrMapping/>
   </p:clrMapOvr>
-  <p:transition advTm="42616">
+  <p:transition>
     <p:fade thruBlk="1"/>
   </p:transition>
 </p:sld>
 </file>
 
-<file path=ppt/slides/slide27.xml><?xml version="1.0" encoding="utf-8"?>
+<file path=ppt/slides/slide28.xml><?xml version="1.0" encoding="utf-8"?>
 <p:sld xmlns:a="http://schemas.openxmlformats.org/drawingml/2006/main" xmlns:r="http://schemas.openxmlformats.org/officeDocument/2006/relationships" xmlns:p="http://schemas.openxmlformats.org/presentationml/2006/main">
   <p:cSld>
     <p:spTree>
@@ -25418,7 +26441,7 @@
   <p:clrMapOvr>
     <a:masterClrMapping/>
   </p:clrMapOvr>
-  <p:transition advTm="3967">
+  <p:transition>
     <p:fade thruBlk="1"/>
   </p:transition>
 </p:sld>
@@ -25669,7 +26692,7 @@
   <p:clrMapOvr>
     <a:masterClrMapping/>
   </p:clrMapOvr>
-  <p:transition advTm="34539">
+  <p:transition>
     <p:fade thruBlk="1"/>
   </p:transition>
 </p:sld>
@@ -26506,7 +27529,7 @@
   <p:clrMapOvr>
     <a:masterClrMapping/>
   </p:clrMapOvr>
-  <p:transition advTm="49298">
+  <p:transition>
     <p:fade thruBlk="1"/>
   </p:transition>
   <p:timing>
@@ -26966,7 +27989,7 @@
   <p:clrMapOvr>
     <a:masterClrMapping/>
   </p:clrMapOvr>
-  <p:transition advTm="26999">
+  <p:transition>
     <p:fade thruBlk="1"/>
   </p:transition>
 </p:sld>
@@ -27125,7 +28148,7 @@
   <p:clrMapOvr>
     <a:masterClrMapping/>
   </p:clrMapOvr>
-  <p:transition advTm="7338">
+  <p:transition>
     <p:fade thruBlk="1"/>
   </p:transition>
 </p:sld>
@@ -27340,7 +28363,7 @@
   <p:clrMapOvr>
     <a:masterClrMapping/>
   </p:clrMapOvr>
-  <p:transition advTm="49361">
+  <p:transition>
     <p:fade thruBlk="1"/>
   </p:transition>
 </p:sld>
@@ -28366,7 +29389,7 @@
   <p:clrMapOvr>
     <a:masterClrMapping/>
   </p:clrMapOvr>
-  <p:transition advTm="26947">
+  <p:transition>
     <p:fade thruBlk="1"/>
   </p:transition>
   <p:timing>
@@ -28757,7 +29780,7 @@
   <p:cSld>
     <p:spTree>
       <p:nvGrpSpPr>
-        <p:cNvPr id="1" name="Shape 86"/>
+        <p:cNvPr id="1" name=""/>
         <p:cNvGrpSpPr/>
         <p:nvPr/>
       </p:nvGrpSpPr>
@@ -28771,69 +29794,51 @@
       </p:grpSpPr>
       <p:sp>
         <p:nvSpPr>
-          <p:cNvPr id="87" name="Google Shape;87;p17"/>
-          <p:cNvSpPr txBox="1">
+          <p:cNvPr id="2" name="Título 1">
+            <a:extLst>
+              <a:ext uri="{FF2B5EF4-FFF2-40B4-BE49-F238E27FC236}">
+                <a16:creationId xmlns:a16="http://schemas.microsoft.com/office/drawing/2014/main" id="{A0DF1854-6FD8-4454-A7F4-DE817356B644}"/>
+              </a:ext>
+            </a:extLst>
+          </p:cNvPr>
+          <p:cNvSpPr>
             <a:spLocks noGrp="1"/>
           </p:cNvSpPr>
           <p:nvPr>
             <p:ph type="title"/>
           </p:nvPr>
         </p:nvSpPr>
-        <p:spPr>
-          <a:xfrm>
-            <a:off x="388955" y="338306"/>
-            <a:ext cx="8366100" cy="762600"/>
-          </a:xfrm>
-          <a:prstGeom prst="rect">
-            <a:avLst/>
-          </a:prstGeom>
-        </p:spPr>
+        <p:spPr/>
         <p:txBody>
-          <a:bodyPr spcFirstLastPara="1" wrap="square" lIns="91425" tIns="91425" rIns="91425" bIns="91425" anchor="ctr" anchorCtr="0">
-            <a:noAutofit/>
-          </a:bodyPr>
+          <a:bodyPr/>
           <a:lstStyle/>
           <a:p>
-            <a:pPr marL="0" lvl="0" indent="0" algn="ctr" rtl="0">
-              <a:spcBef>
-                <a:spcPts val="0"/>
-              </a:spcBef>
-              <a:spcAft>
-                <a:spcPts val="0"/>
-              </a:spcAft>
-              <a:buNone/>
-            </a:pPr>
             <a:r>
               <a:rPr lang="es-ES" dirty="0"/>
-              <a:t>Ecuaciones del modelo (2)</a:t>
+              <a:t>Algoritmo de decisión</a:t>
             </a:r>
-            <a:endParaRPr dirty="0"/>
           </a:p>
         </p:txBody>
       </p:sp>
       <p:sp>
         <p:nvSpPr>
-          <p:cNvPr id="89" name="Google Shape;89;p17"/>
-          <p:cNvSpPr txBox="1">
+          <p:cNvPr id="4" name="Marcador de número de diapositiva 3">
+            <a:extLst>
+              <a:ext uri="{FF2B5EF4-FFF2-40B4-BE49-F238E27FC236}">
+                <a16:creationId xmlns:a16="http://schemas.microsoft.com/office/drawing/2014/main" id="{8F0D7A14-AAB1-4F9E-807D-E1FF2E8AEA3E}"/>
+              </a:ext>
+            </a:extLst>
+          </p:cNvPr>
+          <p:cNvSpPr>
             <a:spLocks noGrp="1"/>
           </p:cNvSpPr>
           <p:nvPr>
             <p:ph type="sldNum" idx="12"/>
           </p:nvPr>
         </p:nvSpPr>
-        <p:spPr>
-          <a:xfrm>
-            <a:off x="4297650" y="4419838"/>
-            <a:ext cx="548700" cy="393600"/>
-          </a:xfrm>
-          <a:prstGeom prst="rect">
-            <a:avLst/>
-          </a:prstGeom>
-        </p:spPr>
+        <p:spPr/>
         <p:txBody>
-          <a:bodyPr spcFirstLastPara="1" wrap="square" lIns="91425" tIns="91425" rIns="91425" bIns="91425" anchor="b" anchorCtr="0">
-            <a:noAutofit/>
-          </a:bodyPr>
+          <a:bodyPr/>
           <a:lstStyle/>
           <a:p>
             <a:pPr marL="0" lvl="0" indent="0" algn="ctr" rtl="0">
@@ -28846,19 +29851,19 @@
               <a:buNone/>
             </a:pPr>
             <a:fld id="{00000000-1234-1234-1234-123412341234}" type="slidenum">
-              <a:rPr lang="en"/>
+              <a:rPr lang="es-ES" smtClean="0"/>
               <a:t>9</a:t>
             </a:fld>
-            <a:endParaRPr/>
+            <a:endParaRPr lang="es-ES"/>
           </a:p>
         </p:txBody>
       </p:sp>
       <p:pic>
         <p:nvPicPr>
-          <p:cNvPr id="9" name="Imagen 8">
+          <p:cNvPr id="5" name="Imagen 4">
             <a:extLst>
               <a:ext uri="{FF2B5EF4-FFF2-40B4-BE49-F238E27FC236}">
-                <a16:creationId xmlns:a16="http://schemas.microsoft.com/office/drawing/2014/main" id="{4CE6EB55-58CD-490E-812E-027423A42B13}"/>
+                <a16:creationId xmlns:a16="http://schemas.microsoft.com/office/drawing/2014/main" id="{232942BB-C24F-4882-BF97-A97C10FD4266}"/>
               </a:ext>
             </a:extLst>
           </p:cNvPr>
@@ -28867,458 +29872,15 @@
           </p:cNvPicPr>
           <p:nvPr/>
         </p:nvPicPr>
-        <p:blipFill>
-          <a:blip r:embed="rId3"/>
-          <a:stretch>
-            <a:fillRect/>
-          </a:stretch>
+        <p:blipFill rotWithShape="1">
+          <a:blip r:embed="rId2"/>
+          <a:srcRect t="7907"/>
+          <a:stretch/>
         </p:blipFill>
         <p:spPr>
           <a:xfrm>
-            <a:off x="820734" y="1105591"/>
-            <a:ext cx="2521539" cy="371191"/>
-          </a:xfrm>
-          <a:prstGeom prst="rect">
-            <a:avLst/>
-          </a:prstGeom>
-        </p:spPr>
-      </p:pic>
-      <p:pic>
-        <p:nvPicPr>
-          <p:cNvPr id="10" name="Imagen 9">
-            <a:extLst>
-              <a:ext uri="{FF2B5EF4-FFF2-40B4-BE49-F238E27FC236}">
-                <a16:creationId xmlns:a16="http://schemas.microsoft.com/office/drawing/2014/main" id="{FA228D28-8A38-4321-960F-4F980F4B9700}"/>
-              </a:ext>
-            </a:extLst>
-          </p:cNvPr>
-          <p:cNvPicPr>
-            <a:picLocks noChangeAspect="1"/>
-          </p:cNvPicPr>
-          <p:nvPr/>
-        </p:nvPicPr>
-        <p:blipFill>
-          <a:blip r:embed="rId4"/>
-          <a:stretch>
-            <a:fillRect/>
-          </a:stretch>
-        </p:blipFill>
-        <p:spPr>
-          <a:xfrm>
-            <a:off x="820734" y="1873523"/>
-            <a:ext cx="1713801" cy="620233"/>
-          </a:xfrm>
-          <a:prstGeom prst="rect">
-            <a:avLst/>
-          </a:prstGeom>
-        </p:spPr>
-      </p:pic>
-      <mc:AlternateContent xmlns:mc="http://schemas.openxmlformats.org/markup-compatibility/2006" xmlns:a14="http://schemas.microsoft.com/office/drawing/2010/main">
-        <mc:Choice Requires="a14">
-          <p:sp>
-            <p:nvSpPr>
-              <p:cNvPr id="14" name="CuadroTexto 13">
-                <a:extLst>
-                  <a:ext uri="{FF2B5EF4-FFF2-40B4-BE49-F238E27FC236}">
-                    <a16:creationId xmlns:a16="http://schemas.microsoft.com/office/drawing/2014/main" id="{EF912221-C4AD-452B-A6B4-FDE7FF1F9FBA}"/>
-                  </a:ext>
-                </a:extLst>
-              </p:cNvPr>
-              <p:cNvSpPr txBox="1"/>
-              <p:nvPr/>
-            </p:nvSpPr>
-            <p:spPr>
-              <a:xfrm>
-                <a:off x="820734" y="2870262"/>
-                <a:ext cx="7502532" cy="1385700"/>
-              </a:xfrm>
-              <a:prstGeom prst="rect">
-                <a:avLst/>
-              </a:prstGeom>
-              <a:noFill/>
-            </p:spPr>
-            <p:txBody>
-              <a:bodyPr wrap="square" rtlCol="0">
-                <a:spAutoFit/>
-              </a:bodyPr>
-              <a:lstStyle/>
-              <a:p>
-                <a:pPr marL="171450" indent="-171450">
-                  <a:buFont typeface="Arial" panose="020B0604020202020204" pitchFamily="34" charset="0"/>
-                  <a:buChar char="•"/>
-                </a:pPr>
-                <a:r>
-                  <a:rPr lang="es-ES" sz="1200" dirty="0">
-                    <a:latin typeface="PT Serif" panose="020B0604020202020204" charset="0"/>
-                  </a:rPr>
-                  <a:t>Donde </a:t>
-                </a:r>
-                <a14:m>
-                  <m:oMath xmlns:m="http://schemas.openxmlformats.org/officeDocument/2006/math">
-                    <m:r>
-                      <a:rPr lang="es-ES" sz="1200" i="1" dirty="0" smtClean="0">
-                        <a:latin typeface="Cambria Math" panose="02040503050406030204" pitchFamily="18" charset="0"/>
-                      </a:rPr>
-                      <m:t>𝑦</m:t>
-                    </m:r>
-                    <m:r>
-                      <a:rPr lang="es-ES" sz="1200" i="1" dirty="0">
-                        <a:latin typeface="Cambria Math" panose="02040503050406030204" pitchFamily="18" charset="0"/>
-                      </a:rPr>
-                      <m:t>(</m:t>
-                    </m:r>
-                    <m:r>
-                      <a:rPr lang="es-ES" sz="1200" i="1" dirty="0">
-                        <a:latin typeface="Cambria Math" panose="02040503050406030204" pitchFamily="18" charset="0"/>
-                      </a:rPr>
-                      <m:t>𝑡</m:t>
-                    </m:r>
-                    <m:r>
-                      <a:rPr lang="es-ES" sz="1200" i="1" dirty="0">
-                        <a:latin typeface="Cambria Math" panose="02040503050406030204" pitchFamily="18" charset="0"/>
-                      </a:rPr>
-                      <m:t>)</m:t>
-                    </m:r>
-                  </m:oMath>
-                </a14:m>
-                <a:r>
-                  <a:rPr lang="es-ES" sz="1200" dirty="0">
-                    <a:latin typeface="PT Serif" panose="020B0604020202020204" charset="0"/>
-                  </a:rPr>
-                  <a:t> y </a:t>
-                </a:r>
-                <a14:m>
-                  <m:oMath xmlns:m="http://schemas.openxmlformats.org/officeDocument/2006/math">
-                    <m:r>
-                      <a:rPr lang="es-ES" sz="1200" i="1" dirty="0" smtClean="0">
-                        <a:latin typeface="Cambria Math" panose="02040503050406030204" pitchFamily="18" charset="0"/>
-                      </a:rPr>
-                      <m:t>𝑛</m:t>
-                    </m:r>
-                    <m:r>
-                      <a:rPr lang="es-ES" sz="1200" i="1" dirty="0" smtClean="0">
-                        <a:latin typeface="Cambria Math" panose="02040503050406030204" pitchFamily="18" charset="0"/>
-                      </a:rPr>
-                      <m:t>(</m:t>
-                    </m:r>
-                    <m:r>
-                      <a:rPr lang="es-ES" sz="1200" i="1" dirty="0" smtClean="0">
-                        <a:latin typeface="Cambria Math" panose="02040503050406030204" pitchFamily="18" charset="0"/>
-                      </a:rPr>
-                      <m:t>𝑡</m:t>
-                    </m:r>
-                    <m:r>
-                      <a:rPr lang="es-ES" sz="1200" i="1" dirty="0" smtClean="0">
-                        <a:latin typeface="Cambria Math" panose="02040503050406030204" pitchFamily="18" charset="0"/>
-                      </a:rPr>
-                      <m:t>)</m:t>
-                    </m:r>
-                  </m:oMath>
-                </a14:m>
-                <a:r>
-                  <a:rPr lang="es-ES" sz="1200" dirty="0">
-                    <a:latin typeface="PT Serif" panose="020B0604020202020204" charset="0"/>
-                  </a:rPr>
-                  <a:t> denotan el número de células del patógeno y el número de células T, respectivamente. </a:t>
-                </a:r>
-              </a:p>
-              <a:p>
-                <a:pPr marL="171450" indent="-171450">
-                  <a:buFont typeface="Arial" panose="020B0604020202020204" pitchFamily="34" charset="0"/>
-                  <a:buChar char="•"/>
-                </a:pPr>
-                <a14:m>
-                  <m:oMath xmlns:m="http://schemas.openxmlformats.org/officeDocument/2006/math">
-                    <m:r>
-                      <a:rPr lang="es-ES" sz="1200" i="1" smtClean="0">
-                        <a:latin typeface="Cambria Math" panose="02040503050406030204" pitchFamily="18" charset="0"/>
-                        <a:ea typeface="Cambria Math" panose="02040503050406030204" pitchFamily="18" charset="0"/>
-                      </a:rPr>
-                      <m:t>𝛼</m:t>
-                    </m:r>
-                    <m:r>
-                      <a:rPr lang="es-ES" sz="1200" b="0" i="1" smtClean="0">
-                        <a:latin typeface="Cambria Math" panose="02040503050406030204" pitchFamily="18" charset="0"/>
-                        <a:ea typeface="Cambria Math" panose="02040503050406030204" pitchFamily="18" charset="0"/>
-                      </a:rPr>
-                      <m:t> </m:t>
-                    </m:r>
-                  </m:oMath>
-                </a14:m>
-                <a:r>
-                  <a:rPr lang="es-ES" sz="1200" dirty="0">
-                    <a:latin typeface="PT Serif" panose="020B0604020202020204" charset="0"/>
-                  </a:rPr>
-                  <a:t>representa la tasa de proliferación del patógeno, mientras que </a:t>
-                </a:r>
-                <a14:m>
-                  <m:oMath xmlns:m="http://schemas.openxmlformats.org/officeDocument/2006/math">
-                    <m:r>
-                      <a:rPr lang="es-ES" sz="1200" i="1" smtClean="0">
-                        <a:latin typeface="Cambria Math" panose="02040503050406030204" pitchFamily="18" charset="0"/>
-                        <a:ea typeface="Cambria Math" panose="02040503050406030204" pitchFamily="18" charset="0"/>
-                      </a:rPr>
-                      <m:t>𝛽</m:t>
-                    </m:r>
-                  </m:oMath>
-                </a14:m>
-                <a:r>
-                  <a:rPr lang="es-ES" sz="1200" dirty="0">
-                    <a:latin typeface="PT Serif" panose="020B0604020202020204" charset="0"/>
-                  </a:rPr>
-                  <a:t> corresponde a la tasa de eliminación del mismo a causa de las células T. Ambos son parámetros positivos.</a:t>
-                </a:r>
-              </a:p>
-              <a:p>
-                <a:pPr marL="171450" indent="-171450">
-                  <a:buFont typeface="Arial" panose="020B0604020202020204" pitchFamily="34" charset="0"/>
-                  <a:buChar char="•"/>
-                </a:pPr>
-                <a14:m>
-                  <m:oMath xmlns:m="http://schemas.openxmlformats.org/officeDocument/2006/math">
-                    <m:r>
-                      <a:rPr lang="es-ES" sz="1200" i="1" smtClean="0">
-                        <a:latin typeface="Cambria Math" panose="02040503050406030204" pitchFamily="18" charset="0"/>
-                        <a:ea typeface="Cambria Math" panose="02040503050406030204" pitchFamily="18" charset="0"/>
-                      </a:rPr>
-                      <m:t>𝛾</m:t>
-                    </m:r>
-                    <m:r>
-                      <a:rPr lang="es-ES" sz="1200" b="0" i="1" smtClean="0">
-                        <a:latin typeface="Cambria Math" panose="02040503050406030204" pitchFamily="18" charset="0"/>
-                        <a:ea typeface="Cambria Math" panose="02040503050406030204" pitchFamily="18" charset="0"/>
-                      </a:rPr>
-                      <m:t> </m:t>
-                    </m:r>
-                  </m:oMath>
-                </a14:m>
-                <a:r>
-                  <a:rPr lang="es-ES" sz="1200" dirty="0">
-                    <a:latin typeface="PT Serif" panose="020B0604020202020204" charset="0"/>
-                  </a:rPr>
-                  <a:t>es un parámetro que depende del antígeno y denota la probabilidad de que haya una activación del TCR debido a un encuentro con el antígeno. </a:t>
-                </a:r>
-                <a14:m>
-                  <m:oMath xmlns:m="http://schemas.openxmlformats.org/officeDocument/2006/math">
-                    <m:sSubSup>
-                      <m:sSubSupPr>
-                        <m:ctrlPr>
-                          <a:rPr lang="es-ES" sz="1200" i="1" smtClean="0">
-                            <a:latin typeface="Cambria Math" panose="02040503050406030204" pitchFamily="18" charset="0"/>
-                          </a:rPr>
-                        </m:ctrlPr>
-                      </m:sSubSupPr>
-                      <m:e>
-                        <m:r>
-                          <a:rPr lang="es-ES" sz="1200" i="1" smtClean="0">
-                            <a:latin typeface="Cambria Math" panose="02040503050406030204" pitchFamily="18" charset="0"/>
-                            <a:ea typeface="Cambria Math" panose="02040503050406030204" pitchFamily="18" charset="0"/>
-                          </a:rPr>
-                          <m:t>𝜌</m:t>
-                        </m:r>
-                      </m:e>
-                      <m:sub>
-                        <m:r>
-                          <a:rPr lang="es-ES" sz="1200" b="0" i="1" smtClean="0">
-                            <a:latin typeface="Cambria Math" panose="02040503050406030204" pitchFamily="18" charset="0"/>
-                          </a:rPr>
-                          <m:t>𝑛</m:t>
-                        </m:r>
-                      </m:sub>
-                      <m:sup>
-                        <m:r>
-                          <a:rPr lang="es-ES" sz="1200" b="0" i="1" smtClean="0">
-                            <a:latin typeface="Cambria Math" panose="02040503050406030204" pitchFamily="18" charset="0"/>
-                          </a:rPr>
-                          <m:t>𝑥</m:t>
-                        </m:r>
-                      </m:sup>
-                    </m:sSubSup>
-                  </m:oMath>
-                </a14:m>
-                <a:r>
-                  <a:rPr lang="es-ES" sz="1200" dirty="0">
-                    <a:latin typeface="PT Serif" panose="020B0604020202020204" charset="0"/>
-                  </a:rPr>
-                  <a:t> representa la cantidad de antígeno que está disponible para una célula T, </a:t>
-                </a:r>
-                <a14:m>
-                  <m:oMath xmlns:m="http://schemas.openxmlformats.org/officeDocument/2006/math">
-                    <m:r>
-                      <a:rPr lang="es-ES" sz="1200" i="1" dirty="0" smtClean="0">
-                        <a:latin typeface="Cambria Math" panose="02040503050406030204" pitchFamily="18" charset="0"/>
-                      </a:rPr>
-                      <m:t>𝑥</m:t>
-                    </m:r>
-                  </m:oMath>
-                </a14:m>
-                <a:r>
-                  <a:rPr lang="es-ES" sz="1200" dirty="0">
-                    <a:latin typeface="PT Serif" panose="020B0604020202020204" charset="0"/>
-                  </a:rPr>
-                  <a:t>, en porcentaje.</a:t>
-                </a:r>
-              </a:p>
-              <a:p>
-                <a:pPr marL="171450" indent="-171450">
-                  <a:buFont typeface="Arial" panose="020B0604020202020204" pitchFamily="34" charset="0"/>
-                  <a:buChar char="•"/>
-                </a:pPr>
-                <a14:m>
-                  <m:oMath xmlns:m="http://schemas.openxmlformats.org/officeDocument/2006/math">
-                    <m:sSubSup>
-                      <m:sSubSupPr>
-                        <m:ctrlPr>
-                          <a:rPr lang="es-ES" sz="1200" i="1" smtClean="0">
-                            <a:latin typeface="Cambria Math" panose="02040503050406030204" pitchFamily="18" charset="0"/>
-                            <a:ea typeface="Cambria Math" panose="02040503050406030204" pitchFamily="18" charset="0"/>
-                          </a:rPr>
-                        </m:ctrlPr>
-                      </m:sSubSupPr>
-                      <m:e>
-                        <m:r>
-                          <a:rPr lang="es-ES" sz="1200" i="1" smtClean="0">
-                            <a:latin typeface="Cambria Math" panose="02040503050406030204" pitchFamily="18" charset="0"/>
-                            <a:ea typeface="Cambria Math" panose="02040503050406030204" pitchFamily="18" charset="0"/>
-                          </a:rPr>
-                          <m:t>𝛿</m:t>
-                        </m:r>
-                      </m:e>
-                      <m:sub>
-                        <m:r>
-                          <a:rPr lang="es-ES" sz="1200" b="0" i="1" smtClean="0">
-                            <a:latin typeface="Cambria Math" panose="02040503050406030204" pitchFamily="18" charset="0"/>
-                            <a:ea typeface="Cambria Math" panose="02040503050406030204" pitchFamily="18" charset="0"/>
-                          </a:rPr>
-                          <m:t>𝑖</m:t>
-                        </m:r>
-                      </m:sub>
-                      <m:sup>
-                        <m:r>
-                          <a:rPr lang="es-ES" sz="1200" b="0" i="1" smtClean="0">
-                            <a:latin typeface="Cambria Math" panose="02040503050406030204" pitchFamily="18" charset="0"/>
-                            <a:ea typeface="Cambria Math" panose="02040503050406030204" pitchFamily="18" charset="0"/>
-                          </a:rPr>
-                          <m:t>𝑥</m:t>
-                        </m:r>
-                      </m:sup>
-                    </m:sSubSup>
-                  </m:oMath>
-                </a14:m>
-                <a:r>
-                  <a:rPr lang="es-ES" sz="1200" dirty="0">
-                    <a:latin typeface="PT Serif" panose="020B0604020202020204" charset="0"/>
-                  </a:rPr>
-                  <a:t>representa el ratio de receptores de membrana de tipo </a:t>
-                </a:r>
-                <a14:m>
-                  <m:oMath xmlns:m="http://schemas.openxmlformats.org/officeDocument/2006/math">
-                    <m:sSub>
-                      <m:sSubPr>
-                        <m:ctrlPr>
-                          <a:rPr lang="es-ES" sz="1200" i="1" smtClean="0">
-                            <a:latin typeface="Cambria Math" panose="02040503050406030204" pitchFamily="18" charset="0"/>
-                          </a:rPr>
-                        </m:ctrlPr>
-                      </m:sSubPr>
-                      <m:e>
-                        <m:r>
-                          <a:rPr lang="es-ES" sz="1200" b="0" i="1" smtClean="0">
-                            <a:latin typeface="Cambria Math" panose="02040503050406030204" pitchFamily="18" charset="0"/>
-                          </a:rPr>
-                          <m:t>𝑅</m:t>
-                        </m:r>
-                      </m:e>
-                      <m:sub>
-                        <m:r>
-                          <a:rPr lang="es-ES" sz="1200" b="0" i="1" smtClean="0">
-                            <a:latin typeface="Cambria Math" panose="02040503050406030204" pitchFamily="18" charset="0"/>
-                          </a:rPr>
-                          <m:t>𝑖</m:t>
-                        </m:r>
-                      </m:sub>
-                    </m:sSub>
-                  </m:oMath>
-                </a14:m>
-                <a:r>
-                  <a:rPr lang="es-ES" sz="1200" dirty="0">
-                    <a:latin typeface="PT Serif" panose="020B0604020202020204" charset="0"/>
-                  </a:rPr>
-                  <a:t> entre las células hijas.</a:t>
-                </a:r>
-              </a:p>
-            </p:txBody>
-          </p:sp>
-        </mc:Choice>
-        <mc:Fallback xmlns="">
-          <p:sp>
-            <p:nvSpPr>
-              <p:cNvPr id="14" name="CuadroTexto 13">
-                <a:extLst>
-                  <a:ext uri="{FF2B5EF4-FFF2-40B4-BE49-F238E27FC236}">
-                    <a16:creationId xmlns:a16="http://schemas.microsoft.com/office/drawing/2014/main" id="{EF912221-C4AD-452B-A6B4-FDE7FF1F9FBA}"/>
-                  </a:ext>
-                </a:extLst>
-              </p:cNvPr>
-              <p:cNvSpPr txBox="1">
-                <a:spLocks noRot="1" noChangeAspect="1" noMove="1" noResize="1" noEditPoints="1" noAdjustHandles="1" noChangeArrowheads="1" noChangeShapeType="1" noTextEdit="1"/>
-              </p:cNvSpPr>
-              <p:nvPr/>
-            </p:nvSpPr>
-            <p:spPr>
-              <a:xfrm>
-                <a:off x="820734" y="2870262"/>
-                <a:ext cx="7502532" cy="1385700"/>
-              </a:xfrm>
-              <a:prstGeom prst="rect">
-                <a:avLst/>
-              </a:prstGeom>
-              <a:blipFill>
-                <a:blip r:embed="rId5"/>
-                <a:stretch>
-                  <a:fillRect t="-441" b="-2643"/>
-                </a:stretch>
-              </a:blipFill>
-            </p:spPr>
-            <p:txBody>
-              <a:bodyPr/>
-              <a:lstStyle/>
-              <a:p>
-                <a:r>
-                  <a:rPr lang="es-ES">
-                    <a:noFill/>
-                  </a:rPr>
-                  <a:t> </a:t>
-                </a:r>
-              </a:p>
-            </p:txBody>
-          </p:sp>
-        </mc:Fallback>
-      </mc:AlternateContent>
-      <p:pic>
-        <p:nvPicPr>
-          <p:cNvPr id="11" name="Imagen 10">
-            <a:extLst>
-              <a:ext uri="{FF2B5EF4-FFF2-40B4-BE49-F238E27FC236}">
-                <a16:creationId xmlns:a16="http://schemas.microsoft.com/office/drawing/2014/main" id="{498735CF-4B06-4491-ABFC-540B6480DDEE}"/>
-              </a:ext>
-            </a:extLst>
-          </p:cNvPr>
-          <p:cNvPicPr>
-            <a:picLocks noChangeAspect="1"/>
-          </p:cNvPicPr>
-          <p:nvPr/>
-        </p:nvPicPr>
-        <p:blipFill>
-          <a:blip r:embed="rId6"/>
-          <a:stretch>
-            <a:fillRect/>
-          </a:stretch>
-        </p:blipFill>
-        <p:spPr>
-          <a:xfrm>
-            <a:off x="820734" y="1489557"/>
-            <a:ext cx="1596122" cy="371191"/>
+            <a:off x="2238474" y="1002766"/>
+            <a:ext cx="4667052" cy="3630681"/>
           </a:xfrm>
           <a:prstGeom prst="rect">
             <a:avLst/>
@@ -29327,474 +29889,271 @@
       </p:pic>
       <p:sp>
         <p:nvSpPr>
-          <p:cNvPr id="16" name="CuadroTexto 15">
+          <p:cNvPr id="6" name="Elipse 5">
             <a:extLst>
               <a:ext uri="{FF2B5EF4-FFF2-40B4-BE49-F238E27FC236}">
-                <a16:creationId xmlns:a16="http://schemas.microsoft.com/office/drawing/2014/main" id="{B96B4C78-C47A-4F84-B37A-04FD97DF5B04}"/>
+                <a16:creationId xmlns:a16="http://schemas.microsoft.com/office/drawing/2014/main" id="{BFC4EBDD-C389-4ECA-A6C9-2CA7711039CA}"/>
               </a:ext>
             </a:extLst>
           </p:cNvPr>
-          <p:cNvSpPr txBox="1"/>
+          <p:cNvSpPr/>
           <p:nvPr/>
         </p:nvSpPr>
         <p:spPr>
-          <a:xfrm>
-            <a:off x="3356821" y="1141343"/>
-            <a:ext cx="3657600" cy="307777"/>
+          <a:xfrm rot="19637108">
+            <a:off x="3448677" y="2273278"/>
+            <a:ext cx="755770" cy="261083"/>
           </a:xfrm>
-          <a:prstGeom prst="rect">
+          <a:prstGeom prst="ellipse">
             <a:avLst/>
           </a:prstGeom>
-          <a:noFill/>
+          <a:solidFill>
+            <a:srgbClr val="FFC000">
+              <a:alpha val="50000"/>
+            </a:srgbClr>
+          </a:solidFill>
+          <a:ln>
+            <a:solidFill>
+              <a:srgbClr val="C00000"/>
+            </a:solidFill>
+          </a:ln>
         </p:spPr>
+        <p:style>
+          <a:lnRef idx="0">
+            <a:scrgbClr r="0" g="0" b="0"/>
+          </a:lnRef>
+          <a:fillRef idx="0">
+            <a:scrgbClr r="0" g="0" b="0"/>
+          </a:fillRef>
+          <a:effectRef idx="0">
+            <a:scrgbClr r="0" g="0" b="0"/>
+          </a:effectRef>
+          <a:fontRef idx="minor">
+            <a:schemeClr val="lt1"/>
+          </a:fontRef>
+        </p:style>
         <p:txBody>
-          <a:bodyPr wrap="square" rtlCol="0">
-            <a:spAutoFit/>
-          </a:bodyPr>
+          <a:bodyPr rtlCol="0" anchor="ctr"/>
           <a:lstStyle/>
           <a:p>
-            <a:r>
-              <a:rPr lang="es-ES" dirty="0">
-                <a:latin typeface="PT Serif" panose="020B0604020202020204" charset="0"/>
-                <a:sym typeface="Wingdings" panose="05000000000000000000" pitchFamily="2" charset="2"/>
-              </a:rPr>
-              <a:t> </a:t>
-            </a:r>
-            <a:r>
-              <a:rPr lang="es-ES" dirty="0">
-                <a:latin typeface="PT Serif" panose="020B0604020202020204" charset="0"/>
-              </a:rPr>
-              <a:t>Dinámica del patógeno</a:t>
-            </a:r>
+            <a:pPr algn="ctr"/>
+            <a:endParaRPr lang="es-ES"/>
           </a:p>
         </p:txBody>
       </p:sp>
-      <mc:AlternateContent xmlns:mc="http://schemas.openxmlformats.org/markup-compatibility/2006" xmlns:a14="http://schemas.microsoft.com/office/drawing/2010/main">
-        <mc:Choice Requires="a14">
-          <p:sp>
-            <p:nvSpPr>
-              <p:cNvPr id="17" name="CuadroTexto 16">
-                <a:extLst>
-                  <a:ext uri="{FF2B5EF4-FFF2-40B4-BE49-F238E27FC236}">
-                    <a16:creationId xmlns:a16="http://schemas.microsoft.com/office/drawing/2014/main" id="{FD90E7E4-7A9B-418C-93E9-3ACA366C5918}"/>
-                  </a:ext>
-                </a:extLst>
-              </p:cNvPr>
-              <p:cNvSpPr txBox="1"/>
-              <p:nvPr/>
-            </p:nvSpPr>
-            <p:spPr>
-              <a:xfrm>
-                <a:off x="2564984" y="1521263"/>
-                <a:ext cx="5788732" cy="307777"/>
-              </a:xfrm>
-              <a:prstGeom prst="rect">
-                <a:avLst/>
-              </a:prstGeom>
-              <a:noFill/>
-            </p:spPr>
-            <p:txBody>
-              <a:bodyPr wrap="square" rtlCol="0">
-                <a:spAutoFit/>
-              </a:bodyPr>
-              <a:lstStyle/>
-              <a:p>
-                <a:r>
-                  <a:rPr lang="es-ES" dirty="0">
-                    <a:latin typeface="PT Serif" panose="020B0604020202020204" charset="0"/>
-                    <a:sym typeface="Wingdings" panose="05000000000000000000" pitchFamily="2" charset="2"/>
-                  </a:rPr>
-                  <a:t> </a:t>
-                </a:r>
-                <a14:m>
-                  <m:oMath xmlns:m="http://schemas.openxmlformats.org/officeDocument/2006/math">
-                    <m:sSubSup>
-                      <m:sSubSupPr>
-                        <m:ctrlPr>
-                          <a:rPr lang="es-ES" i="1" smtClean="0">
-                            <a:latin typeface="Cambria Math" panose="02040503050406030204" pitchFamily="18" charset="0"/>
-                            <a:sym typeface="Wingdings" panose="05000000000000000000" pitchFamily="2" charset="2"/>
-                          </a:rPr>
-                        </m:ctrlPr>
-                      </m:sSubSupPr>
-                      <m:e>
-                        <m:r>
-                          <a:rPr lang="es-ES" b="0" i="1" smtClean="0">
-                            <a:latin typeface="Cambria Math" panose="02040503050406030204" pitchFamily="18" charset="0"/>
-                            <a:sym typeface="Wingdings" panose="05000000000000000000" pitchFamily="2" charset="2"/>
-                          </a:rPr>
-                          <m:t>𝑟</m:t>
-                        </m:r>
-                      </m:e>
-                      <m:sub>
-                        <m:r>
-                          <a:rPr lang="es-ES" b="0" i="1" smtClean="0">
-                            <a:latin typeface="Cambria Math" panose="02040503050406030204" pitchFamily="18" charset="0"/>
-                            <a:sym typeface="Wingdings" panose="05000000000000000000" pitchFamily="2" charset="2"/>
-                          </a:rPr>
-                          <m:t>𝑇</m:t>
-                        </m:r>
-                      </m:sub>
-                      <m:sup>
-                        <m:r>
-                          <a:rPr lang="es-ES" b="0" i="1" smtClean="0">
-                            <a:latin typeface="Cambria Math" panose="02040503050406030204" pitchFamily="18" charset="0"/>
-                            <a:sym typeface="Wingdings" panose="05000000000000000000" pitchFamily="2" charset="2"/>
-                          </a:rPr>
-                          <m:t>𝑥</m:t>
-                        </m:r>
-                      </m:sup>
-                    </m:sSubSup>
-                    <m:r>
-                      <a:rPr lang="es-ES" b="0" i="1" smtClean="0">
-                        <a:latin typeface="Cambria Math" panose="02040503050406030204" pitchFamily="18" charset="0"/>
-                        <a:sym typeface="Wingdings" panose="05000000000000000000" pitchFamily="2" charset="2"/>
-                      </a:rPr>
-                      <m:t>(</m:t>
-                    </m:r>
-                    <m:r>
-                      <a:rPr lang="es-ES" b="0" i="1" smtClean="0">
-                        <a:latin typeface="Cambria Math" panose="02040503050406030204" pitchFamily="18" charset="0"/>
-                        <a:sym typeface="Wingdings" panose="05000000000000000000" pitchFamily="2" charset="2"/>
-                      </a:rPr>
-                      <m:t>𝑡</m:t>
-                    </m:r>
-                    <m:r>
-                      <a:rPr lang="es-ES" b="0" i="1" smtClean="0">
-                        <a:latin typeface="Cambria Math" panose="02040503050406030204" pitchFamily="18" charset="0"/>
-                        <a:sym typeface="Wingdings" panose="05000000000000000000" pitchFamily="2" charset="2"/>
-                      </a:rPr>
-                      <m:t>)</m:t>
-                    </m:r>
-                  </m:oMath>
-                </a14:m>
-                <a:r>
-                  <a:rPr lang="es-ES" dirty="0">
-                    <a:latin typeface="PT Serif" panose="020B0604020202020204" charset="0"/>
-                    <a:sym typeface="Wingdings" panose="05000000000000000000" pitchFamily="2" charset="2"/>
-                  </a:rPr>
-                  <a:t> es el </a:t>
-                </a:r>
-                <a:r>
-                  <a:rPr lang="es-ES" dirty="0">
-                    <a:latin typeface="PT Serif" panose="020B0604020202020204" charset="0"/>
-                  </a:rPr>
-                  <a:t>número de señales TCR de una célula </a:t>
-                </a:r>
-                <a14:m>
-                  <m:oMath xmlns:m="http://schemas.openxmlformats.org/officeDocument/2006/math">
-                    <m:r>
-                      <a:rPr lang="es-ES" i="1" dirty="0" smtClean="0">
-                        <a:latin typeface="Cambria Math" panose="02040503050406030204" pitchFamily="18" charset="0"/>
-                      </a:rPr>
-                      <m:t>𝑥</m:t>
-                    </m:r>
-                  </m:oMath>
-                </a14:m>
-                <a:r>
-                  <a:rPr lang="es-ES" dirty="0">
-                    <a:latin typeface="PT Serif" panose="020B0604020202020204" charset="0"/>
-                  </a:rPr>
-                  <a:t> en tiempo </a:t>
-                </a:r>
-                <a14:m>
-                  <m:oMath xmlns:m="http://schemas.openxmlformats.org/officeDocument/2006/math">
-                    <m:r>
-                      <a:rPr lang="es-ES" i="1" dirty="0" smtClean="0">
-                        <a:latin typeface="Cambria Math" panose="02040503050406030204" pitchFamily="18" charset="0"/>
-                      </a:rPr>
-                      <m:t>𝑡</m:t>
-                    </m:r>
-                  </m:oMath>
-                </a14:m>
-                <a:endParaRPr lang="es-ES" dirty="0">
-                  <a:latin typeface="PT Serif" panose="020B0604020202020204" charset="0"/>
-                </a:endParaRPr>
-              </a:p>
-            </p:txBody>
-          </p:sp>
-        </mc:Choice>
-        <mc:Fallback xmlns="">
-          <p:sp>
-            <p:nvSpPr>
-              <p:cNvPr id="17" name="CuadroTexto 16">
-                <a:extLst>
-                  <a:ext uri="{FF2B5EF4-FFF2-40B4-BE49-F238E27FC236}">
-                    <a16:creationId xmlns:a16="http://schemas.microsoft.com/office/drawing/2014/main" id="{FD90E7E4-7A9B-418C-93E9-3ACA366C5918}"/>
-                  </a:ext>
-                </a:extLst>
-              </p:cNvPr>
-              <p:cNvSpPr txBox="1">
-                <a:spLocks noRot="1" noChangeAspect="1" noMove="1" noResize="1" noEditPoints="1" noAdjustHandles="1" noChangeArrowheads="1" noChangeShapeType="1" noTextEdit="1"/>
-              </p:cNvSpPr>
-              <p:nvPr/>
-            </p:nvSpPr>
-            <p:spPr>
-              <a:xfrm>
-                <a:off x="2564984" y="1521263"/>
-                <a:ext cx="5788732" cy="307777"/>
-              </a:xfrm>
-              <a:prstGeom prst="rect">
-                <a:avLst/>
-              </a:prstGeom>
-              <a:blipFill>
-                <a:blip r:embed="rId7"/>
-                <a:stretch>
-                  <a:fillRect l="-316" t="-4000" b="-20000"/>
-                </a:stretch>
-              </a:blipFill>
-            </p:spPr>
-            <p:txBody>
-              <a:bodyPr/>
-              <a:lstStyle/>
-              <a:p>
-                <a:r>
-                  <a:rPr lang="es-ES">
-                    <a:noFill/>
-                  </a:rPr>
-                  <a:t> </a:t>
-                </a:r>
-              </a:p>
-            </p:txBody>
-          </p:sp>
-        </mc:Fallback>
-      </mc:AlternateContent>
-      <mc:AlternateContent xmlns:mc="http://schemas.openxmlformats.org/markup-compatibility/2006" xmlns:a14="http://schemas.microsoft.com/office/drawing/2010/main">
-        <mc:Choice Requires="a14">
-          <p:sp>
-            <p:nvSpPr>
-              <p:cNvPr id="18" name="CuadroTexto 17">
-                <a:extLst>
-                  <a:ext uri="{FF2B5EF4-FFF2-40B4-BE49-F238E27FC236}">
-                    <a16:creationId xmlns:a16="http://schemas.microsoft.com/office/drawing/2014/main" id="{E44E146C-84CC-47F9-B018-3ACED6C45A96}"/>
-                  </a:ext>
-                </a:extLst>
-              </p:cNvPr>
-              <p:cNvSpPr txBox="1"/>
-              <p:nvPr/>
-            </p:nvSpPr>
-            <p:spPr>
-              <a:xfrm>
-                <a:off x="2564984" y="2025731"/>
-                <a:ext cx="5788732" cy="554126"/>
-              </a:xfrm>
-              <a:prstGeom prst="rect">
-                <a:avLst/>
-              </a:prstGeom>
-              <a:noFill/>
-            </p:spPr>
-            <p:txBody>
-              <a:bodyPr wrap="square" rtlCol="0">
-                <a:spAutoFit/>
-              </a:bodyPr>
-              <a:lstStyle/>
-              <a:p>
-                <a:r>
-                  <a:rPr lang="es-ES" dirty="0">
-                    <a:latin typeface="PT Serif" panose="020B0604020202020204" charset="0"/>
-                    <a:sym typeface="Wingdings" panose="05000000000000000000" pitchFamily="2" charset="2"/>
-                  </a:rPr>
-                  <a:t> </a:t>
-                </a:r>
-                <a14:m>
-                  <m:oMath xmlns:m="http://schemas.openxmlformats.org/officeDocument/2006/math">
-                    <m:sSubSup>
-                      <m:sSubSupPr>
-                        <m:ctrlPr>
-                          <a:rPr lang="es-ES" i="1" smtClean="0">
-                            <a:latin typeface="Cambria Math" panose="02040503050406030204" pitchFamily="18" charset="0"/>
-                            <a:sym typeface="Wingdings" panose="05000000000000000000" pitchFamily="2" charset="2"/>
-                          </a:rPr>
-                        </m:ctrlPr>
-                      </m:sSubSupPr>
-                      <m:e>
-                        <m:r>
-                          <a:rPr lang="es-ES" b="0" i="1" smtClean="0">
-                            <a:latin typeface="Cambria Math" panose="02040503050406030204" pitchFamily="18" charset="0"/>
-                            <a:sym typeface="Wingdings" panose="05000000000000000000" pitchFamily="2" charset="2"/>
-                          </a:rPr>
-                          <m:t>𝑟</m:t>
-                        </m:r>
-                      </m:e>
-                      <m:sub>
-                        <m:r>
-                          <a:rPr lang="es-ES" b="0" i="1" smtClean="0">
-                            <a:latin typeface="Cambria Math" panose="02040503050406030204" pitchFamily="18" charset="0"/>
-                            <a:sym typeface="Wingdings" panose="05000000000000000000" pitchFamily="2" charset="2"/>
-                          </a:rPr>
-                          <m:t>𝑖</m:t>
-                        </m:r>
-                        <m:r>
-                          <a:rPr lang="es-ES" b="0" i="1" smtClean="0">
-                            <a:latin typeface="Cambria Math" panose="02040503050406030204" pitchFamily="18" charset="0"/>
-                            <a:sym typeface="Wingdings" panose="05000000000000000000" pitchFamily="2" charset="2"/>
-                          </a:rPr>
-                          <m:t>0</m:t>
-                        </m:r>
-                      </m:sub>
-                      <m:sup>
-                        <m:r>
-                          <a:rPr lang="es-ES" b="0" i="1" smtClean="0">
-                            <a:latin typeface="Cambria Math" panose="02040503050406030204" pitchFamily="18" charset="0"/>
-                            <a:sym typeface="Wingdings" panose="05000000000000000000" pitchFamily="2" charset="2"/>
-                          </a:rPr>
-                          <m:t>1</m:t>
-                        </m:r>
-                      </m:sup>
-                    </m:sSubSup>
-                  </m:oMath>
-                </a14:m>
-                <a:r>
-                  <a:rPr lang="es-ES" dirty="0">
-                    <a:latin typeface="PT Serif" panose="020B0604020202020204" charset="0"/>
-                    <a:sym typeface="Wingdings" panose="05000000000000000000" pitchFamily="2" charset="2"/>
-                  </a:rPr>
-                  <a:t> y </a:t>
-                </a:r>
-                <a14:m>
-                  <m:oMath xmlns:m="http://schemas.openxmlformats.org/officeDocument/2006/math">
-                    <m:sSubSup>
-                      <m:sSubSupPr>
-                        <m:ctrlPr>
-                          <a:rPr lang="es-ES" i="1">
-                            <a:latin typeface="Cambria Math" panose="02040503050406030204" pitchFamily="18" charset="0"/>
-                            <a:sym typeface="Wingdings" panose="05000000000000000000" pitchFamily="2" charset="2"/>
-                          </a:rPr>
-                        </m:ctrlPr>
-                      </m:sSubSupPr>
-                      <m:e>
-                        <m:r>
-                          <a:rPr lang="es-ES" i="1">
-                            <a:latin typeface="Cambria Math" panose="02040503050406030204" pitchFamily="18" charset="0"/>
-                            <a:sym typeface="Wingdings" panose="05000000000000000000" pitchFamily="2" charset="2"/>
-                          </a:rPr>
-                          <m:t>𝑟</m:t>
-                        </m:r>
-                      </m:e>
-                      <m:sub>
-                        <m:r>
-                          <a:rPr lang="es-ES" i="1">
-                            <a:latin typeface="Cambria Math" panose="02040503050406030204" pitchFamily="18" charset="0"/>
-                            <a:sym typeface="Wingdings" panose="05000000000000000000" pitchFamily="2" charset="2"/>
-                          </a:rPr>
-                          <m:t>𝑖</m:t>
-                        </m:r>
-                        <m:r>
-                          <a:rPr lang="es-ES" i="1">
-                            <a:latin typeface="Cambria Math" panose="02040503050406030204" pitchFamily="18" charset="0"/>
-                            <a:sym typeface="Wingdings" panose="05000000000000000000" pitchFamily="2" charset="2"/>
-                          </a:rPr>
-                          <m:t>0</m:t>
-                        </m:r>
-                      </m:sub>
-                      <m:sup>
-                        <m:r>
-                          <a:rPr lang="es-ES" b="0" i="1" smtClean="0">
-                            <a:latin typeface="Cambria Math" panose="02040503050406030204" pitchFamily="18" charset="0"/>
-                            <a:sym typeface="Wingdings" panose="05000000000000000000" pitchFamily="2" charset="2"/>
-                          </a:rPr>
-                          <m:t>2</m:t>
-                        </m:r>
-                      </m:sup>
-                    </m:sSubSup>
-                  </m:oMath>
-                </a14:m>
-                <a:r>
-                  <a:rPr lang="es-ES" dirty="0">
-                    <a:latin typeface="PT Serif" panose="020B0604020202020204" charset="0"/>
-                    <a:sym typeface="Wingdings" panose="05000000000000000000" pitchFamily="2" charset="2"/>
-                  </a:rPr>
-                  <a:t> son el número de receptores de membrana iniciales para las células hijas 1 y 2</a:t>
-                </a:r>
-                <a:endParaRPr lang="es-ES" dirty="0">
-                  <a:latin typeface="PT Serif" panose="020B0604020202020204" charset="0"/>
-                </a:endParaRPr>
-              </a:p>
-            </p:txBody>
-          </p:sp>
-        </mc:Choice>
-        <mc:Fallback xmlns="">
-          <p:sp>
-            <p:nvSpPr>
-              <p:cNvPr id="18" name="CuadroTexto 17">
-                <a:extLst>
-                  <a:ext uri="{FF2B5EF4-FFF2-40B4-BE49-F238E27FC236}">
-                    <a16:creationId xmlns:a16="http://schemas.microsoft.com/office/drawing/2014/main" id="{E44E146C-84CC-47F9-B018-3ACED6C45A96}"/>
-                  </a:ext>
-                </a:extLst>
-              </p:cNvPr>
-              <p:cNvSpPr txBox="1">
-                <a:spLocks noRot="1" noChangeAspect="1" noMove="1" noResize="1" noEditPoints="1" noAdjustHandles="1" noChangeArrowheads="1" noChangeShapeType="1" noTextEdit="1"/>
-              </p:cNvSpPr>
-              <p:nvPr/>
-            </p:nvSpPr>
-            <p:spPr>
-              <a:xfrm>
-                <a:off x="2564984" y="2025731"/>
-                <a:ext cx="5788732" cy="554126"/>
-              </a:xfrm>
-              <a:prstGeom prst="rect">
-                <a:avLst/>
-              </a:prstGeom>
-              <a:blipFill>
-                <a:blip r:embed="rId8"/>
-                <a:stretch>
-                  <a:fillRect l="-316" b="-6593"/>
-                </a:stretch>
-              </a:blipFill>
-            </p:spPr>
-            <p:txBody>
-              <a:bodyPr/>
-              <a:lstStyle/>
-              <a:p>
-                <a:r>
-                  <a:rPr lang="es-ES">
-                    <a:noFill/>
-                  </a:rPr>
-                  <a:t> </a:t>
-                </a:r>
-              </a:p>
-            </p:txBody>
-          </p:sp>
-        </mc:Fallback>
-      </mc:AlternateContent>
+      <p:sp>
+        <p:nvSpPr>
+          <p:cNvPr id="7" name="Elipse 6">
+            <a:extLst>
+              <a:ext uri="{FF2B5EF4-FFF2-40B4-BE49-F238E27FC236}">
+                <a16:creationId xmlns:a16="http://schemas.microsoft.com/office/drawing/2014/main" id="{45140AE0-22DC-4950-B20A-F35838A0383F}"/>
+              </a:ext>
+            </a:extLst>
+          </p:cNvPr>
+          <p:cNvSpPr/>
+          <p:nvPr/>
+        </p:nvSpPr>
+        <p:spPr>
+          <a:xfrm rot="1821588">
+            <a:off x="4860510" y="2291016"/>
+            <a:ext cx="755770" cy="261083"/>
+          </a:xfrm>
+          <a:prstGeom prst="ellipse">
+            <a:avLst/>
+          </a:prstGeom>
+          <a:solidFill>
+            <a:srgbClr val="FFC000">
+              <a:alpha val="50000"/>
+            </a:srgbClr>
+          </a:solidFill>
+          <a:ln>
+            <a:solidFill>
+              <a:srgbClr val="C00000"/>
+            </a:solidFill>
+          </a:ln>
+        </p:spPr>
+        <p:style>
+          <a:lnRef idx="0">
+            <a:scrgbClr r="0" g="0" b="0"/>
+          </a:lnRef>
+          <a:fillRef idx="0">
+            <a:scrgbClr r="0" g="0" b="0"/>
+          </a:fillRef>
+          <a:effectRef idx="0">
+            <a:scrgbClr r="0" g="0" b="0"/>
+          </a:effectRef>
+          <a:fontRef idx="minor">
+            <a:schemeClr val="lt1"/>
+          </a:fontRef>
+        </p:style>
+        <p:txBody>
+          <a:bodyPr rtlCol="0" anchor="ctr"/>
+          <a:lstStyle/>
+          <a:p>
+            <a:pPr algn="ctr"/>
+            <a:endParaRPr lang="es-ES"/>
+          </a:p>
+        </p:txBody>
+      </p:sp>
     </p:spTree>
     <p:extLst>
       <p:ext uri="{BB962C8B-B14F-4D97-AF65-F5344CB8AC3E}">
-        <p14:creationId xmlns:p14="http://schemas.microsoft.com/office/powerpoint/2010/main" val="1917530247"/>
+        <p14:creationId xmlns:p14="http://schemas.microsoft.com/office/powerpoint/2010/main" val="1570182113"/>
       </p:ext>
     </p:extLst>
   </p:cSld>
   <p:clrMapOvr>
     <a:masterClrMapping/>
   </p:clrMapOvr>
-  <p:transition advTm="42096">
+  <p:transition>
     <p:fade thruBlk="1"/>
   </p:transition>
+  <p:timing>
+    <p:tnLst>
+      <p:par>
+        <p:cTn id="1" dur="indefinite" restart="never" nodeType="tmRoot">
+          <p:childTnLst>
+            <p:seq concurrent="1" nextAc="seek">
+              <p:cTn id="2" dur="indefinite" nodeType="mainSeq">
+                <p:childTnLst>
+                  <p:par>
+                    <p:cTn id="3" fill="hold">
+                      <p:stCondLst>
+                        <p:cond delay="indefinite"/>
+                      </p:stCondLst>
+                      <p:childTnLst>
+                        <p:par>
+                          <p:cTn id="4" fill="hold">
+                            <p:stCondLst>
+                              <p:cond delay="0"/>
+                            </p:stCondLst>
+                            <p:childTnLst>
+                              <p:par>
+                                <p:cTn id="5" presetID="10" presetClass="entr" presetSubtype="0" fill="hold" grpId="0" nodeType="clickEffect">
+                                  <p:stCondLst>
+                                    <p:cond delay="0"/>
+                                  </p:stCondLst>
+                                  <p:childTnLst>
+                                    <p:set>
+                                      <p:cBhvr>
+                                        <p:cTn id="6" dur="1" fill="hold">
+                                          <p:stCondLst>
+                                            <p:cond delay="0"/>
+                                          </p:stCondLst>
+                                        </p:cTn>
+                                        <p:tgtEl>
+                                          <p:spTgt spid="6"/>
+                                        </p:tgtEl>
+                                        <p:attrNameLst>
+                                          <p:attrName>style.visibility</p:attrName>
+                                        </p:attrNameLst>
+                                      </p:cBhvr>
+                                      <p:to>
+                                        <p:strVal val="visible"/>
+                                      </p:to>
+                                    </p:set>
+                                    <p:animEffect transition="in" filter="fade">
+                                      <p:cBhvr>
+                                        <p:cTn id="7" dur="500"/>
+                                        <p:tgtEl>
+                                          <p:spTgt spid="6"/>
+                                        </p:tgtEl>
+                                      </p:cBhvr>
+                                    </p:animEffect>
+                                  </p:childTnLst>
+                                </p:cTn>
+                              </p:par>
+                              <p:par>
+                                <p:cTn id="8" presetID="10" presetClass="entr" presetSubtype="0" fill="hold" grpId="0" nodeType="withEffect">
+                                  <p:stCondLst>
+                                    <p:cond delay="0"/>
+                                  </p:stCondLst>
+                                  <p:childTnLst>
+                                    <p:set>
+                                      <p:cBhvr>
+                                        <p:cTn id="9" dur="1" fill="hold">
+                                          <p:stCondLst>
+                                            <p:cond delay="0"/>
+                                          </p:stCondLst>
+                                        </p:cTn>
+                                        <p:tgtEl>
+                                          <p:spTgt spid="7"/>
+                                        </p:tgtEl>
+                                        <p:attrNameLst>
+                                          <p:attrName>style.visibility</p:attrName>
+                                        </p:attrNameLst>
+                                      </p:cBhvr>
+                                      <p:to>
+                                        <p:strVal val="visible"/>
+                                      </p:to>
+                                    </p:set>
+                                    <p:animEffect transition="in" filter="fade">
+                                      <p:cBhvr>
+                                        <p:cTn id="10" dur="500"/>
+                                        <p:tgtEl>
+                                          <p:spTgt spid="7"/>
+                                        </p:tgtEl>
+                                      </p:cBhvr>
+                                    </p:animEffect>
+                                  </p:childTnLst>
+                                </p:cTn>
+                              </p:par>
+                            </p:childTnLst>
+                          </p:cTn>
+                        </p:par>
+                      </p:childTnLst>
+                    </p:cTn>
+                  </p:par>
+                </p:childTnLst>
+              </p:cTn>
+              <p:prevCondLst>
+                <p:cond evt="onPrev" delay="0">
+                  <p:tgtEl>
+                    <p:sldTgt/>
+                  </p:tgtEl>
+                </p:cond>
+              </p:prevCondLst>
+              <p:nextCondLst>
+                <p:cond evt="onNext" delay="0">
+                  <p:tgtEl>
+                    <p:sldTgt/>
+                  </p:tgtEl>
+                </p:cond>
+              </p:nextCondLst>
+            </p:seq>
+          </p:childTnLst>
+        </p:cTn>
+      </p:par>
+    </p:tnLst>
+    <p:bldLst>
+      <p:bldP spid="6" grpId="0" animBg="1"/>
+      <p:bldP spid="7" grpId="0" animBg="1"/>
+    </p:bldLst>
+  </p:timing>
 </p:sld>
 </file>
 
 <file path=ppt/tags/tag1.xml><?xml version="1.0" encoding="utf-8"?>
 <p:tagLst xmlns:a="http://schemas.openxmlformats.org/drawingml/2006/main" xmlns:r="http://schemas.openxmlformats.org/officeDocument/2006/relationships" xmlns:p="http://schemas.openxmlformats.org/presentationml/2006/main">
-  <p:tag name="TIMING" val="|34.3|9.5"/>
+  <p:tag name="TIMING" val="|33.2|14.6"/>
 </p:tagLst>
 </file>
 
 <file path=ppt/tags/tag2.xml><?xml version="1.0" encoding="utf-8"?>
 <p:tagLst xmlns:a="http://schemas.openxmlformats.org/drawingml/2006/main" xmlns:r="http://schemas.openxmlformats.org/officeDocument/2006/relationships" xmlns:p="http://schemas.openxmlformats.org/presentationml/2006/main">
-  <p:tag name="TIMING" val="|7.9|2.3|3.1"/>
+  <p:tag name="TIMING" val="|7.8|2.8|5.7"/>
 </p:tagLst>
 </file>
 
 <file path=ppt/tags/tag3.xml><?xml version="1.0" encoding="utf-8"?>
 <p:tagLst xmlns:a="http://schemas.openxmlformats.org/drawingml/2006/main" xmlns:r="http://schemas.openxmlformats.org/officeDocument/2006/relationships" xmlns:p="http://schemas.openxmlformats.org/presentationml/2006/main">
-  <p:tag name="TIMING" val="|8.6|1.6|8.2"/>
+  <p:tag name="TIMING" val="|8.3|2.6|29.3"/>
 </p:tagLst>
 </file>
 
 <file path=ppt/tags/tag4.xml><?xml version="1.0" encoding="utf-8"?>
 <p:tagLst xmlns:a="http://schemas.openxmlformats.org/drawingml/2006/main" xmlns:r="http://schemas.openxmlformats.org/officeDocument/2006/relationships" xmlns:p="http://schemas.openxmlformats.org/presentationml/2006/main">
-  <p:tag name="TIMING" val="|5.7|3.8|6.2|16.7"/>
+  <p:tag name="TIMING" val="|4.6|3.3|4.3|18"/>
 </p:tagLst>
 </file>
 

--- a/Defensa/transparenciasDefensa.pptx
+++ b/Defensa/transparenciasDefensa.pptx
@@ -17674,8 +17674,8 @@
           <p:nvPr/>
         </p:nvSpPr>
         <p:spPr>
-          <a:xfrm rot="4777278">
-            <a:off x="1930712" y="2156017"/>
+          <a:xfrm rot="5065914">
+            <a:off x="1903817" y="2156017"/>
             <a:ext cx="1440936" cy="261610"/>
           </a:xfrm>
           <a:prstGeom prst="rect">
@@ -27082,7 +27082,7 @@
           </p:nvCxnSpPr>
           <p:spPr>
             <a:xfrm>
-              <a:off x="2501153" y="4066372"/>
+              <a:off x="2492188" y="4066372"/>
               <a:ext cx="582844" cy="0"/>
             </a:xfrm>
             <a:prstGeom prst="line">

--- a/Defensa/transparenciasDefensa.pptx
+++ b/Defensa/transparenciasDefensa.pptx
@@ -27871,7 +27871,7 @@
             </a:r>
             <a:r>
               <a:rPr lang="es-ES" dirty="0"/>
-              <a:t>mecanismo de decisión por el cual una célula decide dividirse o morir es desconocido.</a:t>
+              <a:t>mecanismo de decisión por el cual una célula decide dividirse o morir solo es conocido de manera parcial.</a:t>
             </a:r>
           </a:p>
           <a:p>
